--- a/usrguide/TITAN_change_log_7.1.pl0.pptx
+++ b/usrguide/TITAN_change_log_7.1.pl0.pptx
@@ -2,102 +2,101 @@
 <file path=ppt/presentation.xml><?xml version="1.0" encoding="utf-8"?>
 <p:presentation xmlns:a="http://schemas.openxmlformats.org/drawingml/2006/main" xmlns:r="http://schemas.openxmlformats.org/officeDocument/2006/relationships" xmlns:p="http://schemas.openxmlformats.org/presentationml/2006/main" embedTrueTypeFonts="1" saveSubsetFonts="1" bookmarkIdSeed="4">
   <p:sldMasterIdLst>
-    <p:sldMasterId id="2147483660" r:id="rId130"/>
+    <p:sldMasterId id="2147483660" r:id="rId128"/>
   </p:sldMasterIdLst>
   <p:notesMasterIdLst>
-    <p:notesMasterId r:id="rId192"/>
+    <p:notesMasterId r:id="rId189"/>
   </p:notesMasterIdLst>
   <p:handoutMasterIdLst>
-    <p:handoutMasterId r:id="rId193"/>
+    <p:handoutMasterId r:id="rId190"/>
   </p:handoutMasterIdLst>
   <p:sldIdLst>
-    <p:sldId id="271" r:id="rId131"/>
-    <p:sldId id="270" r:id="rId132"/>
-    <p:sldId id="273" r:id="rId133"/>
-    <p:sldId id="287" r:id="rId134"/>
-    <p:sldId id="274" r:id="rId135"/>
-    <p:sldId id="276" r:id="rId136"/>
-    <p:sldId id="288" r:id="rId137"/>
-    <p:sldId id="277" r:id="rId138"/>
-    <p:sldId id="281" r:id="rId139"/>
-    <p:sldId id="289" r:id="rId140"/>
-    <p:sldId id="290" r:id="rId141"/>
-    <p:sldId id="291" r:id="rId142"/>
-    <p:sldId id="292" r:id="rId143"/>
-    <p:sldId id="293" r:id="rId144"/>
-    <p:sldId id="294" r:id="rId145"/>
-    <p:sldId id="295" r:id="rId146"/>
-    <p:sldId id="296" r:id="rId147"/>
-    <p:sldId id="297" r:id="rId148"/>
-    <p:sldId id="298" r:id="rId149"/>
-    <p:sldId id="278" r:id="rId150"/>
-    <p:sldId id="299" r:id="rId151"/>
-    <p:sldId id="300" r:id="rId152"/>
-    <p:sldId id="301" r:id="rId153"/>
-    <p:sldId id="279" r:id="rId154"/>
-    <p:sldId id="304" r:id="rId155"/>
-    <p:sldId id="305" r:id="rId156"/>
-    <p:sldId id="306" r:id="rId157"/>
-    <p:sldId id="307" r:id="rId158"/>
-    <p:sldId id="308" r:id="rId159"/>
-    <p:sldId id="309" r:id="rId160"/>
-    <p:sldId id="310" r:id="rId161"/>
-    <p:sldId id="311" r:id="rId162"/>
-    <p:sldId id="312" r:id="rId163"/>
-    <p:sldId id="313" r:id="rId164"/>
-    <p:sldId id="314" r:id="rId165"/>
-    <p:sldId id="315" r:id="rId166"/>
-    <p:sldId id="316" r:id="rId167"/>
-    <p:sldId id="317" r:id="rId168"/>
-    <p:sldId id="318" r:id="rId169"/>
-    <p:sldId id="319" r:id="rId170"/>
-    <p:sldId id="320" r:id="rId171"/>
-    <p:sldId id="321" r:id="rId172"/>
-    <p:sldId id="322" r:id="rId173"/>
-    <p:sldId id="323" r:id="rId174"/>
-    <p:sldId id="324" r:id="rId175"/>
-    <p:sldId id="325" r:id="rId176"/>
-    <p:sldId id="326" r:id="rId177"/>
-    <p:sldId id="327" r:id="rId178"/>
-    <p:sldId id="328" r:id="rId179"/>
-    <p:sldId id="329" r:id="rId180"/>
-    <p:sldId id="330" r:id="rId181"/>
-    <p:sldId id="331" r:id="rId182"/>
-    <p:sldId id="332" r:id="rId183"/>
-    <p:sldId id="333" r:id="rId184"/>
-    <p:sldId id="282" r:id="rId185"/>
-    <p:sldId id="283" r:id="rId186"/>
-    <p:sldId id="284" r:id="rId187"/>
-    <p:sldId id="285" r:id="rId188"/>
-    <p:sldId id="286" r:id="rId189"/>
-    <p:sldId id="272" r:id="rId190"/>
-    <p:sldId id="261" r:id="rId191"/>
+    <p:sldId id="271" r:id="rId129"/>
+    <p:sldId id="270" r:id="rId130"/>
+    <p:sldId id="273" r:id="rId131"/>
+    <p:sldId id="287" r:id="rId132"/>
+    <p:sldId id="274" r:id="rId133"/>
+    <p:sldId id="276" r:id="rId134"/>
+    <p:sldId id="288" r:id="rId135"/>
+    <p:sldId id="277" r:id="rId136"/>
+    <p:sldId id="281" r:id="rId137"/>
+    <p:sldId id="289" r:id="rId138"/>
+    <p:sldId id="290" r:id="rId139"/>
+    <p:sldId id="291" r:id="rId140"/>
+    <p:sldId id="292" r:id="rId141"/>
+    <p:sldId id="293" r:id="rId142"/>
+    <p:sldId id="294" r:id="rId143"/>
+    <p:sldId id="295" r:id="rId144"/>
+    <p:sldId id="296" r:id="rId145"/>
+    <p:sldId id="297" r:id="rId146"/>
+    <p:sldId id="298" r:id="rId147"/>
+    <p:sldId id="299" r:id="rId148"/>
+    <p:sldId id="300" r:id="rId149"/>
+    <p:sldId id="301" r:id="rId150"/>
+    <p:sldId id="279" r:id="rId151"/>
+    <p:sldId id="304" r:id="rId152"/>
+    <p:sldId id="305" r:id="rId153"/>
+    <p:sldId id="306" r:id="rId154"/>
+    <p:sldId id="307" r:id="rId155"/>
+    <p:sldId id="308" r:id="rId156"/>
+    <p:sldId id="309" r:id="rId157"/>
+    <p:sldId id="310" r:id="rId158"/>
+    <p:sldId id="311" r:id="rId159"/>
+    <p:sldId id="312" r:id="rId160"/>
+    <p:sldId id="313" r:id="rId161"/>
+    <p:sldId id="314" r:id="rId162"/>
+    <p:sldId id="315" r:id="rId163"/>
+    <p:sldId id="316" r:id="rId164"/>
+    <p:sldId id="317" r:id="rId165"/>
+    <p:sldId id="318" r:id="rId166"/>
+    <p:sldId id="319" r:id="rId167"/>
+    <p:sldId id="320" r:id="rId168"/>
+    <p:sldId id="321" r:id="rId169"/>
+    <p:sldId id="322" r:id="rId170"/>
+    <p:sldId id="323" r:id="rId171"/>
+    <p:sldId id="324" r:id="rId172"/>
+    <p:sldId id="325" r:id="rId173"/>
+    <p:sldId id="326" r:id="rId174"/>
+    <p:sldId id="327" r:id="rId175"/>
+    <p:sldId id="328" r:id="rId176"/>
+    <p:sldId id="329" r:id="rId177"/>
+    <p:sldId id="330" r:id="rId178"/>
+    <p:sldId id="331" r:id="rId179"/>
+    <p:sldId id="332" r:id="rId180"/>
+    <p:sldId id="333" r:id="rId181"/>
+    <p:sldId id="282" r:id="rId182"/>
+    <p:sldId id="283" r:id="rId183"/>
+    <p:sldId id="284" r:id="rId184"/>
+    <p:sldId id="285" r:id="rId185"/>
+    <p:sldId id="286" r:id="rId186"/>
+    <p:sldId id="272" r:id="rId187"/>
+    <p:sldId id="261" r:id="rId188"/>
   </p:sldIdLst>
   <p:sldSz cx="12192000" cy="6858000"/>
   <p:notesSz cx="6858000" cy="9144000"/>
   <p:embeddedFontLst>
     <p:embeddedFont>
       <p:font typeface="Calibri" panose="020F0502020204030204" pitchFamily="34" charset="0"/>
-      <p:regular r:id="rId194"/>
-      <p:bold r:id="rId195"/>
-      <p:italic r:id="rId196"/>
-      <p:boldItalic r:id="rId197"/>
+      <p:regular r:id="rId191"/>
+      <p:bold r:id="rId192"/>
+      <p:italic r:id="rId193"/>
+      <p:boldItalic r:id="rId194"/>
     </p:embeddedFont>
     <p:embeddedFont>
       <p:font typeface="Ericsson Hilda" panose="00000500000000000000" pitchFamily="2" charset="0"/>
-      <p:regular r:id="rId198"/>
-      <p:bold r:id="rId199"/>
+      <p:regular r:id="rId195"/>
+      <p:bold r:id="rId196"/>
     </p:embeddedFont>
     <p:embeddedFont>
       <p:font typeface="Ericsson Hilda Light" panose="00000400000000000000" pitchFamily="2" charset="0"/>
-      <p:regular r:id="rId200"/>
+      <p:regular r:id="rId197"/>
     </p:embeddedFont>
     <p:embeddedFont>
       <p:font typeface="Ericsson Technical Icons" panose="00000500000000000000" pitchFamily="2" charset="0"/>
-      <p:regular r:id="rId201"/>
-      <p:bold r:id="rId202"/>
-      <p:italic r:id="rId203"/>
-      <p:boldItalic r:id="rId204"/>
+      <p:regular r:id="rId198"/>
+      <p:bold r:id="rId199"/>
+      <p:italic r:id="rId200"/>
+      <p:boldItalic r:id="rId201"/>
     </p:embeddedFont>
   </p:embeddedFontLst>
   <p:defaultTextStyle>
@@ -809,7 +808,7 @@
           <a:p>
             <a:fld id="{1A9966BF-A434-4BC2-9969-A0AE8B068B9B}" type="slidenum">
               <a:rPr lang="en-GB" smtClean="0"/>
-              <a:t>61</a:t>
+              <a:t>60</a:t>
             </a:fld>
             <a:endParaRPr lang="en-GB" dirty="0"/>
           </a:p>
@@ -1162,7 +1161,7 @@
               </a:rPr>
               <a:t>  |  EKRISZA Kristóf Szabados  |  PA1  |  2020-05-26  |  Open  |  Page </a:t>
             </a:r>
-            <a:fld id="{1CC9E179-A13F-4F08-BD66-EF177E25A597}" type="slidenum">
+            <a:fld id="{EAF2B4A8-355A-4092-A232-3D8868BE77C8}" type="slidenum">
               <a:rPr lang="en-US" sz="800" b="0" i="0" u="none" smtClean="0">
                 <a:solidFill>
                   <a:srgbClr val="1A1816"/>
@@ -1655,7 +1654,7 @@
               </a:rPr>
               <a:t>  |  EKRISZA Kristóf Szabados  |  PA1  |  2020-05-26  |  Open  |  Page </a:t>
             </a:r>
-            <a:fld id="{8901AA6B-3217-4E80-AEF1-046185F3256C}" type="slidenum">
+            <a:fld id="{F9A93DEE-00BF-44DB-A5E8-2CC1E3A56056}" type="slidenum">
               <a:rPr lang="en-US" sz="800" b="0" i="0" u="none" smtClean="0">
                 <a:solidFill>
                   <a:schemeClr val="bg1"/>
@@ -1956,7 +1955,7 @@
               </a:rPr>
               <a:t>  |  EKRISZA Kristóf Szabados  |  PA1  |  2020-05-26  |  Open  |  Page </a:t>
             </a:r>
-            <a:fld id="{6070B75D-E494-4637-9B6D-88E676F3B57A}" type="slidenum">
+            <a:fld id="{F83342EF-CA92-412B-8306-ABFD3F8C1B7E}" type="slidenum">
               <a:rPr lang="en-US" sz="800" b="0" i="0" u="none" smtClean="0">
                 <a:solidFill>
                   <a:srgbClr val="1A1816"/>
@@ -2183,7 +2182,7 @@
               </a:rPr>
               <a:t>  |  EKRISZA Kristóf Szabados  |  PA1  |  2020-05-26  |  Open  |  Page </a:t>
             </a:r>
-            <a:fld id="{CED496DC-A59D-47A8-8A04-43925372EABB}" type="slidenum">
+            <a:fld id="{EB3F0960-EC9C-4B26-A7E0-F8D6F932762C}" type="slidenum">
               <a:rPr lang="en-US" sz="800" b="0" i="0" u="none" smtClean="0">
                 <a:solidFill>
                   <a:srgbClr val="1A1816"/>
@@ -2352,7 +2351,7 @@
               </a:rPr>
               <a:t>  |  EKRISZA Kristóf Szabados  |  PA1  |  2020-05-26  |  Open  |  Page </a:t>
             </a:r>
-            <a:fld id="{A5AE771F-C9C6-4BAC-8781-067851615E15}" type="slidenum">
+            <a:fld id="{49A76B3F-5257-482B-B827-302BFD711025}" type="slidenum">
               <a:rPr lang="en-US" sz="800" b="0" i="0" u="none" smtClean="0">
                 <a:solidFill>
                   <a:srgbClr val="1A1816"/>
@@ -2568,7 +2567,7 @@
               </a:rPr>
               <a:t>  |  EKRISZA Kristóf Szabados  |  PA1  |  2020-05-26  |  Open  |  Page </a:t>
             </a:r>
-            <a:fld id="{7EC895E6-FB8A-4FBC-AF00-C05F633FA5B4}" type="slidenum">
+            <a:fld id="{C7752E7F-F634-40CA-85BC-211C21F79AD3}" type="slidenum">
               <a:rPr lang="en-US" sz="800" b="0" i="0" u="none" smtClean="0">
                 <a:solidFill>
                   <a:srgbClr val="1A1816"/>
@@ -2876,7 +2875,7 @@
               </a:rPr>
               <a:t>  |  EKRISZA Kristóf Szabados  |  PA1  |  2020-05-26  |  Open  |  Page </a:t>
             </a:r>
-            <a:fld id="{1679D802-978A-4FF5-81DE-2F772477602B}" type="slidenum">
+            <a:fld id="{A2C985A0-562B-4144-B3C7-AB554A593DD4}" type="slidenum">
               <a:rPr lang="en-US" sz="800" b="0" i="0" u="none" smtClean="0">
                 <a:solidFill>
                   <a:schemeClr val="bg1"/>
@@ -3184,7 +3183,7 @@
               </a:rPr>
               <a:t>  |  EKRISZA Kristóf Szabados  |  PA1  |  2020-05-26  |  Open  |  Page </a:t>
             </a:r>
-            <a:fld id="{5300E554-889C-4223-A868-BF93F1884114}" type="slidenum">
+            <a:fld id="{2B1D3849-BF5D-4D7D-B8B0-DAAF0FD16D01}" type="slidenum">
               <a:rPr lang="en-US" sz="800" b="0" i="0" u="none" smtClean="0">
                 <a:solidFill>
                   <a:schemeClr val="bg1"/>
@@ -3492,7 +3491,7 @@
               </a:rPr>
               <a:t>  |  EKRISZA Kristóf Szabados  |  PA1  |  2020-05-26  |  Open  |  Page </a:t>
             </a:r>
-            <a:fld id="{373F46B3-57A3-40B7-8B35-1277894B1AD6}" type="slidenum">
+            <a:fld id="{CB037741-409E-4969-879A-9570193C027C}" type="slidenum">
               <a:rPr lang="en-US" sz="800" b="0" i="0" u="none" smtClean="0">
                 <a:solidFill>
                   <a:schemeClr val="bg1"/>
@@ -3800,7 +3799,7 @@
               </a:rPr>
               <a:t>  |  EKRISZA Kristóf Szabados  |  PA1  |  2020-05-26  |  Open  |  Page </a:t>
             </a:r>
-            <a:fld id="{D784CB1C-ED7F-4231-A6D7-8B4BEEFEEB89}" type="slidenum">
+            <a:fld id="{007C8608-6EC1-4ABC-807F-4BF13D41D44C}" type="slidenum">
               <a:rPr lang="en-US" sz="800" b="0" i="0" u="none" smtClean="0">
                 <a:solidFill>
                   <a:schemeClr val="bg1"/>
@@ -4108,7 +4107,7 @@
               </a:rPr>
               <a:t>  |  EKRISZA Kristóf Szabados  |  PA1  |  2020-05-26  |  Open  |  Page </a:t>
             </a:r>
-            <a:fld id="{ED9242C5-9090-4AF8-A2B5-9F5854210D53}" type="slidenum">
+            <a:fld id="{D1C606A2-FDBC-46D4-9A1D-2F20FA2DA123}" type="slidenum">
               <a:rPr lang="en-US" sz="800" b="0" i="0" u="none" smtClean="0">
                 <a:solidFill>
                   <a:schemeClr val="bg1"/>
@@ -4628,7 +4627,7 @@
               </a:rPr>
               <a:t>  |  EKRISZA Kristóf Szabados  |  PA1  |  2020-05-26  |  Open  |  Page </a:t>
             </a:r>
-            <a:fld id="{B9AD883C-FE2C-4240-B849-55ED5AC3DC5B}" type="slidenum">
+            <a:fld id="{4A0F0757-0FD7-496C-892E-D163665F81BC}" type="slidenum">
               <a:rPr lang="en-US" sz="800" b="0" i="0" u="none" smtClean="0">
                 <a:solidFill>
                   <a:schemeClr val="bg1"/>
@@ -4942,7 +4941,7 @@
               </a:rPr>
               <a:t>  |  EKRISZA Kristóf Szabados  |  PA1  |  2020-05-26  |  Open  |  Page </a:t>
             </a:r>
-            <a:fld id="{DD91CBB9-86FF-483A-B8EF-53978AB16B00}" type="slidenum">
+            <a:fld id="{A915CB14-5409-4F82-9880-3AD5B24230CD}" type="slidenum">
               <a:rPr lang="en-US" sz="800" b="0" i="0" u="none" smtClean="0">
                 <a:solidFill>
                   <a:schemeClr val="bg1"/>
@@ -5250,7 +5249,7 @@
               </a:rPr>
               <a:t>  |  EKRISZA Kristóf Szabados  |  PA1  |  2020-05-26  |  Open  |  Page </a:t>
             </a:r>
-            <a:fld id="{15B0189F-247E-435D-B4A8-F2201B489C38}" type="slidenum">
+            <a:fld id="{E0C1D3D4-71A0-4FAA-86C8-366092764336}" type="slidenum">
               <a:rPr lang="en-US" sz="800" b="0" i="0" u="none" smtClean="0">
                 <a:solidFill>
                   <a:schemeClr val="bg1"/>
@@ -5552,7 +5551,7 @@
               </a:rPr>
               <a:t>  |  EKRISZA Kristóf Szabados  |  PA1  |  2020-05-26  |  Open  |  Page </a:t>
             </a:r>
-            <a:fld id="{4F49F2D8-64D3-4C7B-AAC3-322ACD0962BB}" type="slidenum">
+            <a:fld id="{C552C5A6-65BB-4272-9097-0222F399D0A4}" type="slidenum">
               <a:rPr lang="en-US" sz="800" b="0" i="0" u="none" smtClean="0">
                 <a:solidFill>
                   <a:srgbClr val="1A1816"/>
@@ -5853,7 +5852,7 @@
               </a:rPr>
               <a:t>  |  EKRISZA Kristóf Szabados  |  PA1  |  2020-05-26  |  Open  |  Page </a:t>
             </a:r>
-            <a:fld id="{523D5C8D-96E4-497E-BE19-C6005F63EEBB}" type="slidenum">
+            <a:fld id="{FDF84A07-2B7F-4BAE-97DF-827A21EA7FA4}" type="slidenum">
               <a:rPr lang="en-US" sz="800" b="0" i="0" u="none" smtClean="0">
                 <a:solidFill>
                   <a:srgbClr val="1A1816"/>
@@ -6160,7 +6159,7 @@
               </a:rPr>
               <a:t>  |  EKRISZA Kristóf Szabados  |  PA1  |  2020-05-26  |  Open  |  Page </a:t>
             </a:r>
-            <a:fld id="{57E44641-7BD0-46A6-BBAC-BDA2CCA75656}" type="slidenum">
+            <a:fld id="{E810D5F8-0850-4DB3-B1A8-94F8AB345EA4}" type="slidenum">
               <a:rPr lang="en-US" sz="800" b="0" i="0" u="none" smtClean="0">
                 <a:solidFill>
                   <a:srgbClr val="1A1816"/>
@@ -6462,7 +6461,7 @@
               </a:rPr>
               <a:t>  |  EKRISZA Kristóf Szabados  |  PA1  |  2020-05-26  |  Open  |  Page </a:t>
             </a:r>
-            <a:fld id="{DEA4A58D-8292-4C32-94DE-D5B71C8163AB}" type="slidenum">
+            <a:fld id="{4F50F49B-913D-4C9A-9884-F2873B6FB09A}" type="slidenum">
               <a:rPr lang="en-US" sz="800" b="0" i="0" u="none" smtClean="0">
                 <a:solidFill>
                   <a:srgbClr val="1A1816"/>
@@ -6800,7 +6799,7 @@
               </a:rPr>
               <a:t>  |  EKRISZA Kristóf Szabados  |  PA1  |  2020-05-26  |  Open  |  Page </a:t>
             </a:r>
-            <a:fld id="{1EE10C3E-D261-4F8D-B955-BC8F858A2C7B}" type="slidenum">
+            <a:fld id="{9EA2C18D-4EFE-41DC-8524-7DFB206C365B}" type="slidenum">
               <a:rPr lang="en-US" sz="800" b="0" i="0" u="none" smtClean="0">
                 <a:solidFill>
                   <a:srgbClr val="1A1816"/>
@@ -7102,7 +7101,7 @@
               </a:rPr>
               <a:t>  |  EKRISZA Kristóf Szabados  |  PA1  |  2020-05-26  |  Open  |  Page </a:t>
             </a:r>
-            <a:fld id="{A01C80EB-9E11-4D88-A3F4-3C92CDBE6CE0}" type="slidenum">
+            <a:fld id="{F445A179-9687-4FF6-BC3F-6B80B7296444}" type="slidenum">
               <a:rPr lang="en-US" sz="800" b="0" i="0" u="none" smtClean="0">
                 <a:solidFill>
                   <a:srgbClr val="1A1816"/>
@@ -7440,7 +7439,7 @@
               </a:rPr>
               <a:t>  |  EKRISZA Kristóf Szabados  |  PA1  |  2020-05-26  |  Open  |  Page </a:t>
             </a:r>
-            <a:fld id="{5221786A-E8CA-4CFE-B38D-8C22B485594D}" type="slidenum">
+            <a:fld id="{2479D98B-8E18-46D3-8AEC-105939E9046C}" type="slidenum">
               <a:rPr lang="en-US" sz="800" b="0" i="0" u="none" smtClean="0">
                 <a:solidFill>
                   <a:srgbClr val="1A1816"/>
@@ -7822,7 +7821,7 @@
               </a:rPr>
               <a:t>  |  EKRISZA Kristóf Szabados  |  PA1  |  2020-05-26  |  Open  |  Page </a:t>
             </a:r>
-            <a:fld id="{41CD620C-9F72-4861-B8D0-847114F08BCF}" type="slidenum">
+            <a:fld id="{A3E2DB94-C960-455A-8D0F-A05584F704D7}" type="slidenum">
               <a:rPr lang="en-US" sz="800" b="0" i="0" u="none" smtClean="0">
                 <a:solidFill>
                   <a:srgbClr val="1A1816"/>
@@ -8164,7 +8163,7 @@
               </a:rPr>
               <a:t>  |  EKRISZA Kristóf Szabados  |  PA1  |  2020-05-26  |  Open  |  Page </a:t>
             </a:r>
-            <a:fld id="{14522455-52EA-4ED4-BD97-4972CE467E0E}" type="slidenum">
+            <a:fld id="{C851A4AD-D1D0-4918-8DB2-FD58DBCE6F59}" type="slidenum">
               <a:rPr lang="en-US" sz="800" b="0" i="0" u="none" smtClean="0">
                 <a:solidFill>
                   <a:srgbClr val="1A1816"/>
@@ -8531,7 +8530,7 @@
               </a:rPr>
               <a:t>  |  EKRISZA Kristóf Szabados  |  PA1  |  2020-05-26  |  Open  |  Page </a:t>
             </a:r>
-            <a:fld id="{F7C66D78-E73C-4328-9F63-124277A72761}" type="slidenum">
+            <a:fld id="{3E70EAD6-2C44-45B0-A3C8-5434A521E7C7}" type="slidenum">
               <a:rPr lang="en-US" sz="800" b="0" i="0" u="none" smtClean="0">
                 <a:solidFill>
                   <a:srgbClr val="1A1816"/>
@@ -8913,7 +8912,7 @@
               </a:rPr>
               <a:t>  |  EKRISZA Kristóf Szabados  |  PA1  |  2020-05-26  |  Open  |  Page </a:t>
             </a:r>
-            <a:fld id="{213BB38C-A628-41AB-B1B7-FC8C414DF2AF}" type="slidenum">
+            <a:fld id="{C69F79DC-7625-4F40-A964-DFF4475C1A8B}" type="slidenum">
               <a:rPr lang="en-US" sz="800" b="0" i="0" u="none" smtClean="0">
                 <a:solidFill>
                   <a:srgbClr val="1A1816"/>
@@ -9295,7 +9294,7 @@
               </a:rPr>
               <a:t>  |  EKRISZA Kristóf Szabados  |  PA1  |  2020-05-26  |  Open  |  Page </a:t>
             </a:r>
-            <a:fld id="{23DD8562-AB42-4235-9A27-EDC6B5D52690}" type="slidenum">
+            <a:fld id="{943870A7-5875-4216-A100-051E4FD560A4}" type="slidenum">
               <a:rPr lang="en-US" sz="800" b="0" i="0" u="none" smtClean="0">
                 <a:solidFill>
                   <a:srgbClr val="1A1816"/>
@@ -9677,7 +9676,7 @@
               </a:rPr>
               <a:t>  |  EKRISZA Kristóf Szabados  |  PA1  |  2020-05-26  |  Open  |  Page </a:t>
             </a:r>
-            <a:fld id="{823CE21A-5B1E-468D-8F1D-9554BD97CF60}" type="slidenum">
+            <a:fld id="{999EEBBB-817C-4BDD-BEFE-5A0AED593B13}" type="slidenum">
               <a:rPr lang="en-US" sz="800" b="0" i="0" u="none" smtClean="0">
                 <a:solidFill>
                   <a:srgbClr val="1A1816"/>
@@ -10059,7 +10058,7 @@
               </a:rPr>
               <a:t>  |  EKRISZA Kristóf Szabados  |  PA1  |  2020-05-26  |  Open  |  Page </a:t>
             </a:r>
-            <a:fld id="{F6A52369-E95B-4A89-8D23-1DA2741310C5}" type="slidenum">
+            <a:fld id="{FFEE73E0-217A-4B72-B276-3A537C151F43}" type="slidenum">
               <a:rPr lang="en-US" sz="800" b="0" i="0" u="none" smtClean="0">
                 <a:solidFill>
                   <a:srgbClr val="1A1816"/>
@@ -10503,7 +10502,7 @@
               </a:rPr>
               <a:t>  |  EKRISZA Kristóf Szabados  |  PA1  |  2020-05-26  |  Open  |  Page </a:t>
             </a:r>
-            <a:fld id="{973A4B3C-3015-4E72-A2FA-7B8408741F9B}" type="slidenum">
+            <a:fld id="{73E0B9B7-BCA2-4EB7-977F-DD53B318897B}" type="slidenum">
               <a:rPr lang="en-US" sz="800" b="0" i="0" u="none" smtClean="0">
                 <a:solidFill>
                   <a:srgbClr val="1A1816"/>
@@ -10941,7 +10940,7 @@
               </a:rPr>
               <a:t>  |  EKRISZA Kristóf Szabados  |  PA1  |  2020-05-26  |  Open  |  Page </a:t>
             </a:r>
-            <a:fld id="{19E8622B-BA58-476D-9F50-F5965045C68B}" type="slidenum">
+            <a:fld id="{3CCAFF88-93C0-4668-BDCC-5B42CABE2EB6}" type="slidenum">
               <a:rPr lang="en-US" sz="800" b="0" i="0" u="none" smtClean="0">
                 <a:solidFill>
                   <a:srgbClr val="1A1816"/>
@@ -11442,7 +11441,7 @@
               </a:rPr>
               <a:t>  |  EKRISZA Kristóf Szabados  |  PA1  |  2020-05-26  |  Open  |  Page </a:t>
             </a:r>
-            <a:fld id="{94BF15A5-8E24-46F2-A9CE-6B7F486D314A}" type="slidenum">
+            <a:fld id="{D7CD29BB-635F-4550-8769-01DCAA5E021C}" type="slidenum">
               <a:rPr lang="en-US" sz="800" b="0" i="0" u="none" smtClean="0">
                 <a:solidFill>
                   <a:srgbClr val="1A1816"/>
@@ -11956,7 +11955,7 @@
               </a:rPr>
               <a:t>  |  EKRISZA Kristóf Szabados  |  PA1  |  2020-05-26  |  Open  |  Page </a:t>
             </a:r>
-            <a:fld id="{7657DF08-DBC5-42FF-80C1-0687EA9F3949}" type="slidenum">
+            <a:fld id="{BFA7DC82-A9A1-4C9E-8756-CAA42FA29F8A}" type="slidenum">
               <a:rPr lang="en-US" sz="800" b="0" i="0" u="none" smtClean="0">
                 <a:solidFill>
                   <a:srgbClr val="1A1816"/>
@@ -12434,7 +12433,7 @@
               </a:rPr>
               <a:t>  |  EKRISZA Kristóf Szabados  |  PA1  |  2020-05-26  |  Open  |  Page </a:t>
             </a:r>
-            <a:fld id="{3E1F70F8-C3DA-460A-BE9D-2F0AD4BE744B}" type="slidenum">
+            <a:fld id="{83912326-A2D0-47E9-9E9C-4831B169C3A6}" type="slidenum">
               <a:rPr lang="en-US" sz="800" b="0" i="0" u="none" smtClean="0">
                 <a:solidFill>
                   <a:srgbClr val="1A1816"/>
@@ -12821,7 +12820,7 @@
               </a:rPr>
               <a:t>  |  EKRISZA Kristóf Szabados  |  PA1  |  2020-05-26  |  Open  |  Page </a:t>
             </a:r>
-            <a:fld id="{BAC5BFDC-F4D5-4FE6-82D4-B5C2F3E2E79A}" type="slidenum">
+            <a:fld id="{8826C31F-5442-498E-AFD5-516A61EDB3CF}" type="slidenum">
               <a:rPr lang="en-US" sz="800" b="0" i="0" u="none" smtClean="0">
                 <a:solidFill>
                   <a:schemeClr val="bg1"/>
@@ -13370,7 +13369,7 @@
               </a:rPr>
               <a:t>  |  EKRISZA Kristóf Szabados  |  PA1  |  2020-05-26  |  Open  |  Page </a:t>
             </a:r>
-            <a:fld id="{2094474C-811D-450C-84D1-F611E623E974}" type="slidenum">
+            <a:fld id="{42DC2FA4-5A65-4463-9D15-CD11C3DFD932}" type="slidenum">
               <a:rPr lang="en-US" sz="800" b="0" i="0" u="none" smtClean="0">
                 <a:solidFill>
                   <a:srgbClr val="1A1816"/>
@@ -14113,7 +14112,7 @@
               </a:rPr>
               <a:t>  |  EKRISZA Kristóf Szabados  |  PA1  |  2020-05-26  |  Open  |  Page </a:t>
             </a:r>
-            <a:fld id="{9300F9FA-087E-4043-BA86-26FC7D7F7EAD}" type="slidenum">
+            <a:fld id="{A6DFEEC6-FB03-4A0B-B9FC-070682C9D0B2}" type="slidenum">
               <a:rPr lang="en-US" sz="800" b="0" i="0" u="none" smtClean="0">
                 <a:solidFill>
                   <a:srgbClr val="1A1816"/>
@@ -15469,7 +15468,7 @@
               </a:rPr>
               <a:t>  |  EKRISZA Kristóf Szabados  |  PA1  |  2020-05-26  |  Open  |  Page </a:t>
             </a:r>
-            <a:fld id="{5C26DD4A-4CFF-4265-A01B-557B044A755A}" type="slidenum">
+            <a:fld id="{390EE3BC-1091-4BE9-B979-1515727D27FB}" type="slidenum">
               <a:rPr lang="en-US" sz="800" b="0" i="0" u="none" smtClean="0">
                 <a:solidFill>
                   <a:schemeClr val="bg1"/>
@@ -15969,7 +15968,7 @@
               </a:rPr>
               <a:t>  |  EKRISZA Kristóf Szabados  |  PA1  |  2020-05-26  |  Open  |  Page </a:t>
             </a:r>
-            <a:fld id="{A1715FEF-0B05-4093-B6BE-9FD47F8E9B7A}" type="slidenum">
+            <a:fld id="{0269905C-8EA2-4D79-8BC0-707B8E3143D3}" type="slidenum">
               <a:rPr lang="en-US" sz="800" b="0" i="0" u="none" smtClean="0">
                 <a:solidFill>
                   <a:schemeClr val="bg1"/>
@@ -16352,7 +16351,7 @@
               </a:rPr>
               <a:t>  |  EKRISZA Kristóf Szabados  |  PA1  |  2020-05-26  |  Open  |  Page </a:t>
             </a:r>
-            <a:fld id="{1EDC6C78-9E43-4693-99EE-841321C22314}" type="slidenum">
+            <a:fld id="{ACCD9910-95DC-4358-88CA-6E4174D2B17C}" type="slidenum">
               <a:rPr lang="en-US" sz="800" b="0" i="0" u="none" smtClean="0">
                 <a:solidFill>
                   <a:schemeClr val="bg1"/>
@@ -16840,7 +16839,7 @@
               </a:rPr>
               <a:t>  |  EKRISZA Kristóf Szabados  |  PA1  |  2020-05-26  |  Open  |  Page </a:t>
             </a:r>
-            <a:fld id="{3E26C658-6B36-4662-88B7-B1E38E593620}" type="slidenum">
+            <a:fld id="{F9018A5F-1AD8-4A11-A295-C5F39E96A8E7}" type="slidenum">
               <a:rPr lang="en-US" sz="800" b="0" i="0" u="none" smtClean="0">
                 <a:solidFill>
                   <a:schemeClr val="bg1"/>
@@ -17328,7 +17327,7 @@
               </a:rPr>
               <a:t>  |  EKRISZA Kristóf Szabados  |  PA1  |  2020-05-26  |  Open  |  Page </a:t>
             </a:r>
-            <a:fld id="{364EE2FB-EA27-4445-924E-8B09AB17ECF1}" type="slidenum">
+            <a:fld id="{F3651960-B8BC-4976-803B-4745DBA2B315}" type="slidenum">
               <a:rPr lang="en-US" sz="800" b="0" i="0" u="none" smtClean="0">
                 <a:solidFill>
                   <a:schemeClr val="bg1"/>
@@ -19841,7 +19840,7 @@
 </file>
 
 <file path=ppt/slides/slide20.xml><?xml version="1.0" encoding="utf-8"?>
-<p:sld xmlns:a="http://schemas.openxmlformats.org/drawingml/2006/main" xmlns:r="http://schemas.openxmlformats.org/officeDocument/2006/relationships" xmlns:p="http://schemas.openxmlformats.org/presentationml/2006/main" show="0">
+<p:sld xmlns:a="http://schemas.openxmlformats.org/drawingml/2006/main" xmlns:r="http://schemas.openxmlformats.org/officeDocument/2006/relationships" xmlns:p="http://schemas.openxmlformats.org/presentationml/2006/main">
   <p:cSld>
     <p:spTree>
       <p:nvGrpSpPr>
@@ -19880,7 +19879,7 @@
           <a:p>
             <a:r>
               <a:rPr lang="en-US" dirty="0"/>
-              <a:t>Details of features in Progress</a:t>
+              <a:t>Details of backward incompatible changes</a:t>
             </a:r>
           </a:p>
         </p:txBody>
@@ -19917,7 +19916,7 @@
     </p:custDataLst>
     <p:extLst>
       <p:ext uri="{BB962C8B-B14F-4D97-AF65-F5344CB8AC3E}">
-        <p14:creationId xmlns:p14="http://schemas.microsoft.com/office/powerpoint/2010/main" val="3629654589"/>
+        <p14:creationId xmlns:p14="http://schemas.microsoft.com/office/powerpoint/2010/main" val="625104063"/>
       </p:ext>
     </p:extLst>
   </p:cSld>
@@ -19966,8 +19965,14 @@
           <a:lstStyle/>
           <a:p>
             <a:r>
-              <a:rPr lang="en-US" dirty="0"/>
-              <a:t>Details of backward incompatible changes</a:t>
+              <a:rPr lang="en-US" dirty="0">
+                <a:hlinkClick r:id="rId4"/>
+              </a:rPr>
+              <a:t>BUG 559422 </a:t>
+            </a:r>
+            <a:r>
+              <a:rPr lang="en-US" dirty="0"/>
+              <a:t>- 'omit' matching mechanism shouldn't be allowed for union fields</a:t>
             </a:r>
           </a:p>
         </p:txBody>
@@ -19993,7 +19998,218 @@
           <a:bodyPr/>
           <a:lstStyle/>
           <a:p>
-            <a:endParaRPr lang="en-US" dirty="0"/>
+            <a:pPr marL="0" indent="0">
+              <a:buNone/>
+            </a:pPr>
+            <a:r>
+              <a:rPr lang="en-US" sz="1050" dirty="0"/>
+              <a:t>Example:</a:t>
+            </a:r>
+          </a:p>
+          <a:p>
+            <a:pPr marL="0" indent="0">
+              <a:buNone/>
+            </a:pPr>
+            <a:r>
+              <a:rPr lang="en-US" sz="1050" dirty="0"/>
+              <a:t>module </a:t>
+            </a:r>
+            <a:r>
+              <a:rPr lang="en-US" sz="1050" dirty="0" err="1"/>
+              <a:t>UnionAndOmitBug</a:t>
+            </a:r>
+            <a:r>
+              <a:rPr lang="en-US" sz="1050" dirty="0"/>
+              <a:t> {</a:t>
+            </a:r>
+          </a:p>
+          <a:p>
+            <a:pPr marL="0" indent="0">
+              <a:buNone/>
+            </a:pPr>
+            <a:r>
+              <a:rPr lang="en-US" sz="1050" dirty="0"/>
+              <a:t>type component CT{}</a:t>
+            </a:r>
+          </a:p>
+          <a:p>
+            <a:pPr marL="0" indent="0">
+              <a:buNone/>
+            </a:pPr>
+            <a:r>
+              <a:rPr lang="en-US" sz="1050" dirty="0"/>
+              <a:t>type union UU {</a:t>
+            </a:r>
+          </a:p>
+          <a:p>
+            <a:pPr marL="0" indent="0">
+              <a:buNone/>
+            </a:pPr>
+            <a:r>
+              <a:rPr lang="en-US" sz="1050" dirty="0"/>
+              <a:t>  integer a,</a:t>
+            </a:r>
+          </a:p>
+          <a:p>
+            <a:pPr marL="0" indent="0">
+              <a:buNone/>
+            </a:pPr>
+            <a:r>
+              <a:rPr lang="en-US" sz="1050" dirty="0"/>
+              <a:t>  </a:t>
+            </a:r>
+            <a:r>
+              <a:rPr lang="en-US" sz="1050" dirty="0" err="1"/>
+              <a:t>charstring</a:t>
+            </a:r>
+            <a:r>
+              <a:rPr lang="en-US" sz="1050" dirty="0"/>
+              <a:t> s</a:t>
+            </a:r>
+          </a:p>
+          <a:p>
+            <a:pPr marL="0" indent="0">
+              <a:buNone/>
+            </a:pPr>
+            <a:r>
+              <a:rPr lang="en-US" sz="1050" dirty="0"/>
+              <a:t>}</a:t>
+            </a:r>
+          </a:p>
+          <a:p>
+            <a:pPr marL="0" indent="0">
+              <a:buNone/>
+            </a:pPr>
+            <a:r>
+              <a:rPr lang="en-US" sz="1050" dirty="0"/>
+              <a:t>testcase </a:t>
+            </a:r>
+            <a:r>
+              <a:rPr lang="en-US" sz="1050" dirty="0" err="1"/>
+              <a:t>tc_omitInUnion</a:t>
+            </a:r>
+            <a:r>
+              <a:rPr lang="en-US" sz="1050" dirty="0"/>
+              <a:t>() runs on CT {</a:t>
+            </a:r>
+          </a:p>
+          <a:p>
+            <a:pPr marL="0" indent="0">
+              <a:buNone/>
+            </a:pPr>
+            <a:r>
+              <a:rPr lang="en-US" sz="1050" dirty="0"/>
+              <a:t>  var template UU </a:t>
+            </a:r>
+            <a:r>
+              <a:rPr lang="en-US" sz="1050" dirty="0" err="1"/>
+              <a:t>vtu</a:t>
+            </a:r>
+            <a:r>
+              <a:rPr lang="en-US" sz="1050" dirty="0"/>
+              <a:t> := { a := 42 }</a:t>
+            </a:r>
+          </a:p>
+          <a:p>
+            <a:pPr marL="0" indent="0">
+              <a:buNone/>
+            </a:pPr>
+            <a:r>
+              <a:rPr lang="en-US" sz="1050" dirty="0"/>
+              <a:t>  </a:t>
+            </a:r>
+            <a:r>
+              <a:rPr lang="en-US" sz="1050" dirty="0" err="1"/>
+              <a:t>vtu.s</a:t>
+            </a:r>
+            <a:r>
+              <a:rPr lang="en-US" sz="1050" dirty="0"/>
+              <a:t> := omit; //DTE in java, accepted in </a:t>
+            </a:r>
+            <a:r>
+              <a:rPr lang="en-US" sz="1050" dirty="0" err="1"/>
+              <a:t>cpp</a:t>
+            </a:r>
+            <a:r>
+              <a:rPr lang="en-US" sz="1050" dirty="0"/>
+              <a:t> //suggested: semantic error: 'omit' value is not allowed in this context + runtime: better output</a:t>
+            </a:r>
+          </a:p>
+          <a:p>
+            <a:pPr marL="0" indent="0">
+              <a:buNone/>
+            </a:pPr>
+            <a:r>
+              <a:rPr lang="en-US" sz="1050" dirty="0"/>
+              <a:t>}</a:t>
+            </a:r>
+          </a:p>
+          <a:p>
+            <a:pPr marL="0" indent="0">
+              <a:buNone/>
+            </a:pPr>
+            <a:r>
+              <a:rPr lang="en-US" sz="1050" dirty="0"/>
+              <a:t>testcase tc_semanticErrorExpected2() runs on CT {</a:t>
+            </a:r>
+          </a:p>
+          <a:p>
+            <a:pPr marL="0" indent="0">
+              <a:buNone/>
+            </a:pPr>
+            <a:r>
+              <a:rPr lang="en-US" sz="1050" dirty="0"/>
+              <a:t>  var template UU </a:t>
+            </a:r>
+            <a:r>
+              <a:rPr lang="en-US" sz="1050" dirty="0" err="1"/>
+              <a:t>vtu</a:t>
+            </a:r>
+            <a:r>
+              <a:rPr lang="en-US" sz="1050" dirty="0"/>
+              <a:t> := { a := omit } //ok: error marker: 'omit' value is not allowed in this context; compiler error in </a:t>
+            </a:r>
+            <a:r>
+              <a:rPr lang="en-US" sz="1050" dirty="0" err="1"/>
+              <a:t>cpp</a:t>
+            </a:r>
+            <a:r>
+              <a:rPr lang="en-US" sz="1050" dirty="0"/>
+              <a:t>, runtime error in java.</a:t>
+            </a:r>
+          </a:p>
+          <a:p>
+            <a:pPr marL="0" indent="0">
+              <a:buNone/>
+            </a:pPr>
+            <a:r>
+              <a:rPr lang="en-US" sz="1050" dirty="0"/>
+              <a:t>} }</a:t>
+            </a:r>
+          </a:p>
+          <a:p>
+            <a:pPr marL="0" indent="0">
+              <a:buNone/>
+            </a:pPr>
+            <a:endParaRPr lang="en-US" sz="1050" dirty="0"/>
+          </a:p>
+          <a:p>
+            <a:pPr marL="0" indent="0">
+              <a:buNone/>
+            </a:pPr>
+            <a:r>
+              <a:rPr lang="en-US" sz="1050" dirty="0"/>
+              <a:t>Fixed.</a:t>
+            </a:r>
+          </a:p>
+          <a:p>
+            <a:pPr marL="0" indent="0">
+              <a:buNone/>
+            </a:pPr>
+            <a:r>
+              <a:rPr lang="en-US" sz="1050" dirty="0"/>
+              <a:t>Template variable assignments have been restricted to no longer allow 'omit' for union fields an non-optional fields of records/sets..</a:t>
+            </a:r>
           </a:p>
         </p:txBody>
       </p:sp>
@@ -20004,7 +20220,7 @@
     </p:custDataLst>
     <p:extLst>
       <p:ext uri="{BB962C8B-B14F-4D97-AF65-F5344CB8AC3E}">
-        <p14:creationId xmlns:p14="http://schemas.microsoft.com/office/powerpoint/2010/main" val="625104063"/>
+        <p14:creationId xmlns:p14="http://schemas.microsoft.com/office/powerpoint/2010/main" val="2812115471"/>
       </p:ext>
     </p:extLst>
   </p:cSld>
@@ -20056,11 +20272,11 @@
               <a:rPr lang="en-US" dirty="0">
                 <a:hlinkClick r:id="rId4"/>
               </a:rPr>
-              <a:t>BUG 559422 </a:t>
-            </a:r>
-            <a:r>
-              <a:rPr lang="en-US" dirty="0"/>
-              <a:t>- 'omit' matching mechanism shouldn't be allowed for union fields</a:t>
+              <a:t>BUG 561653 </a:t>
+            </a:r>
+            <a:r>
+              <a:rPr lang="en-US" dirty="0"/>
+              <a:t>- Compilation issue in the Java code generator when used with very large modules</a:t>
             </a:r>
           </a:p>
         </p:txBody>
@@ -20090,52 +20306,46 @@
               <a:buNone/>
             </a:pPr>
             <a:r>
-              <a:rPr lang="en-US" sz="1050" dirty="0"/>
-              <a:t>Example:</a:t>
+              <a:rPr lang="en-US" dirty="0"/>
+              <a:t>If a TTCN-3 module contains thousands of types each of which has encodings, the generated code has too many </a:t>
+            </a:r>
+            <a:r>
+              <a:rPr lang="en-US" dirty="0" err="1"/>
+              <a:t>typedescriptors</a:t>
+            </a:r>
+            <a:r>
+              <a:rPr lang="en-US" dirty="0"/>
+              <a:t> in the class belonging to the module to compile.</a:t>
             </a:r>
           </a:p>
           <a:p>
             <a:pPr marL="0" indent="0">
               <a:buNone/>
             </a:pPr>
-            <a:r>
-              <a:rPr lang="en-US" sz="1050" dirty="0"/>
-              <a:t>module </a:t>
-            </a:r>
-            <a:r>
-              <a:rPr lang="en-US" sz="1050" dirty="0" err="1"/>
-              <a:t>UnionAndOmitBug</a:t>
-            </a:r>
-            <a:r>
-              <a:rPr lang="en-US" sz="1050" dirty="0"/>
-              <a:t> {</a:t>
-            </a:r>
+            <a:endParaRPr lang="en-US" dirty="0"/>
           </a:p>
           <a:p>
             <a:pPr marL="0" indent="0">
               <a:buNone/>
             </a:pPr>
             <a:r>
-              <a:rPr lang="en-US" sz="1050" dirty="0"/>
-              <a:t>type component CT{}</a:t>
+              <a:rPr lang="en-US" dirty="0"/>
+              <a:t>So far this only happened in an extreme case, where with the DIAMETER generator it was possible to create a module with ~1600 type definitions.</a:t>
             </a:r>
           </a:p>
           <a:p>
             <a:pPr marL="0" indent="0">
               <a:buNone/>
             </a:pPr>
-            <a:r>
-              <a:rPr lang="en-US" sz="1050" dirty="0"/>
-              <a:t>type union UU {</a:t>
-            </a:r>
+            <a:endParaRPr lang="en-US" dirty="0"/>
           </a:p>
           <a:p>
             <a:pPr marL="0" indent="0">
               <a:buNone/>
             </a:pPr>
             <a:r>
-              <a:rPr lang="en-US" sz="1050" dirty="0"/>
-              <a:t>  integer a,</a:t>
+              <a:rPr lang="en-US" dirty="0"/>
+              <a:t>Fixed.</a:t>
             </a:r>
           </a:p>
           <a:p>
@@ -20143,160 +20353,8 @@
               <a:buNone/>
             </a:pPr>
             <a:r>
-              <a:rPr lang="en-US" sz="1050" dirty="0"/>
-              <a:t>  </a:t>
-            </a:r>
-            <a:r>
-              <a:rPr lang="en-US" sz="1050" dirty="0" err="1"/>
-              <a:t>charstring</a:t>
-            </a:r>
-            <a:r>
-              <a:rPr lang="en-US" sz="1050" dirty="0"/>
-              <a:t> s</a:t>
-            </a:r>
-          </a:p>
-          <a:p>
-            <a:pPr marL="0" indent="0">
-              <a:buNone/>
-            </a:pPr>
-            <a:r>
-              <a:rPr lang="en-US" sz="1050" dirty="0"/>
-              <a:t>}</a:t>
-            </a:r>
-          </a:p>
-          <a:p>
-            <a:pPr marL="0" indent="0">
-              <a:buNone/>
-            </a:pPr>
-            <a:r>
-              <a:rPr lang="en-US" sz="1050" dirty="0"/>
-              <a:t>testcase </a:t>
-            </a:r>
-            <a:r>
-              <a:rPr lang="en-US" sz="1050" dirty="0" err="1"/>
-              <a:t>tc_omitInUnion</a:t>
-            </a:r>
-            <a:r>
-              <a:rPr lang="en-US" sz="1050" dirty="0"/>
-              <a:t>() runs on CT {</a:t>
-            </a:r>
-          </a:p>
-          <a:p>
-            <a:pPr marL="0" indent="0">
-              <a:buNone/>
-            </a:pPr>
-            <a:r>
-              <a:rPr lang="en-US" sz="1050" dirty="0"/>
-              <a:t>  var template UU </a:t>
-            </a:r>
-            <a:r>
-              <a:rPr lang="en-US" sz="1050" dirty="0" err="1"/>
-              <a:t>vtu</a:t>
-            </a:r>
-            <a:r>
-              <a:rPr lang="en-US" sz="1050" dirty="0"/>
-              <a:t> := { a := 42 }</a:t>
-            </a:r>
-          </a:p>
-          <a:p>
-            <a:pPr marL="0" indent="0">
-              <a:buNone/>
-            </a:pPr>
-            <a:r>
-              <a:rPr lang="en-US" sz="1050" dirty="0"/>
-              <a:t>  </a:t>
-            </a:r>
-            <a:r>
-              <a:rPr lang="en-US" sz="1050" dirty="0" err="1"/>
-              <a:t>vtu.s</a:t>
-            </a:r>
-            <a:r>
-              <a:rPr lang="en-US" sz="1050" dirty="0"/>
-              <a:t> := omit; //DTE in java, accepted in </a:t>
-            </a:r>
-            <a:r>
-              <a:rPr lang="en-US" sz="1050" dirty="0" err="1"/>
-              <a:t>cpp</a:t>
-            </a:r>
-            <a:r>
-              <a:rPr lang="en-US" sz="1050" dirty="0"/>
-              <a:t> //suggested: semantic error: 'omit' value is not allowed in this context + runtime: better output</a:t>
-            </a:r>
-          </a:p>
-          <a:p>
-            <a:pPr marL="0" indent="0">
-              <a:buNone/>
-            </a:pPr>
-            <a:r>
-              <a:rPr lang="en-US" sz="1050" dirty="0"/>
-              <a:t>}</a:t>
-            </a:r>
-          </a:p>
-          <a:p>
-            <a:pPr marL="0" indent="0">
-              <a:buNone/>
-            </a:pPr>
-            <a:r>
-              <a:rPr lang="en-US" sz="1050" dirty="0"/>
-              <a:t>testcase tc_semanticErrorExpected2() runs on CT {</a:t>
-            </a:r>
-          </a:p>
-          <a:p>
-            <a:pPr marL="0" indent="0">
-              <a:buNone/>
-            </a:pPr>
-            <a:r>
-              <a:rPr lang="en-US" sz="1050" dirty="0"/>
-              <a:t>  var template UU </a:t>
-            </a:r>
-            <a:r>
-              <a:rPr lang="en-US" sz="1050" dirty="0" err="1"/>
-              <a:t>vtu</a:t>
-            </a:r>
-            <a:r>
-              <a:rPr lang="en-US" sz="1050" dirty="0"/>
-              <a:t> := { a := omit } //ok: error marker: 'omit' value is not allowed in this context; compiler error in </a:t>
-            </a:r>
-            <a:r>
-              <a:rPr lang="en-US" sz="1050" dirty="0" err="1"/>
-              <a:t>cpp</a:t>
-            </a:r>
-            <a:r>
-              <a:rPr lang="en-US" sz="1050" dirty="0"/>
-              <a:t>, runtime error in java.</a:t>
-            </a:r>
-          </a:p>
-          <a:p>
-            <a:pPr marL="0" indent="0">
-              <a:buNone/>
-            </a:pPr>
-            <a:r>
-              <a:rPr lang="en-US" sz="1050" dirty="0"/>
-              <a:t>} }</a:t>
-            </a:r>
-          </a:p>
-          <a:p>
-            <a:pPr marL="0" indent="0">
-              <a:buNone/>
-            </a:pPr>
-            <a:endParaRPr lang="en-US" sz="1050" dirty="0"/>
-          </a:p>
-          <a:p>
-            <a:pPr marL="0" indent="0">
-              <a:buNone/>
-            </a:pPr>
-            <a:r>
-              <a:rPr lang="en-US" sz="1050" dirty="0"/>
-              <a:t>Fixed.</a:t>
-            </a:r>
-          </a:p>
-          <a:p>
-            <a:pPr marL="0" indent="0">
-              <a:buNone/>
-            </a:pPr>
-            <a:r>
-              <a:rPr lang="en-US" sz="1050" dirty="0"/>
-              <a:t>Template variable assignments have been restricted to no longer allow 'omit' for union fields an non-optional fields of records/sets..</a:t>
+              <a:rPr lang="en-US" dirty="0"/>
+              <a:t>For type for which we generate a class to represent them, the type descriptor will be generated into the body of this class</a:t>
             </a:r>
           </a:p>
         </p:txBody>
@@ -20308,7 +20366,7 @@
     </p:custDataLst>
     <p:extLst>
       <p:ext uri="{BB962C8B-B14F-4D97-AF65-F5344CB8AC3E}">
-        <p14:creationId xmlns:p14="http://schemas.microsoft.com/office/powerpoint/2010/main" val="2812115471"/>
+        <p14:creationId xmlns:p14="http://schemas.microsoft.com/office/powerpoint/2010/main" val="4150146156"/>
       </p:ext>
     </p:extLst>
   </p:cSld>
@@ -20357,14 +20415,8 @@
           <a:lstStyle/>
           <a:p>
             <a:r>
-              <a:rPr lang="en-US" dirty="0">
-                <a:hlinkClick r:id="rId4"/>
-              </a:rPr>
-              <a:t>BUG 561653 </a:t>
-            </a:r>
-            <a:r>
-              <a:rPr lang="en-US" dirty="0"/>
-              <a:t>- Compilation issue in the Java code generator when used with very large modules</a:t>
+              <a:rPr lang="en-US" dirty="0"/>
+              <a:t>Bug Details</a:t>
             </a:r>
           </a:p>
         </p:txBody>
@@ -20390,60 +20442,7 @@
           <a:bodyPr/>
           <a:lstStyle/>
           <a:p>
-            <a:pPr marL="0" indent="0">
-              <a:buNone/>
-            </a:pPr>
-            <a:r>
-              <a:rPr lang="en-US" dirty="0"/>
-              <a:t>If a TTCN-3 module contains thousands of types each of which has encodings, the generated code has too many </a:t>
-            </a:r>
-            <a:r>
-              <a:rPr lang="en-US" dirty="0" err="1"/>
-              <a:t>typedescriptors</a:t>
-            </a:r>
-            <a:r>
-              <a:rPr lang="en-US" dirty="0"/>
-              <a:t> in the class belonging to the module to compile.</a:t>
-            </a:r>
-          </a:p>
-          <a:p>
-            <a:pPr marL="0" indent="0">
-              <a:buNone/>
-            </a:pPr>
             <a:endParaRPr lang="en-US" dirty="0"/>
-          </a:p>
-          <a:p>
-            <a:pPr marL="0" indent="0">
-              <a:buNone/>
-            </a:pPr>
-            <a:r>
-              <a:rPr lang="en-US" dirty="0"/>
-              <a:t>So far this only happened in an extreme case, where with the DIAMETER generator it was possible to create a module with ~1600 type definitions.</a:t>
-            </a:r>
-          </a:p>
-          <a:p>
-            <a:pPr marL="0" indent="0">
-              <a:buNone/>
-            </a:pPr>
-            <a:endParaRPr lang="en-US" dirty="0"/>
-          </a:p>
-          <a:p>
-            <a:pPr marL="0" indent="0">
-              <a:buNone/>
-            </a:pPr>
-            <a:r>
-              <a:rPr lang="en-US" dirty="0"/>
-              <a:t>Fixed.</a:t>
-            </a:r>
-          </a:p>
-          <a:p>
-            <a:pPr marL="0" indent="0">
-              <a:buNone/>
-            </a:pPr>
-            <a:r>
-              <a:rPr lang="en-US" dirty="0"/>
-              <a:t>For type for which we generate a class to represent them, the type descriptor will be generated into the body of this class</a:t>
-            </a:r>
           </a:p>
         </p:txBody>
       </p:sp>
@@ -20454,7 +20453,7 @@
     </p:custDataLst>
     <p:extLst>
       <p:ext uri="{BB962C8B-B14F-4D97-AF65-F5344CB8AC3E}">
-        <p14:creationId xmlns:p14="http://schemas.microsoft.com/office/powerpoint/2010/main" val="4150146156"/>
+        <p14:creationId xmlns:p14="http://schemas.microsoft.com/office/powerpoint/2010/main" val="2795352417"/>
       </p:ext>
     </p:extLst>
   </p:cSld>
@@ -20503,8 +20502,14 @@
           <a:lstStyle/>
           <a:p>
             <a:r>
-              <a:rPr lang="en-US" dirty="0"/>
-              <a:t>Bug Details</a:t>
+              <a:rPr lang="en-US" dirty="0">
+                <a:hlinkClick r:id="rId4"/>
+              </a:rPr>
+              <a:t>BUG 559035 </a:t>
+            </a:r>
+            <a:r>
+              <a:rPr lang="en-US" dirty="0"/>
+              <a:t>- titan.TestPorts.IPL4asp R.30.E doesn't build (ERROR_LENGTH) </a:t>
             </a:r>
           </a:p>
         </p:txBody>
@@ -20530,7 +20535,110 @@
           <a:bodyPr/>
           <a:lstStyle/>
           <a:p>
+            <a:pPr marL="0" indent="0">
+              <a:buNone/>
+            </a:pPr>
+            <a:r>
+              <a:rPr lang="en-US" dirty="0"/>
+              <a:t>In commit 7206152ca2572f0bb334c82d77f5436e76b1f6bf, the following line of code was added:</a:t>
+            </a:r>
+          </a:p>
+          <a:p>
+            <a:pPr marL="0" indent="0">
+              <a:buNone/>
+            </a:pPr>
+            <a:r>
+              <a:rPr lang="en-US" dirty="0"/>
+              <a:t>&gt; const </a:t>
+            </a:r>
+            <a:r>
+              <a:rPr lang="en-US" dirty="0" err="1"/>
+              <a:t>PortError</a:t>
+            </a:r>
+            <a:r>
+              <a:rPr lang="en-US" dirty="0"/>
+              <a:t> IPL4_ERROR_LENGTH := ERROR_LENGTH;</a:t>
+            </a:r>
+          </a:p>
+          <a:p>
+            <a:pPr marL="0" indent="0">
+              <a:buNone/>
+            </a:pPr>
+            <a:r>
+              <a:rPr lang="en-US" dirty="0"/>
+              <a:t>I don't know where that ERROR_LENGTH definition should be coming </a:t>
+            </a:r>
+            <a:r>
+              <a:rPr lang="en-US" dirty="0" err="1"/>
+              <a:t>frrom</a:t>
+            </a:r>
+            <a:r>
+              <a:rPr lang="en-US" dirty="0"/>
+              <a:t>. As soon as I use E.30.E, </a:t>
+            </a:r>
+            <a:r>
+              <a:rPr lang="en-US" dirty="0" err="1"/>
+              <a:t>compileation</a:t>
+            </a:r>
+            <a:r>
+              <a:rPr lang="en-US" dirty="0"/>
+              <a:t> will fail due to this undefined ERROR_LENGTH.</a:t>
+            </a:r>
+          </a:p>
+          <a:p>
+            <a:pPr marL="0" indent="0">
+              <a:buNone/>
+            </a:pPr>
             <a:endParaRPr lang="en-US" dirty="0"/>
+          </a:p>
+          <a:p>
+            <a:pPr marL="0" indent="0">
+              <a:buNone/>
+            </a:pPr>
+            <a:endParaRPr lang="en-US" dirty="0"/>
+          </a:p>
+          <a:p>
+            <a:pPr marL="0" indent="0">
+              <a:buNone/>
+            </a:pPr>
+            <a:r>
+              <a:rPr lang="en-US" dirty="0"/>
+              <a:t>Fixed.</a:t>
+            </a:r>
+          </a:p>
+          <a:p>
+            <a:pPr marL="0" indent="0">
+              <a:buNone/>
+            </a:pPr>
+            <a:r>
+              <a:rPr lang="en-US" dirty="0"/>
+              <a:t>the test port has a dependency  from </a:t>
+            </a:r>
+            <a:r>
+              <a:rPr lang="en-US" dirty="0" err="1"/>
+              <a:t>SocketAPI</a:t>
+            </a:r>
+            <a:r>
+              <a:rPr lang="en-US" dirty="0"/>
+              <a:t>; the latest of </a:t>
+            </a:r>
+            <a:r>
+              <a:rPr lang="en-US" dirty="0" err="1"/>
+              <a:t>SocketAPI</a:t>
+            </a:r>
+            <a:r>
+              <a:rPr lang="en-US" dirty="0"/>
+              <a:t>  has not been pushed to its' repo.</a:t>
+            </a:r>
+          </a:p>
+          <a:p>
+            <a:pPr marL="0" indent="0">
+              <a:buNone/>
+            </a:pPr>
+            <a:r>
+              <a:rPr lang="en-US" dirty="0"/>
+              <a:t>It should be fixed by now.</a:t>
+            </a:r>
           </a:p>
         </p:txBody>
       </p:sp>
@@ -20541,7 +20649,7 @@
     </p:custDataLst>
     <p:extLst>
       <p:ext uri="{BB962C8B-B14F-4D97-AF65-F5344CB8AC3E}">
-        <p14:creationId xmlns:p14="http://schemas.microsoft.com/office/powerpoint/2010/main" val="2795352417"/>
+        <p14:creationId xmlns:p14="http://schemas.microsoft.com/office/powerpoint/2010/main" val="859474789"/>
       </p:ext>
     </p:extLst>
   </p:cSld>
@@ -20593,11 +20701,11 @@
               <a:rPr lang="en-US" dirty="0">
                 <a:hlinkClick r:id="rId4"/>
               </a:rPr>
-              <a:t>BUG 559035 </a:t>
-            </a:r>
-            <a:r>
-              <a:rPr lang="en-US" dirty="0"/>
-              <a:t>- titan.TestPorts.IPL4asp R.30.E doesn't build (ERROR_LENGTH) </a:t>
+              <a:t>BUG 559350 </a:t>
+            </a:r>
+            <a:r>
+              <a:rPr lang="en-US" dirty="0"/>
+              <a:t>- the "Check code for code smells" menu item does not appear </a:t>
             </a:r>
           </a:p>
         </p:txBody>
@@ -20628,7 +20736,7 @@
             </a:pPr>
             <a:r>
               <a:rPr lang="en-US" dirty="0"/>
-              <a:t>In commit 7206152ca2572f0bb334c82d77f5436e76b1f6bf, the following line of code was added:</a:t>
+              <a:t>The "Check code for code smells" menu item does not appear for some reason.</a:t>
             </a:r>
           </a:p>
           <a:p>
@@ -20637,40 +20745,7 @@
             </a:pPr>
             <a:r>
               <a:rPr lang="en-US" dirty="0"/>
-              <a:t>&gt; const </a:t>
-            </a:r>
-            <a:r>
-              <a:rPr lang="en-US" dirty="0" err="1"/>
-              <a:t>PortError</a:t>
-            </a:r>
-            <a:r>
-              <a:rPr lang="en-US" dirty="0"/>
-              <a:t> IPL4_ERROR_LENGTH := ERROR_LENGTH;</a:t>
-            </a:r>
-          </a:p>
-          <a:p>
-            <a:pPr marL="0" indent="0">
-              <a:buNone/>
-            </a:pPr>
-            <a:r>
-              <a:rPr lang="en-US" dirty="0"/>
-              <a:t>I don't know where that ERROR_LENGTH definition should be coming </a:t>
-            </a:r>
-            <a:r>
-              <a:rPr lang="en-US" dirty="0" err="1"/>
-              <a:t>frrom</a:t>
-            </a:r>
-            <a:r>
-              <a:rPr lang="en-US" dirty="0"/>
-              <a:t>. As soon as I use E.30.E, </a:t>
-            </a:r>
-            <a:r>
-              <a:rPr lang="en-US" dirty="0" err="1"/>
-              <a:t>compileation</a:t>
-            </a:r>
-            <a:r>
-              <a:rPr lang="en-US" dirty="0"/>
-              <a:t> will fail due to this undefined ERROR_LENGTH.</a:t>
+              <a:t>This way if automatic quality checking is not turned on, users can not manually ask for it.</a:t>
             </a:r>
           </a:p>
           <a:p>
@@ -20683,49 +20758,9 @@
             <a:pPr marL="0" indent="0">
               <a:buNone/>
             </a:pPr>
-            <a:endParaRPr lang="en-US" dirty="0"/>
-          </a:p>
-          <a:p>
-            <a:pPr marL="0" indent="0">
-              <a:buNone/>
-            </a:pPr>
-            <a:r>
-              <a:rPr lang="en-US" dirty="0"/>
-              <a:t>Fixed.</a:t>
-            </a:r>
-          </a:p>
-          <a:p>
-            <a:pPr marL="0" indent="0">
-              <a:buNone/>
-            </a:pPr>
-            <a:r>
-              <a:rPr lang="en-US" dirty="0"/>
-              <a:t>the test port has a dependency  from </a:t>
-            </a:r>
-            <a:r>
-              <a:rPr lang="en-US" dirty="0" err="1"/>
-              <a:t>SocketAPI</a:t>
-            </a:r>
-            <a:r>
-              <a:rPr lang="en-US" dirty="0"/>
-              <a:t>; the latest of </a:t>
-            </a:r>
-            <a:r>
-              <a:rPr lang="en-US" dirty="0" err="1"/>
-              <a:t>SocketAPI</a:t>
-            </a:r>
-            <a:r>
-              <a:rPr lang="en-US" dirty="0"/>
-              <a:t>  has not been pushed to its' repo.</a:t>
-            </a:r>
-          </a:p>
-          <a:p>
-            <a:pPr marL="0" indent="0">
-              <a:buNone/>
-            </a:pPr>
-            <a:r>
-              <a:rPr lang="en-US" dirty="0"/>
-              <a:t>It should be fixed by now.</a:t>
+            <a:r>
+              <a:rPr lang="en-US" dirty="0"/>
+              <a:t>FIXED.</a:t>
             </a:r>
           </a:p>
         </p:txBody>
@@ -20737,7 +20772,7 @@
     </p:custDataLst>
     <p:extLst>
       <p:ext uri="{BB962C8B-B14F-4D97-AF65-F5344CB8AC3E}">
-        <p14:creationId xmlns:p14="http://schemas.microsoft.com/office/powerpoint/2010/main" val="859474789"/>
+        <p14:creationId xmlns:p14="http://schemas.microsoft.com/office/powerpoint/2010/main" val="1215599202"/>
       </p:ext>
     </p:extLst>
   </p:cSld>
@@ -20789,11 +20824,11 @@
               <a:rPr lang="en-US" dirty="0">
                 <a:hlinkClick r:id="rId4"/>
               </a:rPr>
-              <a:t>BUG 559350 </a:t>
-            </a:r>
-            <a:r>
-              <a:rPr lang="en-US" dirty="0"/>
-              <a:t>- the "Check code for code smells" menu item does not appear </a:t>
+              <a:t>BUG 559408 </a:t>
+            </a:r>
+            <a:r>
+              <a:rPr lang="en-US" dirty="0"/>
+              <a:t>- ttcn2java: version extension handling error, java code is not generated </a:t>
             </a:r>
           </a:p>
         </p:txBody>
@@ -20823,8 +20858,8 @@
               <a:buNone/>
             </a:pPr>
             <a:r>
-              <a:rPr lang="en-US" dirty="0"/>
-              <a:t>The "Check code for code smells" menu item does not appear for some reason.</a:t>
+              <a:rPr lang="en-US" sz="1400" dirty="0"/>
+              <a:t>INVALID</a:t>
             </a:r>
           </a:p>
           <a:p>
@@ -20832,23 +20867,125 @@
               <a:buNone/>
             </a:pPr>
             <a:r>
-              <a:rPr lang="en-US" dirty="0"/>
-              <a:t>This way if automatic quality checking is not turned on, users can not manually ask for it.</a:t>
+              <a:rPr lang="en-US" sz="1400" dirty="0"/>
+              <a:t>1. Originally the ttcn2java compilation of this </a:t>
+            </a:r>
+            <a:r>
+              <a:rPr lang="en-US" sz="1400" dirty="0" err="1"/>
+              <a:t>ttcn</a:t>
+            </a:r>
+            <a:r>
+              <a:rPr lang="en-US" sz="1400" dirty="0"/>
+              <a:t> module gave a NPE:</a:t>
             </a:r>
           </a:p>
           <a:p>
             <a:pPr marL="0" indent="0">
               <a:buNone/>
             </a:pPr>
-            <a:endParaRPr lang="en-US" dirty="0"/>
+            <a:r>
+              <a:rPr lang="en-US" sz="1400" dirty="0" err="1"/>
+              <a:t>java.lang.NullPointerException</a:t>
+            </a:r>
+            <a:endParaRPr lang="en-US" sz="1400" dirty="0"/>
           </a:p>
           <a:p>
             <a:pPr marL="0" indent="0">
               <a:buNone/>
             </a:pPr>
             <a:r>
-              <a:rPr lang="en-US" dirty="0"/>
-              <a:t>FIXED.</a:t>
+              <a:rPr lang="en-US" sz="1400" dirty="0"/>
+              <a:t>            at org.eclipse.titan.designer.AST.TTCN3.attributes.ModuleVersionAttribute.parse(ModuleVersionAttribute.java:55)</a:t>
+            </a:r>
+          </a:p>
+          <a:p>
+            <a:pPr marL="0" indent="0">
+              <a:buNone/>
+            </a:pPr>
+            <a:r>
+              <a:rPr lang="en-US" sz="1400" dirty="0"/>
+              <a:t>            at org.eclipse.titan.designer.AST.TTCN3.definitions.TTCN3Module.analyzeExtensionAttributes(TTCN3Module.java:602)</a:t>
+            </a:r>
+          </a:p>
+          <a:p>
+            <a:pPr marL="0" indent="0">
+              <a:buNone/>
+            </a:pPr>
+            <a:r>
+              <a:rPr lang="en-US" sz="1400" dirty="0"/>
+              <a:t>            at org.eclipse.titan.designer.AST.TTCN3.definitions.TTCN3Module.check(TTCN3Module.java:479)</a:t>
+            </a:r>
+          </a:p>
+          <a:p>
+            <a:pPr marL="0" indent="0">
+              <a:buNone/>
+            </a:pPr>
+            <a:r>
+              <a:rPr lang="en-US" sz="1400" dirty="0"/>
+              <a:t>            at org.eclipse.titan.designer.AST.brokenpartsanalyzers.BrokenPartsChecker.generalChecker(BrokenPartsChecker.java:79)</a:t>
+            </a:r>
+          </a:p>
+          <a:p>
+            <a:pPr marL="0" indent="0">
+              <a:buNone/>
+            </a:pPr>
+            <a:endParaRPr lang="en-US" sz="1400" dirty="0"/>
+          </a:p>
+          <a:p>
+            <a:pPr marL="0" indent="0">
+              <a:buNone/>
+            </a:pPr>
+            <a:r>
+              <a:rPr lang="en-US" sz="1400" dirty="0"/>
+              <a:t>The reason was that in the line 55, </a:t>
+            </a:r>
+            <a:r>
+              <a:rPr lang="en-US" sz="1400" dirty="0" err="1"/>
+              <a:t>versionToken.getTtcnName</a:t>
+            </a:r>
+            <a:r>
+              <a:rPr lang="en-US" sz="1400" dirty="0"/>
+              <a:t>(); </a:t>
+            </a:r>
+          </a:p>
+          <a:p>
+            <a:pPr marL="0" indent="0">
+              <a:buNone/>
+            </a:pPr>
+            <a:r>
+              <a:rPr lang="en-US" sz="1400" dirty="0"/>
+              <a:t>the </a:t>
+            </a:r>
+            <a:r>
+              <a:rPr lang="en-US" sz="1400" dirty="0" err="1"/>
+              <a:t>versionToken</a:t>
+            </a:r>
+            <a:r>
+              <a:rPr lang="en-US" sz="1400" dirty="0"/>
+              <a:t> was null.</a:t>
+            </a:r>
+          </a:p>
+          <a:p>
+            <a:pPr marL="0" indent="0">
+              <a:buNone/>
+            </a:pPr>
+            <a:endParaRPr lang="en-US" sz="1400" dirty="0"/>
+          </a:p>
+          <a:p>
+            <a:pPr marL="0" indent="0">
+              <a:buNone/>
+            </a:pPr>
+            <a:r>
+              <a:rPr lang="en-US" sz="1400" dirty="0"/>
+              <a:t>2. After modification the compiler does not give error but silently does not generate code. The expected behavior is at least a compilation error message, as in </a:t>
+            </a:r>
+            <a:r>
+              <a:rPr lang="en-US" sz="1400" dirty="0" err="1"/>
+              <a:t>cpp</a:t>
+            </a:r>
+            <a:r>
+              <a:rPr lang="en-US" sz="1400" dirty="0"/>
+              <a:t> does: "error: at or before token `&gt;': syntax error, unexpected '&gt;', expecting Identifier". Or similar</a:t>
             </a:r>
           </a:p>
         </p:txBody>
@@ -20860,7 +20997,7 @@
     </p:custDataLst>
     <p:extLst>
       <p:ext uri="{BB962C8B-B14F-4D97-AF65-F5344CB8AC3E}">
-        <p14:creationId xmlns:p14="http://schemas.microsoft.com/office/powerpoint/2010/main" val="1215599202"/>
+        <p14:creationId xmlns:p14="http://schemas.microsoft.com/office/powerpoint/2010/main" val="3992918359"/>
       </p:ext>
     </p:extLst>
   </p:cSld>
@@ -20912,11 +21049,11 @@
               <a:rPr lang="en-US" dirty="0">
                 <a:hlinkClick r:id="rId4"/>
               </a:rPr>
-              <a:t>BUG 559408 </a:t>
-            </a:r>
-            <a:r>
-              <a:rPr lang="en-US" dirty="0"/>
-              <a:t>- ttcn2java: version extension handling error, java code is not generated </a:t>
+              <a:t>BUG 559580 </a:t>
+            </a:r>
+            <a:r>
+              <a:rPr lang="en-US" dirty="0"/>
+              <a:t>- ttcn2java: Wrong generated code: JSON cannot be resolved to a variable </a:t>
             </a:r>
           </a:p>
         </p:txBody>
@@ -20946,8 +21083,8 @@
               <a:buNone/>
             </a:pPr>
             <a:r>
-              <a:rPr lang="en-US" sz="1400" dirty="0"/>
-              <a:t>INVALID</a:t>
+              <a:rPr lang="en-US" dirty="0"/>
+              <a:t>Created attachment 281606 [details]</a:t>
             </a:r>
           </a:p>
           <a:p>
@@ -20955,53 +21092,46 @@
               <a:buNone/>
             </a:pPr>
             <a:r>
-              <a:rPr lang="en-US" sz="1400" dirty="0"/>
-              <a:t>1. Originally the ttcn2java compilation of this </a:t>
-            </a:r>
-            <a:r>
-              <a:rPr lang="en-US" sz="1400" dirty="0" err="1"/>
-              <a:t>ttcn</a:t>
-            </a:r>
-            <a:r>
-              <a:rPr lang="en-US" sz="1400" dirty="0"/>
-              <a:t> module gave a NPE:</a:t>
+              <a:rPr lang="en-US" dirty="0"/>
+              <a:t>First example file</a:t>
             </a:r>
           </a:p>
           <a:p>
             <a:pPr marL="0" indent="0">
               <a:buNone/>
             </a:pPr>
-            <a:r>
-              <a:rPr lang="en-US" sz="1400" dirty="0" err="1"/>
-              <a:t>java.lang.NullPointerException</a:t>
-            </a:r>
-            <a:endParaRPr lang="en-US" sz="1400" dirty="0"/>
+            <a:endParaRPr lang="en-US" dirty="0"/>
           </a:p>
           <a:p>
             <a:pPr marL="0" indent="0">
               <a:buNone/>
             </a:pPr>
             <a:r>
-              <a:rPr lang="en-US" sz="1400" dirty="0"/>
-              <a:t>            at org.eclipse.titan.designer.AST.TTCN3.attributes.ModuleVersionAttribute.parse(ModuleVersionAttribute.java:55)</a:t>
+              <a:rPr lang="en-US" dirty="0"/>
+              <a:t>The generated java code of the attached </a:t>
+            </a:r>
+            <a:r>
+              <a:rPr lang="en-US" dirty="0" err="1"/>
+              <a:t>ttcn</a:t>
+            </a:r>
+            <a:r>
+              <a:rPr lang="en-US" dirty="0"/>
+              <a:t> and asn1 code is erroneous.</a:t>
             </a:r>
           </a:p>
           <a:p>
             <a:pPr marL="0" indent="0">
               <a:buNone/>
             </a:pPr>
-            <a:r>
-              <a:rPr lang="en-US" sz="1400" dirty="0"/>
-              <a:t>            at org.eclipse.titan.designer.AST.TTCN3.definitions.TTCN3Module.analyzeExtensionAttributes(TTCN3Module.java:602)</a:t>
-            </a:r>
+            <a:endParaRPr lang="en-US" dirty="0"/>
           </a:p>
           <a:p>
             <a:pPr marL="0" indent="0">
               <a:buNone/>
             </a:pPr>
             <a:r>
-              <a:rPr lang="en-US" sz="1400" dirty="0"/>
-              <a:t>            at org.eclipse.titan.designer.AST.TTCN3.definitions.TTCN3Module.check(TTCN3Module.java:479)</a:t>
+              <a:rPr lang="en-US" dirty="0"/>
+              <a:t>FIXED</a:t>
             </a:r>
           </a:p>
           <a:p>
@@ -21009,71 +21139,21 @@
               <a:buNone/>
             </a:pPr>
             <a:r>
-              <a:rPr lang="en-US" sz="1400" dirty="0"/>
-              <a:t>            at org.eclipse.titan.designer.AST.brokenpartsanalyzers.BrokenPartsChecker.generalChecker(BrokenPartsChecker.java:79)</a:t>
+              <a:rPr lang="en-US" dirty="0"/>
+              <a:t>Import was missing:</a:t>
             </a:r>
           </a:p>
           <a:p>
             <a:pPr marL="0" indent="0">
               <a:buNone/>
             </a:pPr>
-            <a:endParaRPr lang="en-US" sz="1400" dirty="0"/>
-          </a:p>
-          <a:p>
-            <a:pPr marL="0" indent="0">
-              <a:buNone/>
-            </a:pPr>
-            <a:r>
-              <a:rPr lang="en-US" sz="1400" dirty="0"/>
-              <a:t>The reason was that in the line 55, </a:t>
-            </a:r>
-            <a:r>
-              <a:rPr lang="en-US" sz="1400" dirty="0" err="1"/>
-              <a:t>versionToken.getTtcnName</a:t>
-            </a:r>
-            <a:r>
-              <a:rPr lang="en-US" sz="1400" dirty="0"/>
-              <a:t>(); </a:t>
-            </a:r>
-          </a:p>
-          <a:p>
-            <a:pPr marL="0" indent="0">
-              <a:buNone/>
-            </a:pPr>
-            <a:r>
-              <a:rPr lang="en-US" sz="1400" dirty="0"/>
-              <a:t>the </a:t>
-            </a:r>
-            <a:r>
-              <a:rPr lang="en-US" sz="1400" dirty="0" err="1"/>
-              <a:t>versionToken</a:t>
-            </a:r>
-            <a:r>
-              <a:rPr lang="en-US" sz="1400" dirty="0"/>
-              <a:t> was null.</a:t>
-            </a:r>
-          </a:p>
-          <a:p>
-            <a:pPr marL="0" indent="0">
-              <a:buNone/>
-            </a:pPr>
-            <a:endParaRPr lang="en-US" sz="1400" dirty="0"/>
-          </a:p>
-          <a:p>
-            <a:pPr marL="0" indent="0">
-              <a:buNone/>
-            </a:pPr>
-            <a:r>
-              <a:rPr lang="en-US" sz="1400" dirty="0"/>
-              <a:t>2. After modification the compiler does not give error but silently does not generate code. The expected behavior is at least a compilation error message, as in </a:t>
-            </a:r>
-            <a:r>
-              <a:rPr lang="en-US" sz="1400" dirty="0" err="1"/>
-              <a:t>cpp</a:t>
-            </a:r>
-            <a:r>
-              <a:rPr lang="en-US" sz="1400" dirty="0"/>
-              <a:t> does: "error: at or before token `&gt;': syntax error, unexpected '&gt;', expecting Identifier". Or similar</a:t>
+            <a:r>
+              <a:rPr lang="en-US" dirty="0" err="1"/>
+              <a:t>aData.addBuiltinTypeImport</a:t>
+            </a:r>
+            <a:r>
+              <a:rPr lang="en-US" dirty="0"/>
+              <a:t>("JSON");</a:t>
             </a:r>
           </a:p>
         </p:txBody>
@@ -21085,7 +21165,7 @@
     </p:custDataLst>
     <p:extLst>
       <p:ext uri="{BB962C8B-B14F-4D97-AF65-F5344CB8AC3E}">
-        <p14:creationId xmlns:p14="http://schemas.microsoft.com/office/powerpoint/2010/main" val="3992918359"/>
+        <p14:creationId xmlns:p14="http://schemas.microsoft.com/office/powerpoint/2010/main" val="3703436617"/>
       </p:ext>
     </p:extLst>
   </p:cSld>
@@ -21137,11 +21217,19 @@
               <a:rPr lang="en-US" dirty="0">
                 <a:hlinkClick r:id="rId4"/>
               </a:rPr>
-              <a:t>BUG 559580 </a:t>
-            </a:r>
-            <a:r>
-              <a:rPr lang="en-US" dirty="0"/>
-              <a:t>- ttcn2java: Wrong generated code: JSON cannot be resolved to a variable </a:t>
+              <a:t>BUG 559630 </a:t>
+            </a:r>
+            <a:r>
+              <a:rPr lang="en-US" dirty="0"/>
+              <a:t>- bugfix: </a:t>
+            </a:r>
+            <a:r>
+              <a:rPr lang="en-US" dirty="0" err="1"/>
+              <a:t>TitanOctetString.JSON_encode</a:t>
+            </a:r>
+            <a:r>
+              <a:rPr lang="en-US" dirty="0"/>
+              <a:t>() returns wrong encoded value </a:t>
             </a:r>
           </a:p>
         </p:txBody>
@@ -21167,81 +21255,9 @@
           <a:bodyPr/>
           <a:lstStyle/>
           <a:p>
-            <a:pPr marL="0" indent="0">
-              <a:buNone/>
-            </a:pPr>
-            <a:r>
-              <a:rPr lang="en-US" dirty="0"/>
-              <a:t>Created attachment 281606 [details]</a:t>
-            </a:r>
-          </a:p>
-          <a:p>
-            <a:pPr marL="0" indent="0">
-              <a:buNone/>
-            </a:pPr>
-            <a:r>
-              <a:rPr lang="en-US" dirty="0"/>
-              <a:t>First example file</a:t>
-            </a:r>
-          </a:p>
-          <a:p>
-            <a:pPr marL="0" indent="0">
-              <a:buNone/>
-            </a:pPr>
-            <a:endParaRPr lang="en-US" dirty="0"/>
-          </a:p>
-          <a:p>
-            <a:pPr marL="0" indent="0">
-              <a:buNone/>
-            </a:pPr>
-            <a:r>
-              <a:rPr lang="en-US" dirty="0"/>
-              <a:t>The generated java code of the attached </a:t>
-            </a:r>
-            <a:r>
-              <a:rPr lang="en-US" dirty="0" err="1"/>
-              <a:t>ttcn</a:t>
-            </a:r>
-            <a:r>
-              <a:rPr lang="en-US" dirty="0"/>
-              <a:t> and asn1 code is erroneous.</a:t>
-            </a:r>
-          </a:p>
-          <a:p>
-            <a:pPr marL="0" indent="0">
-              <a:buNone/>
-            </a:pPr>
-            <a:endParaRPr lang="en-US" dirty="0"/>
-          </a:p>
-          <a:p>
-            <a:pPr marL="0" indent="0">
-              <a:buNone/>
-            </a:pPr>
-            <a:r>
-              <a:rPr lang="en-US" dirty="0"/>
-              <a:t>FIXED</a:t>
-            </a:r>
-          </a:p>
-          <a:p>
-            <a:pPr marL="0" indent="0">
-              <a:buNone/>
-            </a:pPr>
-            <a:r>
-              <a:rPr lang="en-US" dirty="0"/>
-              <a:t>Import was missing:</a:t>
-            </a:r>
-          </a:p>
-          <a:p>
-            <a:pPr marL="0" indent="0">
-              <a:buNone/>
-            </a:pPr>
-            <a:r>
-              <a:rPr lang="en-US" dirty="0" err="1"/>
-              <a:t>aData.addBuiltinTypeImport</a:t>
-            </a:r>
-            <a:r>
-              <a:rPr lang="en-US" dirty="0"/>
-              <a:t>("JSON");</a:t>
+            <a:r>
+              <a:rPr lang="en-US" dirty="0"/>
+              <a:t>Fixed.</a:t>
             </a:r>
           </a:p>
         </p:txBody>
@@ -21253,7 +21269,7 @@
     </p:custDataLst>
     <p:extLst>
       <p:ext uri="{BB962C8B-B14F-4D97-AF65-F5344CB8AC3E}">
-        <p14:creationId xmlns:p14="http://schemas.microsoft.com/office/powerpoint/2010/main" val="3703436617"/>
+        <p14:creationId xmlns:p14="http://schemas.microsoft.com/office/powerpoint/2010/main" val="2768371639"/>
       </p:ext>
     </p:extLst>
   </p:cSld>
@@ -21305,19 +21321,19 @@
               <a:rPr lang="en-US" dirty="0">
                 <a:hlinkClick r:id="rId4"/>
               </a:rPr>
-              <a:t>BUG 559630 </a:t>
-            </a:r>
-            <a:r>
-              <a:rPr lang="en-US" dirty="0"/>
-              <a:t>- bugfix: </a:t>
+              <a:t>BUG 559789 </a:t>
+            </a:r>
+            <a:r>
+              <a:rPr lang="en-US" dirty="0"/>
+              <a:t>- ttcn2java Wrong generated code if in ASN1 </a:t>
             </a:r>
             <a:r>
               <a:rPr lang="en-US" dirty="0" err="1"/>
-              <a:t>TitanOctetString.JSON_encode</a:t>
-            </a:r>
-            <a:r>
-              <a:rPr lang="en-US" dirty="0"/>
-              <a:t>() returns wrong encoded value </a:t>
+              <a:t>hexadec</a:t>
+            </a:r>
+            <a:r>
+              <a:rPr lang="en-US" dirty="0"/>
+              <a:t> value assigned to var with type of ANY </a:t>
             </a:r>
           </a:p>
         </p:txBody>
@@ -21343,9 +21359,142 @@
           <a:bodyPr/>
           <a:lstStyle/>
           <a:p>
-            <a:r>
-              <a:rPr lang="en-US" dirty="0"/>
-              <a:t>Fixed.</a:t>
+            <a:pPr marL="0" indent="0">
+              <a:buNone/>
+            </a:pPr>
+            <a:r>
+              <a:rPr lang="en-US" sz="1000" dirty="0"/>
+              <a:t>In an ASN.1 file, if the hexadecimal value is assigned to a value of type ANY, then the ttcn2java code generator created an erroneous code or a semantically correct code which will cause runtime error</a:t>
+            </a:r>
+          </a:p>
+          <a:p>
+            <a:pPr marL="0" indent="0">
+              <a:buNone/>
+            </a:pPr>
+            <a:r>
+              <a:rPr lang="en-US" sz="1000" dirty="0"/>
+              <a:t>For example:</a:t>
+            </a:r>
+          </a:p>
+          <a:p>
+            <a:pPr marL="0" indent="0">
+              <a:buNone/>
+            </a:pPr>
+            <a:r>
+              <a:rPr lang="en-US" sz="1000" dirty="0"/>
+              <a:t>x ANY ::= 'ABBA'H  --erroneous java code</a:t>
+            </a:r>
+          </a:p>
+          <a:p>
+            <a:pPr marL="0" indent="0">
+              <a:buNone/>
+            </a:pPr>
+            <a:r>
+              <a:rPr lang="en-US" sz="1000" dirty="0"/>
+              <a:t>or </a:t>
+            </a:r>
+          </a:p>
+          <a:p>
+            <a:pPr marL="0" indent="0">
+              <a:buNone/>
+            </a:pPr>
+            <a:r>
+              <a:rPr lang="en-US" sz="1000" dirty="0"/>
+              <a:t>Object1 ::= SEQUENCE {</a:t>
+            </a:r>
+          </a:p>
+          <a:p>
+            <a:pPr marL="0" indent="0">
+              <a:buNone/>
+            </a:pPr>
+            <a:r>
+              <a:rPr lang="en-US" sz="1000" dirty="0"/>
+              <a:t>  id OBJECT IDENTIFIER,</a:t>
+            </a:r>
+          </a:p>
+          <a:p>
+            <a:pPr marL="0" indent="0">
+              <a:buNone/>
+            </a:pPr>
+            <a:r>
+              <a:rPr lang="en-US" sz="1000" dirty="0"/>
+              <a:t>  data ANY</a:t>
+            </a:r>
+          </a:p>
+          <a:p>
+            <a:pPr marL="0" indent="0">
+              <a:buNone/>
+            </a:pPr>
+            <a:r>
+              <a:rPr lang="en-US" sz="1000" dirty="0"/>
+              <a:t>}</a:t>
+            </a:r>
+          </a:p>
+          <a:p>
+            <a:pPr marL="0" indent="0">
+              <a:buNone/>
+            </a:pPr>
+            <a:r>
+              <a:rPr lang="en-US" sz="1000" dirty="0"/>
+              <a:t>c-obj Object1 ::= {</a:t>
+            </a:r>
+          </a:p>
+          <a:p>
+            <a:pPr marL="0" indent="0">
+              <a:buNone/>
+            </a:pPr>
+            <a:r>
+              <a:rPr lang="en-US" sz="1000" dirty="0"/>
+              <a:t>  id { joint-iso-</a:t>
+            </a:r>
+            <a:r>
+              <a:rPr lang="en-US" sz="1000" dirty="0" err="1"/>
+              <a:t>itu-t</a:t>
+            </a:r>
+            <a:r>
+              <a:rPr lang="en-US" sz="1000" dirty="0"/>
+              <a:t> remote-operations(4) </a:t>
+            </a:r>
+            <a:r>
+              <a:rPr lang="en-US" sz="1000" dirty="0" err="1"/>
+              <a:t>informationObjects</a:t>
+            </a:r>
+            <a:r>
+              <a:rPr lang="en-US" sz="1000" dirty="0"/>
+              <a:t>(5) version1(0) },</a:t>
+            </a:r>
+          </a:p>
+          <a:p>
+            <a:pPr marL="0" indent="0">
+              <a:buNone/>
+            </a:pPr>
+            <a:r>
+              <a:rPr lang="en-US" sz="1000" dirty="0"/>
+              <a:t>  data 'DEADBEEF'H  --runtime error</a:t>
+            </a:r>
+          </a:p>
+          <a:p>
+            <a:pPr marL="0" indent="0">
+              <a:buNone/>
+            </a:pPr>
+            <a:r>
+              <a:rPr lang="en-US" sz="1000" dirty="0"/>
+              <a:t>}</a:t>
+            </a:r>
+          </a:p>
+          <a:p>
+            <a:pPr marL="0" indent="0">
+              <a:buNone/>
+            </a:pPr>
+            <a:endParaRPr lang="en-US" sz="1000" dirty="0"/>
+          </a:p>
+          <a:p>
+            <a:pPr marL="0" indent="0">
+              <a:buNone/>
+            </a:pPr>
+            <a:r>
+              <a:rPr lang="en-US" sz="1000" dirty="0"/>
+              <a:t>FIXED.</a:t>
             </a:r>
           </a:p>
         </p:txBody>
@@ -21357,7 +21506,7 @@
     </p:custDataLst>
     <p:extLst>
       <p:ext uri="{BB962C8B-B14F-4D97-AF65-F5344CB8AC3E}">
-        <p14:creationId xmlns:p14="http://schemas.microsoft.com/office/powerpoint/2010/main" val="2768371639"/>
+        <p14:creationId xmlns:p14="http://schemas.microsoft.com/office/powerpoint/2010/main" val="2217348173"/>
       </p:ext>
     </p:extLst>
   </p:cSld>
@@ -21515,19 +21664,11 @@
               <a:rPr lang="en-US" dirty="0">
                 <a:hlinkClick r:id="rId4"/>
               </a:rPr>
-              <a:t>BUG 559789 </a:t>
-            </a:r>
-            <a:r>
-              <a:rPr lang="en-US" dirty="0"/>
-              <a:t>- ttcn2java Wrong generated code if in ASN1 </a:t>
-            </a:r>
-            <a:r>
-              <a:rPr lang="en-US" dirty="0" err="1"/>
-              <a:t>hexadec</a:t>
-            </a:r>
-            <a:r>
-              <a:rPr lang="en-US" dirty="0"/>
-              <a:t> value assigned to var with type of ANY </a:t>
+              <a:t>BUG 559978 </a:t>
+            </a:r>
+            <a:r>
+              <a:rPr lang="en-US" dirty="0"/>
+              <a:t>- potential coding issues to be checked with unnamed temporal objects </a:t>
             </a:r>
           </a:p>
         </p:txBody>
@@ -21557,8 +21698,24 @@
               <a:buNone/>
             </a:pPr>
             <a:r>
-              <a:rPr lang="en-US" sz="1000" dirty="0"/>
-              <a:t>In an ASN.1 file, if the hexadecimal value is assigned to a value of type ANY, then the ttcn2java code generator created an erroneous code or a semantically correct code which will cause runtime error</a:t>
+              <a:rPr lang="en-US" dirty="0"/>
+              <a:t>In some locations the error context tracking </a:t>
+            </a:r>
+            <a:r>
+              <a:rPr lang="en-US" dirty="0" err="1"/>
+              <a:t>objact</a:t>
+            </a:r>
+            <a:r>
+              <a:rPr lang="en-US" dirty="0"/>
+              <a:t> is </a:t>
+            </a:r>
+            <a:r>
+              <a:rPr lang="en-US" dirty="0" err="1"/>
+              <a:t>contructed</a:t>
+            </a:r>
+            <a:r>
+              <a:rPr lang="en-US" dirty="0"/>
+              <a:t> without a local variable.</a:t>
             </a:r>
           </a:p>
           <a:p>
@@ -21566,26 +21723,31 @@
               <a:buNone/>
             </a:pPr>
             <a:r>
-              <a:rPr lang="en-US" sz="1000" dirty="0"/>
-              <a:t>For example:</a:t>
+              <a:rPr lang="en-US" dirty="0"/>
+              <a:t>Which instructs the C++ compiler to destruct it at the end of the full expression, instead of the scope it is located in.</a:t>
             </a:r>
           </a:p>
           <a:p>
             <a:pPr marL="0" indent="0">
               <a:buNone/>
             </a:pPr>
-            <a:r>
-              <a:rPr lang="en-US" sz="1000" dirty="0"/>
-              <a:t>x ANY ::= 'ABBA'H  --erroneous java code</a:t>
-            </a:r>
+            <a:endParaRPr lang="en-US" dirty="0"/>
           </a:p>
           <a:p>
             <a:pPr marL="0" indent="0">
               <a:buNone/>
             </a:pPr>
             <a:r>
-              <a:rPr lang="en-US" sz="1000" dirty="0"/>
-              <a:t>or </a:t>
+              <a:rPr lang="en-US" dirty="0"/>
+              <a:t>for example Statement.cc, "</a:t>
+            </a:r>
+            <a:r>
+              <a:rPr lang="en-US" dirty="0" err="1"/>
+              <a:t>chk_signature_ref</a:t>
+            </a:r>
+            <a:r>
+              <a:rPr lang="en-US" dirty="0"/>
+              <a:t>" has the following code:</a:t>
             </a:r>
           </a:p>
           <a:p>
@@ -21593,102 +21755,62 @@
               <a:buNone/>
             </a:pPr>
             <a:r>
-              <a:rPr lang="en-US" sz="1000" dirty="0"/>
-              <a:t>Object1 ::= SEQUENCE {</a:t>
+              <a:rPr lang="en-US" dirty="0"/>
+              <a:t>"</a:t>
+            </a:r>
+            <a:r>
+              <a:rPr lang="en-US" dirty="0" err="1"/>
+              <a:t>Error_Context</a:t>
+            </a:r>
+            <a:r>
+              <a:rPr lang="en-US" dirty="0"/>
+              <a:t>(</a:t>
+            </a:r>
+            <a:r>
+              <a:rPr lang="en-US" dirty="0" err="1"/>
+              <a:t>p_ref</a:t>
+            </a:r>
+            <a:r>
+              <a:rPr lang="en-US" dirty="0"/>
+              <a:t>, "In signature");"</a:t>
             </a:r>
           </a:p>
           <a:p>
             <a:pPr marL="0" indent="0">
               <a:buNone/>
             </a:pPr>
-            <a:r>
-              <a:rPr lang="en-US" sz="1000" dirty="0"/>
-              <a:t>  id OBJECT IDENTIFIER,</a:t>
-            </a:r>
+            <a:endParaRPr lang="en-US" dirty="0"/>
           </a:p>
           <a:p>
             <a:pPr marL="0" indent="0">
               <a:buNone/>
             </a:pPr>
             <a:r>
-              <a:rPr lang="en-US" sz="1000" dirty="0"/>
-              <a:t>  data ANY</a:t>
+              <a:rPr lang="en-US" dirty="0"/>
+              <a:t>This is not the intended </a:t>
+            </a:r>
+            <a:r>
+              <a:rPr lang="en-US" dirty="0" err="1"/>
+              <a:t>behaviour</a:t>
+            </a:r>
+            <a:r>
+              <a:rPr lang="en-US" dirty="0"/>
+              <a:t>, and also is an incorrect use of our related code pattern.</a:t>
             </a:r>
           </a:p>
           <a:p>
             <a:pPr marL="0" indent="0">
               <a:buNone/>
             </a:pPr>
-            <a:r>
-              <a:rPr lang="en-US" sz="1000" dirty="0"/>
-              <a:t>}</a:t>
-            </a:r>
+            <a:endParaRPr lang="en-US" dirty="0"/>
           </a:p>
           <a:p>
             <a:pPr marL="0" indent="0">
               <a:buNone/>
             </a:pPr>
             <a:r>
-              <a:rPr lang="en-US" sz="1000" dirty="0"/>
-              <a:t>c-obj Object1 ::= {</a:t>
-            </a:r>
-          </a:p>
-          <a:p>
-            <a:pPr marL="0" indent="0">
-              <a:buNone/>
-            </a:pPr>
-            <a:r>
-              <a:rPr lang="en-US" sz="1000" dirty="0"/>
-              <a:t>  id { joint-iso-</a:t>
-            </a:r>
-            <a:r>
-              <a:rPr lang="en-US" sz="1000" dirty="0" err="1"/>
-              <a:t>itu-t</a:t>
-            </a:r>
-            <a:r>
-              <a:rPr lang="en-US" sz="1000" dirty="0"/>
-              <a:t> remote-operations(4) </a:t>
-            </a:r>
-            <a:r>
-              <a:rPr lang="en-US" sz="1000" dirty="0" err="1"/>
-              <a:t>informationObjects</a:t>
-            </a:r>
-            <a:r>
-              <a:rPr lang="en-US" sz="1000" dirty="0"/>
-              <a:t>(5) version1(0) },</a:t>
-            </a:r>
-          </a:p>
-          <a:p>
-            <a:pPr marL="0" indent="0">
-              <a:buNone/>
-            </a:pPr>
-            <a:r>
-              <a:rPr lang="en-US" sz="1000" dirty="0"/>
-              <a:t>  data 'DEADBEEF'H  --runtime error</a:t>
-            </a:r>
-          </a:p>
-          <a:p>
-            <a:pPr marL="0" indent="0">
-              <a:buNone/>
-            </a:pPr>
-            <a:r>
-              <a:rPr lang="en-US" sz="1000" dirty="0"/>
-              <a:t>}</a:t>
-            </a:r>
-          </a:p>
-          <a:p>
-            <a:pPr marL="0" indent="0">
-              <a:buNone/>
-            </a:pPr>
-            <a:endParaRPr lang="en-US" sz="1000" dirty="0"/>
-          </a:p>
-          <a:p>
-            <a:pPr marL="0" indent="0">
-              <a:buNone/>
-            </a:pPr>
-            <a:r>
-              <a:rPr lang="en-US" sz="1000" dirty="0"/>
-              <a:t>FIXED.</a:t>
+              <a:rPr lang="en-US" dirty="0"/>
+              <a:t>FIXED</a:t>
             </a:r>
           </a:p>
         </p:txBody>
@@ -21700,7 +21822,7 @@
     </p:custDataLst>
     <p:extLst>
       <p:ext uri="{BB962C8B-B14F-4D97-AF65-F5344CB8AC3E}">
-        <p14:creationId xmlns:p14="http://schemas.microsoft.com/office/powerpoint/2010/main" val="2217348173"/>
+        <p14:creationId xmlns:p14="http://schemas.microsoft.com/office/powerpoint/2010/main" val="2210691017"/>
       </p:ext>
     </p:extLst>
   </p:cSld>
@@ -21752,11 +21874,27 @@
               <a:rPr lang="en-US" dirty="0">
                 <a:hlinkClick r:id="rId4"/>
               </a:rPr>
-              <a:t>BUG 559978 </a:t>
-            </a:r>
-            <a:r>
-              <a:rPr lang="en-US" dirty="0"/>
-              <a:t>- potential coding issues to be checked with unnamed temporal objects </a:t>
+              <a:t>BUG 559652 </a:t>
+            </a:r>
+            <a:r>
+              <a:rPr lang="en-US" dirty="0"/>
+              <a:t>- False semantic error for </a:t>
+            </a:r>
+            <a:r>
+              <a:rPr lang="en-US" dirty="0" err="1"/>
+              <a:t>encvalue</a:t>
+            </a:r>
+            <a:r>
+              <a:rPr lang="en-US" dirty="0"/>
+              <a:t>() of value of </a:t>
+            </a:r>
+            <a:r>
+              <a:rPr lang="en-US" dirty="0" err="1"/>
+              <a:t>anytype</a:t>
+            </a:r>
+            <a:r>
+              <a:rPr lang="en-US" dirty="0"/>
+              <a:t> </a:t>
             </a:r>
           </a:p>
         </p:txBody>
@@ -21786,24 +21924,16 @@
               <a:buNone/>
             </a:pPr>
             <a:r>
-              <a:rPr lang="en-US" dirty="0"/>
-              <a:t>In some locations the error context tracking </a:t>
-            </a:r>
-            <a:r>
-              <a:rPr lang="en-US" dirty="0" err="1"/>
-              <a:t>objact</a:t>
-            </a:r>
-            <a:r>
-              <a:rPr lang="en-US" dirty="0"/>
-              <a:t> is </a:t>
-            </a:r>
-            <a:r>
-              <a:rPr lang="en-US" dirty="0" err="1"/>
-              <a:t>contructed</a:t>
-            </a:r>
-            <a:r>
-              <a:rPr lang="en-US" dirty="0"/>
-              <a:t> without a local variable.</a:t>
+              <a:rPr lang="en-US" sz="900" dirty="0"/>
+              <a:t>module </a:t>
+            </a:r>
+            <a:r>
+              <a:rPr lang="en-US" sz="900" dirty="0" err="1"/>
+              <a:t>AnytypeMarkerTest</a:t>
+            </a:r>
+            <a:r>
+              <a:rPr lang="en-US" sz="900" dirty="0"/>
+              <a:t> {</a:t>
             </a:r>
           </a:p>
           <a:p>
@@ -21811,31 +21941,34 @@
               <a:buNone/>
             </a:pPr>
             <a:r>
-              <a:rPr lang="en-US" dirty="0"/>
-              <a:t>Which instructs the C++ compiler to destruct it at the end of the full expression, instead of the scope it is located in.</a:t>
+              <a:rPr lang="en-US" sz="900" dirty="0"/>
+              <a:t>type integer I;</a:t>
             </a:r>
           </a:p>
           <a:p>
             <a:pPr marL="0" indent="0">
               <a:buNone/>
             </a:pPr>
-            <a:endParaRPr lang="en-US" dirty="0"/>
+            <a:r>
+              <a:rPr lang="en-US" sz="900" dirty="0"/>
+              <a:t>type </a:t>
+            </a:r>
+            <a:r>
+              <a:rPr lang="en-US" sz="900" dirty="0" err="1"/>
+              <a:t>charstring</a:t>
+            </a:r>
+            <a:r>
+              <a:rPr lang="en-US" sz="900" dirty="0"/>
+              <a:t> CS;</a:t>
+            </a:r>
           </a:p>
           <a:p>
             <a:pPr marL="0" indent="0">
               <a:buNone/>
             </a:pPr>
             <a:r>
-              <a:rPr lang="en-US" dirty="0"/>
-              <a:t>for example Statement.cc, "</a:t>
-            </a:r>
-            <a:r>
-              <a:rPr lang="en-US" dirty="0" err="1"/>
-              <a:t>chk_signature_ref</a:t>
-            </a:r>
-            <a:r>
-              <a:rPr lang="en-US" dirty="0"/>
-              <a:t>" has the following code:</a:t>
+              <a:rPr lang="en-US" sz="900" dirty="0"/>
+              <a:t>control {</a:t>
             </a:r>
           </a:p>
           <a:p>
@@ -21843,62 +21976,183 @@
               <a:buNone/>
             </a:pPr>
             <a:r>
-              <a:rPr lang="en-US" dirty="0"/>
-              <a:t>"</a:t>
-            </a:r>
-            <a:r>
-              <a:rPr lang="en-US" dirty="0" err="1"/>
-              <a:t>Error_Context</a:t>
-            </a:r>
-            <a:r>
-              <a:rPr lang="en-US" dirty="0"/>
-              <a:t>(</a:t>
-            </a:r>
-            <a:r>
-              <a:rPr lang="en-US" dirty="0" err="1"/>
-              <a:t>p_ref</a:t>
-            </a:r>
-            <a:r>
-              <a:rPr lang="en-US" dirty="0"/>
-              <a:t>, "In signature");"</a:t>
+              <a:rPr lang="en-US" sz="900" dirty="0"/>
+              <a:t>  var </a:t>
+            </a:r>
+            <a:r>
+              <a:rPr lang="en-US" sz="900" dirty="0" err="1"/>
+              <a:t>anytype</a:t>
+            </a:r>
+            <a:r>
+              <a:rPr lang="en-US" sz="900" dirty="0"/>
+              <a:t> a;</a:t>
             </a:r>
           </a:p>
           <a:p>
             <a:pPr marL="0" indent="0">
               <a:buNone/>
             </a:pPr>
-            <a:endParaRPr lang="en-US" dirty="0"/>
+            <a:r>
+              <a:rPr lang="en-US" sz="900" dirty="0"/>
+              <a:t>  </a:t>
+            </a:r>
+            <a:r>
+              <a:rPr lang="en-US" sz="900" dirty="0" err="1"/>
+              <a:t>a.I</a:t>
+            </a:r>
+            <a:r>
+              <a:rPr lang="en-US" sz="900" dirty="0"/>
+              <a:t> := 1;</a:t>
+            </a:r>
           </a:p>
           <a:p>
             <a:pPr marL="0" indent="0">
               <a:buNone/>
             </a:pPr>
             <a:r>
-              <a:rPr lang="en-US" dirty="0"/>
-              <a:t>This is not the intended </a:t>
-            </a:r>
-            <a:r>
-              <a:rPr lang="en-US" dirty="0" err="1"/>
-              <a:t>behaviour</a:t>
-            </a:r>
-            <a:r>
-              <a:rPr lang="en-US" dirty="0"/>
-              <a:t>, and also is an incorrect use of our related code pattern.</a:t>
+              <a:rPr lang="en-US" sz="900" dirty="0"/>
+              <a:t>  var </a:t>
+            </a:r>
+            <a:r>
+              <a:rPr lang="en-US" sz="900" dirty="0" err="1"/>
+              <a:t>bitstring</a:t>
+            </a:r>
+            <a:r>
+              <a:rPr lang="en-US" sz="900" dirty="0"/>
+              <a:t> bs := </a:t>
+            </a:r>
+            <a:r>
+              <a:rPr lang="en-US" sz="900" dirty="0" err="1"/>
+              <a:t>encvalue</a:t>
+            </a:r>
+            <a:r>
+              <a:rPr lang="en-US" sz="900" dirty="0"/>
+              <a:t>(a);//marker on this line</a:t>
             </a:r>
           </a:p>
           <a:p>
             <a:pPr marL="0" indent="0">
               <a:buNone/>
             </a:pPr>
-            <a:endParaRPr lang="en-US" dirty="0"/>
+            <a:r>
+              <a:rPr lang="en-US" sz="900" dirty="0"/>
+              <a:t>}</a:t>
+            </a:r>
           </a:p>
           <a:p>
             <a:pPr marL="0" indent="0">
               <a:buNone/>
             </a:pPr>
             <a:r>
-              <a:rPr lang="en-US" dirty="0"/>
-              <a:t>FIXED</a:t>
+              <a:rPr lang="en-US" sz="900" dirty="0"/>
+              <a:t>} with {</a:t>
+            </a:r>
+          </a:p>
+          <a:p>
+            <a:pPr marL="0" indent="0">
+              <a:buNone/>
+            </a:pPr>
+            <a:r>
+              <a:rPr lang="en-US" sz="900" dirty="0"/>
+              <a:t>encode "JSON";</a:t>
+            </a:r>
+          </a:p>
+          <a:p>
+            <a:pPr marL="0" indent="0">
+              <a:buNone/>
+            </a:pPr>
+            <a:r>
+              <a:rPr lang="en-US" sz="900" dirty="0"/>
+              <a:t>extension "</a:t>
+            </a:r>
+            <a:r>
+              <a:rPr lang="en-US" sz="900" dirty="0" err="1"/>
+              <a:t>anytype</a:t>
+            </a:r>
+            <a:r>
+              <a:rPr lang="en-US" sz="900" dirty="0"/>
+              <a:t> I, CS";</a:t>
+            </a:r>
+          </a:p>
+          <a:p>
+            <a:pPr marL="0" indent="0">
+              <a:buNone/>
+            </a:pPr>
+            <a:r>
+              <a:rPr lang="en-US" sz="900" dirty="0"/>
+              <a:t>}</a:t>
+            </a:r>
+          </a:p>
+          <a:p>
+            <a:pPr marL="0" indent="0">
+              <a:buNone/>
+            </a:pPr>
+            <a:endParaRPr lang="en-US" sz="900" dirty="0"/>
+          </a:p>
+          <a:p>
+            <a:pPr marL="0" indent="0">
+              <a:buNone/>
+            </a:pPr>
+            <a:r>
+              <a:rPr lang="en-US" sz="900" dirty="0"/>
+              <a:t>Marker text:</a:t>
+            </a:r>
+          </a:p>
+          <a:p>
+            <a:pPr marL="0" indent="0">
+              <a:buNone/>
+            </a:pPr>
+            <a:r>
+              <a:rPr lang="en-US" sz="900" dirty="0"/>
+              <a:t>============</a:t>
+            </a:r>
+          </a:p>
+          <a:p>
+            <a:pPr marL="0" indent="0">
+              <a:buNone/>
+            </a:pPr>
+            <a:r>
+              <a:rPr lang="en-US" sz="900" dirty="0"/>
+              <a:t>No coding rule specified for type `@</a:t>
+            </a:r>
+            <a:r>
+              <a:rPr lang="en-US" sz="900" dirty="0" err="1"/>
+              <a:t>AnytypeMarkerTest.anytype</a:t>
+            </a:r>
+            <a:r>
+              <a:rPr lang="en-US" sz="900" dirty="0"/>
+              <a:t>'	</a:t>
+            </a:r>
+            <a:r>
+              <a:rPr lang="en-US" sz="900" dirty="0" err="1"/>
+              <a:t>AnytypeMarkerTest.ttcn</a:t>
+            </a:r>
+            <a:r>
+              <a:rPr lang="en-US" sz="900" dirty="0"/>
+              <a:t>	/TR_2020_01_ttcn2java/</a:t>
+            </a:r>
+            <a:r>
+              <a:rPr lang="en-US" sz="900" dirty="0" err="1"/>
+              <a:t>src</a:t>
+            </a:r>
+            <a:r>
+              <a:rPr lang="en-US" sz="900" dirty="0"/>
+              <a:t>	line 9	on-the-fly semantic markers</a:t>
+            </a:r>
+          </a:p>
+          <a:p>
+            <a:pPr marL="0" indent="0">
+              <a:buNone/>
+            </a:pPr>
+            <a:endParaRPr lang="en-US" sz="900" dirty="0"/>
+          </a:p>
+          <a:p>
+            <a:pPr marL="0" indent="0">
+              <a:buNone/>
+            </a:pPr>
+            <a:r>
+              <a:rPr lang="en-US" sz="900" dirty="0"/>
+              <a:t>FIXED.</a:t>
             </a:r>
           </a:p>
         </p:txBody>
@@ -21910,7 +22164,7 @@
     </p:custDataLst>
     <p:extLst>
       <p:ext uri="{BB962C8B-B14F-4D97-AF65-F5344CB8AC3E}">
-        <p14:creationId xmlns:p14="http://schemas.microsoft.com/office/powerpoint/2010/main" val="2210691017"/>
+        <p14:creationId xmlns:p14="http://schemas.microsoft.com/office/powerpoint/2010/main" val="2797501618"/>
       </p:ext>
     </p:extLst>
   </p:cSld>
@@ -21962,27 +22216,11 @@
               <a:rPr lang="en-US" dirty="0">
                 <a:hlinkClick r:id="rId4"/>
               </a:rPr>
-              <a:t>BUG 559652 </a:t>
-            </a:r>
-            <a:r>
-              <a:rPr lang="en-US" dirty="0"/>
-              <a:t>- False semantic error for </a:t>
-            </a:r>
-            <a:r>
-              <a:rPr lang="en-US" dirty="0" err="1"/>
-              <a:t>encvalue</a:t>
-            </a:r>
-            <a:r>
-              <a:rPr lang="en-US" dirty="0"/>
-              <a:t>() of value of </a:t>
-            </a:r>
-            <a:r>
-              <a:rPr lang="en-US" dirty="0" err="1"/>
-              <a:t>anytype</a:t>
-            </a:r>
-            <a:r>
-              <a:rPr lang="en-US" dirty="0"/>
-              <a:t> </a:t>
+              <a:t>BUG 559371 </a:t>
+            </a:r>
+            <a:r>
+              <a:rPr lang="en-US" dirty="0"/>
+              <a:t>- Faulty code for select union </a:t>
             </a:r>
           </a:p>
         </p:txBody>
@@ -22012,16 +22250,8 @@
               <a:buNone/>
             </a:pPr>
             <a:r>
-              <a:rPr lang="en-US" sz="900" dirty="0"/>
-              <a:t>module </a:t>
-            </a:r>
-            <a:r>
-              <a:rPr lang="en-US" sz="900" dirty="0" err="1"/>
-              <a:t>AnytypeMarkerTest</a:t>
-            </a:r>
-            <a:r>
-              <a:rPr lang="en-US" sz="900" dirty="0"/>
-              <a:t> {</a:t>
+              <a:rPr lang="en-US" dirty="0"/>
+              <a:t>Faulty code generated for select union in the case of optional field</a:t>
             </a:r>
           </a:p>
           <a:p>
@@ -22029,8 +22259,8 @@
               <a:buNone/>
             </a:pPr>
             <a:r>
-              <a:rPr lang="en-US" sz="900" dirty="0"/>
-              <a:t>type integer I;</a:t>
+              <a:rPr lang="en-US" dirty="0"/>
+              <a:t>The generated code:</a:t>
             </a:r>
           </a:p>
           <a:p>
@@ -22038,16 +22268,40 @@
               <a:buNone/>
             </a:pPr>
             <a:r>
-              <a:rPr lang="en-US" sz="900" dirty="0"/>
-              <a:t>type </a:t>
-            </a:r>
-            <a:r>
-              <a:rPr lang="en-US" sz="900" dirty="0" err="1"/>
-              <a:t>charstring</a:t>
-            </a:r>
-            <a:r>
-              <a:rPr lang="en-US" sz="900" dirty="0"/>
-              <a:t> CS;</a:t>
+              <a:rPr lang="en-US" dirty="0"/>
+              <a:t>switch(</a:t>
+            </a:r>
+            <a:r>
+              <a:rPr lang="en-US" dirty="0" err="1"/>
+              <a:t>const_cast</a:t>
+            </a:r>
+            <a:r>
+              <a:rPr lang="en-US" dirty="0"/>
+              <a:t>&lt; const HTTP2__headers__struct&amp;&gt;(</a:t>
+            </a:r>
+            <a:r>
+              <a:rPr lang="en-US" dirty="0" err="1"/>
+              <a:t>vl</a:t>
+            </a:r>
+            <a:r>
+              <a:rPr lang="en-US" dirty="0"/>
+              <a:t>__headers).</a:t>
+            </a:r>
+            <a:r>
+              <a:rPr lang="en-US" dirty="0" err="1"/>
+              <a:t>content__type</a:t>
+            </a:r>
+            <a:r>
+              <a:rPr lang="en-US" dirty="0"/>
+              <a:t>().</a:t>
+            </a:r>
+            <a:r>
+              <a:rPr lang="en-US" dirty="0" err="1"/>
+              <a:t>get_selection</a:t>
+            </a:r>
+            <a:r>
+              <a:rPr lang="en-US" dirty="0"/>
+              <a:t>()) {</a:t>
             </a:r>
           </a:p>
           <a:p>
@@ -22055,8 +22309,8 @@
               <a:buNone/>
             </a:pPr>
             <a:r>
-              <a:rPr lang="en-US" sz="900" dirty="0"/>
-              <a:t>control {</a:t>
+              <a:rPr lang="en-US" dirty="0"/>
+              <a:t>should be:</a:t>
             </a:r>
           </a:p>
           <a:p>
@@ -22064,58 +22318,55 @@
               <a:buNone/>
             </a:pPr>
             <a:r>
-              <a:rPr lang="en-US" sz="900" dirty="0"/>
-              <a:t>  var </a:t>
-            </a:r>
-            <a:r>
-              <a:rPr lang="en-US" sz="900" dirty="0" err="1"/>
-              <a:t>anytype</a:t>
-            </a:r>
-            <a:r>
-              <a:rPr lang="en-US" sz="900" dirty="0"/>
-              <a:t> a;</a:t>
+              <a:rPr lang="en-US" dirty="0"/>
+              <a:t>switch(</a:t>
+            </a:r>
+            <a:r>
+              <a:rPr lang="en-US" dirty="0" err="1"/>
+              <a:t>const_cast</a:t>
+            </a:r>
+            <a:r>
+              <a:rPr lang="en-US" dirty="0"/>
+              <a:t>&lt; const HTTP2__headers__struct&amp;&gt;(</a:t>
+            </a:r>
+            <a:r>
+              <a:rPr lang="en-US" dirty="0" err="1"/>
+              <a:t>vl</a:t>
+            </a:r>
+            <a:r>
+              <a:rPr lang="en-US" dirty="0"/>
+              <a:t>__headers).</a:t>
+            </a:r>
+            <a:r>
+              <a:rPr lang="en-US" dirty="0" err="1"/>
+              <a:t>content__type</a:t>
+            </a:r>
+            <a:r>
+              <a:rPr lang="en-US" dirty="0"/>
+              <a:t>()().</a:t>
+            </a:r>
+            <a:r>
+              <a:rPr lang="en-US" dirty="0" err="1"/>
+              <a:t>get_selection</a:t>
+            </a:r>
+            <a:r>
+              <a:rPr lang="en-US" dirty="0"/>
+              <a:t>()) {</a:t>
             </a:r>
           </a:p>
           <a:p>
             <a:pPr marL="0" indent="0">
               <a:buNone/>
             </a:pPr>
-            <a:r>
-              <a:rPr lang="en-US" sz="900" dirty="0"/>
-              <a:t>  </a:t>
-            </a:r>
-            <a:r>
-              <a:rPr lang="en-US" sz="900" dirty="0" err="1"/>
-              <a:t>a.I</a:t>
-            </a:r>
-            <a:r>
-              <a:rPr lang="en-US" sz="900" dirty="0"/>
-              <a:t> := 1;</a:t>
-            </a:r>
+            <a:endParaRPr lang="en-US" dirty="0"/>
           </a:p>
           <a:p>
             <a:pPr marL="0" indent="0">
               <a:buNone/>
             </a:pPr>
             <a:r>
-              <a:rPr lang="en-US" sz="900" dirty="0"/>
-              <a:t>  var </a:t>
-            </a:r>
-            <a:r>
-              <a:rPr lang="en-US" sz="900" dirty="0" err="1"/>
-              <a:t>bitstring</a:t>
-            </a:r>
-            <a:r>
-              <a:rPr lang="en-US" sz="900" dirty="0"/>
-              <a:t> bs := </a:t>
-            </a:r>
-            <a:r>
-              <a:rPr lang="en-US" sz="900" dirty="0" err="1"/>
-              <a:t>encvalue</a:t>
-            </a:r>
-            <a:r>
-              <a:rPr lang="en-US" sz="900" dirty="0"/>
-              <a:t>(a);//marker on this line</a:t>
+              <a:rPr lang="en-US" dirty="0"/>
+              <a:t>Fixed.</a:t>
             </a:r>
           </a:p>
           <a:p>
@@ -22123,124 +22374,24 @@
               <a:buNone/>
             </a:pPr>
             <a:r>
-              <a:rPr lang="en-US" sz="900" dirty="0"/>
-              <a:t>}</a:t>
-            </a:r>
-          </a:p>
-          <a:p>
-            <a:pPr marL="0" indent="0">
-              <a:buNone/>
-            </a:pPr>
-            <a:r>
-              <a:rPr lang="en-US" sz="900" dirty="0"/>
-              <a:t>} with {</a:t>
-            </a:r>
-          </a:p>
-          <a:p>
-            <a:pPr marL="0" indent="0">
-              <a:buNone/>
-            </a:pPr>
-            <a:r>
-              <a:rPr lang="en-US" sz="900" dirty="0"/>
-              <a:t>encode "JSON";</a:t>
-            </a:r>
-          </a:p>
-          <a:p>
-            <a:pPr marL="0" indent="0">
-              <a:buNone/>
-            </a:pPr>
-            <a:r>
-              <a:rPr lang="en-US" sz="900" dirty="0"/>
-              <a:t>extension "</a:t>
-            </a:r>
-            <a:r>
-              <a:rPr lang="en-US" sz="900" dirty="0" err="1"/>
-              <a:t>anytype</a:t>
-            </a:r>
-            <a:r>
-              <a:rPr lang="en-US" sz="900" dirty="0"/>
-              <a:t> I, CS";</a:t>
-            </a:r>
-          </a:p>
-          <a:p>
-            <a:pPr marL="0" indent="0">
-              <a:buNone/>
-            </a:pPr>
-            <a:r>
-              <a:rPr lang="en-US" sz="900" dirty="0"/>
-              <a:t>}</a:t>
-            </a:r>
-          </a:p>
-          <a:p>
-            <a:pPr marL="0" indent="0">
-              <a:buNone/>
-            </a:pPr>
-            <a:endParaRPr lang="en-US" sz="900" dirty="0"/>
-          </a:p>
-          <a:p>
-            <a:pPr marL="0" indent="0">
-              <a:buNone/>
-            </a:pPr>
-            <a:r>
-              <a:rPr lang="en-US" sz="900" dirty="0"/>
-              <a:t>Marker text:</a:t>
-            </a:r>
-          </a:p>
-          <a:p>
-            <a:pPr marL="0" indent="0">
-              <a:buNone/>
-            </a:pPr>
-            <a:r>
-              <a:rPr lang="en-US" sz="900" dirty="0"/>
-              <a:t>============</a:t>
-            </a:r>
-          </a:p>
-          <a:p>
-            <a:pPr marL="0" indent="0">
-              <a:buNone/>
-            </a:pPr>
-            <a:r>
-              <a:rPr lang="en-US" sz="900" dirty="0"/>
-              <a:t>No coding rule specified for type `@</a:t>
-            </a:r>
-            <a:r>
-              <a:rPr lang="en-US" sz="900" dirty="0" err="1"/>
-              <a:t>AnytypeMarkerTest.anytype</a:t>
-            </a:r>
-            <a:r>
-              <a:rPr lang="en-US" sz="900" dirty="0"/>
-              <a:t>'	</a:t>
-            </a:r>
-            <a:r>
-              <a:rPr lang="en-US" sz="900" dirty="0" err="1"/>
-              <a:t>AnytypeMarkerTest.ttcn</a:t>
-            </a:r>
-            <a:r>
-              <a:rPr lang="en-US" sz="900" dirty="0"/>
-              <a:t>	/TR_2020_01_ttcn2java/</a:t>
-            </a:r>
-            <a:r>
-              <a:rPr lang="en-US" sz="900" dirty="0" err="1"/>
-              <a:t>src</a:t>
-            </a:r>
-            <a:r>
-              <a:rPr lang="en-US" sz="900" dirty="0"/>
-              <a:t>	line 9	on-the-fly semantic markers</a:t>
-            </a:r>
-          </a:p>
-          <a:p>
-            <a:pPr marL="0" indent="0">
-              <a:buNone/>
-            </a:pPr>
-            <a:endParaRPr lang="en-US" sz="900" dirty="0"/>
-          </a:p>
-          <a:p>
-            <a:pPr marL="0" indent="0">
-              <a:buNone/>
-            </a:pPr>
-            <a:r>
-              <a:rPr lang="en-US" sz="900" dirty="0"/>
-              <a:t>FIXED.</a:t>
+              <a:rPr lang="en-US" dirty="0"/>
+              <a:t>New test case added to </a:t>
+            </a:r>
+            <a:r>
+              <a:rPr lang="en-US" dirty="0" err="1"/>
+              <a:t>regression_test</a:t>
+            </a:r>
+            <a:r>
+              <a:rPr lang="en-US" dirty="0"/>
+              <a:t>/</a:t>
+            </a:r>
+            <a:r>
+              <a:rPr lang="en-US" dirty="0" err="1"/>
+              <a:t>selectUnion</a:t>
+            </a:r>
+            <a:r>
+              <a:rPr lang="en-US" dirty="0"/>
+              <a:t>.</a:t>
             </a:r>
           </a:p>
         </p:txBody>
@@ -22252,7 +22403,7 @@
     </p:custDataLst>
     <p:extLst>
       <p:ext uri="{BB962C8B-B14F-4D97-AF65-F5344CB8AC3E}">
-        <p14:creationId xmlns:p14="http://schemas.microsoft.com/office/powerpoint/2010/main" val="2797501618"/>
+        <p14:creationId xmlns:p14="http://schemas.microsoft.com/office/powerpoint/2010/main" val="571384652"/>
       </p:ext>
     </p:extLst>
   </p:cSld>
@@ -22304,11 +22455,11 @@
               <a:rPr lang="en-US" dirty="0">
                 <a:hlinkClick r:id="rId4"/>
               </a:rPr>
-              <a:t>BUG 559371 </a:t>
-            </a:r>
-            <a:r>
-              <a:rPr lang="en-US" dirty="0"/>
-              <a:t>- Faulty code for select union </a:t>
+              <a:t>BUG 560347 </a:t>
+            </a:r>
+            <a:r>
+              <a:rPr lang="en-US" dirty="0"/>
+              <a:t>- OER: encoding unbound optional field causes error in RT2 </a:t>
             </a:r>
           </a:p>
         </p:txBody>
@@ -22338,8 +22489,32 @@
               <a:buNone/>
             </a:pPr>
             <a:r>
-              <a:rPr lang="en-US" dirty="0"/>
-              <a:t>Faulty code generated for select union in the case of optional field</a:t>
+              <a:rPr lang="en-US" sz="1600" dirty="0"/>
+              <a:t>See </a:t>
+            </a:r>
+            <a:r>
+              <a:rPr lang="en-US" sz="1600" dirty="0" err="1"/>
+              <a:t>regression_test</a:t>
+            </a:r>
+            <a:r>
+              <a:rPr lang="en-US" sz="1600" dirty="0"/>
+              <a:t>/</a:t>
+            </a:r>
+            <a:r>
+              <a:rPr lang="en-US" sz="1600" dirty="0" err="1"/>
+              <a:t>EncodeDecode</a:t>
+            </a:r>
+            <a:r>
+              <a:rPr lang="en-US" sz="1600" dirty="0"/>
+              <a:t>/</a:t>
+            </a:r>
+            <a:r>
+              <a:rPr lang="en-US" sz="1600" dirty="0" err="1"/>
+              <a:t>OER_EncDec</a:t>
+            </a:r>
+            <a:r>
+              <a:rPr lang="en-US" sz="1600" dirty="0"/>
+              <a:t>.</a:t>
             </a:r>
           </a:p>
           <a:p>
@@ -22347,8 +22522,24 @@
               <a:buNone/>
             </a:pPr>
             <a:r>
-              <a:rPr lang="en-US" dirty="0"/>
-              <a:t>The generated code:</a:t>
+              <a:rPr lang="en-US" sz="1600" dirty="0"/>
+              <a:t>testcase </a:t>
+            </a:r>
+            <a:r>
+              <a:rPr lang="en-US" sz="1600" dirty="0" err="1"/>
+              <a:t>tc_OER_SequenceOptionalExtended</a:t>
+            </a:r>
+            <a:r>
+              <a:rPr lang="en-US" sz="1600" dirty="0"/>
+              <a:t>() runs on </a:t>
+            </a:r>
+            <a:r>
+              <a:rPr lang="en-US" sz="1600" dirty="0" err="1"/>
+              <a:t>Test_CT</a:t>
+            </a:r>
+            <a:r>
+              <a:rPr lang="en-US" sz="1600" dirty="0"/>
+              <a:t> {</a:t>
             </a:r>
           </a:p>
           <a:p>
@@ -22356,130 +22547,32 @@
               <a:buNone/>
             </a:pPr>
             <a:r>
-              <a:rPr lang="en-US" dirty="0"/>
-              <a:t>switch(</a:t>
-            </a:r>
-            <a:r>
-              <a:rPr lang="en-US" dirty="0" err="1"/>
-              <a:t>const_cast</a:t>
-            </a:r>
-            <a:r>
-              <a:rPr lang="en-US" dirty="0"/>
-              <a:t>&lt; const HTTP2__headers__struct&amp;&gt;(</a:t>
-            </a:r>
-            <a:r>
-              <a:rPr lang="en-US" dirty="0" err="1"/>
-              <a:t>vl</a:t>
-            </a:r>
-            <a:r>
-              <a:rPr lang="en-US" dirty="0"/>
-              <a:t>__headers).</a:t>
-            </a:r>
-            <a:r>
-              <a:rPr lang="en-US" dirty="0" err="1"/>
-              <a:t>content__type</a:t>
-            </a:r>
-            <a:r>
-              <a:rPr lang="en-US" dirty="0"/>
-              <a:t>().</a:t>
-            </a:r>
-            <a:r>
-              <a:rPr lang="en-US" dirty="0" err="1"/>
-              <a:t>get_selection</a:t>
-            </a:r>
-            <a:r>
-              <a:rPr lang="en-US" dirty="0"/>
-              <a:t>()) {</a:t>
+              <a:rPr lang="en-US" sz="1600" dirty="0"/>
+              <a:t>This and 3 other test cases end with the error 'Encoding an unbound optional value.' in Runtime 2. They pass in Runtime 1.</a:t>
             </a:r>
           </a:p>
           <a:p>
             <a:pPr marL="0" indent="0">
               <a:buNone/>
             </a:pPr>
-            <a:r>
-              <a:rPr lang="en-US" dirty="0"/>
-              <a:t>should be:</a:t>
-            </a:r>
+            <a:endParaRPr lang="en-US" sz="1600" dirty="0"/>
           </a:p>
           <a:p>
             <a:pPr marL="0" indent="0">
               <a:buNone/>
             </a:pPr>
             <a:r>
-              <a:rPr lang="en-US" dirty="0"/>
-              <a:t>switch(</a:t>
-            </a:r>
-            <a:r>
-              <a:rPr lang="en-US" dirty="0" err="1"/>
-              <a:t>const_cast</a:t>
-            </a:r>
-            <a:r>
-              <a:rPr lang="en-US" dirty="0"/>
-              <a:t>&lt; const HTTP2__headers__struct&amp;&gt;(</a:t>
-            </a:r>
-            <a:r>
-              <a:rPr lang="en-US" dirty="0" err="1"/>
-              <a:t>vl</a:t>
-            </a:r>
-            <a:r>
-              <a:rPr lang="en-US" dirty="0"/>
-              <a:t>__headers).</a:t>
-            </a:r>
-            <a:r>
-              <a:rPr lang="en-US" dirty="0" err="1"/>
-              <a:t>content__type</a:t>
-            </a:r>
-            <a:r>
-              <a:rPr lang="en-US" dirty="0"/>
-              <a:t>()().</a:t>
-            </a:r>
-            <a:r>
-              <a:rPr lang="en-US" dirty="0" err="1"/>
-              <a:t>get_selection</a:t>
-            </a:r>
-            <a:r>
-              <a:rPr lang="en-US" dirty="0"/>
-              <a:t>()) {</a:t>
+              <a:rPr lang="en-US" sz="1600" dirty="0"/>
+              <a:t>Fixed.</a:t>
             </a:r>
           </a:p>
           <a:p>
             <a:pPr marL="0" indent="0">
               <a:buNone/>
             </a:pPr>
-            <a:endParaRPr lang="en-US" dirty="0"/>
-          </a:p>
-          <a:p>
-            <a:pPr marL="0" indent="0">
-              <a:buNone/>
-            </a:pPr>
-            <a:r>
-              <a:rPr lang="en-US" dirty="0"/>
-              <a:t>Fixed.</a:t>
-            </a:r>
-          </a:p>
-          <a:p>
-            <a:pPr marL="0" indent="0">
-              <a:buNone/>
-            </a:pPr>
-            <a:r>
-              <a:rPr lang="en-US" dirty="0"/>
-              <a:t>New test case added to </a:t>
-            </a:r>
-            <a:r>
-              <a:rPr lang="en-US" dirty="0" err="1"/>
-              <a:t>regression_test</a:t>
-            </a:r>
-            <a:r>
-              <a:rPr lang="en-US" dirty="0"/>
-              <a:t>/</a:t>
-            </a:r>
-            <a:r>
-              <a:rPr lang="en-US" dirty="0" err="1"/>
-              <a:t>selectUnion</a:t>
-            </a:r>
-            <a:r>
-              <a:rPr lang="en-US" dirty="0"/>
-              <a:t>.</a:t>
+            <a:r>
+              <a:rPr lang="en-US" sz="1600" dirty="0"/>
+              <a:t>Both runtimes now successfully encode the mentioned records.</a:t>
             </a:r>
           </a:p>
         </p:txBody>
@@ -22491,7 +22584,7 @@
     </p:custDataLst>
     <p:extLst>
       <p:ext uri="{BB962C8B-B14F-4D97-AF65-F5344CB8AC3E}">
-        <p14:creationId xmlns:p14="http://schemas.microsoft.com/office/powerpoint/2010/main" val="571384652"/>
+        <p14:creationId xmlns:p14="http://schemas.microsoft.com/office/powerpoint/2010/main" val="1585790275"/>
       </p:ext>
     </p:extLst>
   </p:cSld>
@@ -22543,11 +22636,11 @@
               <a:rPr lang="en-US" dirty="0">
                 <a:hlinkClick r:id="rId4"/>
               </a:rPr>
-              <a:t>BUG 560347 </a:t>
-            </a:r>
-            <a:r>
-              <a:rPr lang="en-US" dirty="0"/>
-              <a:t>- OER: encoding unbound optional field causes error in RT2 </a:t>
+              <a:t>BUG 560464 </a:t>
+            </a:r>
+            <a:r>
+              <a:rPr lang="en-US" dirty="0"/>
+              <a:t>- Memory leak when JSON decoding binary strings </a:t>
             </a:r>
           </a:p>
         </p:txBody>
@@ -22577,31 +22670,39 @@
               <a:buNone/>
             </a:pPr>
             <a:r>
-              <a:rPr lang="en-US" sz="1600" dirty="0"/>
+              <a:rPr lang="en-US" dirty="0"/>
               <a:t>See </a:t>
             </a:r>
             <a:r>
-              <a:rPr lang="en-US" sz="1600" dirty="0" err="1"/>
+              <a:rPr lang="en-US" dirty="0" err="1"/>
               <a:t>regression_test</a:t>
             </a:r>
             <a:r>
-              <a:rPr lang="en-US" sz="1600" dirty="0"/>
+              <a:rPr lang="en-US" dirty="0"/>
               <a:t>/</a:t>
             </a:r>
             <a:r>
-              <a:rPr lang="en-US" sz="1600" dirty="0" err="1"/>
+              <a:rPr lang="en-US" dirty="0" err="1"/>
               <a:t>EncodeDecode</a:t>
             </a:r>
             <a:r>
-              <a:rPr lang="en-US" sz="1600" dirty="0"/>
+              <a:rPr lang="en-US" dirty="0"/>
+              <a:t>/JSON/</a:t>
+            </a:r>
+            <a:r>
+              <a:rPr lang="en-US" dirty="0" err="1"/>
+              <a:t>JsonBasicTest</a:t>
+            </a:r>
+            <a:r>
+              <a:rPr lang="en-US" dirty="0"/>
               <a:t>/</a:t>
             </a:r>
             <a:r>
-              <a:rPr lang="en-US" sz="1600" dirty="0" err="1"/>
-              <a:t>OER_EncDec</a:t>
-            </a:r>
-            <a:r>
-              <a:rPr lang="en-US" sz="1600" dirty="0"/>
+              <a:rPr lang="en-US" dirty="0" err="1"/>
+              <a:t>JsonBasicEncDecTest_bs.ttcn</a:t>
+            </a:r>
+            <a:r>
+              <a:rPr lang="en-US" dirty="0"/>
               <a:t>.</a:t>
             </a:r>
           </a:p>
@@ -22609,58 +22710,80 @@
             <a:pPr marL="0" indent="0">
               <a:buNone/>
             </a:pPr>
-            <a:r>
-              <a:rPr lang="en-US" sz="1600" dirty="0"/>
-              <a:t>testcase </a:t>
-            </a:r>
-            <a:r>
-              <a:rPr lang="en-US" sz="1600" dirty="0" err="1"/>
-              <a:t>tc_OER_SequenceOptionalExtended</a:t>
-            </a:r>
-            <a:r>
-              <a:rPr lang="en-US" sz="1600" dirty="0"/>
-              <a:t>() runs on </a:t>
-            </a:r>
-            <a:r>
-              <a:rPr lang="en-US" sz="1600" dirty="0" err="1"/>
-              <a:t>Test_CT</a:t>
-            </a:r>
-            <a:r>
-              <a:rPr lang="en-US" sz="1600" dirty="0"/>
-              <a:t> {</a:t>
-            </a:r>
+            <a:endParaRPr lang="en-US" dirty="0"/>
           </a:p>
           <a:p>
             <a:pPr marL="0" indent="0">
               <a:buNone/>
             </a:pPr>
             <a:r>
-              <a:rPr lang="en-US" sz="1600" dirty="0"/>
-              <a:t>This and 3 other test cases end with the error 'Encoding an unbound optional value.' in Runtime 2. They pass in Runtime 1.</a:t>
+              <a:rPr lang="en-US" dirty="0"/>
+              <a:t>In several of these testcases the previous value of the </a:t>
+            </a:r>
+            <a:r>
+              <a:rPr lang="en-US" dirty="0" err="1"/>
+              <a:t>bitstring</a:t>
+            </a:r>
+            <a:r>
+              <a:rPr lang="en-US" dirty="0"/>
+              <a:t>/</a:t>
+            </a:r>
+            <a:r>
+              <a:rPr lang="en-US" dirty="0" err="1"/>
+              <a:t>hexstring</a:t>
+            </a:r>
+            <a:r>
+              <a:rPr lang="en-US" dirty="0"/>
+              <a:t>/</a:t>
+            </a:r>
+            <a:r>
+              <a:rPr lang="en-US" dirty="0" err="1"/>
+              <a:t>octetstring</a:t>
+            </a:r>
+            <a:r>
+              <a:rPr lang="en-US" dirty="0"/>
+              <a:t> is not freed before the JSON decoding result is assigned. This only occurs when decoding a bound value with '</a:t>
+            </a:r>
+            <a:r>
+              <a:rPr lang="en-US" dirty="0" err="1"/>
+              <a:t>decvalue</a:t>
+            </a:r>
+            <a:r>
+              <a:rPr lang="en-US" dirty="0"/>
+              <a:t>' or a decoder function of prototype FAST, SLIDING or BACKTRACK. (Prototype CONVERT performs the decoding on an empty value and copies the result to the initial variable.)</a:t>
             </a:r>
           </a:p>
           <a:p>
             <a:pPr marL="0" indent="0">
               <a:buNone/>
             </a:pPr>
-            <a:endParaRPr lang="en-US" sz="1600" dirty="0"/>
+            <a:r>
+              <a:rPr lang="en-US" dirty="0"/>
+              <a:t>The same might be true for large integers (&gt;2^31), but that cannot be detected with a debug mode TITAN, since the memory allocation of BIGNUMs is handled by an external library.</a:t>
+            </a:r>
           </a:p>
           <a:p>
             <a:pPr marL="0" indent="0">
               <a:buNone/>
             </a:pPr>
-            <a:r>
-              <a:rPr lang="en-US" sz="1600" dirty="0"/>
-              <a:t>Fixed.</a:t>
-            </a:r>
+            <a:endParaRPr lang="en-US" dirty="0"/>
           </a:p>
           <a:p>
             <a:pPr marL="0" indent="0">
               <a:buNone/>
             </a:pPr>
             <a:r>
-              <a:rPr lang="en-US" sz="1600" dirty="0"/>
-              <a:t>Both runtimes now successfully encode the mentioned records.</a:t>
+              <a:rPr lang="en-US" dirty="0"/>
+              <a:t>Fixed.</a:t>
+            </a:r>
+          </a:p>
+          <a:p>
+            <a:pPr marL="0" indent="0">
+              <a:buNone/>
+            </a:pPr>
+            <a:r>
+              <a:rPr lang="en-US" dirty="0"/>
+              <a:t>Additional test case added for large integers.</a:t>
             </a:r>
           </a:p>
         </p:txBody>
@@ -22672,7 +22795,7 @@
     </p:custDataLst>
     <p:extLst>
       <p:ext uri="{BB962C8B-B14F-4D97-AF65-F5344CB8AC3E}">
-        <p14:creationId xmlns:p14="http://schemas.microsoft.com/office/powerpoint/2010/main" val="1585790275"/>
+        <p14:creationId xmlns:p14="http://schemas.microsoft.com/office/powerpoint/2010/main" val="3248959680"/>
       </p:ext>
     </p:extLst>
   </p:cSld>
@@ -22724,11 +22847,11 @@
               <a:rPr lang="en-US" dirty="0">
                 <a:hlinkClick r:id="rId4"/>
               </a:rPr>
-              <a:t>BUG 560464 </a:t>
-            </a:r>
-            <a:r>
-              <a:rPr lang="en-US" dirty="0"/>
-              <a:t>- Memory leak when JSON decoding binary strings </a:t>
+              <a:t>BUG 553584 </a:t>
+            </a:r>
+            <a:r>
+              <a:rPr lang="en-US" dirty="0"/>
+              <a:t>- Support for ETSI's JSON module </a:t>
             </a:r>
           </a:p>
         </p:txBody>
@@ -22759,39 +22882,25 @@
             </a:pPr>
             <a:r>
               <a:rPr lang="en-US" dirty="0"/>
-              <a:t>See </a:t>
-            </a:r>
-            <a:r>
-              <a:rPr lang="en-US" dirty="0" err="1"/>
-              <a:t>regression_test</a:t>
-            </a:r>
-            <a:r>
-              <a:rPr lang="en-US" dirty="0"/>
-              <a:t>/</a:t>
-            </a:r>
-            <a:r>
-              <a:rPr lang="en-US" dirty="0" err="1"/>
-              <a:t>EncodeDecode</a:t>
-            </a:r>
-            <a:r>
-              <a:rPr lang="en-US" dirty="0"/>
-              <a:t>/JSON/</a:t>
-            </a:r>
-            <a:r>
-              <a:rPr lang="en-US" dirty="0" err="1"/>
-              <a:t>JsonBasicTest</a:t>
-            </a:r>
-            <a:r>
-              <a:rPr lang="en-US" dirty="0"/>
-              <a:t>/</a:t>
-            </a:r>
-            <a:r>
-              <a:rPr lang="en-US" dirty="0" err="1"/>
-              <a:t>JsonBasicEncDecTest_bs.ttcn</a:t>
-            </a:r>
-            <a:r>
-              <a:rPr lang="en-US" dirty="0"/>
-              <a:t>.</a:t>
+              <a:t>Support should be added for the JSON module in Annex A in Part 11 of the TTCN specification (ETSI ES 201 873-11 V4.8.1 (2018-05)).</a:t>
+            </a:r>
+          </a:p>
+          <a:p>
+            <a:pPr marL="0" indent="0">
+              <a:buNone/>
+            </a:pPr>
+            <a:r>
+              <a:rPr lang="en-US" dirty="0"/>
+              <a:t>Currently many of the variant attributes are not recognized by our JSON codec.</a:t>
+            </a:r>
+          </a:p>
+          <a:p>
+            <a:pPr marL="0" indent="0">
+              <a:buNone/>
+            </a:pPr>
+            <a:r>
+              <a:rPr lang="en-US" dirty="0"/>
+              <a:t>The module also contains the string "\", which is not supported by TITAN (in TITAN, the backslash character is escaped: "\\").</a:t>
             </a:r>
           </a:p>
           <a:p>
@@ -22806,39 +22915,7 @@
             </a:pPr>
             <a:r>
               <a:rPr lang="en-US" dirty="0"/>
-              <a:t>In several of these testcases the previous value of the </a:t>
-            </a:r>
-            <a:r>
-              <a:rPr lang="en-US" dirty="0" err="1"/>
-              <a:t>bitstring</a:t>
-            </a:r>
-            <a:r>
-              <a:rPr lang="en-US" dirty="0"/>
-              <a:t>/</a:t>
-            </a:r>
-            <a:r>
-              <a:rPr lang="en-US" dirty="0" err="1"/>
-              <a:t>hexstring</a:t>
-            </a:r>
-            <a:r>
-              <a:rPr lang="en-US" dirty="0"/>
-              <a:t>/</a:t>
-            </a:r>
-            <a:r>
-              <a:rPr lang="en-US" dirty="0" err="1"/>
-              <a:t>octetstring</a:t>
-            </a:r>
-            <a:r>
-              <a:rPr lang="en-US" dirty="0"/>
-              <a:t> is not freed before the JSON decoding result is assigned. This only occurs when decoding a bound value with '</a:t>
-            </a:r>
-            <a:r>
-              <a:rPr lang="en-US" dirty="0" err="1"/>
-              <a:t>decvalue</a:t>
-            </a:r>
-            <a:r>
-              <a:rPr lang="en-US" dirty="0"/>
-              <a:t>' or a decoder function of prototype FAST, SLIDING or BACKTRACK. (Prototype CONVERT performs the decoding on an empty value and copies the result to the initial variable.)</a:t>
+              <a:t>Fixed a bug, where the new keywords were not accepted as field aliases by the attribute 'name as ...'.</a:t>
             </a:r>
           </a:p>
           <a:p>
@@ -22847,31 +22924,7 @@
             </a:pPr>
             <a:r>
               <a:rPr lang="en-US" dirty="0"/>
-              <a:t>The same might be true for large integers (&gt;2^31), but that cannot be detected with a debug mode TITAN, since the memory allocation of BIGNUMs is handled by an external library.</a:t>
-            </a:r>
-          </a:p>
-          <a:p>
-            <a:pPr marL="0" indent="0">
-              <a:buNone/>
-            </a:pPr>
-            <a:endParaRPr lang="en-US" dirty="0"/>
-          </a:p>
-          <a:p>
-            <a:pPr marL="0" indent="0">
-              <a:buNone/>
-            </a:pPr>
-            <a:r>
-              <a:rPr lang="en-US" dirty="0"/>
-              <a:t>Fixed.</a:t>
-            </a:r>
-          </a:p>
-          <a:p>
-            <a:pPr marL="0" indent="0">
-              <a:buNone/>
-            </a:pPr>
-            <a:r>
-              <a:rPr lang="en-US" dirty="0"/>
-              <a:t>Additional test case added for large integers.</a:t>
+              <a:t>(e.g. 'name as string' caused an error, because 'string' is now a keyword)</a:t>
             </a:r>
           </a:p>
         </p:txBody>
@@ -22883,7 +22936,7 @@
     </p:custDataLst>
     <p:extLst>
       <p:ext uri="{BB962C8B-B14F-4D97-AF65-F5344CB8AC3E}">
-        <p14:creationId xmlns:p14="http://schemas.microsoft.com/office/powerpoint/2010/main" val="3248959680"/>
+        <p14:creationId xmlns:p14="http://schemas.microsoft.com/office/powerpoint/2010/main" val="3353375116"/>
       </p:ext>
     </p:extLst>
   </p:cSld>
@@ -22935,11 +22988,19 @@
               <a:rPr lang="en-US" dirty="0">
                 <a:hlinkClick r:id="rId4"/>
               </a:rPr>
-              <a:t>BUG 553584 </a:t>
-            </a:r>
-            <a:r>
-              <a:rPr lang="en-US" dirty="0"/>
-              <a:t>- Support for ETSI's JSON module </a:t>
+              <a:t>BUG 560937 </a:t>
+            </a:r>
+            <a:r>
+              <a:rPr lang="en-US" dirty="0"/>
+              <a:t>- </a:t>
+            </a:r>
+            <a:r>
+              <a:rPr lang="en-US" dirty="0" err="1"/>
+              <a:t>Bitstrings</a:t>
+            </a:r>
+            <a:r>
+              <a:rPr lang="en-US" dirty="0"/>
+              <a:t> don't clear unused bits after JSON decoding </a:t>
             </a:r>
           </a:p>
         </p:txBody>
@@ -22970,25 +23031,23 @@
             </a:pPr>
             <a:r>
               <a:rPr lang="en-US" dirty="0"/>
-              <a:t>Support should be added for the JSON module in Annex A in Part 11 of the TTCN specification (ETSI ES 201 873-11 V4.8.1 (2018-05)).</a:t>
-            </a:r>
-          </a:p>
-          <a:p>
-            <a:pPr marL="0" indent="0">
-              <a:buNone/>
-            </a:pPr>
-            <a:r>
-              <a:rPr lang="en-US" dirty="0"/>
-              <a:t>Currently many of the variant attributes are not recognized by our JSON codec.</a:t>
-            </a:r>
-          </a:p>
-          <a:p>
-            <a:pPr marL="0" indent="0">
-              <a:buNone/>
-            </a:pPr>
-            <a:r>
-              <a:rPr lang="en-US" dirty="0"/>
-              <a:t>The module also contains the string "\", which is not supported by TITAN (in TITAN, the backslash character is escaped: "\\").</a:t>
+              <a:t>According to Gabor Szalai, the </a:t>
+            </a:r>
+            <a:r>
+              <a:rPr lang="en-US" dirty="0" err="1"/>
+              <a:t>bitstrings</a:t>
+            </a:r>
+            <a:r>
+              <a:rPr lang="en-US" dirty="0"/>
+              <a:t> in the PDU do not clear their </a:t>
+            </a:r>
+            <a:r>
+              <a:rPr lang="en-US" dirty="0" err="1"/>
+              <a:t>usused</a:t>
+            </a:r>
+            <a:r>
+              <a:rPr lang="en-US" dirty="0"/>
+              <a:t> bits after the JSON decoding. Logging them produces correct results, but encoding them with RAW causes incorrect results. The operator '==' seemingly clears unused bits, and RAW encoding is successful afterwards.</a:t>
             </a:r>
           </a:p>
           <a:p>
@@ -23003,16 +23062,86 @@
             </a:pPr>
             <a:r>
               <a:rPr lang="en-US" dirty="0"/>
-              <a:t>Fixed a bug, where the new keywords were not accepted as field aliases by the attribute 'name as ...'.</a:t>
+              <a:t>The same may be true for </a:t>
+            </a:r>
+            <a:r>
+              <a:rPr lang="en-US" dirty="0" err="1"/>
+              <a:t>hexstrings</a:t>
+            </a:r>
+            <a:r>
+              <a:rPr lang="en-US" dirty="0"/>
+              <a:t>.</a:t>
             </a:r>
           </a:p>
           <a:p>
             <a:pPr marL="0" indent="0">
               <a:buNone/>
             </a:pPr>
-            <a:r>
-              <a:rPr lang="en-US" dirty="0"/>
-              <a:t>(e.g. 'name as string' caused an error, because 'string' is now a keyword)</a:t>
+            <a:endParaRPr lang="en-US" dirty="0"/>
+          </a:p>
+          <a:p>
+            <a:pPr marL="0" indent="0">
+              <a:buNone/>
+            </a:pPr>
+            <a:r>
+              <a:rPr lang="en-US" dirty="0"/>
+              <a:t>Fixed.</a:t>
+            </a:r>
+          </a:p>
+          <a:p>
+            <a:pPr marL="0" indent="0">
+              <a:buNone/>
+            </a:pPr>
+            <a:r>
+              <a:rPr lang="en-US" dirty="0"/>
+              <a:t>(Could not reproduce the issue with </a:t>
+            </a:r>
+            <a:r>
+              <a:rPr lang="en-US" dirty="0" err="1"/>
+              <a:t>hexstrings</a:t>
+            </a:r>
+            <a:r>
+              <a:rPr lang="en-US" dirty="0"/>
+              <a:t>, but the same fix was added to the </a:t>
+            </a:r>
+            <a:r>
+              <a:rPr lang="en-US" dirty="0" err="1"/>
+              <a:t>hexstring's</a:t>
+            </a:r>
+            <a:r>
+              <a:rPr lang="en-US" dirty="0"/>
+              <a:t> decoder, too.)</a:t>
+            </a:r>
+          </a:p>
+          <a:p>
+            <a:pPr marL="0" indent="0">
+              <a:buNone/>
+            </a:pPr>
+            <a:endParaRPr lang="en-US" dirty="0"/>
+          </a:p>
+          <a:p>
+            <a:pPr marL="0" indent="0">
+              <a:buNone/>
+            </a:pPr>
+            <a:r>
+              <a:rPr lang="en-US" dirty="0"/>
+              <a:t>Regression test case added to </a:t>
+            </a:r>
+            <a:r>
+              <a:rPr lang="en-US" dirty="0" err="1"/>
+              <a:t>regression_test</a:t>
+            </a:r>
+            <a:r>
+              <a:rPr lang="en-US" dirty="0"/>
+              <a:t>/</a:t>
+            </a:r>
+            <a:r>
+              <a:rPr lang="en-US" dirty="0" err="1"/>
+              <a:t>multipleEncodings</a:t>
+            </a:r>
+            <a:r>
+              <a:rPr lang="en-US" dirty="0"/>
+              <a:t>.</a:t>
             </a:r>
           </a:p>
         </p:txBody>
@@ -23024,7 +23153,7 @@
     </p:custDataLst>
     <p:extLst>
       <p:ext uri="{BB962C8B-B14F-4D97-AF65-F5344CB8AC3E}">
-        <p14:creationId xmlns:p14="http://schemas.microsoft.com/office/powerpoint/2010/main" val="3353375116"/>
+        <p14:creationId xmlns:p14="http://schemas.microsoft.com/office/powerpoint/2010/main" val="1068214969"/>
       </p:ext>
     </p:extLst>
   </p:cSld>
@@ -23076,19 +23205,11 @@
               <a:rPr lang="en-US" dirty="0">
                 <a:hlinkClick r:id="rId4"/>
               </a:rPr>
-              <a:t>BUG 560937 </a:t>
-            </a:r>
-            <a:r>
-              <a:rPr lang="en-US" dirty="0"/>
-              <a:t>- </a:t>
-            </a:r>
-            <a:r>
-              <a:rPr lang="en-US" dirty="0" err="1"/>
-              <a:t>Bitstrings</a:t>
-            </a:r>
-            <a:r>
-              <a:rPr lang="en-US" dirty="0"/>
-              <a:t> don't clear unused bits after JSON decoding </a:t>
+              <a:t>BUG 559413 </a:t>
+            </a:r>
+            <a:r>
+              <a:rPr lang="en-US" dirty="0"/>
+              <a:t>- ttcn2java: Java code generated from empty module is erroneous </a:t>
             </a:r>
           </a:p>
         </p:txBody>
@@ -23119,23 +23240,37 @@
             </a:pPr>
             <a:r>
               <a:rPr lang="en-US" dirty="0"/>
-              <a:t>According to Gabor Szalai, the </a:t>
-            </a:r>
+              <a:t>The java code generated from the attached module is erroneous as java file:</a:t>
+            </a:r>
+          </a:p>
+          <a:p>
+            <a:pPr marL="0" indent="0">
+              <a:buNone/>
+            </a:pPr>
+            <a:r>
+              <a:rPr lang="en-US" dirty="0"/>
+              <a:t>Description      Resource         Path     Location          Type</a:t>
+            </a:r>
+          </a:p>
+          <a:p>
+            <a:pPr marL="0" indent="0">
+              <a:buNone/>
+            </a:pPr>
             <a:r>
               <a:rPr lang="en-US" dirty="0" err="1"/>
-              <a:t>bitstrings</a:t>
-            </a:r>
-            <a:r>
-              <a:rPr lang="en-US" dirty="0"/>
-              <a:t> in the PDU do not clear their </a:t>
+              <a:t>TTCN_EncDec</a:t>
+            </a:r>
+            <a:r>
+              <a:rPr lang="en-US" dirty="0"/>
+              <a:t> cannot be resolved to a variable        EmptyMod.java            /TR_2020_01_ttcn2java/</a:t>
             </a:r>
             <a:r>
               <a:rPr lang="en-US" dirty="0" err="1"/>
-              <a:t>usused</a:t>
-            </a:r>
-            <a:r>
-              <a:rPr lang="en-US" dirty="0"/>
-              <a:t> bits after the JSON decoding. Logging them produces correct results, but encoding them with RAW causes incorrect results. The operator '==' seemingly clears unused bits, and RAW encoding is successful afterwards.</a:t>
+              <a:t>java_src</a:t>
+            </a:r>
+            <a:r>
+              <a:rPr lang="en-US" dirty="0"/>
+              <a:t>/org/eclipse/titan/TR_2020_01_ttcn2java/generated     line 349            Java Problem</a:t>
             </a:r>
           </a:p>
           <a:p>
@@ -23150,86 +23285,7 @@
             </a:pPr>
             <a:r>
               <a:rPr lang="en-US" dirty="0"/>
-              <a:t>The same may be true for </a:t>
-            </a:r>
-            <a:r>
-              <a:rPr lang="en-US" dirty="0" err="1"/>
-              <a:t>hexstrings</a:t>
-            </a:r>
-            <a:r>
-              <a:rPr lang="en-US" dirty="0"/>
-              <a:t>.</a:t>
-            </a:r>
-          </a:p>
-          <a:p>
-            <a:pPr marL="0" indent="0">
-              <a:buNone/>
-            </a:pPr>
-            <a:endParaRPr lang="en-US" dirty="0"/>
-          </a:p>
-          <a:p>
-            <a:pPr marL="0" indent="0">
-              <a:buNone/>
-            </a:pPr>
-            <a:r>
-              <a:rPr lang="en-US" dirty="0"/>
-              <a:t>Fixed.</a:t>
-            </a:r>
-          </a:p>
-          <a:p>
-            <a:pPr marL="0" indent="0">
-              <a:buNone/>
-            </a:pPr>
-            <a:r>
-              <a:rPr lang="en-US" dirty="0"/>
-              <a:t>(Could not reproduce the issue with </a:t>
-            </a:r>
-            <a:r>
-              <a:rPr lang="en-US" dirty="0" err="1"/>
-              <a:t>hexstrings</a:t>
-            </a:r>
-            <a:r>
-              <a:rPr lang="en-US" dirty="0"/>
-              <a:t>, but the same fix was added to the </a:t>
-            </a:r>
-            <a:r>
-              <a:rPr lang="en-US" dirty="0" err="1"/>
-              <a:t>hexstring's</a:t>
-            </a:r>
-            <a:r>
-              <a:rPr lang="en-US" dirty="0"/>
-              <a:t> decoder, too.)</a:t>
-            </a:r>
-          </a:p>
-          <a:p>
-            <a:pPr marL="0" indent="0">
-              <a:buNone/>
-            </a:pPr>
-            <a:endParaRPr lang="en-US" dirty="0"/>
-          </a:p>
-          <a:p>
-            <a:pPr marL="0" indent="0">
-              <a:buNone/>
-            </a:pPr>
-            <a:r>
-              <a:rPr lang="en-US" dirty="0"/>
-              <a:t>Regression test case added to </a:t>
-            </a:r>
-            <a:r>
-              <a:rPr lang="en-US" dirty="0" err="1"/>
-              <a:t>regression_test</a:t>
-            </a:r>
-            <a:r>
-              <a:rPr lang="en-US" dirty="0"/>
-              <a:t>/</a:t>
-            </a:r>
-            <a:r>
-              <a:rPr lang="en-US" dirty="0" err="1"/>
-              <a:t>multipleEncodings</a:t>
-            </a:r>
-            <a:r>
-              <a:rPr lang="en-US" dirty="0"/>
-              <a:t>.</a:t>
+              <a:t>FIXED</a:t>
             </a:r>
           </a:p>
         </p:txBody>
@@ -23241,7 +23297,7 @@
     </p:custDataLst>
     <p:extLst>
       <p:ext uri="{BB962C8B-B14F-4D97-AF65-F5344CB8AC3E}">
-        <p14:creationId xmlns:p14="http://schemas.microsoft.com/office/powerpoint/2010/main" val="1068214969"/>
+        <p14:creationId xmlns:p14="http://schemas.microsoft.com/office/powerpoint/2010/main" val="4242283433"/>
       </p:ext>
     </p:extLst>
   </p:cSld>
@@ -23293,11 +23349,11 @@
               <a:rPr lang="en-US" dirty="0">
                 <a:hlinkClick r:id="rId4"/>
               </a:rPr>
-              <a:t>BUG 559413 </a:t>
-            </a:r>
-            <a:r>
-              <a:rPr lang="en-US" dirty="0"/>
-              <a:t>- ttcn2java: Java code generated from empty module is erroneous </a:t>
+              <a:t>BUG 560851 </a:t>
+            </a:r>
+            <a:r>
+              <a:rPr lang="en-US" dirty="0"/>
+              <a:t>- can't build asn1 which are generated by asn1 compile </a:t>
             </a:r>
           </a:p>
         </p:txBody>
@@ -23323,58 +23379,7 @@
           <a:bodyPr/>
           <a:lstStyle/>
           <a:p>
-            <a:pPr marL="0" indent="0">
-              <a:buNone/>
-            </a:pPr>
-            <a:r>
-              <a:rPr lang="en-US" dirty="0"/>
-              <a:t>The java code generated from the attached module is erroneous as java file:</a:t>
-            </a:r>
-          </a:p>
-          <a:p>
-            <a:pPr marL="0" indent="0">
-              <a:buNone/>
-            </a:pPr>
-            <a:r>
-              <a:rPr lang="en-US" dirty="0"/>
-              <a:t>Description      Resource         Path     Location          Type</a:t>
-            </a:r>
-          </a:p>
-          <a:p>
-            <a:pPr marL="0" indent="0">
-              <a:buNone/>
-            </a:pPr>
-            <a:r>
-              <a:rPr lang="en-US" dirty="0" err="1"/>
-              <a:t>TTCN_EncDec</a:t>
-            </a:r>
-            <a:r>
-              <a:rPr lang="en-US" dirty="0"/>
-              <a:t> cannot be resolved to a variable        EmptyMod.java            /TR_2020_01_ttcn2java/</a:t>
-            </a:r>
-            <a:r>
-              <a:rPr lang="en-US" dirty="0" err="1"/>
-              <a:t>java_src</a:t>
-            </a:r>
-            <a:r>
-              <a:rPr lang="en-US" dirty="0"/>
-              <a:t>/org/eclipse/titan/TR_2020_01_ttcn2java/generated     line 349            Java Problem</a:t>
-            </a:r>
-          </a:p>
-          <a:p>
-            <a:pPr marL="0" indent="0">
-              <a:buNone/>
-            </a:pPr>
             <a:endParaRPr lang="en-US" dirty="0"/>
-          </a:p>
-          <a:p>
-            <a:pPr marL="0" indent="0">
-              <a:buNone/>
-            </a:pPr>
-            <a:r>
-              <a:rPr lang="en-US" dirty="0"/>
-              <a:t>FIXED</a:t>
-            </a:r>
           </a:p>
         </p:txBody>
       </p:sp>
@@ -23385,7 +23390,7 @@
     </p:custDataLst>
     <p:extLst>
       <p:ext uri="{BB962C8B-B14F-4D97-AF65-F5344CB8AC3E}">
-        <p14:creationId xmlns:p14="http://schemas.microsoft.com/office/powerpoint/2010/main" val="4242283433"/>
+        <p14:creationId xmlns:p14="http://schemas.microsoft.com/office/powerpoint/2010/main" val="138644032"/>
       </p:ext>
     </p:extLst>
   </p:cSld>
@@ -23437,11 +23442,11 @@
               <a:rPr lang="en-US" dirty="0">
                 <a:hlinkClick r:id="rId4"/>
               </a:rPr>
-              <a:t>BUG 560851 </a:t>
-            </a:r>
-            <a:r>
-              <a:rPr lang="en-US" dirty="0"/>
-              <a:t>- can't build asn1 which are generated by asn1 compile </a:t>
+              <a:t>BUG 560973 </a:t>
+            </a:r>
+            <a:r>
+              <a:rPr lang="en-US" dirty="0"/>
+              <a:t>- Errors overlooked checking templates not sufficiently defined </a:t>
             </a:r>
           </a:p>
         </p:txBody>
@@ -23467,7 +23472,67 @@
           <a:bodyPr/>
           <a:lstStyle/>
           <a:p>
+            <a:pPr marL="0" indent="0">
+              <a:buNone/>
+            </a:pPr>
+            <a:r>
+              <a:rPr lang="en-US" dirty="0"/>
+              <a:t>We found out a possible issue doing syntax checks with Titan on our TTCN3 deliveries at ETSI. </a:t>
+            </a:r>
+          </a:p>
+          <a:p>
+            <a:pPr marL="0" indent="0">
+              <a:buNone/>
+            </a:pPr>
             <a:endParaRPr lang="en-US" dirty="0"/>
+          </a:p>
+          <a:p>
+            <a:pPr marL="0" indent="0">
+              <a:buNone/>
+            </a:pPr>
+            <a:r>
+              <a:rPr lang="en-US" dirty="0"/>
+              <a:t>The point is that in some situations, templates defined from asn1 types are not fully checked and only with other tools we are able to find these errors.</a:t>
+            </a:r>
+          </a:p>
+          <a:p>
+            <a:pPr marL="0" indent="0">
+              <a:buNone/>
+            </a:pPr>
+            <a:endParaRPr lang="en-US" dirty="0"/>
+          </a:p>
+          <a:p>
+            <a:pPr marL="0" indent="0">
+              <a:buNone/>
+            </a:pPr>
+            <a:r>
+              <a:rPr lang="en-US" dirty="0"/>
+              <a:t>----</a:t>
+            </a:r>
+          </a:p>
+          <a:p>
+            <a:pPr marL="0" indent="0">
+              <a:buNone/>
+            </a:pPr>
+            <a:r>
+              <a:rPr lang="en-US" dirty="0"/>
+              <a:t>As we got feedback that version 6.5.pl1 should also report these warnings, please find below the command line arguments we use to call the tool:</a:t>
+            </a:r>
+          </a:p>
+          <a:p>
+            <a:pPr marL="0" indent="0">
+              <a:buNone/>
+            </a:pPr>
+            <a:endParaRPr lang="en-US" dirty="0"/>
+          </a:p>
+          <a:p>
+            <a:pPr marL="0" indent="0">
+              <a:buNone/>
+            </a:pPr>
+            <a:r>
+              <a:rPr lang="en-US" dirty="0"/>
+              <a:t>-s0 -d -R</a:t>
+            </a:r>
           </a:p>
         </p:txBody>
       </p:sp>
@@ -23478,7 +23543,7 @@
     </p:custDataLst>
     <p:extLst>
       <p:ext uri="{BB962C8B-B14F-4D97-AF65-F5344CB8AC3E}">
-        <p14:creationId xmlns:p14="http://schemas.microsoft.com/office/powerpoint/2010/main" val="138644032"/>
+        <p14:creationId xmlns:p14="http://schemas.microsoft.com/office/powerpoint/2010/main" val="1854471813"/>
       </p:ext>
     </p:extLst>
   </p:cSld>
@@ -23696,11 +23761,11 @@
               <a:rPr lang="en-US" dirty="0">
                 <a:hlinkClick r:id="rId4"/>
               </a:rPr>
-              <a:t>BUG 560973 </a:t>
-            </a:r>
-            <a:r>
-              <a:rPr lang="en-US" dirty="0"/>
-              <a:t>- Errors overlooked checking templates not sufficiently defined </a:t>
+              <a:t>BUG 562488 </a:t>
+            </a:r>
+            <a:r>
+              <a:rPr lang="en-US" dirty="0"/>
+              <a:t>- RAW codec: Incorrect decoding of an unaligned bit-field (BIT5) </a:t>
             </a:r>
           </a:p>
         </p:txBody>
@@ -23730,62 +23795,106 @@
               <a:buNone/>
             </a:pPr>
             <a:r>
-              <a:rPr lang="en-US" dirty="0"/>
-              <a:t>We found out a possible issue doing syntax checks with Titan on our TTCN3 deliveries at ETSI. </a:t>
+              <a:rPr lang="en-US" sz="1400" dirty="0"/>
+              <a:t>As was requested on Eclipse Community Forums, where I initially described the problem, I am opening a bug report here. To get more context information, please see: </a:t>
+            </a:r>
+            <a:r>
+              <a:rPr lang="en-US" sz="1400" dirty="0">
+                <a:hlinkClick r:id="rId5"/>
+              </a:rPr>
+              <a:t>https://www.eclipse.org/forums/index.php/m/1826490/#msg_1826490</a:t>
+            </a:r>
+            <a:r>
+              <a:rPr lang="en-US" sz="1400" dirty="0"/>
+              <a:t>.</a:t>
             </a:r>
           </a:p>
           <a:p>
             <a:pPr marL="0" indent="0">
               <a:buNone/>
             </a:pPr>
-            <a:endParaRPr lang="en-US" dirty="0"/>
+            <a:endParaRPr lang="en-US" sz="1400" dirty="0"/>
           </a:p>
           <a:p>
             <a:pPr marL="0" indent="0">
               <a:buNone/>
             </a:pPr>
             <a:r>
-              <a:rPr lang="en-US" dirty="0"/>
-              <a:t>The point is that in some situations, templates defined from asn1 types are not fully checked and only with other tools we are able to find these errors.</a:t>
+              <a:rPr lang="en-US" sz="1400" dirty="0"/>
+              <a:t>Explained</a:t>
             </a:r>
           </a:p>
           <a:p>
             <a:pPr marL="0" indent="0">
               <a:buNone/>
             </a:pPr>
-            <a:endParaRPr lang="en-US" dirty="0"/>
+            <a:r>
+              <a:rPr lang="en-US" sz="1400" dirty="0"/>
+              <a:t>Applying BYTEORDER(last) to the whole module seems to work.</a:t>
+            </a:r>
           </a:p>
           <a:p>
             <a:pPr marL="0" indent="0">
               <a:buNone/>
             </a:pPr>
-            <a:r>
-              <a:rPr lang="en-US" dirty="0"/>
-              <a:t>----</a:t>
-            </a:r>
+            <a:endParaRPr lang="en-US" sz="1400" dirty="0"/>
           </a:p>
           <a:p>
             <a:pPr marL="0" indent="0">
               <a:buNone/>
             </a:pPr>
             <a:r>
-              <a:rPr lang="en-US" dirty="0"/>
-              <a:t>As we got feedback that version 6.5.pl1 should also report these warnings, please find below the command line arguments we use to call the tool:</a:t>
+              <a:rPr lang="en-US" sz="1400" dirty="0"/>
+              <a:t>module </a:t>
+            </a:r>
+            <a:r>
+              <a:rPr lang="en-US" sz="1400" dirty="0" err="1"/>
+              <a:t>TestModule</a:t>
+            </a:r>
+            <a:r>
+              <a:rPr lang="en-US" sz="1400" dirty="0"/>
+              <a:t> {</a:t>
             </a:r>
           </a:p>
           <a:p>
             <a:pPr marL="0" indent="0">
               <a:buNone/>
             </a:pPr>
-            <a:endParaRPr lang="en-US" dirty="0"/>
+            <a:r>
+              <a:rPr lang="en-US" sz="1400" dirty="0"/>
+              <a:t>// ...</a:t>
+            </a:r>
           </a:p>
           <a:p>
             <a:pPr marL="0" indent="0">
               <a:buNone/>
             </a:pPr>
             <a:r>
-              <a:rPr lang="en-US" dirty="0"/>
-              <a:t>-s0 -d -R</a:t>
+              <a:rPr lang="en-US" sz="1400" dirty="0"/>
+              <a:t>} with { encode "RAW" ; variant "FIELDORDER(</a:t>
+            </a:r>
+            <a:r>
+              <a:rPr lang="en-US" sz="1400" dirty="0" err="1"/>
+              <a:t>msb</a:t>
+            </a:r>
+            <a:r>
+              <a:rPr lang="en-US" sz="1400" dirty="0"/>
+              <a:t>)" variant "BYTEORDER(last)" }</a:t>
+            </a:r>
+          </a:p>
+          <a:p>
+            <a:pPr marL="0" indent="0">
+              <a:buNone/>
+            </a:pPr>
+            <a:endParaRPr lang="en-US" sz="1400" dirty="0"/>
+          </a:p>
+          <a:p>
+            <a:pPr marL="0" indent="0">
+              <a:buNone/>
+            </a:pPr>
+            <a:r>
+              <a:rPr lang="en-US" sz="1400" dirty="0"/>
+              <a:t>I intuitively did this in the attached example just before uploading it here, but forgot to test again afterwards. The problem is solved now.</a:t>
             </a:r>
           </a:p>
         </p:txBody>
@@ -23797,7 +23906,7 @@
     </p:custDataLst>
     <p:extLst>
       <p:ext uri="{BB962C8B-B14F-4D97-AF65-F5344CB8AC3E}">
-        <p14:creationId xmlns:p14="http://schemas.microsoft.com/office/powerpoint/2010/main" val="1854471813"/>
+        <p14:creationId xmlns:p14="http://schemas.microsoft.com/office/powerpoint/2010/main" val="108416983"/>
       </p:ext>
     </p:extLst>
   </p:cSld>
@@ -23849,11 +23958,11 @@
               <a:rPr lang="en-US" dirty="0">
                 <a:hlinkClick r:id="rId4"/>
               </a:rPr>
-              <a:t>BUG 562488 </a:t>
-            </a:r>
-            <a:r>
-              <a:rPr lang="en-US" dirty="0"/>
-              <a:t>- RAW codec: Incorrect decoding of an unaligned bit-field (BIT5) </a:t>
+              <a:t>BUG 561653 </a:t>
+            </a:r>
+            <a:r>
+              <a:rPr lang="en-US" dirty="0"/>
+              <a:t>- Compilation issue in the Java code generator when used with very large modules </a:t>
             </a:r>
           </a:p>
         </p:txBody>
@@ -23883,65 +23992,55 @@
               <a:buNone/>
             </a:pPr>
             <a:r>
-              <a:rPr lang="en-US" sz="1400" dirty="0"/>
-              <a:t>As was requested on Eclipse Community Forums, where I initially described the problem, I am opening a bug report here. To get more context information, please see: </a:t>
-            </a:r>
-            <a:r>
-              <a:rPr lang="en-US" sz="1400" dirty="0">
-                <a:hlinkClick r:id="rId5"/>
-              </a:rPr>
-              <a:t>https://www.eclipse.org/forums/index.php/m/1826490/#msg_1826490</a:t>
-            </a:r>
-            <a:r>
-              <a:rPr lang="en-US" sz="1400" dirty="0"/>
-              <a:t>.</a:t>
+              <a:rPr lang="en-US" dirty="0"/>
+              <a:t>We have found a limitation in the way we currently generate the code in the Java code generator.</a:t>
             </a:r>
           </a:p>
           <a:p>
             <a:pPr marL="0" indent="0">
               <a:buNone/>
             </a:pPr>
-            <a:endParaRPr lang="en-US" sz="1400" dirty="0"/>
+            <a:r>
+              <a:rPr lang="en-US" dirty="0"/>
+              <a:t>If a TTCN-3 module contains thousands of types each of which has encodings, the generated code has too many </a:t>
+            </a:r>
+            <a:r>
+              <a:rPr lang="en-US" dirty="0" err="1"/>
+              <a:t>typedescriptors</a:t>
+            </a:r>
+            <a:r>
+              <a:rPr lang="en-US" dirty="0"/>
+              <a:t> in the class belonging to the module to compile.</a:t>
+            </a:r>
           </a:p>
           <a:p>
             <a:pPr marL="0" indent="0">
               <a:buNone/>
             </a:pPr>
-            <a:r>
-              <a:rPr lang="en-US" sz="1400" dirty="0"/>
-              <a:t>Explained</a:t>
-            </a:r>
+            <a:endParaRPr lang="en-US" dirty="0"/>
           </a:p>
           <a:p>
             <a:pPr marL="0" indent="0">
               <a:buNone/>
             </a:pPr>
             <a:r>
-              <a:rPr lang="en-US" sz="1400" dirty="0"/>
-              <a:t>Applying BYTEORDER(last) to the whole module seems to work.</a:t>
+              <a:rPr lang="en-US" dirty="0"/>
+              <a:t>So far this only happened in an extreme case, where with the DIAMETER generator it was possible to create a module with ~1600 type definitions.</a:t>
             </a:r>
           </a:p>
           <a:p>
             <a:pPr marL="0" indent="0">
               <a:buNone/>
             </a:pPr>
-            <a:endParaRPr lang="en-US" sz="1400" dirty="0"/>
+            <a:endParaRPr lang="en-US" dirty="0"/>
           </a:p>
           <a:p>
             <a:pPr marL="0" indent="0">
               <a:buNone/>
             </a:pPr>
             <a:r>
-              <a:rPr lang="en-US" sz="1400" dirty="0"/>
-              <a:t>module </a:t>
-            </a:r>
-            <a:r>
-              <a:rPr lang="en-US" sz="1400" dirty="0" err="1"/>
-              <a:t>TestModule</a:t>
-            </a:r>
-            <a:r>
-              <a:rPr lang="en-US" sz="1400" dirty="0"/>
-              <a:t> {</a:t>
+              <a:rPr lang="en-US" dirty="0"/>
+              <a:t>Fixed.</a:t>
             </a:r>
           </a:p>
           <a:p>
@@ -23949,40 +24048,8 @@
               <a:buNone/>
             </a:pPr>
             <a:r>
-              <a:rPr lang="en-US" sz="1400" dirty="0"/>
-              <a:t>// ...</a:t>
-            </a:r>
-          </a:p>
-          <a:p>
-            <a:pPr marL="0" indent="0">
-              <a:buNone/>
-            </a:pPr>
-            <a:r>
-              <a:rPr lang="en-US" sz="1400" dirty="0"/>
-              <a:t>} with { encode "RAW" ; variant "FIELDORDER(</a:t>
-            </a:r>
-            <a:r>
-              <a:rPr lang="en-US" sz="1400" dirty="0" err="1"/>
-              <a:t>msb</a:t>
-            </a:r>
-            <a:r>
-              <a:rPr lang="en-US" sz="1400" dirty="0"/>
-              <a:t>)" variant "BYTEORDER(last)" }</a:t>
-            </a:r>
-          </a:p>
-          <a:p>
-            <a:pPr marL="0" indent="0">
-              <a:buNone/>
-            </a:pPr>
-            <a:endParaRPr lang="en-US" sz="1400" dirty="0"/>
-          </a:p>
-          <a:p>
-            <a:pPr marL="0" indent="0">
-              <a:buNone/>
-            </a:pPr>
-            <a:r>
-              <a:rPr lang="en-US" sz="1400" dirty="0"/>
-              <a:t>I intuitively did this in the attached example just before uploading it here, but forgot to test again afterwards. The problem is solved now.</a:t>
+              <a:rPr lang="en-US" dirty="0"/>
+              <a:t>For type for which we generate a class to represent them, the type descriptor will be generated into the body of this class.</a:t>
             </a:r>
           </a:p>
         </p:txBody>
@@ -23994,7 +24061,7 @@
     </p:custDataLst>
     <p:extLst>
       <p:ext uri="{BB962C8B-B14F-4D97-AF65-F5344CB8AC3E}">
-        <p14:creationId xmlns:p14="http://schemas.microsoft.com/office/powerpoint/2010/main" val="108416983"/>
+        <p14:creationId xmlns:p14="http://schemas.microsoft.com/office/powerpoint/2010/main" val="1012819313"/>
       </p:ext>
     </p:extLst>
   </p:cSld>
@@ -24046,11 +24113,19 @@
               <a:rPr lang="en-US" dirty="0">
                 <a:hlinkClick r:id="rId4"/>
               </a:rPr>
-              <a:t>BUG 561653 </a:t>
-            </a:r>
-            <a:r>
-              <a:rPr lang="en-US" dirty="0"/>
-              <a:t>- Compilation issue in the Java code generator when used with very large modules </a:t>
+              <a:t>BUG 560016 </a:t>
+            </a:r>
+            <a:r>
+              <a:rPr lang="en-US" dirty="0"/>
+              <a:t>- ttcn2java: compilation error if ASN.1 </a:t>
+            </a:r>
+            <a:r>
+              <a:rPr lang="en-US" dirty="0" err="1"/>
+              <a:t>enum</a:t>
+            </a:r>
+            <a:r>
+              <a:rPr lang="en-US" dirty="0"/>
+              <a:t> def contains reference </a:t>
             </a:r>
           </a:p>
         </p:txBody>
@@ -24081,7 +24156,7 @@
             </a:pPr>
             <a:r>
               <a:rPr lang="en-US" dirty="0"/>
-              <a:t>We have found a limitation in the way we currently generate the code in the Java code generator.</a:t>
+              <a:t>The java code generation stops with exception.</a:t>
             </a:r>
           </a:p>
           <a:p>
@@ -24090,15 +24165,88 @@
             </a:pPr>
             <a:r>
               <a:rPr lang="en-US" dirty="0"/>
-              <a:t>If a TTCN-3 module contains thousands of types each of which has encodings, the generated code has too many </a:t>
+              <a:t>ASN1_Enumerated_Type.java:834 tries to cast a reference to </a:t>
+            </a:r>
+          </a:p>
+          <a:p>
+            <a:pPr marL="0" indent="0">
+              <a:buNone/>
+            </a:pPr>
+            <a:r>
+              <a:rPr lang="en-US" dirty="0"/>
+              <a:t>			</a:t>
             </a:r>
             <a:r>
               <a:rPr lang="en-US" dirty="0" err="1"/>
-              <a:t>typedescriptors</a:t>
-            </a:r>
-            <a:r>
-              <a:rPr lang="en-US" dirty="0"/>
-              <a:t> in the class belonging to the module to compile.</a:t>
+              <a:t>fields.add</a:t>
+            </a:r>
+            <a:r>
+              <a:rPr lang="en-US" dirty="0"/>
+              <a:t>(new </a:t>
+            </a:r>
+            <a:r>
+              <a:rPr lang="en-US" dirty="0" err="1"/>
+              <a:t>Enum_field</a:t>
+            </a:r>
+            <a:r>
+              <a:rPr lang="en-US" dirty="0"/>
+              <a:t>(</a:t>
+            </a:r>
+            <a:r>
+              <a:rPr lang="en-US" dirty="0" err="1"/>
+              <a:t>tempItem.getId</a:t>
+            </a:r>
+            <a:r>
+              <a:rPr lang="en-US" dirty="0"/>
+              <a:t>().</a:t>
+            </a:r>
+            <a:r>
+              <a:rPr lang="en-US" dirty="0" err="1"/>
+              <a:t>getName</a:t>
+            </a:r>
+            <a:r>
+              <a:rPr lang="en-US" dirty="0"/>
+              <a:t>(), </a:t>
+            </a:r>
+            <a:r>
+              <a:rPr lang="en-US" dirty="0" err="1"/>
+              <a:t>tempItem.getId</a:t>
+            </a:r>
+            <a:r>
+              <a:rPr lang="en-US" dirty="0"/>
+              <a:t>().</a:t>
+            </a:r>
+            <a:r>
+              <a:rPr lang="en-US" dirty="0" err="1"/>
+              <a:t>getDisplayName</a:t>
+            </a:r>
+            <a:r>
+              <a:rPr lang="en-US" dirty="0"/>
+              <a:t>(), ((</a:t>
+            </a:r>
+            <a:r>
+              <a:rPr lang="en-US" dirty="0" err="1"/>
+              <a:t>Integer_Value</a:t>
+            </a:r>
+            <a:r>
+              <a:rPr lang="en-US" dirty="0"/>
+              <a:t>)</a:t>
+            </a:r>
+            <a:r>
+              <a:rPr lang="en-US" dirty="0" err="1"/>
+              <a:t>tempItem.getValue</a:t>
+            </a:r>
+            <a:r>
+              <a:rPr lang="en-US" dirty="0"/>
+              <a:t>()).</a:t>
+            </a:r>
+            <a:r>
+              <a:rPr lang="en-US" dirty="0" err="1"/>
+              <a:t>getValue</a:t>
+            </a:r>
+            <a:r>
+              <a:rPr lang="en-US" dirty="0"/>
+              <a:t>()));</a:t>
             </a:r>
           </a:p>
           <a:p>
@@ -24113,31 +24261,7 @@
             </a:pPr>
             <a:r>
               <a:rPr lang="en-US" dirty="0"/>
-              <a:t>So far this only happened in an extreme case, where with the DIAMETER generator it was possible to create a module with ~1600 type definitions.</a:t>
-            </a:r>
-          </a:p>
-          <a:p>
-            <a:pPr marL="0" indent="0">
-              <a:buNone/>
-            </a:pPr>
-            <a:endParaRPr lang="en-US" dirty="0"/>
-          </a:p>
-          <a:p>
-            <a:pPr marL="0" indent="0">
-              <a:buNone/>
-            </a:pPr>
-            <a:r>
-              <a:rPr lang="en-US" dirty="0"/>
-              <a:t>Fixed.</a:t>
-            </a:r>
-          </a:p>
-          <a:p>
-            <a:pPr marL="0" indent="0">
-              <a:buNone/>
-            </a:pPr>
-            <a:r>
-              <a:rPr lang="en-US" dirty="0"/>
-              <a:t>For type for which we generate a class to represent them, the type descriptor will be generated into the body of this class.</a:t>
+              <a:t>FIXED</a:t>
             </a:r>
           </a:p>
         </p:txBody>
@@ -24149,7 +24273,7 @@
     </p:custDataLst>
     <p:extLst>
       <p:ext uri="{BB962C8B-B14F-4D97-AF65-F5344CB8AC3E}">
-        <p14:creationId xmlns:p14="http://schemas.microsoft.com/office/powerpoint/2010/main" val="1012819313"/>
+        <p14:creationId xmlns:p14="http://schemas.microsoft.com/office/powerpoint/2010/main" val="1639690822"/>
       </p:ext>
     </p:extLst>
   </p:cSld>
@@ -24201,19 +24325,11 @@
               <a:rPr lang="en-US" dirty="0">
                 <a:hlinkClick r:id="rId4"/>
               </a:rPr>
-              <a:t>BUG 560016 </a:t>
-            </a:r>
-            <a:r>
-              <a:rPr lang="en-US" dirty="0"/>
-              <a:t>- ttcn2java: compilation error if ASN.1 </a:t>
-            </a:r>
-            <a:r>
-              <a:rPr lang="en-US" dirty="0" err="1"/>
-              <a:t>enum</a:t>
-            </a:r>
-            <a:r>
-              <a:rPr lang="en-US" dirty="0"/>
-              <a:t> def contains reference </a:t>
+              <a:t>BUG 559944 </a:t>
+            </a:r>
+            <a:r>
+              <a:rPr lang="en-US" dirty="0"/>
+              <a:t>- titan.ProtocolModules.MobileL3_v13.4.0 git repository disappeared </a:t>
             </a:r>
           </a:p>
         </p:txBody>
@@ -24244,97 +24360,7 @@
             </a:pPr>
             <a:r>
               <a:rPr lang="en-US" dirty="0"/>
-              <a:t>The java code generation stops with exception.</a:t>
-            </a:r>
-          </a:p>
-          <a:p>
-            <a:pPr marL="0" indent="0">
-              <a:buNone/>
-            </a:pPr>
-            <a:r>
-              <a:rPr lang="en-US" dirty="0"/>
-              <a:t>ASN1_Enumerated_Type.java:834 tries to cast a reference to </a:t>
-            </a:r>
-          </a:p>
-          <a:p>
-            <a:pPr marL="0" indent="0">
-              <a:buNone/>
-            </a:pPr>
-            <a:r>
-              <a:rPr lang="en-US" dirty="0"/>
-              <a:t>			</a:t>
-            </a:r>
-            <a:r>
-              <a:rPr lang="en-US" dirty="0" err="1"/>
-              <a:t>fields.add</a:t>
-            </a:r>
-            <a:r>
-              <a:rPr lang="en-US" dirty="0"/>
-              <a:t>(new </a:t>
-            </a:r>
-            <a:r>
-              <a:rPr lang="en-US" dirty="0" err="1"/>
-              <a:t>Enum_field</a:t>
-            </a:r>
-            <a:r>
-              <a:rPr lang="en-US" dirty="0"/>
-              <a:t>(</a:t>
-            </a:r>
-            <a:r>
-              <a:rPr lang="en-US" dirty="0" err="1"/>
-              <a:t>tempItem.getId</a:t>
-            </a:r>
-            <a:r>
-              <a:rPr lang="en-US" dirty="0"/>
-              <a:t>().</a:t>
-            </a:r>
-            <a:r>
-              <a:rPr lang="en-US" dirty="0" err="1"/>
-              <a:t>getName</a:t>
-            </a:r>
-            <a:r>
-              <a:rPr lang="en-US" dirty="0"/>
-              <a:t>(), </a:t>
-            </a:r>
-            <a:r>
-              <a:rPr lang="en-US" dirty="0" err="1"/>
-              <a:t>tempItem.getId</a:t>
-            </a:r>
-            <a:r>
-              <a:rPr lang="en-US" dirty="0"/>
-              <a:t>().</a:t>
-            </a:r>
-            <a:r>
-              <a:rPr lang="en-US" dirty="0" err="1"/>
-              <a:t>getDisplayName</a:t>
-            </a:r>
-            <a:r>
-              <a:rPr lang="en-US" dirty="0"/>
-              <a:t>(), ((</a:t>
-            </a:r>
-            <a:r>
-              <a:rPr lang="en-US" dirty="0" err="1"/>
-              <a:t>Integer_Value</a:t>
-            </a:r>
-            <a:r>
-              <a:rPr lang="en-US" dirty="0"/>
-              <a:t>)</a:t>
-            </a:r>
-            <a:r>
-              <a:rPr lang="en-US" dirty="0" err="1"/>
-              <a:t>tempItem.getValue</a:t>
-            </a:r>
-            <a:r>
-              <a:rPr lang="en-US" dirty="0"/>
-              <a:t>()).</a:t>
-            </a:r>
-            <a:r>
-              <a:rPr lang="en-US" dirty="0" err="1"/>
-              <a:t>getValue</a:t>
-            </a:r>
-            <a:r>
-              <a:rPr lang="en-US" dirty="0"/>
-              <a:t>()));</a:t>
+              <a:t>Osmocom.org automatic test suites are failing as the MobileL3 protocol module has disappeared.  It cannot be reached either over https nor over git protocol</a:t>
             </a:r>
           </a:p>
           <a:p>
@@ -24349,7 +24375,28 @@
             </a:pPr>
             <a:r>
               <a:rPr lang="en-US" dirty="0"/>
-              <a:t>FIXED</a:t>
+              <a:t>https://git.eclipse.org/r/titan/titan.ProtocolModules.MobileL3_v13.4.0.git simply renders "Not Found“</a:t>
+            </a:r>
+          </a:p>
+          <a:p>
+            <a:pPr marL="0" indent="0">
+              <a:buNone/>
+            </a:pPr>
+            <a:endParaRPr lang="en-US" dirty="0"/>
+          </a:p>
+          <a:p>
+            <a:pPr marL="0" indent="0">
+              <a:buNone/>
+            </a:pPr>
+            <a:endParaRPr lang="en-US" dirty="0"/>
+          </a:p>
+          <a:p>
+            <a:pPr marL="0" indent="0">
+              <a:buNone/>
+            </a:pPr>
+            <a:r>
+              <a:rPr lang="en-US" dirty="0"/>
+              <a:t>*** This bug has been marked as a duplicate of bug 559943 ***</a:t>
             </a:r>
           </a:p>
         </p:txBody>
@@ -24361,7 +24408,7 @@
     </p:custDataLst>
     <p:extLst>
       <p:ext uri="{BB962C8B-B14F-4D97-AF65-F5344CB8AC3E}">
-        <p14:creationId xmlns:p14="http://schemas.microsoft.com/office/powerpoint/2010/main" val="1639690822"/>
+        <p14:creationId xmlns:p14="http://schemas.microsoft.com/office/powerpoint/2010/main" val="818265947"/>
       </p:ext>
     </p:extLst>
   </p:cSld>
@@ -24413,11 +24460,11 @@
               <a:rPr lang="en-US" dirty="0">
                 <a:hlinkClick r:id="rId4"/>
               </a:rPr>
-              <a:t>BUG 559944 </a:t>
-            </a:r>
-            <a:r>
-              <a:rPr lang="en-US" dirty="0"/>
-              <a:t>- titan.ProtocolModules.MobileL3_v13.4.0 git repository disappeared </a:t>
+              <a:t>BUG 559943 </a:t>
+            </a:r>
+            <a:r>
+              <a:rPr lang="en-US" dirty="0"/>
+              <a:t>- titan.ProtocolModules.LLC_v7.1.0 git repository disappeared </a:t>
             </a:r>
           </a:p>
         </p:txBody>
@@ -24448,7 +24495,7 @@
             </a:pPr>
             <a:r>
               <a:rPr lang="en-US" dirty="0"/>
-              <a:t>Osmocom.org automatic test suites are failing as the MobileL3 protocol module has disappeared.  It cannot be reached either over https nor over git protocol</a:t>
+              <a:t>Osmocom.org automatic test suites are failing as the LLC protocol module has disappeared.  It cannot be reached either over https nor over git protocol</a:t>
             </a:r>
           </a:p>
           <a:p>
@@ -24463,7 +24510,7 @@
             </a:pPr>
             <a:r>
               <a:rPr lang="en-US" dirty="0"/>
-              <a:t>https://git.eclipse.org/r/titan/titan.ProtocolModules.MobileL3_v13.4.0.git simply renders "Not Found“</a:t>
+              <a:t>https://git.eclipse.org/r/titan/titan.ProtocolModules.LLC_v7.1.0.git simply renders "Not Found“</a:t>
             </a:r>
           </a:p>
           <a:p>
@@ -24476,15 +24523,47 @@
             <a:pPr marL="0" indent="0">
               <a:buNone/>
             </a:pPr>
-            <a:endParaRPr lang="en-US" dirty="0"/>
+            <a:r>
+              <a:rPr lang="en-US" dirty="0"/>
+              <a:t>I think the initial issue was caused by the backend file store that fell over a few days ago.  But </a:t>
+            </a:r>
+            <a:r>
+              <a:rPr lang="en-US" dirty="0" err="1"/>
+              <a:t>I"ve</a:t>
+            </a:r>
+            <a:r>
+              <a:rPr lang="en-US" dirty="0"/>
+              <a:t> taken a look in the logs and it's not reporting anything regarding this repo/URL .</a:t>
+            </a:r>
           </a:p>
           <a:p>
             <a:pPr marL="0" indent="0">
               <a:buNone/>
             </a:pPr>
-            <a:r>
-              <a:rPr lang="en-US" dirty="0"/>
-              <a:t>*** This bug has been marked as a duplicate of bug 559943 ***</a:t>
+            <a:endParaRPr lang="en-US" dirty="0"/>
+          </a:p>
+          <a:p>
+            <a:pPr marL="0" indent="0">
+              <a:buNone/>
+            </a:pPr>
+            <a:r>
+              <a:rPr lang="en-US" dirty="0"/>
+              <a:t>Frankly I'm a little surprised that it worked at all since I wouldn't expect to be able to 'browse' a repo via at that URL, since it's a 'clone' URL.</a:t>
+            </a:r>
+          </a:p>
+          <a:p>
+            <a:pPr marL="0" indent="0">
+              <a:buNone/>
+            </a:pPr>
+            <a:endParaRPr lang="en-US" dirty="0"/>
+          </a:p>
+          <a:p>
+            <a:pPr marL="0" indent="0">
+              <a:buNone/>
+            </a:pPr>
+            <a:r>
+              <a:rPr lang="en-US" dirty="0"/>
+              <a:t>-M.</a:t>
             </a:r>
           </a:p>
         </p:txBody>
@@ -24496,7 +24575,7 @@
     </p:custDataLst>
     <p:extLst>
       <p:ext uri="{BB962C8B-B14F-4D97-AF65-F5344CB8AC3E}">
-        <p14:creationId xmlns:p14="http://schemas.microsoft.com/office/powerpoint/2010/main" val="818265947"/>
+        <p14:creationId xmlns:p14="http://schemas.microsoft.com/office/powerpoint/2010/main" val="1644657443"/>
       </p:ext>
     </p:extLst>
   </p:cSld>
@@ -24548,11 +24627,11 @@
               <a:rPr lang="en-US" dirty="0">
                 <a:hlinkClick r:id="rId4"/>
               </a:rPr>
-              <a:t>BUG 559943 </a:t>
-            </a:r>
-            <a:r>
-              <a:rPr lang="en-US" dirty="0"/>
-              <a:t>- titan.ProtocolModules.LLC_v7.1.0 git repository disappeared </a:t>
+              <a:t>BUG 546045 </a:t>
+            </a:r>
+            <a:r>
+              <a:rPr lang="en-US" dirty="0"/>
+              <a:t>- MQTT Decoding of remaining length </a:t>
             </a:r>
           </a:p>
         </p:txBody>
@@ -24582,76 +24661,125 @@
               <a:buNone/>
             </a:pPr>
             <a:r>
-              <a:rPr lang="en-US" dirty="0"/>
-              <a:t>Osmocom.org automatic test suites are failing as the LLC protocol module has disappeared.  It cannot be reached either over https nor over git protocol</a:t>
+              <a:rPr lang="en-US" sz="1100" dirty="0"/>
+              <a:t>While using the MQTT </a:t>
+            </a:r>
+            <a:r>
+              <a:rPr lang="en-US" sz="1100" dirty="0" err="1"/>
+              <a:t>ProtocolModule</a:t>
+            </a:r>
+            <a:r>
+              <a:rPr lang="en-US" sz="1100" dirty="0"/>
+              <a:t> for sending and receiving large payloads I discovered a bug in the decoding of the remaining length field. The decoding works perfectly fine for remaining lengths encoded as 1, 2 and 3 bytes, but fails for 4 bytes.</a:t>
             </a:r>
           </a:p>
           <a:p>
             <a:pPr marL="0" indent="0">
               <a:buNone/>
             </a:pPr>
-            <a:endParaRPr lang="en-US" dirty="0"/>
+            <a:r>
+              <a:rPr lang="en-US" sz="1100" dirty="0"/>
+              <a:t>I was able to pinpoint the reason in negative_testing/MQTT_v3_1_1_EncDec.cc</a:t>
+            </a:r>
           </a:p>
           <a:p>
             <a:pPr marL="0" indent="0">
               <a:buNone/>
             </a:pPr>
             <a:r>
-              <a:rPr lang="en-US" dirty="0"/>
-              <a:t>https://git.eclipse.org/r/titan/titan.ProtocolModules.LLC_v7.1.0.git simply renders "Not Found“</a:t>
+              <a:rPr lang="en-US" sz="1100" dirty="0"/>
+              <a:t>However, this bug seems to originate from the MQTT v3.1.1 specification itself and is already fixed in the MQTT v5 specification.</a:t>
             </a:r>
           </a:p>
           <a:p>
             <a:pPr marL="0" indent="0">
               <a:buNone/>
             </a:pPr>
-            <a:endParaRPr lang="en-US" dirty="0"/>
+            <a:endParaRPr lang="en-US" sz="1100" dirty="0"/>
           </a:p>
           <a:p>
             <a:pPr marL="0" indent="0">
               <a:buNone/>
             </a:pPr>
-            <a:r>
-              <a:rPr lang="en-US" dirty="0"/>
-              <a:t>I think the initial issue was caused by the backend file store that fell over a few days ago.  But </a:t>
-            </a:r>
-            <a:r>
-              <a:rPr lang="en-US" dirty="0" err="1"/>
-              <a:t>I"ve</a:t>
-            </a:r>
-            <a:r>
-              <a:rPr lang="en-US" dirty="0"/>
-              <a:t> taken a look in the logs and it's not reporting anything regarding this repo/URL .</a:t>
-            </a:r>
+            <a:endParaRPr lang="en-US" sz="1100" dirty="0"/>
           </a:p>
           <a:p>
             <a:pPr marL="0" indent="0">
               <a:buNone/>
             </a:pPr>
-            <a:endParaRPr lang="en-US" dirty="0"/>
+            <a:r>
+              <a:rPr lang="en-US" sz="1100" dirty="0"/>
+              <a:t>the short story is that TCP does not have the concept  of message length </a:t>
+            </a:r>
           </a:p>
           <a:p>
             <a:pPr marL="0" indent="0">
               <a:buNone/>
             </a:pPr>
             <a:r>
-              <a:rPr lang="en-US" dirty="0"/>
-              <a:t>Frankly I'm a little surprised that it worked at all since I wouldn't expect to be able to 'browse' a repo via at that URL, since it's a 'clone' URL.</a:t>
+              <a:rPr lang="en-US" sz="1100" dirty="0"/>
+              <a:t>of the protocol which uses TCP as a transport;</a:t>
             </a:r>
           </a:p>
           <a:p>
             <a:pPr marL="0" indent="0">
               <a:buNone/>
             </a:pPr>
-            <a:endParaRPr lang="en-US" dirty="0"/>
+            <a:r>
+              <a:rPr lang="en-US" sz="1100" dirty="0"/>
+              <a:t>so the application protocol has to tell the TCP layer (in our case the IPL4 test port) how the messages are delimited.  This is done by registering a callback function which helps the IPL4 to calculate message boundaries.</a:t>
+            </a:r>
           </a:p>
           <a:p>
             <a:pPr marL="0" indent="0">
               <a:buNone/>
             </a:pPr>
             <a:r>
-              <a:rPr lang="en-US" dirty="0"/>
-              <a:t>-M.</a:t>
+              <a:rPr lang="en-US" sz="1100" dirty="0"/>
+              <a:t>Each protocol module intending to use TCP as transport will have to have this function added. For MQTT it's </a:t>
+            </a:r>
+            <a:r>
+              <a:rPr lang="en-US" sz="1100" dirty="0" err="1"/>
+              <a:t>f_calc_MQTT_length</a:t>
+            </a:r>
+            <a:r>
+              <a:rPr lang="en-US" sz="1100" dirty="0"/>
+              <a:t>  in MQTT_v3_1_1_IPL4SizeFunction.ttcn.</a:t>
+            </a:r>
+          </a:p>
+          <a:p>
+            <a:pPr marL="0" indent="0">
+              <a:buNone/>
+            </a:pPr>
+            <a:r>
+              <a:rPr lang="en-US" sz="1100" dirty="0"/>
+              <a:t>If the messages are short and rare, there's a good chance that they are not segmented, so they will arrive complete. But if they will become longer , segmentation kicks in and in lack of the callback function TCP will send the segments to the upper  layer. With the callback registered, the IPL4 will re-establish message boundaries.</a:t>
+            </a:r>
+          </a:p>
+          <a:p>
+            <a:pPr marL="0" indent="0">
+              <a:buNone/>
+            </a:pPr>
+            <a:r>
+              <a:rPr lang="en-US" sz="1100" dirty="0"/>
+              <a:t>I'm afraid I missed this in the MQTT example I have posted. But in other places , HTTP/2, </a:t>
+            </a:r>
+            <a:r>
+              <a:rPr lang="en-US" sz="1100" dirty="0" err="1"/>
+              <a:t>Websocket</a:t>
+            </a:r>
+            <a:r>
+              <a:rPr lang="en-US" sz="1100" dirty="0"/>
+              <a:t> I have included it.</a:t>
+            </a:r>
+          </a:p>
+          <a:p>
+            <a:pPr marL="0" indent="0">
+              <a:buNone/>
+            </a:pPr>
+            <a:r>
+              <a:rPr lang="en-US" sz="1100" dirty="0"/>
+              <a:t>I hope this helps</a:t>
             </a:r>
           </a:p>
         </p:txBody>
@@ -24663,7 +24791,7 @@
     </p:custDataLst>
     <p:extLst>
       <p:ext uri="{BB962C8B-B14F-4D97-AF65-F5344CB8AC3E}">
-        <p14:creationId xmlns:p14="http://schemas.microsoft.com/office/powerpoint/2010/main" val="1644657443"/>
+        <p14:creationId xmlns:p14="http://schemas.microsoft.com/office/powerpoint/2010/main" val="720502856"/>
       </p:ext>
     </p:extLst>
   </p:cSld>
@@ -24715,11 +24843,19 @@
               <a:rPr lang="en-US" dirty="0">
                 <a:hlinkClick r:id="rId4"/>
               </a:rPr>
-              <a:t>BUG 546045 </a:t>
-            </a:r>
-            <a:r>
-              <a:rPr lang="en-US" dirty="0"/>
-              <a:t>- MQTT Decoding of remaining length </a:t>
+              <a:t>BUG 559942 </a:t>
+            </a:r>
+            <a:r>
+              <a:rPr lang="en-US" dirty="0"/>
+              <a:t>- </a:t>
+            </a:r>
+            <a:r>
+              <a:rPr lang="en-US" dirty="0" err="1"/>
+              <a:t>titan.TestPorts.GPIO</a:t>
+            </a:r>
+            <a:r>
+              <a:rPr lang="en-US" dirty="0"/>
+              <a:t> repository disappeared </a:t>
             </a:r>
           </a:p>
         </p:txBody>
@@ -24749,64 +24885,64 @@
               <a:buNone/>
             </a:pPr>
             <a:r>
-              <a:rPr lang="en-US" sz="1100" dirty="0"/>
-              <a:t>While using the MQTT </a:t>
-            </a:r>
-            <a:r>
-              <a:rPr lang="en-US" sz="1100" dirty="0" err="1"/>
-              <a:t>ProtocolModule</a:t>
-            </a:r>
-            <a:r>
-              <a:rPr lang="en-US" sz="1100" dirty="0"/>
-              <a:t> for sending and receiving large payloads I discovered a bug in the decoding of the remaining length field. The decoding works perfectly fine for remaining lengths encoded as 1, 2 and 3 bytes, but fails for 4 bytes.</a:t>
+              <a:rPr lang="en-US" sz="1600" dirty="0"/>
+              <a:t>Our automatic test suites at osmocom.org are currently failing as they can no longer clone the </a:t>
+            </a:r>
+            <a:r>
+              <a:rPr lang="en-US" sz="1600" dirty="0" err="1"/>
+              <a:t>titan.TestPorts.GPIO</a:t>
+            </a:r>
+            <a:r>
+              <a:rPr lang="en-US" sz="1600" dirty="0"/>
+              <a:t> repository from git://git.eclipse.org/gitroot/titan/titan.TestPorts.GPIO.git where it used to be available for years.</a:t>
             </a:r>
           </a:p>
           <a:p>
             <a:pPr marL="0" indent="0">
               <a:buNone/>
             </a:pPr>
-            <a:r>
-              <a:rPr lang="en-US" sz="1100" dirty="0"/>
-              <a:t>I was able to pinpoint the reason in negative_testing/MQTT_v3_1_1_EncDec.cc</a:t>
-            </a:r>
+            <a:endParaRPr lang="en-US" sz="1600" dirty="0"/>
           </a:p>
           <a:p>
             <a:pPr marL="0" indent="0">
               <a:buNone/>
             </a:pPr>
             <a:r>
-              <a:rPr lang="en-US" sz="1100" dirty="0"/>
-              <a:t>However, this bug seems to originate from the MQTT v3.1.1 specification itself and is already fixed in the MQTT v5 specification.</a:t>
+              <a:rPr lang="en-US" sz="1600" dirty="0"/>
+              <a:t>Is the removal intentional?</a:t>
             </a:r>
           </a:p>
           <a:p>
             <a:pPr marL="0" indent="0">
               <a:buNone/>
             </a:pPr>
-            <a:endParaRPr lang="en-US" sz="1100" dirty="0"/>
+            <a:r>
+              <a:rPr lang="en-US" sz="1600" dirty="0"/>
+              <a:t>----</a:t>
+            </a:r>
           </a:p>
           <a:p>
             <a:pPr marL="0" indent="0">
               <a:buNone/>
             </a:pPr>
-            <a:endParaRPr lang="en-US" sz="1100" dirty="0"/>
+            <a:r>
+              <a:rPr lang="en-US" sz="1600" dirty="0"/>
+              <a:t>This also looks like related to Bug 559943.</a:t>
+            </a:r>
           </a:p>
           <a:p>
             <a:pPr marL="0" indent="0">
               <a:buNone/>
             </a:pPr>
-            <a:r>
-              <a:rPr lang="en-US" sz="1100" dirty="0"/>
-              <a:t>the short story is that TCP does not have the concept  of message length </a:t>
-            </a:r>
+            <a:endParaRPr lang="en-US" sz="1600" dirty="0"/>
           </a:p>
           <a:p>
             <a:pPr marL="0" indent="0">
               <a:buNone/>
             </a:pPr>
             <a:r>
-              <a:rPr lang="en-US" sz="1100" dirty="0"/>
-              <a:t>of the protocol which uses TCP as a transport;</a:t>
+              <a:rPr lang="en-US" sz="1600" dirty="0"/>
+              <a:t>The links from our download site work correctly.</a:t>
             </a:r>
           </a:p>
           <a:p>
@@ -24814,60 +24950,38 @@
               <a:buNone/>
             </a:pPr>
             <a:r>
-              <a:rPr lang="en-US" sz="1100" dirty="0"/>
-              <a:t>so the application protocol has to tell the TCP layer (in our case the IPL4 test port) how the messages are delimited.  This is done by registering a callback function which helps the IPL4 to calculate message boundaries.</a:t>
+              <a:rPr lang="en-US" sz="1600" dirty="0"/>
+              <a:t>https://git.eclipse.org/r/plugins/gitiles/titan/titan.TestPorts.GPIO</a:t>
             </a:r>
           </a:p>
           <a:p>
             <a:pPr marL="0" indent="0">
               <a:buNone/>
             </a:pPr>
-            <a:r>
-              <a:rPr lang="en-US" sz="1100" dirty="0"/>
-              <a:t>Each protocol module intending to use TCP as transport will have to have this function added. For MQTT it's </a:t>
-            </a:r>
-            <a:r>
-              <a:rPr lang="en-US" sz="1100" dirty="0" err="1"/>
-              <a:t>f_calc_MQTT_length</a:t>
-            </a:r>
-            <a:r>
-              <a:rPr lang="en-US" sz="1100" dirty="0"/>
-              <a:t>  in MQTT_v3_1_1_IPL4SizeFunction.ttcn.</a:t>
-            </a:r>
+            <a:endParaRPr lang="en-US" sz="1600" dirty="0"/>
           </a:p>
           <a:p>
             <a:pPr marL="0" indent="0">
               <a:buNone/>
             </a:pPr>
             <a:r>
-              <a:rPr lang="en-US" sz="1100" dirty="0"/>
-              <a:t>If the messages are short and rare, there's a good chance that they are not segmented, so they will arrive complete. But if they will become longer , segmentation kicks in and in lack of the callback function TCP will send the segments to the upper  layer. With the callback registered, the IPL4 will re-establish message boundaries.</a:t>
+              <a:rPr lang="en-US" sz="1600" dirty="0"/>
+              <a:t>My best guess is that eclipse.org maintainers might have rearranged something that resulted in the change in the git clone address.</a:t>
             </a:r>
           </a:p>
           <a:p>
             <a:pPr marL="0" indent="0">
               <a:buNone/>
             </a:pPr>
-            <a:r>
-              <a:rPr lang="en-US" sz="1100" dirty="0"/>
-              <a:t>I'm afraid I missed this in the MQTT example I have posted. But in other places , HTTP/2, </a:t>
-            </a:r>
-            <a:r>
-              <a:rPr lang="en-US" sz="1100" dirty="0" err="1"/>
-              <a:t>Websocket</a:t>
-            </a:r>
-            <a:r>
-              <a:rPr lang="en-US" sz="1100" dirty="0"/>
-              <a:t> I have included it.</a:t>
-            </a:r>
+            <a:endParaRPr lang="en-US" sz="1600" dirty="0"/>
           </a:p>
           <a:p>
             <a:pPr marL="0" indent="0">
               <a:buNone/>
             </a:pPr>
             <a:r>
-              <a:rPr lang="en-US" sz="1100" dirty="0"/>
-              <a:t>I hope this helps</a:t>
+              <a:rPr lang="en-US" sz="1600" dirty="0"/>
+              <a:t>*** This bug has been marked as a duplicate of bug 559943 ***</a:t>
             </a:r>
           </a:p>
         </p:txBody>
@@ -24879,7 +24993,7 @@
     </p:custDataLst>
     <p:extLst>
       <p:ext uri="{BB962C8B-B14F-4D97-AF65-F5344CB8AC3E}">
-        <p14:creationId xmlns:p14="http://schemas.microsoft.com/office/powerpoint/2010/main" val="720502856"/>
+        <p14:creationId xmlns:p14="http://schemas.microsoft.com/office/powerpoint/2010/main" val="552639943"/>
       </p:ext>
     </p:extLst>
   </p:cSld>
@@ -24931,19 +25045,11 @@
               <a:rPr lang="en-US" dirty="0">
                 <a:hlinkClick r:id="rId4"/>
               </a:rPr>
-              <a:t>BUG 559942 </a:t>
-            </a:r>
-            <a:r>
-              <a:rPr lang="en-US" dirty="0"/>
-              <a:t>- </a:t>
-            </a:r>
-            <a:r>
-              <a:rPr lang="en-US" dirty="0" err="1"/>
-              <a:t>titan.TestPorts.GPIO</a:t>
-            </a:r>
-            <a:r>
-              <a:rPr lang="en-US" dirty="0"/>
-              <a:t> repository disappeared </a:t>
+              <a:t>BUG 563218 </a:t>
+            </a:r>
+            <a:r>
+              <a:rPr lang="en-US" dirty="0"/>
+              <a:t>- opening the call hierarchy might mark some references as erroneous </a:t>
             </a:r>
           </a:p>
         </p:txBody>
@@ -24973,40 +25079,32 @@
               <a:buNone/>
             </a:pPr>
             <a:r>
-              <a:rPr lang="en-US" sz="1600" dirty="0"/>
-              <a:t>Our automatic test suites at osmocom.org are currently failing as they can no longer clone the </a:t>
-            </a:r>
-            <a:r>
-              <a:rPr lang="en-US" sz="1600" dirty="0" err="1"/>
-              <a:t>titan.TestPorts.GPIO</a:t>
-            </a:r>
-            <a:r>
-              <a:rPr lang="en-US" sz="1600" dirty="0"/>
-              <a:t> repository from git://git.eclipse.org/gitroot/titan/titan.TestPorts.GPIO.git where it used to be available for years.</a:t>
+              <a:rPr lang="en-US" dirty="0"/>
+              <a:t>When opening the call hierarchy from the TTCN-3 editor some references in the project (including in other modules) are becoming marked as semantically erroneous.</a:t>
             </a:r>
           </a:p>
           <a:p>
             <a:pPr marL="0" indent="0">
               <a:buNone/>
             </a:pPr>
-            <a:endParaRPr lang="en-US" sz="1600" dirty="0"/>
+            <a:r>
+              <a:rPr lang="en-US" dirty="0"/>
+              <a:t>Stating that they are references to parameterized definitions without actual parameter list, which in the actual context is not actually needed or allowed.</a:t>
+            </a:r>
           </a:p>
           <a:p>
             <a:pPr marL="0" indent="0">
               <a:buNone/>
             </a:pPr>
-            <a:r>
-              <a:rPr lang="en-US" sz="1600" dirty="0"/>
-              <a:t>Is the removal intentional?</a:t>
-            </a:r>
+            <a:endParaRPr lang="en-US" dirty="0"/>
           </a:p>
           <a:p>
             <a:pPr marL="0" indent="0">
               <a:buNone/>
             </a:pPr>
             <a:r>
-              <a:rPr lang="en-US" sz="1600" dirty="0"/>
-              <a:t>----</a:t>
+              <a:rPr lang="en-US" dirty="0"/>
+              <a:t>FIXED</a:t>
             </a:r>
           </a:p>
           <a:p>
@@ -25014,62 +25112,17 @@
               <a:buNone/>
             </a:pPr>
             <a:r>
-              <a:rPr lang="en-US" sz="1600" dirty="0"/>
-              <a:t>This also looks like related to Bug 559943.</a:t>
+              <a:rPr lang="en-US" dirty="0"/>
+              <a:t>For the call hierarchy to work it has to traverse the semantic tree, to look for locations that might call the function it needs to find the callers for.</a:t>
             </a:r>
           </a:p>
           <a:p>
             <a:pPr marL="0" indent="0">
               <a:buNone/>
             </a:pPr>
-            <a:endParaRPr lang="en-US" sz="1600" dirty="0"/>
-          </a:p>
-          <a:p>
-            <a:pPr marL="0" indent="0">
-              <a:buNone/>
-            </a:pPr>
-            <a:r>
-              <a:rPr lang="en-US" sz="1600" dirty="0"/>
-              <a:t>The links from our download site work correctly.</a:t>
-            </a:r>
-          </a:p>
-          <a:p>
-            <a:pPr marL="0" indent="0">
-              <a:buNone/>
-            </a:pPr>
-            <a:r>
-              <a:rPr lang="en-US" sz="1600" dirty="0"/>
-              <a:t>https://git.eclipse.org/r/plugins/gitiles/titan/titan.TestPorts.GPIO</a:t>
-            </a:r>
-          </a:p>
-          <a:p>
-            <a:pPr marL="0" indent="0">
-              <a:buNone/>
-            </a:pPr>
-            <a:endParaRPr lang="en-US" sz="1600" dirty="0"/>
-          </a:p>
-          <a:p>
-            <a:pPr marL="0" indent="0">
-              <a:buNone/>
-            </a:pPr>
-            <a:r>
-              <a:rPr lang="en-US" sz="1600" dirty="0"/>
-              <a:t>My best guess is that eclipse.org maintainers might have rearranged something that resulted in the change in the git clone address.</a:t>
-            </a:r>
-          </a:p>
-          <a:p>
-            <a:pPr marL="0" indent="0">
-              <a:buNone/>
-            </a:pPr>
-            <a:endParaRPr lang="en-US" sz="1600" dirty="0"/>
-          </a:p>
-          <a:p>
-            <a:pPr marL="0" indent="0">
-              <a:buNone/>
-            </a:pPr>
-            <a:r>
-              <a:rPr lang="en-US" sz="1600" dirty="0"/>
-              <a:t>*** This bug has been marked as a duplicate of bug 559943 ***</a:t>
+            <a:r>
+              <a:rPr lang="en-US" dirty="0"/>
+              <a:t>During this traversal while checking where each reference points to, it accidentally asked a check for the formal parameters of the references, unnecessarily.</a:t>
             </a:r>
           </a:p>
         </p:txBody>
@@ -25081,7 +25134,7 @@
     </p:custDataLst>
     <p:extLst>
       <p:ext uri="{BB962C8B-B14F-4D97-AF65-F5344CB8AC3E}">
-        <p14:creationId xmlns:p14="http://schemas.microsoft.com/office/powerpoint/2010/main" val="552639943"/>
+        <p14:creationId xmlns:p14="http://schemas.microsoft.com/office/powerpoint/2010/main" val="2883513955"/>
       </p:ext>
     </p:extLst>
   </p:cSld>
@@ -25133,11 +25186,11 @@
               <a:rPr lang="en-US" dirty="0">
                 <a:hlinkClick r:id="rId4"/>
               </a:rPr>
-              <a:t>BUG 563218 </a:t>
-            </a:r>
-            <a:r>
-              <a:rPr lang="en-US" dirty="0"/>
-              <a:t>- opening the call hierarchy might mark some references as erroneous </a:t>
+              <a:t>BUG 559373 </a:t>
+            </a:r>
+            <a:r>
+              <a:rPr lang="en-US" dirty="0"/>
+              <a:t>- host name lookup failure during make install </a:t>
             </a:r>
           </a:p>
         </p:txBody>
@@ -25168,16 +25221,7 @@
             </a:pPr>
             <a:r>
               <a:rPr lang="en-US" dirty="0"/>
-              <a:t>When opening the call hierarchy from the TTCN-3 editor some references in the project (including in other modules) are becoming marked as semantically erroneous.</a:t>
-            </a:r>
-          </a:p>
-          <a:p>
-            <a:pPr marL="0" indent="0">
-              <a:buNone/>
-            </a:pPr>
-            <a:r>
-              <a:rPr lang="en-US" dirty="0"/>
-              <a:t>Stating that they are references to parameterized definitions without actual parameter list, which in the actual context is not actually needed or allowed.</a:t>
+              <a:t>During make install titan might fail to run the hello world test on some systems.</a:t>
             </a:r>
           </a:p>
           <a:p>
@@ -25201,16 +25245,23 @@
             </a:pPr>
             <a:r>
               <a:rPr lang="en-US" dirty="0"/>
-              <a:t>For the call hierarchy to work it has to traverse the semantic tree, to look for locations that might call the function it needs to find the callers for.</a:t>
-            </a:r>
-          </a:p>
-          <a:p>
-            <a:pPr marL="0" indent="0">
-              <a:buNone/>
-            </a:pPr>
-            <a:r>
-              <a:rPr lang="en-US" dirty="0"/>
-              <a:t>During this traversal while checking where each reference points to, it accidentally asked a check for the formal parameters of the references, unnecessarily.</a:t>
+              <a:t>The script run during make install will always try to use the localhost as the target </a:t>
+            </a:r>
+            <a:r>
+              <a:rPr lang="en-US" dirty="0" err="1"/>
+              <a:t>hostcontrollers</a:t>
+            </a:r>
+            <a:r>
+              <a:rPr lang="en-US" dirty="0"/>
+              <a:t> should connect to ( as both the </a:t>
+            </a:r>
+            <a:r>
+              <a:rPr lang="en-US" dirty="0" err="1"/>
+              <a:t>hostcontroller</a:t>
+            </a:r>
+            <a:r>
+              <a:rPr lang="en-US" dirty="0"/>
+              <a:t> and the Main controller are running on the same machine this should be safe)</a:t>
             </a:r>
           </a:p>
         </p:txBody>
@@ -25222,7 +25273,7 @@
     </p:custDataLst>
     <p:extLst>
       <p:ext uri="{BB962C8B-B14F-4D97-AF65-F5344CB8AC3E}">
-        <p14:creationId xmlns:p14="http://schemas.microsoft.com/office/powerpoint/2010/main" val="2883513955"/>
+        <p14:creationId xmlns:p14="http://schemas.microsoft.com/office/powerpoint/2010/main" val="2490334858"/>
       </p:ext>
     </p:extLst>
   </p:cSld>
@@ -25274,11 +25325,11 @@
               <a:rPr lang="en-US" dirty="0">
                 <a:hlinkClick r:id="rId4"/>
               </a:rPr>
-              <a:t>BUG 559373 </a:t>
-            </a:r>
-            <a:r>
-              <a:rPr lang="en-US" dirty="0"/>
-              <a:t>- host name lookup failure during make install </a:t>
+              <a:t>BUG 520933 </a:t>
+            </a:r>
+            <a:r>
+              <a:rPr lang="en-US" dirty="0"/>
+              <a:t>- Add info about translation ports in the online index of TITAN </a:t>
             </a:r>
           </a:p>
         </p:txBody>
@@ -25309,8 +25360,20 @@
             </a:pPr>
             <a:r>
               <a:rPr lang="en-US" dirty="0"/>
-              <a:t>During make install titan might fail to run the hello world test on some systems.</a:t>
-            </a:r>
+              <a:t>Here:</a:t>
+            </a:r>
+          </a:p>
+          <a:p>
+            <a:pPr marL="0" indent="0">
+              <a:buNone/>
+            </a:pPr>
+            <a:r>
+              <a:rPr lang="en-US" dirty="0">
+                <a:hlinkClick r:id="rId5"/>
+              </a:rPr>
+              <a:t>http://ttcn.ericsson.se/download/help/titan_index.html</a:t>
+            </a:r>
+            <a:endParaRPr lang="en-US" dirty="0"/>
           </a:p>
           <a:p>
             <a:pPr marL="0" indent="0">
@@ -25324,32 +25387,7 @@
             </a:pPr>
             <a:r>
               <a:rPr lang="en-US" dirty="0"/>
-              <a:t>FIXED</a:t>
-            </a:r>
-          </a:p>
-          <a:p>
-            <a:pPr marL="0" indent="0">
-              <a:buNone/>
-            </a:pPr>
-            <a:r>
-              <a:rPr lang="en-US" dirty="0"/>
-              <a:t>The script run during make install will always try to use the localhost as the target </a:t>
-            </a:r>
-            <a:r>
-              <a:rPr lang="en-US" dirty="0" err="1"/>
-              <a:t>hostcontrollers</a:t>
-            </a:r>
-            <a:r>
-              <a:rPr lang="en-US" dirty="0"/>
-              <a:t> should connect to ( as both the </a:t>
-            </a:r>
-            <a:r>
-              <a:rPr lang="en-US" dirty="0" err="1"/>
-              <a:t>hostcontroller</a:t>
-            </a:r>
-            <a:r>
-              <a:rPr lang="en-US" dirty="0"/>
-              <a:t> and the Main controller are running on the same machine this should be safe)</a:t>
+              <a:t>Help updated.</a:t>
             </a:r>
           </a:p>
         </p:txBody>
@@ -25361,7 +25399,7 @@
     </p:custDataLst>
     <p:extLst>
       <p:ext uri="{BB962C8B-B14F-4D97-AF65-F5344CB8AC3E}">
-        <p14:creationId xmlns:p14="http://schemas.microsoft.com/office/powerpoint/2010/main" val="2490334858"/>
+        <p14:creationId xmlns:p14="http://schemas.microsoft.com/office/powerpoint/2010/main" val="1484617154"/>
       </p:ext>
     </p:extLst>
   </p:cSld>
@@ -25512,11 +25550,11 @@
               <a:rPr lang="en-US" dirty="0">
                 <a:hlinkClick r:id="rId4"/>
               </a:rPr>
-              <a:t>BUG 520933 </a:t>
-            </a:r>
-            <a:r>
-              <a:rPr lang="en-US" dirty="0"/>
-              <a:t>- Add info about translation ports in the online index of TITAN </a:t>
+              <a:t>BUG 514844 </a:t>
+            </a:r>
+            <a:r>
+              <a:rPr lang="en-US" dirty="0"/>
+              <a:t>- Update help page with ports with translation capability</a:t>
             </a:r>
           </a:p>
         </p:txBody>
@@ -25542,39 +25580,9 @@
           <a:bodyPr/>
           <a:lstStyle/>
           <a:p>
-            <a:pPr marL="0" indent="0">
-              <a:buNone/>
-            </a:pPr>
-            <a:r>
-              <a:rPr lang="en-US" dirty="0"/>
-              <a:t>Here:</a:t>
-            </a:r>
-          </a:p>
-          <a:p>
-            <a:pPr marL="0" indent="0">
-              <a:buNone/>
-            </a:pPr>
-            <a:r>
-              <a:rPr lang="en-US" dirty="0">
-                <a:hlinkClick r:id="rId5"/>
-              </a:rPr>
-              <a:t>http://ttcn.ericsson.se/download/help/titan_index.html</a:t>
-            </a:r>
-            <a:endParaRPr lang="en-US" dirty="0"/>
-          </a:p>
-          <a:p>
-            <a:pPr marL="0" indent="0">
-              <a:buNone/>
-            </a:pPr>
-            <a:endParaRPr lang="en-US" dirty="0"/>
-          </a:p>
-          <a:p>
-            <a:pPr marL="0" indent="0">
-              <a:buNone/>
-            </a:pPr>
-            <a:r>
-              <a:rPr lang="en-US" dirty="0"/>
-              <a:t>Help updated.</a:t>
+            <a:r>
+              <a:rPr lang="en-US" dirty="0"/>
+              <a:t>Help updated</a:t>
             </a:r>
           </a:p>
         </p:txBody>
@@ -25586,7 +25594,7 @@
     </p:custDataLst>
     <p:extLst>
       <p:ext uri="{BB962C8B-B14F-4D97-AF65-F5344CB8AC3E}">
-        <p14:creationId xmlns:p14="http://schemas.microsoft.com/office/powerpoint/2010/main" val="1484617154"/>
+        <p14:creationId xmlns:p14="http://schemas.microsoft.com/office/powerpoint/2010/main" val="1886890626"/>
       </p:ext>
     </p:extLst>
   </p:cSld>
@@ -25638,11 +25646,11 @@
               <a:rPr lang="en-US" dirty="0">
                 <a:hlinkClick r:id="rId4"/>
               </a:rPr>
-              <a:t>BUG 514844 </a:t>
-            </a:r>
-            <a:r>
-              <a:rPr lang="en-US" dirty="0"/>
-              <a:t>- Update help page with ports with translation capability</a:t>
+              <a:t>BUG 529895 </a:t>
+            </a:r>
+            <a:r>
+              <a:rPr lang="en-US" dirty="0"/>
+              <a:t>- Designer: support syntax for multiple encodings </a:t>
             </a:r>
           </a:p>
         </p:txBody>
@@ -25668,9 +25676,131 @@
           <a:bodyPr/>
           <a:lstStyle/>
           <a:p>
-            <a:r>
-              <a:rPr lang="en-US" dirty="0"/>
-              <a:t>Help updated</a:t>
+            <a:pPr marL="0" indent="0">
+              <a:buNone/>
+            </a:pPr>
+            <a:r>
+              <a:rPr lang="en-US" sz="1400" dirty="0"/>
+              <a:t>Created attachment 272283 [details]</a:t>
+            </a:r>
+          </a:p>
+          <a:p>
+            <a:pPr marL="0" indent="0">
+              <a:buNone/>
+            </a:pPr>
+            <a:r>
+              <a:rPr lang="en-US" sz="1400" dirty="0"/>
+              <a:t>on-the-fly </a:t>
+            </a:r>
+            <a:r>
+              <a:rPr lang="en-US" sz="1400" dirty="0" err="1"/>
+              <a:t>analyser</a:t>
+            </a:r>
+            <a:r>
+              <a:rPr lang="en-US" sz="1400" dirty="0"/>
+              <a:t> false errors</a:t>
+            </a:r>
+          </a:p>
+          <a:p>
+            <a:pPr marL="0" indent="0">
+              <a:buNone/>
+            </a:pPr>
+            <a:endParaRPr lang="en-US" sz="1400" dirty="0"/>
+          </a:p>
+          <a:p>
+            <a:pPr marL="0" indent="0">
+              <a:buNone/>
+            </a:pPr>
+            <a:r>
+              <a:rPr lang="en-US" sz="1400" dirty="0"/>
+              <a:t>Currently Titan Designer doesn't support the syntaxes to bind variant attributes to one or more encodings. The standard syntaxes are:</a:t>
+            </a:r>
+          </a:p>
+          <a:p>
+            <a:pPr marL="0" indent="0">
+              <a:buNone/>
+            </a:pPr>
+            <a:r>
+              <a:rPr lang="en-US" sz="1400" dirty="0"/>
+              <a:t>a) "&lt;encode&gt;"."&lt;</a:t>
+            </a:r>
+            <a:r>
+              <a:rPr lang="en-US" sz="1400" dirty="0" err="1"/>
+              <a:t>enc.instruction</a:t>
+            </a:r>
+            <a:r>
+              <a:rPr lang="en-US" sz="1400" dirty="0"/>
+              <a:t>&gt;" //binding the variant attribute to one encoding</a:t>
+            </a:r>
+          </a:p>
+          <a:p>
+            <a:pPr marL="0" indent="0">
+              <a:buNone/>
+            </a:pPr>
+            <a:r>
+              <a:rPr lang="en-US" sz="1400" dirty="0"/>
+              <a:t>b) {"&lt;encode1","&lt;encode2"}."&lt;</a:t>
+            </a:r>
+            <a:r>
+              <a:rPr lang="en-US" sz="1400" dirty="0" err="1"/>
+              <a:t>enc.instruction</a:t>
+            </a:r>
+            <a:r>
+              <a:rPr lang="en-US" sz="1400" dirty="0"/>
+              <a:t>&gt;" //binding the variant attribute to multiple encodings</a:t>
+            </a:r>
+          </a:p>
+          <a:p>
+            <a:pPr marL="0" indent="0">
+              <a:buNone/>
+            </a:pPr>
+            <a:endParaRPr lang="en-US" sz="1400" dirty="0"/>
+          </a:p>
+          <a:p>
+            <a:pPr marL="0" indent="0">
+              <a:buNone/>
+            </a:pPr>
+            <a:r>
+              <a:rPr lang="en-US" sz="1400" dirty="0"/>
+              <a:t>The bigger problem is that when the Designer meets this syntax, it generates a huge number of false error messages. On the attached screenshot Designer's real problem is the dot in "</a:t>
+            </a:r>
+            <a:r>
+              <a:rPr lang="en-US" sz="1400" dirty="0" err="1"/>
+              <a:t>XML"."name</a:t>
+            </a:r>
+            <a:r>
+              <a:rPr lang="en-US" sz="1400" dirty="0"/>
+              <a:t> as uncapitalized" in line 40, but it gives false "There is no visible definition with the name '...' in module '...'" error messages for all fields of local types of the record (the types are present in the module and the code compiles with the compiler).</a:t>
+            </a:r>
+          </a:p>
+          <a:p>
+            <a:pPr marL="0" indent="0">
+              <a:buNone/>
+            </a:pPr>
+            <a:endParaRPr lang="en-US" sz="1400" dirty="0"/>
+          </a:p>
+          <a:p>
+            <a:pPr marL="0" indent="0">
+              <a:buNone/>
+            </a:pPr>
+            <a:r>
+              <a:rPr lang="en-US" sz="1400" dirty="0"/>
+              <a:t>Titan compiler currently supports syntax a) only, but it is proposed the Designer supports both syntaxes to prevent future misalignment.</a:t>
+            </a:r>
+          </a:p>
+          <a:p>
+            <a:pPr marL="0" indent="0">
+              <a:buNone/>
+            </a:pPr>
+            <a:endParaRPr lang="en-US" sz="1400" dirty="0"/>
+          </a:p>
+          <a:p>
+            <a:pPr marL="0" indent="0">
+              <a:buNone/>
+            </a:pPr>
+            <a:r>
+              <a:rPr lang="en-US" sz="1400" dirty="0"/>
+              <a:t>The syntax is now supported.</a:t>
             </a:r>
           </a:p>
         </p:txBody>
@@ -25682,7 +25812,7 @@
     </p:custDataLst>
     <p:extLst>
       <p:ext uri="{BB962C8B-B14F-4D97-AF65-F5344CB8AC3E}">
-        <p14:creationId xmlns:p14="http://schemas.microsoft.com/office/powerpoint/2010/main" val="1886890626"/>
+        <p14:creationId xmlns:p14="http://schemas.microsoft.com/office/powerpoint/2010/main" val="2856186216"/>
       </p:ext>
     </p:extLst>
   </p:cSld>
@@ -25734,11 +25864,11 @@
               <a:rPr lang="en-US" dirty="0">
                 <a:hlinkClick r:id="rId4"/>
               </a:rPr>
-              <a:t>BUG 529895 </a:t>
-            </a:r>
-            <a:r>
-              <a:rPr lang="en-US" dirty="0"/>
-              <a:t>- Designer: support syntax for multiple encodings </a:t>
+              <a:t>BUG 560188 </a:t>
+            </a:r>
+            <a:r>
+              <a:rPr lang="en-US" dirty="0"/>
+              <a:t>- enhance helper function calls in RAW encode decode functions </a:t>
             </a:r>
           </a:p>
         </p:txBody>
@@ -25768,40 +25898,32 @@
               <a:buNone/>
             </a:pPr>
             <a:r>
-              <a:rPr lang="en-US" sz="1400" dirty="0"/>
-              <a:t>Created attachment 272283 [details]</a:t>
+              <a:rPr lang="en-US" sz="1100" dirty="0"/>
+              <a:t>To be able to RAW encode/decode very large types, some encoding/decoding helper functions are used. (otherwise the size of the generated code could exceed in the case of large types the limits of Java set for single functions).</a:t>
             </a:r>
           </a:p>
           <a:p>
             <a:pPr marL="0" indent="0">
               <a:buNone/>
             </a:pPr>
-            <a:r>
-              <a:rPr lang="en-US" sz="1400" dirty="0"/>
-              <a:t>on-the-fly </a:t>
-            </a:r>
-            <a:r>
-              <a:rPr lang="en-US" sz="1400" dirty="0" err="1"/>
-              <a:t>analyser</a:t>
-            </a:r>
-            <a:r>
-              <a:rPr lang="en-US" sz="1400" dirty="0"/>
-              <a:t> false errors</a:t>
-            </a:r>
+            <a:endParaRPr lang="en-US" sz="1100" dirty="0"/>
           </a:p>
           <a:p>
             <a:pPr marL="0" indent="0">
               <a:buNone/>
             </a:pPr>
-            <a:endParaRPr lang="en-US" sz="1400" dirty="0"/>
+            <a:r>
+              <a:rPr lang="en-US" sz="1100" dirty="0"/>
+              <a:t>While this works, the current implementation can be improved upon.</a:t>
+            </a:r>
           </a:p>
           <a:p>
             <a:pPr marL="0" indent="0">
               <a:buNone/>
             </a:pPr>
             <a:r>
-              <a:rPr lang="en-US" sz="1400" dirty="0"/>
-              <a:t>Currently Titan Designer doesn't support the syntaxes to bind variant attributes to one or more encodings. The standard syntaxes are:</a:t>
+              <a:rPr lang="en-US" sz="1100" dirty="0"/>
+              <a:t>Current style:</a:t>
             </a:r>
           </a:p>
           <a:p>
@@ -25809,16 +25931,8 @@
               <a:buNone/>
             </a:pPr>
             <a:r>
-              <a:rPr lang="en-US" sz="1400" dirty="0"/>
-              <a:t>a) "&lt;encode&gt;"."&lt;</a:t>
-            </a:r>
-            <a:r>
-              <a:rPr lang="en-US" sz="1400" dirty="0" err="1"/>
-              <a:t>enc.instruction</a:t>
-            </a:r>
-            <a:r>
-              <a:rPr lang="en-US" sz="1400" dirty="0"/>
-              <a:t>&gt;" //binding the variant attribute to one encoding</a:t>
+              <a:rPr lang="en-US" sz="1100" dirty="0"/>
+              <a:t>"</a:t>
             </a:r>
           </a:p>
           <a:p>
@@ -25826,69 +25940,204 @@
               <a:buNone/>
             </a:pPr>
             <a:r>
-              <a:rPr lang="en-US" sz="1400" dirty="0"/>
-              <a:t>b) {"&lt;encode1","&lt;encode2"}."&lt;</a:t>
-            </a:r>
-            <a:r>
-              <a:rPr lang="en-US" sz="1400" dirty="0" err="1"/>
-              <a:t>enc.instruction</a:t>
-            </a:r>
-            <a:r>
-              <a:rPr lang="en-US" sz="1400" dirty="0"/>
-              <a:t>&gt;" //binding the variant attribute to multiple encodings</a:t>
+              <a:rPr lang="en-US" sz="1100" dirty="0"/>
+              <a:t>if (</a:t>
+            </a:r>
+            <a:r>
+              <a:rPr lang="en-US" sz="1100" dirty="0" err="1"/>
+              <a:t>sel_field</a:t>
+            </a:r>
+            <a:r>
+              <a:rPr lang="en-US" sz="1100" dirty="0"/>
+              <a:t> &lt;= 200) {</a:t>
             </a:r>
           </a:p>
           <a:p>
             <a:pPr marL="0" indent="0">
               <a:buNone/>
             </a:pPr>
-            <a:endParaRPr lang="en-US" sz="1400" dirty="0"/>
+            <a:r>
+              <a:rPr lang="en-US" sz="1100" dirty="0" err="1"/>
+              <a:t>decoded_length</a:t>
+            </a:r>
+            <a:r>
+              <a:rPr lang="en-US" sz="1100" dirty="0"/>
+              <a:t> = RAW_decode_helper_0_199(buff, limit, </a:t>
+            </a:r>
+            <a:r>
+              <a:rPr lang="en-US" sz="1100" dirty="0" err="1"/>
+              <a:t>top_bit_ord</a:t>
+            </a:r>
+            <a:r>
+              <a:rPr lang="en-US" sz="1100" dirty="0"/>
+              <a:t>, </a:t>
+            </a:r>
+            <a:r>
+              <a:rPr lang="en-US" sz="1100" dirty="0" err="1"/>
+              <a:t>no_err</a:t>
+            </a:r>
+            <a:r>
+              <a:rPr lang="en-US" sz="1100" dirty="0"/>
+              <a:t>, </a:t>
+            </a:r>
+            <a:r>
+              <a:rPr lang="en-US" sz="1100" dirty="0" err="1"/>
+              <a:t>sel_field</a:t>
+            </a:r>
+            <a:r>
+              <a:rPr lang="en-US" sz="1100" dirty="0"/>
+              <a:t>, </a:t>
+            </a:r>
+            <a:r>
+              <a:rPr lang="en-US" sz="1100" dirty="0" err="1"/>
+              <a:t>first_call</a:t>
+            </a:r>
+            <a:r>
+              <a:rPr lang="en-US" sz="1100" dirty="0"/>
+              <a:t>, </a:t>
+            </a:r>
+            <a:r>
+              <a:rPr lang="en-US" sz="1100" dirty="0" err="1"/>
+              <a:t>force_omit</a:t>
+            </a:r>
+            <a:r>
+              <a:rPr lang="en-US" sz="1100" dirty="0"/>
+              <a:t>);</a:t>
+            </a:r>
           </a:p>
           <a:p>
             <a:pPr marL="0" indent="0">
               <a:buNone/>
             </a:pPr>
             <a:r>
-              <a:rPr lang="en-US" sz="1400" dirty="0"/>
-              <a:t>The bigger problem is that when the Designer meets this syntax, it generates a huge number of false error messages. On the attached screenshot Designer's real problem is the dot in "</a:t>
-            </a:r>
-            <a:r>
-              <a:rPr lang="en-US" sz="1400" dirty="0" err="1"/>
-              <a:t>XML"."name</a:t>
-            </a:r>
-            <a:r>
-              <a:rPr lang="en-US" sz="1400" dirty="0"/>
-              <a:t> as uncapitalized" in line 40, but it gives false "There is no visible definition with the name '...' in module '...'" error messages for all fields of local types of the record (the types are present in the module and the code compiles with the compiler).</a:t>
+              <a:rPr lang="en-US" sz="1100" dirty="0"/>
+              <a:t>} else if (</a:t>
+            </a:r>
+            <a:r>
+              <a:rPr lang="en-US" sz="1100" dirty="0" err="1"/>
+              <a:t>sel_field</a:t>
+            </a:r>
+            <a:r>
+              <a:rPr lang="en-US" sz="1100" dirty="0"/>
+              <a:t> &lt;= 400) {</a:t>
             </a:r>
           </a:p>
           <a:p>
             <a:pPr marL="0" indent="0">
               <a:buNone/>
             </a:pPr>
-            <a:endParaRPr lang="en-US" sz="1400" dirty="0"/>
+            <a:r>
+              <a:rPr lang="en-US" sz="1100" dirty="0" err="1"/>
+              <a:t>decoded_length</a:t>
+            </a:r>
+            <a:r>
+              <a:rPr lang="en-US" sz="1100" dirty="0"/>
+              <a:t> = RAW_decode_helper_200_399(buff, limit, </a:t>
+            </a:r>
+            <a:r>
+              <a:rPr lang="en-US" sz="1100" dirty="0" err="1"/>
+              <a:t>top_bit_ord</a:t>
+            </a:r>
+            <a:r>
+              <a:rPr lang="en-US" sz="1100" dirty="0"/>
+              <a:t>, </a:t>
+            </a:r>
+            <a:r>
+              <a:rPr lang="en-US" sz="1100" dirty="0" err="1"/>
+              <a:t>no_err</a:t>
+            </a:r>
+            <a:r>
+              <a:rPr lang="en-US" sz="1100" dirty="0"/>
+              <a:t>, </a:t>
+            </a:r>
+            <a:r>
+              <a:rPr lang="en-US" sz="1100" dirty="0" err="1"/>
+              <a:t>sel_field</a:t>
+            </a:r>
+            <a:r>
+              <a:rPr lang="en-US" sz="1100" dirty="0"/>
+              <a:t>, </a:t>
+            </a:r>
+            <a:r>
+              <a:rPr lang="en-US" sz="1100" dirty="0" err="1"/>
+              <a:t>first_call</a:t>
+            </a:r>
+            <a:r>
+              <a:rPr lang="en-US" sz="1100" dirty="0"/>
+              <a:t>, </a:t>
+            </a:r>
+            <a:r>
+              <a:rPr lang="en-US" sz="1100" dirty="0" err="1"/>
+              <a:t>force_omit</a:t>
+            </a:r>
+            <a:r>
+              <a:rPr lang="en-US" sz="1100" dirty="0"/>
+              <a:t>);</a:t>
+            </a:r>
           </a:p>
           <a:p>
             <a:pPr marL="0" indent="0">
               <a:buNone/>
             </a:pPr>
             <a:r>
-              <a:rPr lang="en-US" sz="1400" dirty="0"/>
-              <a:t>Titan compiler currently supports syntax a) only, but it is proposed the Designer supports both syntaxes to prevent future misalignment.</a:t>
+              <a:rPr lang="en-US" sz="1100" dirty="0"/>
+              <a:t>} else if (</a:t>
+            </a:r>
+            <a:r>
+              <a:rPr lang="en-US" sz="1100" dirty="0" err="1"/>
+              <a:t>sel_field</a:t>
+            </a:r>
+            <a:r>
+              <a:rPr lang="en-US" sz="1100" dirty="0"/>
+              <a:t> &lt;= 600)</a:t>
             </a:r>
           </a:p>
           <a:p>
             <a:pPr marL="0" indent="0">
               <a:buNone/>
             </a:pPr>
-            <a:endParaRPr lang="en-US" sz="1400" dirty="0"/>
+            <a:r>
+              <a:rPr lang="en-US" sz="1100" dirty="0"/>
+              <a:t>...</a:t>
+            </a:r>
           </a:p>
           <a:p>
             <a:pPr marL="0" indent="0">
               <a:buNone/>
             </a:pPr>
             <a:r>
-              <a:rPr lang="en-US" sz="1400" dirty="0"/>
-              <a:t>The syntax is now supported.</a:t>
+              <a:rPr lang="en-US" sz="1100" dirty="0"/>
+              <a:t>"</a:t>
+            </a:r>
+          </a:p>
+          <a:p>
+            <a:pPr marL="0" indent="0">
+              <a:buNone/>
+            </a:pPr>
+            <a:endParaRPr lang="en-US" sz="1100" dirty="0"/>
+          </a:p>
+          <a:p>
+            <a:pPr marL="0" indent="0">
+              <a:buNone/>
+            </a:pPr>
+            <a:r>
+              <a:rPr lang="en-US" sz="1100" dirty="0"/>
+              <a:t>This could be speed up by using a switch on the number gained by dividing the field number by the partitioning size.</a:t>
+            </a:r>
+          </a:p>
+          <a:p>
+            <a:pPr marL="0" indent="0">
+              <a:buNone/>
+            </a:pPr>
+            <a:endParaRPr lang="en-US" sz="1100" dirty="0"/>
+          </a:p>
+          <a:p>
+            <a:pPr marL="0" indent="0">
+              <a:buNone/>
+            </a:pPr>
+            <a:r>
+              <a:rPr lang="en-US" sz="1100" dirty="0"/>
+              <a:t>fixed using the below mentioned style. If there are more than 200 fields in a union we will generate such helper functions that each handle 200 fields.</a:t>
             </a:r>
           </a:p>
         </p:txBody>
@@ -25900,7 +26149,7 @@
     </p:custDataLst>
     <p:extLst>
       <p:ext uri="{BB962C8B-B14F-4D97-AF65-F5344CB8AC3E}">
-        <p14:creationId xmlns:p14="http://schemas.microsoft.com/office/powerpoint/2010/main" val="2856186216"/>
+        <p14:creationId xmlns:p14="http://schemas.microsoft.com/office/powerpoint/2010/main" val="498044895"/>
       </p:ext>
     </p:extLst>
   </p:cSld>
@@ -25952,11 +26201,11 @@
               <a:rPr lang="en-US" dirty="0">
                 <a:hlinkClick r:id="rId4"/>
               </a:rPr>
-              <a:t>BUG 560188 </a:t>
-            </a:r>
-            <a:r>
-              <a:rPr lang="en-US" dirty="0"/>
-              <a:t>- enhance helper function calls in RAW encode decode functions </a:t>
+              <a:t>BUG 553271 </a:t>
+            </a:r>
+            <a:r>
+              <a:rPr lang="en-US" dirty="0"/>
+              <a:t>- call hierarchy in the designer </a:t>
             </a:r>
           </a:p>
         </p:txBody>
@@ -25982,343 +26231,6 @@
           <a:bodyPr/>
           <a:lstStyle/>
           <a:p>
-            <a:pPr marL="0" indent="0">
-              <a:buNone/>
-            </a:pPr>
-            <a:r>
-              <a:rPr lang="en-US" sz="1100" dirty="0"/>
-              <a:t>To be able to RAW encode/decode very large types, some encoding/decoding helper functions are used. (otherwise the size of the generated code could exceed in the case of large types the limits of Java set for single functions).</a:t>
-            </a:r>
-          </a:p>
-          <a:p>
-            <a:pPr marL="0" indent="0">
-              <a:buNone/>
-            </a:pPr>
-            <a:endParaRPr lang="en-US" sz="1100" dirty="0"/>
-          </a:p>
-          <a:p>
-            <a:pPr marL="0" indent="0">
-              <a:buNone/>
-            </a:pPr>
-            <a:r>
-              <a:rPr lang="en-US" sz="1100" dirty="0"/>
-              <a:t>While this works, the current implementation can be improved upon.</a:t>
-            </a:r>
-          </a:p>
-          <a:p>
-            <a:pPr marL="0" indent="0">
-              <a:buNone/>
-            </a:pPr>
-            <a:r>
-              <a:rPr lang="en-US" sz="1100" dirty="0"/>
-              <a:t>Current style:</a:t>
-            </a:r>
-          </a:p>
-          <a:p>
-            <a:pPr marL="0" indent="0">
-              <a:buNone/>
-            </a:pPr>
-            <a:r>
-              <a:rPr lang="en-US" sz="1100" dirty="0"/>
-              <a:t>"</a:t>
-            </a:r>
-          </a:p>
-          <a:p>
-            <a:pPr marL="0" indent="0">
-              <a:buNone/>
-            </a:pPr>
-            <a:r>
-              <a:rPr lang="en-US" sz="1100" dirty="0"/>
-              <a:t>if (</a:t>
-            </a:r>
-            <a:r>
-              <a:rPr lang="en-US" sz="1100" dirty="0" err="1"/>
-              <a:t>sel_field</a:t>
-            </a:r>
-            <a:r>
-              <a:rPr lang="en-US" sz="1100" dirty="0"/>
-              <a:t> &lt;= 200) {</a:t>
-            </a:r>
-          </a:p>
-          <a:p>
-            <a:pPr marL="0" indent="0">
-              <a:buNone/>
-            </a:pPr>
-            <a:r>
-              <a:rPr lang="en-US" sz="1100" dirty="0" err="1"/>
-              <a:t>decoded_length</a:t>
-            </a:r>
-            <a:r>
-              <a:rPr lang="en-US" sz="1100" dirty="0"/>
-              <a:t> = RAW_decode_helper_0_199(buff, limit, </a:t>
-            </a:r>
-            <a:r>
-              <a:rPr lang="en-US" sz="1100" dirty="0" err="1"/>
-              <a:t>top_bit_ord</a:t>
-            </a:r>
-            <a:r>
-              <a:rPr lang="en-US" sz="1100" dirty="0"/>
-              <a:t>, </a:t>
-            </a:r>
-            <a:r>
-              <a:rPr lang="en-US" sz="1100" dirty="0" err="1"/>
-              <a:t>no_err</a:t>
-            </a:r>
-            <a:r>
-              <a:rPr lang="en-US" sz="1100" dirty="0"/>
-              <a:t>, </a:t>
-            </a:r>
-            <a:r>
-              <a:rPr lang="en-US" sz="1100" dirty="0" err="1"/>
-              <a:t>sel_field</a:t>
-            </a:r>
-            <a:r>
-              <a:rPr lang="en-US" sz="1100" dirty="0"/>
-              <a:t>, </a:t>
-            </a:r>
-            <a:r>
-              <a:rPr lang="en-US" sz="1100" dirty="0" err="1"/>
-              <a:t>first_call</a:t>
-            </a:r>
-            <a:r>
-              <a:rPr lang="en-US" sz="1100" dirty="0"/>
-              <a:t>, </a:t>
-            </a:r>
-            <a:r>
-              <a:rPr lang="en-US" sz="1100" dirty="0" err="1"/>
-              <a:t>force_omit</a:t>
-            </a:r>
-            <a:r>
-              <a:rPr lang="en-US" sz="1100" dirty="0"/>
-              <a:t>);</a:t>
-            </a:r>
-          </a:p>
-          <a:p>
-            <a:pPr marL="0" indent="0">
-              <a:buNone/>
-            </a:pPr>
-            <a:r>
-              <a:rPr lang="en-US" sz="1100" dirty="0"/>
-              <a:t>} else if (</a:t>
-            </a:r>
-            <a:r>
-              <a:rPr lang="en-US" sz="1100" dirty="0" err="1"/>
-              <a:t>sel_field</a:t>
-            </a:r>
-            <a:r>
-              <a:rPr lang="en-US" sz="1100" dirty="0"/>
-              <a:t> &lt;= 400) {</a:t>
-            </a:r>
-          </a:p>
-          <a:p>
-            <a:pPr marL="0" indent="0">
-              <a:buNone/>
-            </a:pPr>
-            <a:r>
-              <a:rPr lang="en-US" sz="1100" dirty="0" err="1"/>
-              <a:t>decoded_length</a:t>
-            </a:r>
-            <a:r>
-              <a:rPr lang="en-US" sz="1100" dirty="0"/>
-              <a:t> = RAW_decode_helper_200_399(buff, limit, </a:t>
-            </a:r>
-            <a:r>
-              <a:rPr lang="en-US" sz="1100" dirty="0" err="1"/>
-              <a:t>top_bit_ord</a:t>
-            </a:r>
-            <a:r>
-              <a:rPr lang="en-US" sz="1100" dirty="0"/>
-              <a:t>, </a:t>
-            </a:r>
-            <a:r>
-              <a:rPr lang="en-US" sz="1100" dirty="0" err="1"/>
-              <a:t>no_err</a:t>
-            </a:r>
-            <a:r>
-              <a:rPr lang="en-US" sz="1100" dirty="0"/>
-              <a:t>, </a:t>
-            </a:r>
-            <a:r>
-              <a:rPr lang="en-US" sz="1100" dirty="0" err="1"/>
-              <a:t>sel_field</a:t>
-            </a:r>
-            <a:r>
-              <a:rPr lang="en-US" sz="1100" dirty="0"/>
-              <a:t>, </a:t>
-            </a:r>
-            <a:r>
-              <a:rPr lang="en-US" sz="1100" dirty="0" err="1"/>
-              <a:t>first_call</a:t>
-            </a:r>
-            <a:r>
-              <a:rPr lang="en-US" sz="1100" dirty="0"/>
-              <a:t>, </a:t>
-            </a:r>
-            <a:r>
-              <a:rPr lang="en-US" sz="1100" dirty="0" err="1"/>
-              <a:t>force_omit</a:t>
-            </a:r>
-            <a:r>
-              <a:rPr lang="en-US" sz="1100" dirty="0"/>
-              <a:t>);</a:t>
-            </a:r>
-          </a:p>
-          <a:p>
-            <a:pPr marL="0" indent="0">
-              <a:buNone/>
-            </a:pPr>
-            <a:r>
-              <a:rPr lang="en-US" sz="1100" dirty="0"/>
-              <a:t>} else if (</a:t>
-            </a:r>
-            <a:r>
-              <a:rPr lang="en-US" sz="1100" dirty="0" err="1"/>
-              <a:t>sel_field</a:t>
-            </a:r>
-            <a:r>
-              <a:rPr lang="en-US" sz="1100" dirty="0"/>
-              <a:t> &lt;= 600)</a:t>
-            </a:r>
-          </a:p>
-          <a:p>
-            <a:pPr marL="0" indent="0">
-              <a:buNone/>
-            </a:pPr>
-            <a:r>
-              <a:rPr lang="en-US" sz="1100" dirty="0"/>
-              <a:t>...</a:t>
-            </a:r>
-          </a:p>
-          <a:p>
-            <a:pPr marL="0" indent="0">
-              <a:buNone/>
-            </a:pPr>
-            <a:r>
-              <a:rPr lang="en-US" sz="1100" dirty="0"/>
-              <a:t>"</a:t>
-            </a:r>
-          </a:p>
-          <a:p>
-            <a:pPr marL="0" indent="0">
-              <a:buNone/>
-            </a:pPr>
-            <a:endParaRPr lang="en-US" sz="1100" dirty="0"/>
-          </a:p>
-          <a:p>
-            <a:pPr marL="0" indent="0">
-              <a:buNone/>
-            </a:pPr>
-            <a:r>
-              <a:rPr lang="en-US" sz="1100" dirty="0"/>
-              <a:t>This could be speed up by using a switch on the number gained by dividing the field number by the partitioning size.</a:t>
-            </a:r>
-          </a:p>
-          <a:p>
-            <a:pPr marL="0" indent="0">
-              <a:buNone/>
-            </a:pPr>
-            <a:endParaRPr lang="en-US" sz="1100" dirty="0"/>
-          </a:p>
-          <a:p>
-            <a:pPr marL="0" indent="0">
-              <a:buNone/>
-            </a:pPr>
-            <a:r>
-              <a:rPr lang="en-US" sz="1100" dirty="0"/>
-              <a:t>fixed using the below mentioned style. If there are more than 200 fields in a union we will generate such helper functions that each handle 200 fields.</a:t>
-            </a:r>
-          </a:p>
-        </p:txBody>
-      </p:sp>
-    </p:spTree>
-    <p:custDataLst>
-      <p:custData r:id="rId1"/>
-      <p:custData r:id="rId2"/>
-    </p:custDataLst>
-    <p:extLst>
-      <p:ext uri="{BB962C8B-B14F-4D97-AF65-F5344CB8AC3E}">
-        <p14:creationId xmlns:p14="http://schemas.microsoft.com/office/powerpoint/2010/main" val="498044895"/>
-      </p:ext>
-    </p:extLst>
-  </p:cSld>
-  <p:clrMapOvr>
-    <a:masterClrMapping/>
-  </p:clrMapOvr>
-</p:sld>
-</file>
-
-<file path=ppt/slides/slide54.xml><?xml version="1.0" encoding="utf-8"?>
-<p:sld xmlns:a="http://schemas.openxmlformats.org/drawingml/2006/main" xmlns:r="http://schemas.openxmlformats.org/officeDocument/2006/relationships" xmlns:p="http://schemas.openxmlformats.org/presentationml/2006/main">
-  <p:cSld>
-    <p:spTree>
-      <p:nvGrpSpPr>
-        <p:cNvPr id="1" name=""/>
-        <p:cNvGrpSpPr/>
-        <p:nvPr/>
-      </p:nvGrpSpPr>
-      <p:grpSpPr>
-        <a:xfrm>
-          <a:off x="0" y="0"/>
-          <a:ext cx="0" cy="0"/>
-          <a:chOff x="0" y="0"/>
-          <a:chExt cx="0" cy="0"/>
-        </a:xfrm>
-      </p:grpSpPr>
-      <p:sp>
-        <p:nvSpPr>
-          <p:cNvPr id="4" name="Title 3">
-            <a:extLst>
-              <a:ext uri="{FF2B5EF4-FFF2-40B4-BE49-F238E27FC236}">
-                <a16:creationId xmlns:a16="http://schemas.microsoft.com/office/drawing/2014/main" id="{EA7D4468-58D5-40D1-8182-8FDBCEF777E1}"/>
-              </a:ext>
-            </a:extLst>
-          </p:cNvPr>
-          <p:cNvSpPr>
-            <a:spLocks noGrp="1"/>
-          </p:cNvSpPr>
-          <p:nvPr>
-            <p:ph type="title"/>
-          </p:nvPr>
-        </p:nvSpPr>
-        <p:spPr/>
-        <p:txBody>
-          <a:bodyPr/>
-          <a:lstStyle/>
-          <a:p>
-            <a:r>
-              <a:rPr lang="en-US" dirty="0">
-                <a:hlinkClick r:id="rId4"/>
-              </a:rPr>
-              <a:t>BUG 553271 </a:t>
-            </a:r>
-            <a:r>
-              <a:rPr lang="en-US" dirty="0"/>
-              <a:t>- call hierarchy in the designer </a:t>
-            </a:r>
-          </a:p>
-        </p:txBody>
-      </p:sp>
-      <p:sp>
-        <p:nvSpPr>
-          <p:cNvPr id="5" name="Content Placeholder 4">
-            <a:extLst>
-              <a:ext uri="{FF2B5EF4-FFF2-40B4-BE49-F238E27FC236}">
-                <a16:creationId xmlns:a16="http://schemas.microsoft.com/office/drawing/2014/main" id="{393A08AF-E8DD-44C5-A85C-B1192DD283A4}"/>
-              </a:ext>
-            </a:extLst>
-          </p:cNvPr>
-          <p:cNvSpPr>
-            <a:spLocks noGrp="1"/>
-          </p:cNvSpPr>
-          <p:nvPr>
-            <p:ph sz="quarter" idx="10"/>
-          </p:nvPr>
-        </p:nvSpPr>
-        <p:spPr/>
-        <p:txBody>
-          <a:bodyPr/>
-          <a:lstStyle/>
-          <a:p>
             <a:r>
               <a:rPr lang="en-US" dirty="0"/>
               <a:t>Only needed to be closed.</a:t>
@@ -26343,7 +26255,7 @@
 </p:sld>
 </file>
 
-<file path=ppt/slides/slide55.xml><?xml version="1.0" encoding="utf-8"?>
+<file path=ppt/slides/slide54.xml><?xml version="1.0" encoding="utf-8"?>
 <p:sld xmlns:a="http://schemas.openxmlformats.org/drawingml/2006/main" xmlns:r="http://schemas.openxmlformats.org/officeDocument/2006/relationships" xmlns:p="http://schemas.openxmlformats.org/presentationml/2006/main">
   <p:cSld>
     <p:spTree>
@@ -29053,7 +28965,7 @@
 </p:sld>
 </file>
 
-<file path=ppt/slides/slide56.xml><?xml version="1.0" encoding="utf-8"?>
+<file path=ppt/slides/slide55.xml><?xml version="1.0" encoding="utf-8"?>
 <p:sld xmlns:a="http://schemas.openxmlformats.org/drawingml/2006/main" xmlns:r="http://schemas.openxmlformats.org/officeDocument/2006/relationships" xmlns:p="http://schemas.openxmlformats.org/presentationml/2006/main">
   <p:cSld>
     <p:spTree>
@@ -30923,7 +30835,7 @@
 </p:sld>
 </file>
 
-<file path=ppt/slides/slide57.xml><?xml version="1.0" encoding="utf-8"?>
+<file path=ppt/slides/slide56.xml><?xml version="1.0" encoding="utf-8"?>
 <p:sld xmlns:a="http://schemas.openxmlformats.org/drawingml/2006/main" xmlns:r="http://schemas.openxmlformats.org/officeDocument/2006/relationships" xmlns:p="http://schemas.openxmlformats.org/presentationml/2006/main">
   <p:cSld>
     <p:spTree>
@@ -32688,7 +32600,7 @@
 </p:sld>
 </file>
 
-<file path=ppt/slides/slide58.xml><?xml version="1.0" encoding="utf-8"?>
+<file path=ppt/slides/slide57.xml><?xml version="1.0" encoding="utf-8"?>
 <p:sld xmlns:a="http://schemas.openxmlformats.org/drawingml/2006/main" xmlns:r="http://schemas.openxmlformats.org/officeDocument/2006/relationships" xmlns:p="http://schemas.openxmlformats.org/presentationml/2006/main">
   <p:cSld>
     <p:spTree>
@@ -34152,7 +34064,7 @@
 </p:sld>
 </file>
 
-<file path=ppt/slides/slide59.xml><?xml version="1.0" encoding="utf-8"?>
+<file path=ppt/slides/slide58.xml><?xml version="1.0" encoding="utf-8"?>
 <p:sld xmlns:a="http://schemas.openxmlformats.org/drawingml/2006/main" xmlns:r="http://schemas.openxmlformats.org/officeDocument/2006/relationships" xmlns:p="http://schemas.openxmlformats.org/presentationml/2006/main">
   <p:cSld>
     <p:spTree>
@@ -37658,228 +37570,7 @@
 </p:sld>
 </file>
 
-<file path=ppt/slides/slide6.xml><?xml version="1.0" encoding="utf-8"?>
-<p:sld xmlns:a="http://schemas.openxmlformats.org/drawingml/2006/main" xmlns:r="http://schemas.openxmlformats.org/officeDocument/2006/relationships" xmlns:p="http://schemas.openxmlformats.org/presentationml/2006/main">
-  <p:cSld>
-    <p:spTree>
-      <p:nvGrpSpPr>
-        <p:cNvPr id="1" name=""/>
-        <p:cNvGrpSpPr/>
-        <p:nvPr/>
-      </p:nvGrpSpPr>
-      <p:grpSpPr>
-        <a:xfrm>
-          <a:off x="0" y="0"/>
-          <a:ext cx="0" cy="0"/>
-          <a:chOff x="0" y="0"/>
-          <a:chExt cx="0" cy="0"/>
-        </a:xfrm>
-      </p:grpSpPr>
-      <p:sp>
-        <p:nvSpPr>
-          <p:cNvPr id="4" name="Title 3">
-            <a:extLst>
-              <a:ext uri="{FF2B5EF4-FFF2-40B4-BE49-F238E27FC236}">
-                <a16:creationId xmlns:a16="http://schemas.microsoft.com/office/drawing/2014/main" id="{EA7D4468-58D5-40D1-8182-8FDBCEF777E1}"/>
-              </a:ext>
-            </a:extLst>
-          </p:cNvPr>
-          <p:cNvSpPr>
-            <a:spLocks noGrp="1"/>
-          </p:cNvSpPr>
-          <p:nvPr>
-            <p:ph type="title"/>
-          </p:nvPr>
-        </p:nvSpPr>
-        <p:spPr/>
-        <p:txBody>
-          <a:bodyPr/>
-          <a:lstStyle/>
-          <a:p>
-            <a:r>
-              <a:rPr lang="en-US" dirty="0"/>
-              <a:t>Bugfixes</a:t>
-            </a:r>
-          </a:p>
-        </p:txBody>
-      </p:sp>
-      <p:sp>
-        <p:nvSpPr>
-          <p:cNvPr id="5" name="Content Placeholder 4">
-            <a:extLst>
-              <a:ext uri="{FF2B5EF4-FFF2-40B4-BE49-F238E27FC236}">
-                <a16:creationId xmlns:a16="http://schemas.microsoft.com/office/drawing/2014/main" id="{393A08AF-E8DD-44C5-A85C-B1192DD283A4}"/>
-              </a:ext>
-            </a:extLst>
-          </p:cNvPr>
-          <p:cNvSpPr>
-            <a:spLocks noGrp="1"/>
-          </p:cNvSpPr>
-          <p:nvPr>
-            <p:ph sz="quarter" idx="10"/>
-          </p:nvPr>
-        </p:nvSpPr>
-        <p:spPr/>
-        <p:txBody>
-          <a:bodyPr/>
-          <a:lstStyle/>
-          <a:p>
-            <a:r>
-              <a:rPr lang="en-US" sz="1200" dirty="0"/>
-              <a:t>559035 	titan.TestPorts.IPL4asp R.30.E doesn't build (ERROR_LENGTH) </a:t>
-            </a:r>
-          </a:p>
-          <a:p>
-            <a:r>
-              <a:rPr lang="en-US" sz="1200" dirty="0"/>
-              <a:t>559350 	the "Check code for code smells" menu item does not appear </a:t>
-            </a:r>
-          </a:p>
-          <a:p>
-            <a:r>
-              <a:rPr lang="en-US" sz="1200" dirty="0"/>
-              <a:t>559408 	ttcn2java: version extension handling error, java code is not generated </a:t>
-            </a:r>
-          </a:p>
-          <a:p>
-            <a:r>
-              <a:rPr lang="en-US" sz="1200" dirty="0"/>
-              <a:t>559580	ttcn2java: Wrong generated code: JSON cannot be resolved to a variable </a:t>
-            </a:r>
-          </a:p>
-          <a:p>
-            <a:r>
-              <a:rPr lang="en-US" sz="1200" dirty="0"/>
-              <a:t>559630 	bugfix: </a:t>
-            </a:r>
-            <a:r>
-              <a:rPr lang="en-US" sz="1200" dirty="0" err="1"/>
-              <a:t>TitanOctetString.JSON_encode</a:t>
-            </a:r>
-            <a:r>
-              <a:rPr lang="en-US" sz="1200" dirty="0"/>
-              <a:t>() returns wrong encoded value </a:t>
-            </a:r>
-          </a:p>
-          <a:p>
-            <a:r>
-              <a:rPr lang="en-US" sz="1200" dirty="0"/>
-              <a:t>559789 	ttcn2java Wrong generated code if in ASN1 </a:t>
-            </a:r>
-            <a:r>
-              <a:rPr lang="en-US" sz="1200" dirty="0" err="1"/>
-              <a:t>hexadec</a:t>
-            </a:r>
-            <a:r>
-              <a:rPr lang="en-US" sz="1200" dirty="0"/>
-              <a:t> value assigned to var with type of ANY </a:t>
-            </a:r>
-          </a:p>
-          <a:p>
-            <a:r>
-              <a:rPr lang="en-US" sz="1200" dirty="0"/>
-              <a:t>559978 	potential coding issues to be checked with unnamed temporal objects </a:t>
-            </a:r>
-          </a:p>
-          <a:p>
-            <a:r>
-              <a:rPr lang="en-US" sz="1200" dirty="0"/>
-              <a:t>559652 	False semantic error for </a:t>
-            </a:r>
-            <a:r>
-              <a:rPr lang="en-US" sz="1200" dirty="0" err="1"/>
-              <a:t>encvalue</a:t>
-            </a:r>
-            <a:r>
-              <a:rPr lang="en-US" sz="1200" dirty="0"/>
-              <a:t>() of value of </a:t>
-            </a:r>
-            <a:r>
-              <a:rPr lang="en-US" sz="1200" dirty="0" err="1"/>
-              <a:t>anytype</a:t>
-            </a:r>
-            <a:r>
-              <a:rPr lang="en-US" sz="1200" dirty="0"/>
-              <a:t> </a:t>
-            </a:r>
-          </a:p>
-          <a:p>
-            <a:r>
-              <a:rPr lang="en-US" sz="1200" dirty="0"/>
-              <a:t>559371 	Faulty code for select union </a:t>
-            </a:r>
-          </a:p>
-          <a:p>
-            <a:r>
-              <a:rPr lang="en-US" sz="1200" dirty="0"/>
-              <a:t>560347 	OER: encoding unbound optional field causes error in RT2 </a:t>
-            </a:r>
-          </a:p>
-          <a:p>
-            <a:r>
-              <a:rPr lang="en-US" sz="1200" dirty="0"/>
-              <a:t>560464 	Memory leak when JSON decoding binary strings </a:t>
-            </a:r>
-          </a:p>
-          <a:p>
-            <a:pPr fontAlgn="ctr"/>
-            <a:r>
-              <a:rPr lang="en-US" sz="1200" dirty="0"/>
-              <a:t>553584 	Support for ETSI's JSON module </a:t>
-            </a:r>
-          </a:p>
-          <a:p>
-            <a:pPr fontAlgn="ctr"/>
-            <a:r>
-              <a:rPr lang="en-US" sz="1200" dirty="0"/>
-              <a:t>560937 	</a:t>
-            </a:r>
-            <a:r>
-              <a:rPr lang="en-US" sz="1200" dirty="0" err="1"/>
-              <a:t>Bitstrings</a:t>
-            </a:r>
-            <a:r>
-              <a:rPr lang="en-US" sz="1200" dirty="0"/>
-              <a:t> don't clear unused bits after JSON decoding </a:t>
-            </a:r>
-          </a:p>
-          <a:p>
-            <a:pPr fontAlgn="ctr"/>
-            <a:r>
-              <a:rPr lang="en-US" sz="1200" dirty="0"/>
-              <a:t>559413 	ttcn2java: Java code generated from empty module is erroneous </a:t>
-            </a:r>
-          </a:p>
-          <a:p>
-            <a:pPr fontAlgn="ctr"/>
-            <a:r>
-              <a:rPr lang="en-US" sz="1200" dirty="0"/>
-              <a:t>560851 	can't build asn1 which are generated by asn1 compile </a:t>
-            </a:r>
-          </a:p>
-          <a:p>
-            <a:endParaRPr lang="en-US" sz="1200" dirty="0"/>
-          </a:p>
-        </p:txBody>
-      </p:sp>
-    </p:spTree>
-    <p:custDataLst>
-      <p:custData r:id="rId1"/>
-      <p:custData r:id="rId2"/>
-    </p:custDataLst>
-    <p:extLst>
-      <p:ext uri="{BB962C8B-B14F-4D97-AF65-F5344CB8AC3E}">
-        <p14:creationId xmlns:p14="http://schemas.microsoft.com/office/powerpoint/2010/main" val="1175125595"/>
-      </p:ext>
-    </p:extLst>
-  </p:cSld>
-  <p:clrMapOvr>
-    <a:masterClrMapping/>
-  </p:clrMapOvr>
-</p:sld>
-</file>
-
-<file path=ppt/slides/slide60.xml><?xml version="1.0" encoding="utf-8"?>
+<file path=ppt/slides/slide59.xml><?xml version="1.0" encoding="utf-8"?>
 <p:sld xmlns:a="http://schemas.openxmlformats.org/drawingml/2006/main" xmlns:r="http://schemas.openxmlformats.org/officeDocument/2006/relationships" xmlns:p="http://schemas.openxmlformats.org/presentationml/2006/main">
   <p:cSld>
     <p:spTree>
@@ -37939,7 +37630,7 @@
           <p:nvPr>
             <p:extLst>
               <p:ext uri="{D42A27DB-BD31-4B8C-83A1-F6EECF244321}">
-                <p14:modId xmlns:p14="http://schemas.microsoft.com/office/powerpoint/2010/main" val="2257576316"/>
+                <p14:modId xmlns:p14="http://schemas.microsoft.com/office/powerpoint/2010/main" val="2895088253"/>
               </p:ext>
             </p:extLst>
           </p:nvPr>
@@ -38245,7 +37936,7 @@
                         <a:rPr lang="en-US" sz="1100" u="none" strike="noStrike" dirty="0" err="1">
                           <a:effectLst/>
                         </a:rPr>
-                        <a:t>Rev.H</a:t>
+                        <a:t>Rev.A</a:t>
                       </a:r>
                       <a:r>
                         <a:rPr lang="en-US" sz="1100" u="none" strike="noStrike" dirty="0">
@@ -38345,7 +38036,7 @@
                         <a:rPr lang="en-US" sz="1100" u="none" strike="noStrike" dirty="0" err="1">
                           <a:effectLst/>
                         </a:rPr>
-                        <a:t>Rev.H</a:t>
+                        <a:t>Rev.A</a:t>
                       </a:r>
                       <a:r>
                         <a:rPr lang="en-US" sz="1100" u="none" strike="noStrike" dirty="0">
@@ -38445,7 +38136,7 @@
                         <a:rPr lang="en-US" sz="1100" u="none" strike="noStrike" dirty="0" err="1">
                           <a:effectLst/>
                         </a:rPr>
-                        <a:t>Rev.H</a:t>
+                        <a:t>Rev.A</a:t>
                       </a:r>
                       <a:r>
                         <a:rPr lang="en-US" sz="1100" u="none" strike="noStrike" dirty="0">
@@ -38545,7 +38236,7 @@
                         <a:rPr lang="en-US" sz="1100" u="none" strike="noStrike" dirty="0" err="1">
                           <a:effectLst/>
                         </a:rPr>
-                        <a:t>Rev.H</a:t>
+                        <a:t>Rev.A</a:t>
                       </a:r>
                       <a:r>
                         <a:rPr lang="en-US" sz="1100" u="none" strike="noStrike" dirty="0">
@@ -38645,7 +38336,7 @@
                         <a:rPr lang="en-US" sz="1100" u="none" strike="noStrike" dirty="0" err="1">
                           <a:effectLst/>
                         </a:rPr>
-                        <a:t>Rev.H</a:t>
+                        <a:t>Rev.A</a:t>
                       </a:r>
                       <a:r>
                         <a:rPr lang="en-US" sz="1100" u="none" strike="noStrike" dirty="0">
@@ -38745,7 +38436,7 @@
                         <a:rPr lang="en-US" sz="1100" u="none" strike="noStrike" dirty="0" err="1">
                           <a:effectLst/>
                         </a:rPr>
-                        <a:t>Rev.H</a:t>
+                        <a:t>Rev.A</a:t>
                       </a:r>
                       <a:r>
                         <a:rPr lang="en-US" sz="1100" u="none" strike="noStrike" dirty="0">
@@ -38845,7 +38536,7 @@
                         <a:rPr lang="en-US" sz="1100" u="none" strike="noStrike" dirty="0" err="1">
                           <a:effectLst/>
                         </a:rPr>
-                        <a:t>Rev.H</a:t>
+                        <a:t>Rev.A</a:t>
                       </a:r>
                       <a:r>
                         <a:rPr lang="en-US" sz="1100" u="none" strike="noStrike" dirty="0">
@@ -38945,7 +38636,7 @@
                         <a:rPr lang="en-US" sz="1100" u="none" strike="noStrike" dirty="0" err="1">
                           <a:effectLst/>
                         </a:rPr>
-                        <a:t>Rev.H</a:t>
+                        <a:t>Rev.A</a:t>
                       </a:r>
                       <a:r>
                         <a:rPr lang="en-US" sz="1100" u="none" strike="noStrike" dirty="0">
@@ -39045,7 +38736,7 @@
                         <a:rPr lang="en-US" sz="1100" u="none" strike="noStrike" dirty="0" err="1">
                           <a:effectLst/>
                         </a:rPr>
-                        <a:t>Rev.H</a:t>
+                        <a:t>Rev.A</a:t>
                       </a:r>
                       <a:r>
                         <a:rPr lang="en-US" sz="1100" u="none" strike="noStrike" dirty="0">
@@ -39145,7 +38836,7 @@
                         <a:rPr lang="en-US" sz="1100" u="none" strike="noStrike" dirty="0" err="1">
                           <a:effectLst/>
                         </a:rPr>
-                        <a:t>Rev.H</a:t>
+                        <a:t>Rev.A</a:t>
                       </a:r>
                       <a:r>
                         <a:rPr lang="en-US" sz="1100" u="none" strike="noStrike" dirty="0">
@@ -39245,7 +38936,7 @@
                         <a:rPr lang="en-US" sz="1100" u="none" strike="noStrike" dirty="0" err="1">
                           <a:effectLst/>
                         </a:rPr>
-                        <a:t>Rev.H</a:t>
+                        <a:t>Rev.A</a:t>
                       </a:r>
                       <a:r>
                         <a:rPr lang="en-US" sz="1100" u="none" strike="noStrike" dirty="0">
@@ -39345,7 +39036,7 @@
                         <a:rPr lang="en-US" sz="1100" u="none" strike="noStrike" dirty="0" err="1">
                           <a:effectLst/>
                         </a:rPr>
-                        <a:t>Rev.H</a:t>
+                        <a:t>Rev.A</a:t>
                       </a:r>
                       <a:r>
                         <a:rPr lang="en-US" sz="1100" u="none" strike="noStrike" dirty="0">
@@ -39445,7 +39136,7 @@
                         <a:rPr lang="en-US" sz="1100" u="none" strike="noStrike" dirty="0" err="1">
                           <a:effectLst/>
                         </a:rPr>
-                        <a:t>Rev.H</a:t>
+                        <a:t>Rev.A</a:t>
                       </a:r>
                       <a:r>
                         <a:rPr lang="en-US" sz="1100" u="none" strike="noStrike" dirty="0">
@@ -39558,7 +39249,7 @@
                           <a:effectLst/>
                           <a:latin typeface="+mn-lt"/>
                         </a:rPr>
-                        <a:t>Rev.H</a:t>
+                        <a:t>Rev.A</a:t>
                       </a:r>
                       <a:endParaRPr lang="en-US" sz="1100" b="0" i="0" u="none" strike="noStrike" dirty="0">
                         <a:solidFill>
@@ -39655,14 +39346,24 @@
                         <a:t>  </a:t>
                       </a:r>
                       <a:r>
-                        <a:rPr lang="en-US" sz="1100" b="0" i="0" u="none" strike="noStrike" dirty="0" err="1">
+                        <a:rPr lang="en-US" sz="1100" b="0" i="0" u="none" strike="noStrike" err="1">
                           <a:solidFill>
                             <a:srgbClr val="000000"/>
                           </a:solidFill>
                           <a:effectLst/>
                           <a:latin typeface="+mn-lt"/>
                         </a:rPr>
-                        <a:t>Rev.H</a:t>
+                        <a:t>Rev</a:t>
+                      </a:r>
+                      <a:r>
+                        <a:rPr lang="en-US" sz="1100" b="0" i="0" u="none" strike="noStrike">
+                          <a:solidFill>
+                            <a:srgbClr val="000000"/>
+                          </a:solidFill>
+                          <a:effectLst/>
+                          <a:latin typeface="+mn-lt"/>
+                        </a:rPr>
+                        <a:t>.A</a:t>
                       </a:r>
                       <a:endParaRPr lang="en-US" sz="1100" b="0" i="0" u="none" strike="noStrike" dirty="0">
                         <a:solidFill>
@@ -39742,7 +39443,228 @@
 </p:sld>
 </file>
 
-<file path=ppt/slides/slide61.xml><?xml version="1.0" encoding="utf-8"?>
+<file path=ppt/slides/slide6.xml><?xml version="1.0" encoding="utf-8"?>
+<p:sld xmlns:a="http://schemas.openxmlformats.org/drawingml/2006/main" xmlns:r="http://schemas.openxmlformats.org/officeDocument/2006/relationships" xmlns:p="http://schemas.openxmlformats.org/presentationml/2006/main">
+  <p:cSld>
+    <p:spTree>
+      <p:nvGrpSpPr>
+        <p:cNvPr id="1" name=""/>
+        <p:cNvGrpSpPr/>
+        <p:nvPr/>
+      </p:nvGrpSpPr>
+      <p:grpSpPr>
+        <a:xfrm>
+          <a:off x="0" y="0"/>
+          <a:ext cx="0" cy="0"/>
+          <a:chOff x="0" y="0"/>
+          <a:chExt cx="0" cy="0"/>
+        </a:xfrm>
+      </p:grpSpPr>
+      <p:sp>
+        <p:nvSpPr>
+          <p:cNvPr id="4" name="Title 3">
+            <a:extLst>
+              <a:ext uri="{FF2B5EF4-FFF2-40B4-BE49-F238E27FC236}">
+                <a16:creationId xmlns:a16="http://schemas.microsoft.com/office/drawing/2014/main" id="{EA7D4468-58D5-40D1-8182-8FDBCEF777E1}"/>
+              </a:ext>
+            </a:extLst>
+          </p:cNvPr>
+          <p:cNvSpPr>
+            <a:spLocks noGrp="1"/>
+          </p:cNvSpPr>
+          <p:nvPr>
+            <p:ph type="title"/>
+          </p:nvPr>
+        </p:nvSpPr>
+        <p:spPr/>
+        <p:txBody>
+          <a:bodyPr/>
+          <a:lstStyle/>
+          <a:p>
+            <a:r>
+              <a:rPr lang="en-US" dirty="0"/>
+              <a:t>Bugfixes</a:t>
+            </a:r>
+          </a:p>
+        </p:txBody>
+      </p:sp>
+      <p:sp>
+        <p:nvSpPr>
+          <p:cNvPr id="5" name="Content Placeholder 4">
+            <a:extLst>
+              <a:ext uri="{FF2B5EF4-FFF2-40B4-BE49-F238E27FC236}">
+                <a16:creationId xmlns:a16="http://schemas.microsoft.com/office/drawing/2014/main" id="{393A08AF-E8DD-44C5-A85C-B1192DD283A4}"/>
+              </a:ext>
+            </a:extLst>
+          </p:cNvPr>
+          <p:cNvSpPr>
+            <a:spLocks noGrp="1"/>
+          </p:cNvSpPr>
+          <p:nvPr>
+            <p:ph sz="quarter" idx="10"/>
+          </p:nvPr>
+        </p:nvSpPr>
+        <p:spPr/>
+        <p:txBody>
+          <a:bodyPr/>
+          <a:lstStyle/>
+          <a:p>
+            <a:r>
+              <a:rPr lang="en-US" sz="1200" dirty="0"/>
+              <a:t>559035 	titan.TestPorts.IPL4asp R.30.E doesn't build (ERROR_LENGTH) </a:t>
+            </a:r>
+          </a:p>
+          <a:p>
+            <a:r>
+              <a:rPr lang="en-US" sz="1200" dirty="0"/>
+              <a:t>559350 	the "Check code for code smells" menu item does not appear </a:t>
+            </a:r>
+          </a:p>
+          <a:p>
+            <a:r>
+              <a:rPr lang="en-US" sz="1200" dirty="0"/>
+              <a:t>559408 	ttcn2java: version extension handling error, java code is not generated </a:t>
+            </a:r>
+          </a:p>
+          <a:p>
+            <a:r>
+              <a:rPr lang="en-US" sz="1200" dirty="0"/>
+              <a:t>559580	ttcn2java: Wrong generated code: JSON cannot be resolved to a variable </a:t>
+            </a:r>
+          </a:p>
+          <a:p>
+            <a:r>
+              <a:rPr lang="en-US" sz="1200" dirty="0"/>
+              <a:t>559630 	bugfix: </a:t>
+            </a:r>
+            <a:r>
+              <a:rPr lang="en-US" sz="1200" dirty="0" err="1"/>
+              <a:t>TitanOctetString.JSON_encode</a:t>
+            </a:r>
+            <a:r>
+              <a:rPr lang="en-US" sz="1200" dirty="0"/>
+              <a:t>() returns wrong encoded value </a:t>
+            </a:r>
+          </a:p>
+          <a:p>
+            <a:r>
+              <a:rPr lang="en-US" sz="1200" dirty="0"/>
+              <a:t>559789 	ttcn2java Wrong generated code if in ASN1 </a:t>
+            </a:r>
+            <a:r>
+              <a:rPr lang="en-US" sz="1200" dirty="0" err="1"/>
+              <a:t>hexadec</a:t>
+            </a:r>
+            <a:r>
+              <a:rPr lang="en-US" sz="1200" dirty="0"/>
+              <a:t> value assigned to var with type of ANY </a:t>
+            </a:r>
+          </a:p>
+          <a:p>
+            <a:r>
+              <a:rPr lang="en-US" sz="1200" dirty="0"/>
+              <a:t>559978 	potential coding issues to be checked with unnamed temporal objects </a:t>
+            </a:r>
+          </a:p>
+          <a:p>
+            <a:r>
+              <a:rPr lang="en-US" sz="1200" dirty="0"/>
+              <a:t>559652 	False semantic error for </a:t>
+            </a:r>
+            <a:r>
+              <a:rPr lang="en-US" sz="1200" dirty="0" err="1"/>
+              <a:t>encvalue</a:t>
+            </a:r>
+            <a:r>
+              <a:rPr lang="en-US" sz="1200" dirty="0"/>
+              <a:t>() of value of </a:t>
+            </a:r>
+            <a:r>
+              <a:rPr lang="en-US" sz="1200" dirty="0" err="1"/>
+              <a:t>anytype</a:t>
+            </a:r>
+            <a:r>
+              <a:rPr lang="en-US" sz="1200" dirty="0"/>
+              <a:t> </a:t>
+            </a:r>
+          </a:p>
+          <a:p>
+            <a:r>
+              <a:rPr lang="en-US" sz="1200" dirty="0"/>
+              <a:t>559371 	Faulty code for select union </a:t>
+            </a:r>
+          </a:p>
+          <a:p>
+            <a:r>
+              <a:rPr lang="en-US" sz="1200" dirty="0"/>
+              <a:t>560347 	OER: encoding unbound optional field causes error in RT2 </a:t>
+            </a:r>
+          </a:p>
+          <a:p>
+            <a:r>
+              <a:rPr lang="en-US" sz="1200" dirty="0"/>
+              <a:t>560464 	Memory leak when JSON decoding binary strings </a:t>
+            </a:r>
+          </a:p>
+          <a:p>
+            <a:pPr fontAlgn="ctr"/>
+            <a:r>
+              <a:rPr lang="en-US" sz="1200" dirty="0"/>
+              <a:t>553584 	Support for ETSI's JSON module </a:t>
+            </a:r>
+          </a:p>
+          <a:p>
+            <a:pPr fontAlgn="ctr"/>
+            <a:r>
+              <a:rPr lang="en-US" sz="1200" dirty="0"/>
+              <a:t>560937 	</a:t>
+            </a:r>
+            <a:r>
+              <a:rPr lang="en-US" sz="1200" dirty="0" err="1"/>
+              <a:t>Bitstrings</a:t>
+            </a:r>
+            <a:r>
+              <a:rPr lang="en-US" sz="1200" dirty="0"/>
+              <a:t> don't clear unused bits after JSON decoding </a:t>
+            </a:r>
+          </a:p>
+          <a:p>
+            <a:pPr fontAlgn="ctr"/>
+            <a:r>
+              <a:rPr lang="en-US" sz="1200" dirty="0"/>
+              <a:t>559413 	ttcn2java: Java code generated from empty module is erroneous </a:t>
+            </a:r>
+          </a:p>
+          <a:p>
+            <a:pPr fontAlgn="ctr"/>
+            <a:r>
+              <a:rPr lang="en-US" sz="1200" dirty="0"/>
+              <a:t>560851 	can't build asn1 which are generated by asn1 compile </a:t>
+            </a:r>
+          </a:p>
+          <a:p>
+            <a:endParaRPr lang="en-US" sz="1200" dirty="0"/>
+          </a:p>
+        </p:txBody>
+      </p:sp>
+    </p:spTree>
+    <p:custDataLst>
+      <p:custData r:id="rId1"/>
+      <p:custData r:id="rId2"/>
+    </p:custDataLst>
+    <p:extLst>
+      <p:ext uri="{BB962C8B-B14F-4D97-AF65-F5344CB8AC3E}">
+        <p14:creationId xmlns:p14="http://schemas.microsoft.com/office/powerpoint/2010/main" val="1175125595"/>
+      </p:ext>
+    </p:extLst>
+  </p:cSld>
+  <p:clrMapOvr>
+    <a:masterClrMapping/>
+  </p:clrMapOvr>
+</p:sld>
+</file>
+
+<file path=ppt/slides/slide60.xml><?xml version="1.0" encoding="utf-8"?>
 <p:sld xmlns:a="http://schemas.openxmlformats.org/drawingml/2006/main" xmlns:r="http://schemas.openxmlformats.org/officeDocument/2006/relationships" xmlns:p="http://schemas.openxmlformats.org/presentationml/2006/main">
   <p:cSld>
     <p:spTree>
@@ -41182,23 +41104,25 @@
 </file>
 
 <file path=customXml/item1.xml><?xml version="1.0" encoding="utf-8"?>
+<TemplafySlideTemplateConfiguration><![CDATA[{"documentContentValidatorConfiguration":{"enableDocumentContentValidator":false,"documentContentValidatorVersion":0},"elementsMetadata":[],"slideId":"637260122995618811","enableDocumentContentUpdater":true,"version":"1.9"}]]></TemplafySlideTemplateConfiguration>
+</file>
+
+<file path=customXml/item10.xml><?xml version="1.0" encoding="utf-8"?>
 <TemplafySlideFormConfiguration><![CDATA[{"formFields":[],"formDataEntries":[]}]]></TemplafySlideFormConfiguration>
 </file>
 
-<file path=customXml/item10.xml><?xml version="1.0" encoding="utf-8"?>
-<TemplafySlideTemplateConfiguration><![CDATA[{"documentContentValidatorConfiguration":{"enableDocumentContentValidator":false,"documentContentValidatorVersion":0},"elementsMetadata":[],"slideId":"637260122995618811","enableDocumentContentUpdater":true,"version":"1.9"}]]></TemplafySlideTemplateConfiguration>
-</file>
-
 <file path=customXml/item100.xml><?xml version="1.0" encoding="utf-8"?>
-<TemplafySlideTemplateConfiguration><![CDATA[{"documentContentValidatorConfiguration":{"enableDocumentContentValidator":false,"documentContentValidatorVersion":0},"elementsMetadata":[],"slideId":"637260122995618811","enableDocumentContentUpdater":true,"version":"1.9"}]]></TemplafySlideTemplateConfiguration>
+<TemplafySlideFormConfiguration><![CDATA[{"formFields":[],"formDataEntries":[]}]]></TemplafySlideFormConfiguration>
 </file>
 
 <file path=customXml/item101.xml><?xml version="1.0" encoding="utf-8"?>
-<TemplafySlideTemplateConfiguration><![CDATA[{"documentContentValidatorConfiguration":{"enableDocumentContentValidator":false,"documentContentValidatorVersion":0},"elementsMetadata":[],"slideId":"637260122995618811","enableDocumentContentUpdater":true,"version":"1.9"}]]></TemplafySlideTemplateConfiguration>
+<TemplafySlideFormConfiguration><![CDATA[{"formFields":[],"formDataEntries":[]}]]></TemplafySlideFormConfiguration>
 </file>
 
 <file path=customXml/item102.xml><?xml version="1.0" encoding="utf-8"?>
-<TemplafySlideFormConfiguration><![CDATA[{"formFields":[],"formDataEntries":[]}]]></TemplafySlideFormConfiguration>
+<p:properties xmlns:p="http://schemas.microsoft.com/office/2006/metadata/properties" xmlns:xsi="http://www.w3.org/2001/XMLSchema-instance" xmlns:pc="http://schemas.microsoft.com/office/infopath/2007/PartnerControls">
+  <documentManagement/>
+</p:properties>
 </file>
 
 <file path=customXml/item103.xml><?xml version="1.0" encoding="utf-8"?>
@@ -41206,7 +41130,7 @@
 </file>
 
 <file path=customXml/item104.xml><?xml version="1.0" encoding="utf-8"?>
-<TemplafyTemplateConfiguration><![CDATA[{"elementsMetadata":[{"type":"shape","id":"d255cab8-5236-4411-88e4-8e895fe378df","elementConfiguration":{"inheritDimensions":"inheritNone","height":"1.34 cm","binding":"Form.LogoInsertion.Pplogoname","disableUpdates":false,"type":"image"}}],"transformationConfigurations":[{"language":"{{DocumentLanguage}}","disableUpdates":false,"type":"proofingLanguage"},{"propertyName":"FooterText","propertyValue":"true","disableUpdates":false,"type":"customDocumentProperty"},{"propertyName":"SecurityClass","propertyValue":"{{Form.ConfidentialityClass.Confidentiality}}","disableUpdates":false,"type":"customDocumentProperty"},{"propertyName":"ExtConf","propertyValue":"{{Form.ExternalConfidentialityLabel.ExternalConfidentiality}}","disableUpdates":false,"type":"customDocumentProperty"},{"propertyName":"Prepared","propertyValue":"{{Form.Prepared}}","disableUpdates":false,"type":"customDocumentProperty"},{"propertyName":"ApprovedBy","propertyValue":"{{Form.ApprovedBy}}","disableUpdates":false,"type":"customDocumentProperty"},{"propertyName":"DocNo","propertyValue":"{{Form.DocumentNumber}} {{Form.LanguageCode.LanguageCode}}","disableUpdates":false,"type":"customDocumentProperty"},{"propertyName":"Checked","propertyValue":"{{Form.Checked}}","disableUpdates":false,"type":"customDocumentProperty"},{"propertyName":"Date","propertyValue":"{{Form.Date}}","disableUpdates":false,"type":"customDocumentProperty"},{"propertyName":"Reference","propertyValue":"{{Form.Reference}}","disableUpdates":false,"type":"customDocumentProperty"},{"propertyName":"Title","propertyValue":"{{Form.DocumentTitle}}","disableUpdates":false,"type":"customDocumentProperty"},{"propertyName":"Keyword","propertyValue":"{{Form.Keywords}}","disableUpdates":false,"type":"customDocumentProperty"},{"propertyName":"DocumentType","propertyValue":"Presentation2011","disableUpdates":false,"type":"customDocumentProperty"},{"propertyName":"Language","propertyValue":"EnglishUS","disableUpdates":false,"type":"customDocumentProperty"},{"propertyName":"TemplateID","propertyValue":"FALSE","disableUpdates":false,"type":"customDocumentProperty"},{"propertyName":"ConfCtrl","propertyValue":"FALSE","disableUpdates":false,"type":"customDocumentProperty"},{"propertyName":"title","propertyValue":"{{Form.DocumentTitle}}","disableUpdates":false,"type":"documentProperty"},{"propertyName":"keywords","propertyValue":"{{Form.Keywords}}","disableUpdates":false,"type":"documentProperty"},{"propertyName":"creator","propertyValue":"{{Form.Prepared}}","disableUpdates":false,"type":"documentProperty"},{"propertyName":"DocTitle","propertyValue":"{{Form.DocTitle.DocTitle}}","disableUpdates":false,"type":"customDocumentProperty"},{"propertyName":"IsDocument","propertyValue":"{{Form.TemplateType.IsDocument}}","disableUpdates":false,"type":"customDocumentProperty"},{"propertyName":"IsPresentation","propertyValue":"{{Form.TemplateType.IsPresentation}}","disableUpdates":false,"type":"customDocumentProperty"},{"propertyName":"company","propertyValue":"Ericsson","disableUpdates":false,"type":"documentProperty"},{"propertyName":"PageNumberVisible","propertyValue":"{{Form.TotalPageNo.TotalPageNo_value}}","disableUpdates":false,"type":"customDocumentProperty"},{"propertyName":"Revision","propertyValue":"{{Form.Revision}}","disableUpdates":false,"type":"customDocumentProperty"},{"propertyName":"DocType","propertyValue":"{{Form.DocTypePresentation}}","disableUpdates":false,"type":"customDocumentProperty"},{"propertyName":"TemplateVersion","propertyValue":"R2A","disableUpdates":false,"type":"customDocumentProperty"},{"propertyName":"PackageNo","propertyValue":"LXA 119 603","disableUpdates":false,"type":"customDocumentProperty"},{"propertyName":"PackageVersion","propertyValue":"R6B","disableUpdates":false,"type":"customDocumentProperty"},{"propertyName":"TemplateName","propertyValue":"CXC 173 2731/1","disableUpdates":false,"type":"customDocumentProperty"},{"propertyName":"DocName","propertyValue":" ","disableUpdates":false,"type":"customDocumentProperty"},{"propertyName":"description","propertyValue":"{{Form.DocumentNumber}} {{Form.LanguageCode.LanguageCode}}\nRev {{Form.Revision}}","disableUpdates":false,"type":"documentProperty"}],"templateName":"New presentation (Standard landscape)","templateDescription":"","enableDocumentContentUpdater":true,"version":"1.9"}]]></TemplafyTemplateConfiguration>
+<TemplafySlideFormConfiguration><![CDATA[{"formFields":[],"formDataEntries":[]}]]></TemplafySlideFormConfiguration>
 </file>
 
 <file path=customXml/item105.xml><?xml version="1.0" encoding="utf-8"?>
@@ -41214,11 +41138,11 @@
 </file>
 
 <file path=customXml/item106.xml><?xml version="1.0" encoding="utf-8"?>
-<TemplafySlideFormConfiguration><![CDATA[{"formFields":[],"formDataEntries":[]}]]></TemplafySlideFormConfiguration>
+<TemplafySlideTemplateConfiguration><![CDATA[{"documentContentValidatorConfiguration":{"enableDocumentContentValidator":false,"documentContentValidatorVersion":0},"elementsMetadata":[],"slideId":"637260122995618811","enableDocumentContentUpdater":true,"version":"1.9"}]]></TemplafySlideTemplateConfiguration>
 </file>
 
 <file path=customXml/item107.xml><?xml version="1.0" encoding="utf-8"?>
-<TemplafySlideTemplateConfiguration><![CDATA[{"documentContentValidatorConfiguration":{"enableDocumentContentValidator":false,"documentContentValidatorVersion":0},"elementsMetadata":[],"slideId":"637260122995618811","enableDocumentContentUpdater":true,"version":"1.9"}]]></TemplafySlideTemplateConfiguration>
+<TemplafySlideFormConfiguration><![CDATA[{"formFields":[],"formDataEntries":[]}]]></TemplafySlideFormConfiguration>
 </file>
 
 <file path=customXml/item108.xml><?xml version="1.0" encoding="utf-8"?>
@@ -41226,19 +41150,19 @@
 </file>
 
 <file path=customXml/item109.xml><?xml version="1.0" encoding="utf-8"?>
-<TemplafySlideFormConfiguration><![CDATA[{"formFields":[],"formDataEntries":[]}]]></TemplafySlideFormConfiguration>
+<TemplafySlideTemplateConfiguration><![CDATA[{"documentContentValidatorConfiguration":{"enableDocumentContentValidator":false,"documentContentValidatorVersion":0},"elementsMetadata":[],"slideId":"637260122995618811","enableDocumentContentUpdater":true,"version":"1.9"}]]></TemplafySlideTemplateConfiguration>
 </file>
 
 <file path=customXml/item11.xml><?xml version="1.0" encoding="utf-8"?>
-<TemplafySlideFormConfiguration><![CDATA[{"formFields":[],"formDataEntries":[]}]]></TemplafySlideFormConfiguration>
+<TemplafySlideTemplateConfiguration><![CDATA[{"documentContentValidatorConfiguration":{"enableDocumentContentValidator":false,"documentContentValidatorVersion":0},"elementsMetadata":[],"slideId":"637260122995618811","enableDocumentContentUpdater":true,"version":"1.9"}]]></TemplafySlideTemplateConfiguration>
 </file>
 
 <file path=customXml/item110.xml><?xml version="1.0" encoding="utf-8"?>
-<TemplafySlideFormConfiguration><![CDATA[{"formFields":[],"formDataEntries":[]}]]></TemplafySlideFormConfiguration>
+<TemplafySlideTemplateConfiguration><![CDATA[{"elementsMetadata":[],"documentContentValidatorConfiguration":{"enableDocumentContentValidator":false,"documentContentValidatorVersion":0},"slideId":"637027476704980324","enableDocumentContentUpdater":true,"version":"1.9"}]]></TemplafySlideTemplateConfiguration>
 </file>
 
 <file path=customXml/item111.xml><?xml version="1.0" encoding="utf-8"?>
-<TemplafySlideTemplateConfiguration><![CDATA[{"documentContentValidatorConfiguration":{"enableDocumentContentValidator":false,"documentContentValidatorVersion":0},"elementsMetadata":[],"slideId":"637260122995618811","enableDocumentContentUpdater":true,"version":"1.9"}]]></TemplafySlideTemplateConfiguration>
+<TemplafySlideTemplateConfiguration><![CDATA[{"documentContentValidatorConfiguration":{"enableDocumentContentValidator":false,"documentContentValidatorVersion":0},"elementsMetadata":[],"slideId":"637260122995775075","enableDocumentContentUpdater":true,"version":"1.9"}]]></TemplafySlideTemplateConfiguration>
 </file>
 
 <file path=customXml/item112.xml><?xml version="1.0" encoding="utf-8"?>
@@ -41250,198 +41174,6 @@
 </file>
 
 <file path=customXml/item114.xml><?xml version="1.0" encoding="utf-8"?>
-<TemplafySlideTemplateConfiguration><![CDATA[{"documentContentValidatorConfiguration":{"enableDocumentContentValidator":false,"documentContentValidatorVersion":0},"elementsMetadata":[],"slideId":"637260122995618811","enableDocumentContentUpdater":true,"version":"1.9"}]]></TemplafySlideTemplateConfiguration>
-</file>
-
-<file path=customXml/item115.xml><?xml version="1.0" encoding="utf-8"?>
-<TemplafySlideFormConfiguration><![CDATA[{"formFields":[],"formDataEntries":[]}]]></TemplafySlideFormConfiguration>
-</file>
-
-<file path=customXml/item116.xml><?xml version="1.0" encoding="utf-8"?>
-<TemplafySlideFormConfiguration><![CDATA[{"formFields":[],"formDataEntries":[]}]]></TemplafySlideFormConfiguration>
-</file>
-
-<file path=customXml/item117.xml><?xml version="1.0" encoding="utf-8"?>
-<TemplafySlideTemplateConfiguration><![CDATA[{"documentContentValidatorConfiguration":{"enableDocumentContentValidator":false,"documentContentValidatorVersion":0},"elementsMetadata":[],"slideId":"637260122995618811","enableDocumentContentUpdater":true,"version":"1.9"}]]></TemplafySlideTemplateConfiguration>
-</file>
-
-<file path=customXml/item118.xml><?xml version="1.0" encoding="utf-8"?>
-<TemplafySlideTemplateConfiguration><![CDATA[{"documentContentValidatorConfiguration":{"enableDocumentContentValidator":false,"documentContentValidatorVersion":0},"elementsMetadata":[],"slideId":"637260122995775076","enableDocumentContentUpdater":true,"version":"1.9"}]]></TemplafySlideTemplateConfiguration>
-</file>
-
-<file path=customXml/item119.xml><?xml version="1.0" encoding="utf-8"?>
-<TemplafySlideFormConfiguration><![CDATA[{"formFields":[],"formDataEntries":[]}]]></TemplafySlideFormConfiguration>
-</file>
-
-<file path=customXml/item12.xml><?xml version="1.0" encoding="utf-8"?>
-<TemplafySlideFormConfiguration><![CDATA[{"formFields":[],"formDataEntries":[]}]]></TemplafySlideFormConfiguration>
-</file>
-
-<file path=customXml/item120.xml><?xml version="1.0" encoding="utf-8"?>
-<TemplafySlideFormConfiguration><![CDATA[{"formFields":[],"formDataEntries":[]}]]></TemplafySlideFormConfiguration>
-</file>
-
-<file path=customXml/item121.xml><?xml version="1.0" encoding="utf-8"?>
-<TemplafySlideFormConfiguration><![CDATA[{"formFields":[],"formDataEntries":[]}]]></TemplafySlideFormConfiguration>
-</file>
-
-<file path=customXml/item122.xml><?xml version="1.0" encoding="utf-8"?>
-<TemplafySlideFormConfiguration><![CDATA[{"formFields":[],"formDataEntries":[]}]]></TemplafySlideFormConfiguration>
-</file>
-
-<file path=customXml/item123.xml><?xml version="1.0" encoding="utf-8"?>
-<TemplafySlideTemplateConfiguration><![CDATA[{"documentContentValidatorConfiguration":{"enableDocumentContentValidator":false,"documentContentValidatorVersion":0},"elementsMetadata":[],"slideId":"637260122995618811","enableDocumentContentUpdater":true,"version":"1.9"}]]></TemplafySlideTemplateConfiguration>
-</file>
-
-<file path=customXml/item124.xml><?xml version="1.0" encoding="utf-8"?>
-<TemplafySlideFormConfiguration><![CDATA[{"formFields":[],"formDataEntries":[]}]]></TemplafySlideFormConfiguration>
-</file>
-
-<file path=customXml/item125.xml><?xml version="1.0" encoding="utf-8"?>
-<TemplafySlideTemplateConfiguration><![CDATA[{"documentContentValidatorConfiguration":{"enableDocumentContentValidator":false,"documentContentValidatorVersion":0},"elementsMetadata":[],"slideId":"637260122995618811","enableDocumentContentUpdater":true,"version":"1.9"}]]></TemplafySlideTemplateConfiguration>
-</file>
-
-<file path=customXml/item126.xml><?xml version="1.0" encoding="utf-8"?>
-<TemplafySlideFormConfiguration><![CDATA[{"formFields":[],"formDataEntries":[]}]]></TemplafySlideFormConfiguration>
-</file>
-
-<file path=customXml/item127.xml><?xml version="1.0" encoding="utf-8"?>
-<TemplafySlideTemplateConfiguration><![CDATA[{"documentContentValidatorConfiguration":{"enableDocumentContentValidator":false,"documentContentValidatorVersion":0},"elementsMetadata":[],"slideId":"637260122995618811","enableDocumentContentUpdater":true,"version":"1.9"}]]></TemplafySlideTemplateConfiguration>
-</file>
-
-<file path=customXml/item128.xml><?xml version="1.0" encoding="utf-8"?>
-<TemplafySlideFormConfiguration><![CDATA[{"formFields":[],"formDataEntries":[]}]]></TemplafySlideFormConfiguration>
-</file>
-
-<file path=customXml/item129.xml><?xml version="1.0" encoding="utf-8"?>
-<TemplafySlideFormConfiguration><![CDATA[{"formFields":[],"formDataEntries":[]}]]></TemplafySlideFormConfiguration>
-</file>
-
-<file path=customXml/item13.xml><?xml version="1.0" encoding="utf-8"?>
-<TemplafySlideTemplateConfiguration><![CDATA[{"elementsMetadata":[],"documentContentValidatorConfiguration":{"enableDocumentContentValidator":false,"documentContentValidatorVersion":0},"slideId":"637027476704980324","enableDocumentContentUpdater":true,"version":"1.9"}]]></TemplafySlideTemplateConfiguration>
-</file>
-
-<file path=customXml/item14.xml><?xml version="1.0" encoding="utf-8"?>
-<TemplafySlideTemplateConfiguration><![CDATA[{"documentContentValidatorConfiguration":{"enableDocumentContentValidator":false,"documentContentValidatorVersion":0},"elementsMetadata":[],"slideId":"637260122995618811","enableDocumentContentUpdater":true,"version":"1.9"}]]></TemplafySlideTemplateConfiguration>
-</file>
-
-<file path=customXml/item15.xml><?xml version="1.0" encoding="utf-8"?>
-<TemplafySlideFormConfiguration><![CDATA[{"formFields":[],"formDataEntries":[]}]]></TemplafySlideFormConfiguration>
-</file>
-
-<file path=customXml/item16.xml><?xml version="1.0" encoding="utf-8"?>
-<TemplafySlideTemplateConfiguration><![CDATA[{"documentContentValidatorConfiguration":{"enableDocumentContentValidator":false,"documentContentValidatorVersion":0},"elementsMetadata":[],"slideId":"637260122995618811","enableDocumentContentUpdater":true,"version":"1.9"}]]></TemplafySlideTemplateConfiguration>
-</file>
-
-<file path=customXml/item17.xml><?xml version="1.0" encoding="utf-8"?>
-<TemplafySlideTemplateConfiguration><![CDATA[{"documentContentValidatorConfiguration":{"enableDocumentContentValidator":false,"documentContentValidatorVersion":0},"elementsMetadata":[],"slideId":"637260122995618811","enableDocumentContentUpdater":true,"version":"1.9"}]]></TemplafySlideTemplateConfiguration>
-</file>
-
-<file path=customXml/item18.xml><?xml version="1.0" encoding="utf-8"?>
-<TemplafySlideFormConfiguration><![CDATA[{"formFields":[],"formDataEntries":[]}]]></TemplafySlideFormConfiguration>
-</file>
-
-<file path=customXml/item19.xml><?xml version="1.0" encoding="utf-8"?>
-<TemplafySlideFormConfiguration><![CDATA[{"formFields":[],"formDataEntries":[]}]]></TemplafySlideFormConfiguration>
-</file>
-
-<file path=customXml/item2.xml><?xml version="1.0" encoding="utf-8"?>
-<TemplafySlideFormConfiguration><![CDATA[{"formFields":[],"formDataEntries":[]}]]></TemplafySlideFormConfiguration>
-</file>
-
-<file path=customXml/item20.xml><?xml version="1.0" encoding="utf-8"?>
-<TemplafySlideTemplateConfiguration><![CDATA[{"documentContentValidatorConfiguration":{"enableDocumentContentValidator":false,"documentContentValidatorVersion":0},"elementsMetadata":[],"slideId":"637260122995618811","enableDocumentContentUpdater":true,"version":"1.9"}]]></TemplafySlideTemplateConfiguration>
-</file>
-
-<file path=customXml/item21.xml><?xml version="1.0" encoding="utf-8"?>
-<TemplafySlideTemplateConfiguration><![CDATA[{"documentContentValidatorConfiguration":{"enableDocumentContentValidator":false,"documentContentValidatorVersion":0},"elementsMetadata":[],"slideId":"637260122995618811","enableDocumentContentUpdater":true,"version":"1.9"}]]></TemplafySlideTemplateConfiguration>
-</file>
-
-<file path=customXml/item22.xml><?xml version="1.0" encoding="utf-8"?>
-<TemplafySlideTemplateConfiguration><![CDATA[{"documentContentValidatorConfiguration":{"enableDocumentContentValidator":false,"documentContentValidatorVersion":0},"elementsMetadata":[],"slideId":"637260122995618811","enableDocumentContentUpdater":true,"version":"1.9"}]]></TemplafySlideTemplateConfiguration>
-</file>
-
-<file path=customXml/item23.xml><?xml version="1.0" encoding="utf-8"?>
-<TemplafySlideFormConfiguration><![CDATA[{"formFields":[],"formDataEntries":[]}]]></TemplafySlideFormConfiguration>
-</file>
-
-<file path=customXml/item24.xml><?xml version="1.0" encoding="utf-8"?>
-<TemplafySlideTemplateConfiguration><![CDATA[{"documentContentValidatorConfiguration":{"enableDocumentContentValidator":false,"documentContentValidatorVersion":0},"elementsMetadata":[],"slideId":"637260122995618811","enableDocumentContentUpdater":true,"version":"1.9"}]]></TemplafySlideTemplateConfiguration>
-</file>
-
-<file path=customXml/item25.xml><?xml version="1.0" encoding="utf-8"?>
-<TemplafySlideTemplateConfiguration><![CDATA[{"documentContentValidatorConfiguration":{"enableDocumentContentValidator":false,"documentContentValidatorVersion":0},"elementsMetadata":[],"slideId":"637260122995618811","enableDocumentContentUpdater":true,"version":"1.9"}]]></TemplafySlideTemplateConfiguration>
-</file>
-
-<file path=customXml/item26.xml><?xml version="1.0" encoding="utf-8"?>
-<TemplafySlideTemplateConfiguration><![CDATA[{"documentContentValidatorConfiguration":{"enableDocumentContentValidator":false,"documentContentValidatorVersion":0},"elementsMetadata":[],"slideId":"637260122995618811","enableDocumentContentUpdater":true,"version":"1.9"}]]></TemplafySlideTemplateConfiguration>
-</file>
-
-<file path=customXml/item27.xml><?xml version="1.0" encoding="utf-8"?>
-<TemplafySlideTemplateConfiguration><![CDATA[{"documentContentValidatorConfiguration":{"enableDocumentContentValidator":false,"documentContentValidatorVersion":0},"elementsMetadata":[],"slideId":"637260122995618811","enableDocumentContentUpdater":true,"version":"1.9"}]]></TemplafySlideTemplateConfiguration>
-</file>
-
-<file path=customXml/item28.xml><?xml version="1.0" encoding="utf-8"?>
-<TemplafySlideFormConfiguration><![CDATA[{"formFields":[],"formDataEntries":[]}]]></TemplafySlideFormConfiguration>
-</file>
-
-<file path=customXml/item29.xml><?xml version="1.0" encoding="utf-8"?>
-<TemplafySlideFormConfiguration><![CDATA[{"formFields":[],"formDataEntries":[]}]]></TemplafySlideFormConfiguration>
-</file>
-
-<file path=customXml/item3.xml><?xml version="1.0" encoding="utf-8"?>
-<TemplafySlideFormConfiguration><![CDATA[{"formFields":[],"formDataEntries":[]}]]></TemplafySlideFormConfiguration>
-</file>
-
-<file path=customXml/item30.xml><?xml version="1.0" encoding="utf-8"?>
-<TemplafySlideFormConfiguration><![CDATA[{"formFields":[],"formDataEntries":[]}]]></TemplafySlideFormConfiguration>
-</file>
-
-<file path=customXml/item31.xml><?xml version="1.0" encoding="utf-8"?>
-<TemplafySlideFormConfiguration><![CDATA[{"formFields":[],"formDataEntries":[]}]]></TemplafySlideFormConfiguration>
-</file>
-
-<file path=customXml/item32.xml><?xml version="1.0" encoding="utf-8"?>
-<TemplafySlideFormConfiguration><![CDATA[{"formFields":[],"formDataEntries":[]}]]></TemplafySlideFormConfiguration>
-</file>
-
-<file path=customXml/item33.xml><?xml version="1.0" encoding="utf-8"?>
-<TemplafySlideTemplateConfiguration><![CDATA[{"documentContentValidatorConfiguration":{"enableDocumentContentValidator":false,"documentContentValidatorVersion":0},"elementsMetadata":[],"slideId":"637260122995618811","enableDocumentContentUpdater":true,"version":"1.9"}]]></TemplafySlideTemplateConfiguration>
-</file>
-
-<file path=customXml/item34.xml><?xml version="1.0" encoding="utf-8"?>
-<TemplafySlideTemplateConfiguration><![CDATA[{"documentContentValidatorConfiguration":{"enableDocumentContentValidator":false,"documentContentValidatorVersion":0},"elementsMetadata":[],"slideId":"637260122995618811","enableDocumentContentUpdater":true,"version":"1.9"}]]></TemplafySlideTemplateConfiguration>
-</file>
-
-<file path=customXml/item35.xml><?xml version="1.0" encoding="utf-8"?>
-<TemplafySlideTemplateConfiguration><![CDATA[{"documentContentValidatorConfiguration":{"enableDocumentContentValidator":false,"documentContentValidatorVersion":0},"elementsMetadata":[],"slideId":"637260122995618811","enableDocumentContentUpdater":true,"version":"1.9"}]]></TemplafySlideTemplateConfiguration>
-</file>
-
-<file path=customXml/item36.xml><?xml version="1.0" encoding="utf-8"?>
-<TemplafySlideTemplateConfiguration><![CDATA[{"documentContentValidatorConfiguration":{"enableDocumentContentValidator":false,"documentContentValidatorVersion":0},"elementsMetadata":[],"slideId":"637260122995618811","enableDocumentContentUpdater":true,"version":"1.9"}]]></TemplafySlideTemplateConfiguration>
-</file>
-
-<file path=customXml/item37.xml><?xml version="1.0" encoding="utf-8"?>
-<TemplafySlideFormConfiguration><![CDATA[{"formFields":[],"formDataEntries":[]}]]></TemplafySlideFormConfiguration>
-</file>
-
-<file path=customXml/item38.xml><?xml version="1.0" encoding="utf-8"?>
-<TemplafySlideFormConfiguration><![CDATA[{"formFields":[],"formDataEntries":[]}]]></TemplafySlideFormConfiguration>
-</file>
-
-<file path=customXml/item39.xml><?xml version="1.0" encoding="utf-8"?>
-<TemplafySlideTemplateConfiguration><![CDATA[{"documentContentValidatorConfiguration":{"enableDocumentContentValidator":false,"documentContentValidatorVersion":0},"elementsMetadata":[],"slideId":"637260122995618811","enableDocumentContentUpdater":true,"version":"1.9"}]]></TemplafySlideTemplateConfiguration>
-</file>
-
-<file path=customXml/item4.xml><?xml version="1.0" encoding="utf-8"?>
-<TemplafySlideTemplateConfiguration><![CDATA[{"documentContentValidatorConfiguration":{"enableDocumentContentValidator":false,"documentContentValidatorVersion":0},"elementsMetadata":[],"slideId":"637260122995618811","enableDocumentContentUpdater":true,"version":"1.9"}]]></TemplafySlideTemplateConfiguration>
-</file>
-
-<file path=customXml/item40.xml><?xml version="1.0" encoding="utf-8"?>
-<TemplafyFormConfiguration><![CDATA[{"formFields":[{"required":true,"placeholder":"","lines":0,"type":"textBox","name":"DocumentTitle","label":"Document Title","helpTexts":{"prefix":"","postfix":""},"spacing":{},"fullyQualifiedName":"DocumentTitle"},{"dataSource":"Confidentiality","displayColumn":"confidentiality","hideIfNoUserInteractionRequired":false,"distinct":true,"required":true,"autoSelectFirstOption":false,"type":"dropDown","name":"ConfidentialityClass","label":"Confidentiality Class","helpTexts":{"prefix":"","postfix":""},"spacing":{},"fullyQualifiedName":"ConfidentialityClass"},{"dataSource":"External Confidentiality label","displayColumn":"externalConfidentiality","hideIfNoUserInteractionRequired":false,"distinct":true,"required":false,"autoSelectFirstOption":false,"defaultValue":"1","type":"dropDown","name":"ExternalConfidentialityLabel","label":"External Confidentiality label","helpTexts":{"prefix":"","postfix":"If no external confidentiality class then please choose the blank value"},"spacing":{},"fullyQualifiedName":"ExternalConfidentialityLabel"},{"dataSource":"PowerPoint Document Type","column":"documentType","required":false,"placeholder":"","autoSelectFirstOption":false,"type":"comboBox","name":"DocTypePresentation","label":"Document Type Presentation","helpTexts":{"prefix":"","postfix":"If the document type differs from the default value, click on the X to delete and type/choose another type."},"spacing":{},"fullyQualifiedName":"DocTypePresentation"},{"required":false,"placeholder":"","lines":0,"type":"textBox","name":"DocumentNumber","label":"Document Number","helpTexts":{"prefix":"","postfix":""},"spacing":{},"fullyQualifiedName":"DocumentNumber"},{"dataSource":"Language code","displayColumn":"showName","hideIfNoUserInteractionRequired":false,"distinct":true,"required":false,"autoSelectFirstOption":false,"defaultValue":"1","type":"dropDown","name":"LanguageCode","label":"Language Code","helpTexts":{"prefix":"","postfix":"The language code will be appended to the Document No."},"spacing":{},"fullyQualifiedName":"LanguageCode"},{"dataSource":"Revision","column":"revision","required":false,"placeholder":"","autoSelectFirstOption":false,"type":"comboBox","name":"Revision","label":"Revision","helpTexts":{"prefix":"","postfix":""},"spacing":{},"fullyQualifiedName":"Revision"},{"required":false,"type":"datePicker","name":"Date","label":"Date","helpTexts":{"prefix":"","postfix":""},"spacing":{},"fullyQualifiedName":"Date"},{"type":"heading","name":"FooterVisibilityOptions","label":"Footer Visibility Options","helpTexts":{"prefix":"","postfix":""},"spacing":{},"fullyQualifiedName":"FooterVisibilityOptions"},{"dataSource":"PPT FooterVisibility","displayColumn":"templateType","hideIfNoUserInteractionRequired":false,"distinct":true,"required":true,"autoSelectFirstOption":false,"defaultValue":"1","type":"dropDown","name":"TemplateType","label":"Is this a document or presentation?","helpTexts":{"prefix":"","postfix":""},"spacing":{},"fullyQualifiedName":"TemplateType"},{"dataSource":"PPT FooterVisibility","displayColumn":"docTitle_label","filter":{"column":"templateType","otherFieldName":"TemplateType","fullyQualifiedOtherFieldName":"TemplateType","otherFieldColumn":"TemplateType","formReference":"none","operator":"equals"},"hideIfNoUserInteractionRequired":false,"distinct":true,"required":false,"autoSelectFirstOption":true,"type":"dropDown","name":"DocTitle","label":"Show document title in footer?","helpTexts":{"prefix":"","postfix":""},"spacing":{},"fullyQualifiedName":"DocTitle"},{"dataSource":"PPT FooterVisibility","displayColumn":"totalPageNo_text","filter":{"column":"templateType","otherFieldName":"TemplateType","fullyQualifiedOtherFieldName":"TemplateType","otherFieldColumn":"TemplateType","formReference":"none","operator":"equals"},"hideIfNoUserInteractionRequired":false,"distinct":true,"required":false,"autoSelectFirstOption":true,"type":"dropDown","name":"TotalPageNo","label":"Page numbering","helpTexts":{"prefix":"","postfix":""},"spacing":{},"fullyQualifiedName":"TotalPageNo"},{"required":false,"placeholder":"","lines":0,"defaultValue":"{{UserProfile.Prepared}}","type":"textBox","name":"Prepared","label":"Prepared By (Subject Responsible)","helpTexts":{"prefix":"","postfix":""},"spacing":{},"fullyQualifiedName":"Prepared"},{"required":false,"placeholder":"","lines":0,"type":"textBox","name":"ApprovedBy","label":"Approved By (Document Responsible)","helpTexts":{"prefix":"","postfix":""},"spacing":{},"fullyQualifiedName":"ApprovedBy"},{"required":false,"placeholder":"","lines":0,"type":"textBox","name":"Checked","label":"Checked","helpTexts":{"prefix":"","postfix":""},"spacing":{},"fullyQualifiedName":"Checked"},{"required":false,"placeholder":"","lines":0,"type":"textBox","name":"Reference","label":"Reference","helpTexts":{"prefix":"","postfix":""},"spacing":{},"fullyQualifiedName":"Reference"},{"required":false,"placeholder":"","lines":0,"type":"textBox","name":"Keywords","label":"Keywords","helpTexts":{"prefix":"","postfix":""},"spacing":{},"fullyQualifiedName":"Keywords"}],"formDataEntries":[{"name":"DocumentTitle","value":"86hGZrp/Cm3oO5UJX6l14qHmcU8+TbLca/Tf1umHqEw="},{"name":"ConfidentialityClass","value":"cT/FOwTWaPknrhRlNMh4SQ=="},{"name":"ExternalConfidentialityLabel","value":"u2D/MG3wyuAQhkGvE2fPaA=="},{"name":"DocTypePresentation","value":"tzu6Hb53LEDFeaU5mCHMFQ=="},{"name":"LanguageCode","value":"5wlu7ZdPxHQj1W0w+yTNSg=="},{"name":"Revision","value":"6m1d9LG9UzmvsTZWoE7bdw=="},{"name":"Date","value":"aSa1EChX8dQnU+IjGafyQA=="},{"name":"TemplateType","value":"5wlu7ZdPxHQj1W0w+yTNSg=="},{"name":"DocTitle","value":"5wlu7ZdPxHQj1W0w+yTNSg=="},{"name":"TotalPageNo","value":"5wlu7ZdPxHQj1W0w+yTNSg=="},{"name":"Prepared","value":"MS7aj+61JzMOAzsIKYyJMp0rOjhIwZ7QJPL4NJ74T1A="}]}]]></TemplafyFormConfiguration>
-</file>
-
-<file path=customXml/item41.xml><?xml version="1.0" encoding="utf-8"?>
 <?mso-contentType ?>
 <FormTemplates xmlns="http://schemas.microsoft.com/sharepoint/v3/contenttype/forms">
   <Display>DocumentLibraryForm</Display>
@@ -41450,169 +41182,19 @@
 </FormTemplates>
 </file>
 
-<file path=customXml/item42.xml><?xml version="1.0" encoding="utf-8"?>
+<file path=customXml/item115.xml><?xml version="1.0" encoding="utf-8"?>
 <TemplafySlideFormConfiguration><![CDATA[{"formFields":[],"formDataEntries":[]}]]></TemplafySlideFormConfiguration>
 </file>
 
-<file path=customXml/item43.xml><?xml version="1.0" encoding="utf-8"?>
+<file path=customXml/item116.xml><?xml version="1.0" encoding="utf-8"?>
+<TemplafySlideTemplateConfiguration><![CDATA[{"documentContentValidatorConfiguration":{"enableDocumentContentValidator":false,"documentContentValidatorVersion":0},"elementsMetadata":[],"slideId":"637260122995618811","enableDocumentContentUpdater":true,"version":"1.9"}]]></TemplafySlideTemplateConfiguration>
+</file>
+
+<file path=customXml/item117.xml><?xml version="1.0" encoding="utf-8"?>
 <TemplafySlideFormConfiguration><![CDATA[{"formFields":[],"formDataEntries":[]}]]></TemplafySlideFormConfiguration>
 </file>
 
-<file path=customXml/item44.xml><?xml version="1.0" encoding="utf-8"?>
-<TemplafySlideTemplateConfiguration><![CDATA[{"documentContentValidatorConfiguration":{"enableDocumentContentValidator":false,"documentContentValidatorVersion":0},"elementsMetadata":[],"slideId":"637260122995618811","enableDocumentContentUpdater":true,"version":"1.9"}]]></TemplafySlideTemplateConfiguration>
-</file>
-
-<file path=customXml/item45.xml><?xml version="1.0" encoding="utf-8"?>
-<TemplafySlideFormConfiguration><![CDATA[{"formFields":[],"formDataEntries":[]}]]></TemplafySlideFormConfiguration>
-</file>
-
-<file path=customXml/item46.xml><?xml version="1.0" encoding="utf-8"?>
-<TemplafySlideTemplateConfiguration><![CDATA[{"documentContentValidatorConfiguration":{"enableDocumentContentValidator":false,"documentContentValidatorVersion":0},"elementsMetadata":[],"slideId":"637260122995618811","enableDocumentContentUpdater":true,"version":"1.9"}]]></TemplafySlideTemplateConfiguration>
-</file>
-
-<file path=customXml/item47.xml><?xml version="1.0" encoding="utf-8"?>
-<TemplafySlideTemplateConfiguration><![CDATA[{"documentContentValidatorConfiguration":{"enableDocumentContentValidator":false,"documentContentValidatorVersion":0},"elementsMetadata":[],"slideId":"637260122995618811","enableDocumentContentUpdater":true,"version":"1.9"}]]></TemplafySlideTemplateConfiguration>
-</file>
-
-<file path=customXml/item48.xml><?xml version="1.0" encoding="utf-8"?>
-<TemplafySlideTemplateConfiguration><![CDATA[{"documentContentValidatorConfiguration":{"enableDocumentContentValidator":false,"documentContentValidatorVersion":0},"elementsMetadata":[],"slideId":"637260122995618811","enableDocumentContentUpdater":true,"version":"1.9"}]]></TemplafySlideTemplateConfiguration>
-</file>
-
-<file path=customXml/item49.xml><?xml version="1.0" encoding="utf-8"?>
-<TemplafySlideFormConfiguration><![CDATA[{"formFields":[],"formDataEntries":[]}]]></TemplafySlideFormConfiguration>
-</file>
-
-<file path=customXml/item5.xml><?xml version="1.0" encoding="utf-8"?>
-<TemplafySlideTemplateConfiguration><![CDATA[{"documentContentValidatorConfiguration":{"enableDocumentContentValidator":false,"documentContentValidatorVersion":0},"elementsMetadata":[],"slideId":"637260122995618811","enableDocumentContentUpdater":true,"version":"1.9"}]]></TemplafySlideTemplateConfiguration>
-</file>
-
-<file path=customXml/item50.xml><?xml version="1.0" encoding="utf-8"?>
-<TemplafySlideFormConfiguration><![CDATA[{"formFields":[],"formDataEntries":[]}]]></TemplafySlideFormConfiguration>
-</file>
-
-<file path=customXml/item51.xml><?xml version="1.0" encoding="utf-8"?>
-<TemplafySlideFormConfiguration><![CDATA[{"formFields":[],"formDataEntries":[]}]]></TemplafySlideFormConfiguration>
-</file>
-
-<file path=customXml/item52.xml><?xml version="1.0" encoding="utf-8"?>
-<p:properties xmlns:p="http://schemas.microsoft.com/office/2006/metadata/properties" xmlns:xsi="http://www.w3.org/2001/XMLSchema-instance" xmlns:pc="http://schemas.microsoft.com/office/infopath/2007/PartnerControls">
-  <documentManagement/>
-</p:properties>
-</file>
-
-<file path=customXml/item53.xml><?xml version="1.0" encoding="utf-8"?>
-<TemplafySlideFormConfiguration><![CDATA[{"formFields":[],"formDataEntries":[]}]]></TemplafySlideFormConfiguration>
-</file>
-
-<file path=customXml/item54.xml><?xml version="1.0" encoding="utf-8"?>
-<TemplafySlideTemplateConfiguration><![CDATA[{"documentContentValidatorConfiguration":{"enableDocumentContentValidator":false,"documentContentValidatorVersion":0},"elementsMetadata":[],"slideId":"637260122995618811","enableDocumentContentUpdater":true,"version":"1.9"}]]></TemplafySlideTemplateConfiguration>
-</file>
-
-<file path=customXml/item55.xml><?xml version="1.0" encoding="utf-8"?>
-<TemplafySlideTemplateConfiguration><![CDATA[{"documentContentValidatorConfiguration":{"enableDocumentContentValidator":false,"documentContentValidatorVersion":0},"elementsMetadata":[],"slideId":"637260122995618811","enableDocumentContentUpdater":true,"version":"1.9"}]]></TemplafySlideTemplateConfiguration>
-</file>
-
-<file path=customXml/item56.xml><?xml version="1.0" encoding="utf-8"?>
-<TemplafySlideFormConfiguration><![CDATA[{"formFields":[],"formDataEntries":[]}]]></TemplafySlideFormConfiguration>
-</file>
-
-<file path=customXml/item57.xml><?xml version="1.0" encoding="utf-8"?>
-<TemplafySlideTemplateConfiguration><![CDATA[{"documentContentValidatorConfiguration":{"enableDocumentContentValidator":false,"documentContentValidatorVersion":0},"elementsMetadata":[],"slideId":"637260122995618811","enableDocumentContentUpdater":true,"version":"1.9"}]]></TemplafySlideTemplateConfiguration>
-</file>
-
-<file path=customXml/item58.xml><?xml version="1.0" encoding="utf-8"?>
-<TemplafySlideFormConfiguration><![CDATA[{"formFields":[],"formDataEntries":[]}]]></TemplafySlideFormConfiguration>
-</file>
-
-<file path=customXml/item59.xml><?xml version="1.0" encoding="utf-8"?>
-<TemplafySlideTemplateConfiguration><![CDATA[{"documentContentValidatorConfiguration":{"enableDocumentContentValidator":false,"documentContentValidatorVersion":0},"elementsMetadata":[],"slideId":"637260122995618811","enableDocumentContentUpdater":true,"version":"1.9"}]]></TemplafySlideTemplateConfiguration>
-</file>
-
-<file path=customXml/item6.xml><?xml version="1.0" encoding="utf-8"?>
-<TemplafySlideFormConfiguration><![CDATA[{"formFields":[],"formDataEntries":[]}]]></TemplafySlideFormConfiguration>
-</file>
-
-<file path=customXml/item60.xml><?xml version="1.0" encoding="utf-8"?>
-<TemplafySlideFormConfiguration><![CDATA[{"formFields":[],"formDataEntries":[]}]]></TemplafySlideFormConfiguration>
-</file>
-
-<file path=customXml/item61.xml><?xml version="1.0" encoding="utf-8"?>
-<TemplafySlideTemplateConfiguration><![CDATA[{"documentContentValidatorConfiguration":{"enableDocumentContentValidator":false,"documentContentValidatorVersion":0},"elementsMetadata":[],"slideId":"637260122995618811","enableDocumentContentUpdater":true,"version":"1.9"}]]></TemplafySlideTemplateConfiguration>
-</file>
-
-<file path=customXml/item62.xml><?xml version="1.0" encoding="utf-8"?>
-<TemplafySlideTemplateConfiguration><![CDATA[{"documentContentValidatorConfiguration":{"enableDocumentContentValidator":false,"documentContentValidatorVersion":0},"elementsMetadata":[],"slideId":"637260122995618811","enableDocumentContentUpdater":true,"version":"1.9"}]]></TemplafySlideTemplateConfiguration>
-</file>
-
-<file path=customXml/item63.xml><?xml version="1.0" encoding="utf-8"?>
-<TemplafySlideFormConfiguration><![CDATA[{"formFields":[],"formDataEntries":[]}]]></TemplafySlideFormConfiguration>
-</file>
-
-<file path=customXml/item64.xml><?xml version="1.0" encoding="utf-8"?>
-<TemplafySlideFormConfiguration><![CDATA[{"formFields":[],"formDataEntries":[]}]]></TemplafySlideFormConfiguration>
-</file>
-
-<file path=customXml/item65.xml><?xml version="1.0" encoding="utf-8"?>
-<TemplafySlideFormConfiguration><![CDATA[{"formFields":[],"formDataEntries":[]}]]></TemplafySlideFormConfiguration>
-</file>
-
-<file path=customXml/item66.xml><?xml version="1.0" encoding="utf-8"?>
-<TemplafySlideTemplateConfiguration><![CDATA[{"documentContentValidatorConfiguration":{"enableDocumentContentValidator":false,"documentContentValidatorVersion":0},"elementsMetadata":[],"slideId":"637260122995618811","enableDocumentContentUpdater":true,"version":"1.9"}]]></TemplafySlideTemplateConfiguration>
-</file>
-
-<file path=customXml/item67.xml><?xml version="1.0" encoding="utf-8"?>
-<TemplafySlideFormConfiguration><![CDATA[{"formFields":[],"formDataEntries":[]}]]></TemplafySlideFormConfiguration>
-</file>
-
-<file path=customXml/item68.xml><?xml version="1.0" encoding="utf-8"?>
-<TemplafySlideTemplateConfiguration><![CDATA[{"documentContentValidatorConfiguration":{"enableDocumentContentValidator":false,"documentContentValidatorVersion":0},"elementsMetadata":[],"slideId":"637260122995618811","enableDocumentContentUpdater":true,"version":"1.9"}]]></TemplafySlideTemplateConfiguration>
-</file>
-
-<file path=customXml/item69.xml><?xml version="1.0" encoding="utf-8"?>
-<TemplafySlideFormConfiguration><![CDATA[{"formFields":[],"formDataEntries":[]}]]></TemplafySlideFormConfiguration>
-</file>
-
-<file path=customXml/item7.xml><?xml version="1.0" encoding="utf-8"?>
-<TemplafySlideTemplateConfiguration><![CDATA[{"documentContentValidatorConfiguration":{"enableDocumentContentValidator":false,"documentContentValidatorVersion":0},"elementsMetadata":[],"slideId":"637260122995618811","enableDocumentContentUpdater":true,"version":"1.9"}]]></TemplafySlideTemplateConfiguration>
-</file>
-
-<file path=customXml/item70.xml><?xml version="1.0" encoding="utf-8"?>
-<TemplafySlideFormConfiguration><![CDATA[{"formFields":[],"formDataEntries":[]}]]></TemplafySlideFormConfiguration>
-</file>
-
-<file path=customXml/item71.xml><?xml version="1.0" encoding="utf-8"?>
-<TemplafySlideFormConfiguration><![CDATA[{"formFields":[],"formDataEntries":[]}]]></TemplafySlideFormConfiguration>
-</file>
-
-<file path=customXml/item72.xml><?xml version="1.0" encoding="utf-8"?>
-<TemplafySlideFormConfiguration><![CDATA[{"formFields":[],"formDataEntries":[]}]]></TemplafySlideFormConfiguration>
-</file>
-
-<file path=customXml/item73.xml><?xml version="1.0" encoding="utf-8"?>
-<TemplafySlideTemplateConfiguration><![CDATA[{"documentContentValidatorConfiguration":{"enableDocumentContentValidator":false,"documentContentValidatorVersion":0},"elementsMetadata":[],"slideId":"637260122995618811","enableDocumentContentUpdater":true,"version":"1.9"}]]></TemplafySlideTemplateConfiguration>
-</file>
-
-<file path=customXml/item74.xml><?xml version="1.0" encoding="utf-8"?>
-<TemplafySlideFormConfiguration><![CDATA[{"formFields":[],"formDataEntries":[]}]]></TemplafySlideFormConfiguration>
-</file>
-
-<file path=customXml/item75.xml><?xml version="1.0" encoding="utf-8"?>
-<TemplafySlideTemplateConfiguration><![CDATA[{"documentContentValidatorConfiguration":{"enableDocumentContentValidator":false,"documentContentValidatorVersion":0},"elementsMetadata":[],"slideId":"637260122995618811","enableDocumentContentUpdater":true,"version":"1.9"}]]></TemplafySlideTemplateConfiguration>
-</file>
-
-<file path=customXml/item76.xml><?xml version="1.0" encoding="utf-8"?>
-<TemplafySlideFormConfiguration><![CDATA[{"formFields":[],"formDataEntries":[]}]]></TemplafySlideFormConfiguration>
-</file>
-
-<file path=customXml/item77.xml><?xml version="1.0" encoding="utf-8"?>
-<TemplafySlideFormConfiguration><![CDATA[{"formFields":[],"formDataEntries":[]}]]></TemplafySlideFormConfiguration>
-</file>
-
-<file path=customXml/item78.xml><?xml version="1.0" encoding="utf-8"?>
-<TemplafySlideTemplateConfiguration><![CDATA[{"documentContentValidatorConfiguration":{"enableDocumentContentValidator":false,"documentContentValidatorVersion":0},"elementsMetadata":[],"slideId":"637260122995618811","enableDocumentContentUpdater":true,"version":"1.9"}]]></TemplafySlideTemplateConfiguration>
-</file>
-
-<file path=customXml/item79.xml><?xml version="1.0" encoding="utf-8"?>
+<file path=customXml/item118.xml><?xml version="1.0" encoding="utf-8"?>
 <ct:contentTypeSchema xmlns:ct="http://schemas.microsoft.com/office/2006/metadata/contentType" xmlns:ma="http://schemas.microsoft.com/office/2006/metadata/properties/metaAttributes" ct:_="" ma:_="" ma:contentTypeName="Document" ma:contentTypeID="0x0101002C8661F604A9A64C9627B875CBEE0D49" ma:contentTypeVersion="15" ma:contentTypeDescription="Create a new document." ma:contentTypeScope="" ma:versionID="a479c757ef17ea2b01d6697cee2b70c6">
   <xsd:schema xmlns:xsd="http://www.w3.org/2001/XMLSchema" xmlns:xs="http://www.w3.org/2001/XMLSchema" xmlns:p="http://schemas.microsoft.com/office/2006/metadata/properties" xmlns:ns3="92e1255f-bb7b-4dc9-b051-584cc104eb44" xmlns:ns4="a6550eff-0fc9-443f-8e77-72cbcf778382" targetNamespace="http://schemas.microsoft.com/office/2006/metadata/properties" ma:root="true" ma:fieldsID="08df2d0f55032e4052d032aa8ec7ed1f" ns3:_="" ns4:_="">
     <xsd:import namespace="92e1255f-bb7b-4dc9-b051-584cc104eb44"/>
@@ -41849,8 +41431,340 @@
 </ct:contentTypeSchema>
 </file>
 
+<file path=customXml/item119.xml><?xml version="1.0" encoding="utf-8"?>
+<TemplafySlideFormConfiguration><![CDATA[{"formFields":[],"formDataEntries":[]}]]></TemplafySlideFormConfiguration>
+</file>
+
+<file path=customXml/item12.xml><?xml version="1.0" encoding="utf-8"?>
+<TemplafySlideFormConfiguration><![CDATA[{"formFields":[],"formDataEntries":[]}]]></TemplafySlideFormConfiguration>
+</file>
+
+<file path=customXml/item120.xml><?xml version="1.0" encoding="utf-8"?>
+<TemplafySlideTemplateConfiguration><![CDATA[{"documentContentValidatorConfiguration":{"enableDocumentContentValidator":false,"documentContentValidatorVersion":0},"elementsMetadata":[],"slideId":"637260122995618811","enableDocumentContentUpdater":true,"version":"1.9"}]]></TemplafySlideTemplateConfiguration>
+</file>
+
+<file path=customXml/item121.xml><?xml version="1.0" encoding="utf-8"?>
+<TemplafySlideFormConfiguration><![CDATA[{"formFields":[],"formDataEntries":[]}]]></TemplafySlideFormConfiguration>
+</file>
+
+<file path=customXml/item122.xml><?xml version="1.0" encoding="utf-8"?>
+<TemplafySlideFormConfiguration><![CDATA[{"formFields":[],"formDataEntries":[]}]]></TemplafySlideFormConfiguration>
+</file>
+
+<file path=customXml/item123.xml><?xml version="1.0" encoding="utf-8"?>
+<TemplafySlideTemplateConfiguration><![CDATA[{"documentContentValidatorConfiguration":{"enableDocumentContentValidator":false,"documentContentValidatorVersion":0},"elementsMetadata":[],"slideId":"637260122995618811","enableDocumentContentUpdater":true,"version":"1.9"}]]></TemplafySlideTemplateConfiguration>
+</file>
+
+<file path=customXml/item124.xml><?xml version="1.0" encoding="utf-8"?>
+<TemplafySlideFormConfiguration><![CDATA[{"formFields":[],"formDataEntries":[]}]]></TemplafySlideFormConfiguration>
+</file>
+
+<file path=customXml/item125.xml><?xml version="1.0" encoding="utf-8"?>
+<TemplafySlideFormConfiguration><![CDATA[{"formFields":[],"formDataEntries":[]}]]></TemplafySlideFormConfiguration>
+</file>
+
+<file path=customXml/item126.xml><?xml version="1.0" encoding="utf-8"?>
+<TemplafySlideTemplateConfiguration><![CDATA[{"documentContentValidatorConfiguration":{"enableDocumentContentValidator":false,"documentContentValidatorVersion":0},"elementsMetadata":[],"slideId":"637260122995618811","enableDocumentContentUpdater":true,"version":"1.9"}]]></TemplafySlideTemplateConfiguration>
+</file>
+
+<file path=customXml/item127.xml><?xml version="1.0" encoding="utf-8"?>
+<TemplafySlideTemplateConfiguration><![CDATA[{"documentContentValidatorConfiguration":{"enableDocumentContentValidator":false,"documentContentValidatorVersion":0},"elementsMetadata":[],"slideId":"637260122995618811","enableDocumentContentUpdater":true,"version":"1.9"}]]></TemplafySlideTemplateConfiguration>
+</file>
+
+<file path=customXml/item13.xml><?xml version="1.0" encoding="utf-8"?>
+<TemplafySlideFormConfiguration><![CDATA[{"formFields":[],"formDataEntries":[]}]]></TemplafySlideFormConfiguration>
+</file>
+
+<file path=customXml/item14.xml><?xml version="1.0" encoding="utf-8"?>
+<TemplafySlideTemplateConfiguration><![CDATA[{"documentContentValidatorConfiguration":{"enableDocumentContentValidator":false,"documentContentValidatorVersion":0},"elementsMetadata":[],"slideId":"637260122995462646","enableDocumentContentUpdater":true,"version":"1.9"}]]></TemplafySlideTemplateConfiguration>
+</file>
+
+<file path=customXml/item15.xml><?xml version="1.0" encoding="utf-8"?>
+<TemplafySlideTemplateConfiguration><![CDATA[{"documentContentValidatorConfiguration":{"enableDocumentContentValidator":false,"documentContentValidatorVersion":0},"elementsMetadata":[],"slideId":"637260122995618811","enableDocumentContentUpdater":true,"version":"1.9"}]]></TemplafySlideTemplateConfiguration>
+</file>
+
+<file path=customXml/item16.xml><?xml version="1.0" encoding="utf-8"?>
+<TemplafySlideTemplateConfiguration><![CDATA[{"documentContentValidatorConfiguration":{"enableDocumentContentValidator":false,"documentContentValidatorVersion":0},"elementsMetadata":[],"slideId":"637260122995618811","enableDocumentContentUpdater":true,"version":"1.9"}]]></TemplafySlideTemplateConfiguration>
+</file>
+
+<file path=customXml/item17.xml><?xml version="1.0" encoding="utf-8"?>
+<TemplafySlideTemplateConfiguration><![CDATA[{"documentContentValidatorConfiguration":{"enableDocumentContentValidator":false,"documentContentValidatorVersion":0},"elementsMetadata":[],"slideId":"637260122995618811","enableDocumentContentUpdater":true,"version":"1.9"}]]></TemplafySlideTemplateConfiguration>
+</file>
+
+<file path=customXml/item18.xml><?xml version="1.0" encoding="utf-8"?>
+<TemplafySlideFormConfiguration><![CDATA[{"formFields":[],"formDataEntries":[]}]]></TemplafySlideFormConfiguration>
+</file>
+
+<file path=customXml/item19.xml><?xml version="1.0" encoding="utf-8"?>
+<TemplafySlideFormConfiguration><![CDATA[{"formFields":[],"formDataEntries":[]}]]></TemplafySlideFormConfiguration>
+</file>
+
+<file path=customXml/item2.xml><?xml version="1.0" encoding="utf-8"?>
+<TemplafySlideFormConfiguration><![CDATA[{"formFields":[],"formDataEntries":[]}]]></TemplafySlideFormConfiguration>
+</file>
+
+<file path=customXml/item20.xml><?xml version="1.0" encoding="utf-8"?>
+<TemplafySlideTemplateConfiguration><![CDATA[{"documentContentValidatorConfiguration":{"enableDocumentContentValidator":false,"documentContentValidatorVersion":0},"elementsMetadata":[],"slideId":"637260122995618811","enableDocumentContentUpdater":true,"version":"1.9"}]]></TemplafySlideTemplateConfiguration>
+</file>
+
+<file path=customXml/item21.xml><?xml version="1.0" encoding="utf-8"?>
+<TemplafySlideTemplateConfiguration><![CDATA[{"documentContentValidatorConfiguration":{"enableDocumentContentValidator":false,"documentContentValidatorVersion":0},"elementsMetadata":[],"slideId":"637260122995618811","enableDocumentContentUpdater":true,"version":"1.9"}]]></TemplafySlideTemplateConfiguration>
+</file>
+
+<file path=customXml/item22.xml><?xml version="1.0" encoding="utf-8"?>
+<TemplafySlideTemplateConfiguration><![CDATA[{"documentContentValidatorConfiguration":{"enableDocumentContentValidator":false,"documentContentValidatorVersion":0},"elementsMetadata":[],"slideId":"637260122995618811","enableDocumentContentUpdater":true,"version":"1.9"}]]></TemplafySlideTemplateConfiguration>
+</file>
+
+<file path=customXml/item23.xml><?xml version="1.0" encoding="utf-8"?>
+<TemplafySlideTemplateConfiguration><![CDATA[{"documentContentValidatorConfiguration":{"enableDocumentContentValidator":false,"documentContentValidatorVersion":0},"elementsMetadata":[],"slideId":"637260122995618811","enableDocumentContentUpdater":true,"version":"1.9"}]]></TemplafySlideTemplateConfiguration>
+</file>
+
+<file path=customXml/item24.xml><?xml version="1.0" encoding="utf-8"?>
+<TemplafySlideFormConfiguration><![CDATA[{"formFields":[],"formDataEntries":[]}]]></TemplafySlideFormConfiguration>
+</file>
+
+<file path=customXml/item25.xml><?xml version="1.0" encoding="utf-8"?>
+<TemplafySlideFormConfiguration><![CDATA[{"formFields":[],"formDataEntries":[]}]]></TemplafySlideFormConfiguration>
+</file>
+
+<file path=customXml/item26.xml><?xml version="1.0" encoding="utf-8"?>
+<TemplafySlideFormConfiguration><![CDATA[{"formFields":[],"formDataEntries":[]}]]></TemplafySlideFormConfiguration>
+</file>
+
+<file path=customXml/item27.xml><?xml version="1.0" encoding="utf-8"?>
+<TemplafySlideTemplateConfiguration><![CDATA[{"documentContentValidatorConfiguration":{"enableDocumentContentValidator":false,"documentContentValidatorVersion":0},"elementsMetadata":[],"slideId":"637260122995618811","enableDocumentContentUpdater":true,"version":"1.9"}]]></TemplafySlideTemplateConfiguration>
+</file>
+
+<file path=customXml/item28.xml><?xml version="1.0" encoding="utf-8"?>
+<TemplafySlideFormConfiguration><![CDATA[{"formFields":[],"formDataEntries":[]}]]></TemplafySlideFormConfiguration>
+</file>
+
+<file path=customXml/item29.xml><?xml version="1.0" encoding="utf-8"?>
+<TemplafySlideTemplateConfiguration><![CDATA[{"documentContentValidatorConfiguration":{"enableDocumentContentValidator":false,"documentContentValidatorVersion":0},"elementsMetadata":[],"slideId":"637260122995618811","enableDocumentContentUpdater":true,"version":"1.9"}]]></TemplafySlideTemplateConfiguration>
+</file>
+
+<file path=customXml/item3.xml><?xml version="1.0" encoding="utf-8"?>
+<TemplafySlideTemplateConfiguration><![CDATA[{"documentContentValidatorConfiguration":{"enableDocumentContentValidator":false,"documentContentValidatorVersion":0},"elementsMetadata":[],"slideId":"637260122995618811","enableDocumentContentUpdater":true,"version":"1.9"}]]></TemplafySlideTemplateConfiguration>
+</file>
+
+<file path=customXml/item30.xml><?xml version="1.0" encoding="utf-8"?>
+<TemplafySlideFormConfiguration><![CDATA[{"formFields":[],"formDataEntries":[]}]]></TemplafySlideFormConfiguration>
+</file>
+
+<file path=customXml/item31.xml><?xml version="1.0" encoding="utf-8"?>
+<TemplafySlideTemplateConfiguration><![CDATA[{"documentContentValidatorConfiguration":{"enableDocumentContentValidator":false,"documentContentValidatorVersion":0},"elementsMetadata":[],"slideId":"637260122995618811","enableDocumentContentUpdater":true,"version":"1.9"}]]></TemplafySlideTemplateConfiguration>
+</file>
+
+<file path=customXml/item32.xml><?xml version="1.0" encoding="utf-8"?>
+<TemplafySlideTemplateConfiguration><![CDATA[{"documentContentValidatorConfiguration":{"enableDocumentContentValidator":false,"documentContentValidatorVersion":0},"elementsMetadata":[],"slideId":"637260122995618811","enableDocumentContentUpdater":true,"version":"1.9"}]]></TemplafySlideTemplateConfiguration>
+</file>
+
+<file path=customXml/item33.xml><?xml version="1.0" encoding="utf-8"?>
+<TemplafySlideFormConfiguration><![CDATA[{"formFields":[],"formDataEntries":[]}]]></TemplafySlideFormConfiguration>
+</file>
+
+<file path=customXml/item34.xml><?xml version="1.0" encoding="utf-8"?>
+<TemplafySlideTemplateConfiguration><![CDATA[{"documentContentValidatorConfiguration":{"enableDocumentContentValidator":false,"documentContentValidatorVersion":0},"elementsMetadata":[],"slideId":"637260122995618811","enableDocumentContentUpdater":true,"version":"1.9"}]]></TemplafySlideTemplateConfiguration>
+</file>
+
+<file path=customXml/item35.xml><?xml version="1.0" encoding="utf-8"?>
+<TemplafySlideTemplateConfiguration><![CDATA[{"documentContentValidatorConfiguration":{"enableDocumentContentValidator":false,"documentContentValidatorVersion":0},"elementsMetadata":[],"slideId":"637260122995618811","enableDocumentContentUpdater":true,"version":"1.9"}]]></TemplafySlideTemplateConfiguration>
+</file>
+
+<file path=customXml/item36.xml><?xml version="1.0" encoding="utf-8"?>
+<TemplafyFormConfiguration><![CDATA[{"formFields":[{"required":true,"placeholder":"","lines":0,"type":"textBox","name":"DocumentTitle","label":"Document Title","helpTexts":{"prefix":"","postfix":""},"spacing":{},"fullyQualifiedName":"DocumentTitle"},{"dataSource":"Confidentiality","displayColumn":"confidentiality","hideIfNoUserInteractionRequired":false,"distinct":true,"required":true,"autoSelectFirstOption":false,"type":"dropDown","name":"ConfidentialityClass","label":"Confidentiality Class","helpTexts":{"prefix":"","postfix":""},"spacing":{},"fullyQualifiedName":"ConfidentialityClass"},{"dataSource":"External Confidentiality label","displayColumn":"externalConfidentiality","hideIfNoUserInteractionRequired":false,"distinct":true,"required":false,"autoSelectFirstOption":false,"defaultValue":"1","type":"dropDown","name":"ExternalConfidentialityLabel","label":"External Confidentiality label","helpTexts":{"prefix":"","postfix":"If no external confidentiality class then please choose the blank value"},"spacing":{},"fullyQualifiedName":"ExternalConfidentialityLabel"},{"dataSource":"PowerPoint Document Type","column":"documentType","required":false,"placeholder":"","autoSelectFirstOption":false,"type":"comboBox","name":"DocTypePresentation","label":"Document Type Presentation","helpTexts":{"prefix":"","postfix":"If the document type differs from the default value, click on the X to delete and type/choose another type."},"spacing":{},"fullyQualifiedName":"DocTypePresentation"},{"required":false,"placeholder":"","lines":0,"type":"textBox","name":"DocumentNumber","label":"Document Number","helpTexts":{"prefix":"","postfix":""},"spacing":{},"fullyQualifiedName":"DocumentNumber"},{"dataSource":"Language code","displayColumn":"showName","hideIfNoUserInteractionRequired":false,"distinct":true,"required":false,"autoSelectFirstOption":false,"defaultValue":"1","type":"dropDown","name":"LanguageCode","label":"Language Code","helpTexts":{"prefix":"","postfix":"The language code will be appended to the Document No."},"spacing":{},"fullyQualifiedName":"LanguageCode"},{"dataSource":"Revision","column":"revision","required":false,"placeholder":"","autoSelectFirstOption":false,"type":"comboBox","name":"Revision","label":"Revision","helpTexts":{"prefix":"","postfix":""},"spacing":{},"fullyQualifiedName":"Revision"},{"required":false,"type":"datePicker","name":"Date","label":"Date","helpTexts":{"prefix":"","postfix":""},"spacing":{},"fullyQualifiedName":"Date"},{"type":"heading","name":"FooterVisibilityOptions","label":"Footer Visibility Options","helpTexts":{"prefix":"","postfix":""},"spacing":{},"fullyQualifiedName":"FooterVisibilityOptions"},{"dataSource":"PPT FooterVisibility","displayColumn":"templateType","hideIfNoUserInteractionRequired":false,"distinct":true,"required":true,"autoSelectFirstOption":false,"defaultValue":"1","type":"dropDown","name":"TemplateType","label":"Is this a document or presentation?","helpTexts":{"prefix":"","postfix":""},"spacing":{},"fullyQualifiedName":"TemplateType"},{"dataSource":"PPT FooterVisibility","displayColumn":"docTitle_label","filter":{"column":"templateType","otherFieldName":"TemplateType","fullyQualifiedOtherFieldName":"TemplateType","otherFieldColumn":"TemplateType","formReference":"none","operator":"equals"},"hideIfNoUserInteractionRequired":false,"distinct":true,"required":false,"autoSelectFirstOption":true,"type":"dropDown","name":"DocTitle","label":"Show document title in footer?","helpTexts":{"prefix":"","postfix":""},"spacing":{},"fullyQualifiedName":"DocTitle"},{"dataSource":"PPT FooterVisibility","displayColumn":"totalPageNo_text","filter":{"column":"templateType","otherFieldName":"TemplateType","fullyQualifiedOtherFieldName":"TemplateType","otherFieldColumn":"TemplateType","formReference":"none","operator":"equals"},"hideIfNoUserInteractionRequired":false,"distinct":true,"required":false,"autoSelectFirstOption":true,"type":"dropDown","name":"TotalPageNo","label":"Page numbering","helpTexts":{"prefix":"","postfix":""},"spacing":{},"fullyQualifiedName":"TotalPageNo"},{"required":false,"placeholder":"","lines":0,"defaultValue":"{{UserProfile.Prepared}}","type":"textBox","name":"Prepared","label":"Prepared By (Subject Responsible)","helpTexts":{"prefix":"","postfix":""},"spacing":{},"fullyQualifiedName":"Prepared"},{"required":false,"placeholder":"","lines":0,"type":"textBox","name":"ApprovedBy","label":"Approved By (Document Responsible)","helpTexts":{"prefix":"","postfix":""},"spacing":{},"fullyQualifiedName":"ApprovedBy"},{"required":false,"placeholder":"","lines":0,"type":"textBox","name":"Checked","label":"Checked","helpTexts":{"prefix":"","postfix":""},"spacing":{},"fullyQualifiedName":"Checked"},{"required":false,"placeholder":"","lines":0,"type":"textBox","name":"Reference","label":"Reference","helpTexts":{"prefix":"","postfix":""},"spacing":{},"fullyQualifiedName":"Reference"},{"required":false,"placeholder":"","lines":0,"type":"textBox","name":"Keywords","label":"Keywords","helpTexts":{"prefix":"","postfix":""},"spacing":{},"fullyQualifiedName":"Keywords"}],"formDataEntries":[{"name":"DocumentTitle","value":"86hGZrp/Cm3oO5UJX6l14qHmcU8+TbLca/Tf1umHqEw="},{"name":"ConfidentialityClass","value":"cT/FOwTWaPknrhRlNMh4SQ=="},{"name":"ExternalConfidentialityLabel","value":"u2D/MG3wyuAQhkGvE2fPaA=="},{"name":"DocTypePresentation","value":"tzu6Hb53LEDFeaU5mCHMFQ=="},{"name":"LanguageCode","value":"5wlu7ZdPxHQj1W0w+yTNSg=="},{"name":"Revision","value":"6m1d9LG9UzmvsTZWoE7bdw=="},{"name":"Date","value":"aSa1EChX8dQnU+IjGafyQA=="},{"name":"TemplateType","value":"5wlu7ZdPxHQj1W0w+yTNSg=="},{"name":"DocTitle","value":"5wlu7ZdPxHQj1W0w+yTNSg=="},{"name":"TotalPageNo","value":"5wlu7ZdPxHQj1W0w+yTNSg=="},{"name":"Prepared","value":"MS7aj+61JzMOAzsIKYyJMp0rOjhIwZ7QJPL4NJ74T1A="}]}]]></TemplafyFormConfiguration>
+</file>
+
+<file path=customXml/item37.xml><?xml version="1.0" encoding="utf-8"?>
+<TemplafySlideFormConfiguration><![CDATA[{"formFields":[],"formDataEntries":[]}]]></TemplafySlideFormConfiguration>
+</file>
+
+<file path=customXml/item38.xml><?xml version="1.0" encoding="utf-8"?>
+<TemplafySlideTemplateConfiguration><![CDATA[{"documentContentValidatorConfiguration":{"enableDocumentContentValidator":false,"documentContentValidatorVersion":0},"elementsMetadata":[],"slideId":"637260122995618811","enableDocumentContentUpdater":true,"version":"1.9"}]]></TemplafySlideTemplateConfiguration>
+</file>
+
+<file path=customXml/item39.xml><?xml version="1.0" encoding="utf-8"?>
+<TemplafySlideFormConfiguration><![CDATA[{"formFields":[],"formDataEntries":[]}]]></TemplafySlideFormConfiguration>
+</file>
+
+<file path=customXml/item4.xml><?xml version="1.0" encoding="utf-8"?>
+<TemplafySlideFormConfiguration><![CDATA[{"formFields":[],"formDataEntries":[]}]]></TemplafySlideFormConfiguration>
+</file>
+
+<file path=customXml/item40.xml><?xml version="1.0" encoding="utf-8"?>
+<TemplafySlideTemplateConfiguration><![CDATA[{"documentContentValidatorConfiguration":{"enableDocumentContentValidator":false,"documentContentValidatorVersion":0},"elementsMetadata":[],"slideId":"637260122995618811","enableDocumentContentUpdater":true,"version":"1.9"}]]></TemplafySlideTemplateConfiguration>
+</file>
+
+<file path=customXml/item41.xml><?xml version="1.0" encoding="utf-8"?>
+<TemplafySlideFormConfiguration><![CDATA[{"formFields":[],"formDataEntries":[]}]]></TemplafySlideFormConfiguration>
+</file>
+
+<file path=customXml/item42.xml><?xml version="1.0" encoding="utf-8"?>
+<TemplafySlideTemplateConfiguration><![CDATA[{"documentContentValidatorConfiguration":{"enableDocumentContentValidator":false,"documentContentValidatorVersion":0},"elementsMetadata":[],"slideId":"637260122995775076","enableDocumentContentUpdater":true,"version":"1.9"}]]></TemplafySlideTemplateConfiguration>
+</file>
+
+<file path=customXml/item43.xml><?xml version="1.0" encoding="utf-8"?>
+<TemplafySlideTemplateConfiguration><![CDATA[{"documentContentValidatorConfiguration":{"enableDocumentContentValidator":false,"documentContentValidatorVersion":0},"elementsMetadata":[],"slideId":"637260122995618811","enableDocumentContentUpdater":true,"version":"1.9"}]]></TemplafySlideTemplateConfiguration>
+</file>
+
+<file path=customXml/item44.xml><?xml version="1.0" encoding="utf-8"?>
+<TemplafySlideFormConfiguration><![CDATA[{"formFields":[],"formDataEntries":[]}]]></TemplafySlideFormConfiguration>
+</file>
+
+<file path=customXml/item45.xml><?xml version="1.0" encoding="utf-8"?>
+<TemplafySlideFormConfiguration><![CDATA[{"formFields":[],"formDataEntries":[]}]]></TemplafySlideFormConfiguration>
+</file>
+
+<file path=customXml/item46.xml><?xml version="1.0" encoding="utf-8"?>
+<TemplafySlideFormConfiguration><![CDATA[{"formFields":[],"formDataEntries":[]}]]></TemplafySlideFormConfiguration>
+</file>
+
+<file path=customXml/item47.xml><?xml version="1.0" encoding="utf-8"?>
+<TemplafySlideFormConfiguration><![CDATA[{"formFields":[],"formDataEntries":[]}]]></TemplafySlideFormConfiguration>
+</file>
+
+<file path=customXml/item48.xml><?xml version="1.0" encoding="utf-8"?>
+<TemplafySlideFormConfiguration><![CDATA[{"formFields":[],"formDataEntries":[]}]]></TemplafySlideFormConfiguration>
+</file>
+
+<file path=customXml/item49.xml><?xml version="1.0" encoding="utf-8"?>
+<TemplafySlideTemplateConfiguration><![CDATA[{"documentContentValidatorConfiguration":{"enableDocumentContentValidator":false,"documentContentValidatorVersion":0},"elementsMetadata":[],"slideId":"637260122995618811","enableDocumentContentUpdater":true,"version":"1.9"}]]></TemplafySlideTemplateConfiguration>
+</file>
+
+<file path=customXml/item5.xml><?xml version="1.0" encoding="utf-8"?>
+<TemplafySlideTemplateConfiguration><![CDATA[{"documentContentValidatorConfiguration":{"enableDocumentContentValidator":false,"documentContentValidatorVersion":0},"elementsMetadata":[],"slideId":"637260122995618811","enableDocumentContentUpdater":true,"version":"1.9"}]]></TemplafySlideTemplateConfiguration>
+</file>
+
+<file path=customXml/item50.xml><?xml version="1.0" encoding="utf-8"?>
+<TemplafySlideFormConfiguration><![CDATA[{"formFields":[],"formDataEntries":[]}]]></TemplafySlideFormConfiguration>
+</file>
+
+<file path=customXml/item51.xml><?xml version="1.0" encoding="utf-8"?>
+<TemplafySlideTemplateConfiguration><![CDATA[{"documentContentValidatorConfiguration":{"enableDocumentContentValidator":false,"documentContentValidatorVersion":0},"elementsMetadata":[],"slideId":"637260122995618811","enableDocumentContentUpdater":true,"version":"1.9"}]]></TemplafySlideTemplateConfiguration>
+</file>
+
+<file path=customXml/item52.xml><?xml version="1.0" encoding="utf-8"?>
+<TemplafySlideFormConfiguration><![CDATA[{"formFields":[],"formDataEntries":[]}]]></TemplafySlideFormConfiguration>
+</file>
+
+<file path=customXml/item53.xml><?xml version="1.0" encoding="utf-8"?>
+<TemplafySlideTemplateConfiguration><![CDATA[{"documentContentValidatorConfiguration":{"enableDocumentContentValidator":false,"documentContentValidatorVersion":0},"elementsMetadata":[],"slideId":"637260122995618811","enableDocumentContentUpdater":true,"version":"1.9"}]]></TemplafySlideTemplateConfiguration>
+</file>
+
+<file path=customXml/item54.xml><?xml version="1.0" encoding="utf-8"?>
+<TemplafySlideTemplateConfiguration><![CDATA[{"documentContentValidatorConfiguration":{"enableDocumentContentValidator":false,"documentContentValidatorVersion":0},"elementsMetadata":[],"slideId":"637260122995618811","enableDocumentContentUpdater":true,"version":"1.9"}]]></TemplafySlideTemplateConfiguration>
+</file>
+
+<file path=customXml/item55.xml><?xml version="1.0" encoding="utf-8"?>
+<TemplafySlideFormConfiguration><![CDATA[{"formFields":[],"formDataEntries":[]}]]></TemplafySlideFormConfiguration>
+</file>
+
+<file path=customXml/item56.xml><?xml version="1.0" encoding="utf-8"?>
+<TemplafySlideTemplateConfiguration><![CDATA[{"documentContentValidatorConfiguration":{"enableDocumentContentValidator":false,"documentContentValidatorVersion":0},"elementsMetadata":[],"slideId":"637260122995618811","enableDocumentContentUpdater":true,"version":"1.9"}]]></TemplafySlideTemplateConfiguration>
+</file>
+
+<file path=customXml/item57.xml><?xml version="1.0" encoding="utf-8"?>
+<TemplafySlideFormConfiguration><![CDATA[{"formFields":[],"formDataEntries":[]}]]></TemplafySlideFormConfiguration>
+</file>
+
+<file path=customXml/item58.xml><?xml version="1.0" encoding="utf-8"?>
+<TemplafySlideTemplateConfiguration><![CDATA[{"documentContentValidatorConfiguration":{"enableDocumentContentValidator":false,"documentContentValidatorVersion":0},"elementsMetadata":[],"slideId":"637260122995618811","enableDocumentContentUpdater":true,"version":"1.9"}]]></TemplafySlideTemplateConfiguration>
+</file>
+
+<file path=customXml/item59.xml><?xml version="1.0" encoding="utf-8"?>
+<TemplafySlideFormConfiguration><![CDATA[{"formFields":[],"formDataEntries":[]}]]></TemplafySlideFormConfiguration>
+</file>
+
+<file path=customXml/item6.xml><?xml version="1.0" encoding="utf-8"?>
+<TemplafySlideFormConfiguration><![CDATA[{"formFields":[],"formDataEntries":[]}]]></TemplafySlideFormConfiguration>
+</file>
+
+<file path=customXml/item60.xml><?xml version="1.0" encoding="utf-8"?>
+<TemplafySlideFormConfiguration><![CDATA[{"formFields":[],"formDataEntries":[]}]]></TemplafySlideFormConfiguration>
+</file>
+
+<file path=customXml/item61.xml><?xml version="1.0" encoding="utf-8"?>
+<TemplafySlideTemplateConfiguration><![CDATA[{"documentContentValidatorConfiguration":{"enableDocumentContentValidator":false,"documentContentValidatorVersion":0},"elementsMetadata":[],"slideId":"637260122995618811","enableDocumentContentUpdater":true,"version":"1.9"}]]></TemplafySlideTemplateConfiguration>
+</file>
+
+<file path=customXml/item62.xml><?xml version="1.0" encoding="utf-8"?>
+<TemplafySlideTemplateConfiguration><![CDATA[{"documentContentValidatorConfiguration":{"enableDocumentContentValidator":false,"documentContentValidatorVersion":0},"elementsMetadata":[],"slideId":"637260122995618811","enableDocumentContentUpdater":true,"version":"1.9"}]]></TemplafySlideTemplateConfiguration>
+</file>
+
+<file path=customXml/item63.xml><?xml version="1.0" encoding="utf-8"?>
+<TemplafySlideFormConfiguration><![CDATA[{"formFields":[],"formDataEntries":[]}]]></TemplafySlideFormConfiguration>
+</file>
+
+<file path=customXml/item64.xml><?xml version="1.0" encoding="utf-8"?>
+<TemplafySlideFormConfiguration><![CDATA[{"formFields":[],"formDataEntries":[]}]]></TemplafySlideFormConfiguration>
+</file>
+
+<file path=customXml/item65.xml><?xml version="1.0" encoding="utf-8"?>
+<TemplafySlideFormConfiguration><![CDATA[{"formFields":[],"formDataEntries":[]}]]></TemplafySlideFormConfiguration>
+</file>
+
+<file path=customXml/item66.xml><?xml version="1.0" encoding="utf-8"?>
+<TemplafySlideTemplateConfiguration><![CDATA[{"documentContentValidatorConfiguration":{"enableDocumentContentValidator":false,"documentContentValidatorVersion":0},"elementsMetadata":[],"slideId":"637260122995618811","enableDocumentContentUpdater":true,"version":"1.9"}]]></TemplafySlideTemplateConfiguration>
+</file>
+
+<file path=customXml/item67.xml><?xml version="1.0" encoding="utf-8"?>
+<TemplafySlideFormConfiguration><![CDATA[{"formFields":[],"formDataEntries":[]}]]></TemplafySlideFormConfiguration>
+</file>
+
+<file path=customXml/item68.xml><?xml version="1.0" encoding="utf-8"?>
+<TemplafySlideTemplateConfiguration><![CDATA[{"documentContentValidatorConfiguration":{"enableDocumentContentValidator":false,"documentContentValidatorVersion":0},"elementsMetadata":[],"slideId":"637260122995618811","enableDocumentContentUpdater":true,"version":"1.9"}]]></TemplafySlideTemplateConfiguration>
+</file>
+
+<file path=customXml/item69.xml><?xml version="1.0" encoding="utf-8"?>
+<TemplafySlideFormConfiguration><![CDATA[{"formFields":[],"formDataEntries":[]}]]></TemplafySlideFormConfiguration>
+</file>
+
+<file path=customXml/item7.xml><?xml version="1.0" encoding="utf-8"?>
+<TemplafySlideTemplateConfiguration><![CDATA[{"documentContentValidatorConfiguration":{"enableDocumentContentValidator":false,"documentContentValidatorVersion":0},"elementsMetadata":[],"slideId":"637260122995618811","enableDocumentContentUpdater":true,"version":"1.9"}]]></TemplafySlideTemplateConfiguration>
+</file>
+
+<file path=customXml/item70.xml><?xml version="1.0" encoding="utf-8"?>
+<TemplafySlideTemplateConfiguration><![CDATA[{"documentContentValidatorConfiguration":{"enableDocumentContentValidator":false,"documentContentValidatorVersion":0},"elementsMetadata":[],"slideId":"637260122995618811","enableDocumentContentUpdater":true,"version":"1.9"}]]></TemplafySlideTemplateConfiguration>
+</file>
+
+<file path=customXml/item71.xml><?xml version="1.0" encoding="utf-8"?>
+<TemplafySlideFormConfiguration><![CDATA[{"formFields":[],"formDataEntries":[]}]]></TemplafySlideFormConfiguration>
+</file>
+
+<file path=customXml/item72.xml><?xml version="1.0" encoding="utf-8"?>
+<TemplafySlideTemplateConfiguration><![CDATA[{"documentContentValidatorConfiguration":{"enableDocumentContentValidator":false,"documentContentValidatorVersion":0},"elementsMetadata":[],"slideId":"637260122995618811","enableDocumentContentUpdater":true,"version":"1.9"}]]></TemplafySlideTemplateConfiguration>
+</file>
+
+<file path=customXml/item73.xml><?xml version="1.0" encoding="utf-8"?>
+<TemplafySlideFormConfiguration><![CDATA[{"formFields":[],"formDataEntries":[]}]]></TemplafySlideFormConfiguration>
+</file>
+
+<file path=customXml/item74.xml><?xml version="1.0" encoding="utf-8"?>
+<TemplafySlideTemplateConfiguration><![CDATA[{"documentContentValidatorConfiguration":{"enableDocumentContentValidator":false,"documentContentValidatorVersion":0},"elementsMetadata":[],"slideId":"637260122995618811","enableDocumentContentUpdater":true,"version":"1.9"}]]></TemplafySlideTemplateConfiguration>
+</file>
+
+<file path=customXml/item75.xml><?xml version="1.0" encoding="utf-8"?>
+<TemplafyTemplateConfiguration><![CDATA[{"elementsMetadata":[{"type":"shape","id":"d255cab8-5236-4411-88e4-8e895fe378df","elementConfiguration":{"inheritDimensions":"inheritNone","height":"1.34 cm","binding":"Form.LogoInsertion.Pplogoname","disableUpdates":false,"type":"image"}}],"transformationConfigurations":[{"language":"{{DocumentLanguage}}","disableUpdates":false,"type":"proofingLanguage"},{"propertyName":"FooterText","propertyValue":"true","disableUpdates":false,"type":"customDocumentProperty"},{"propertyName":"SecurityClass","propertyValue":"{{Form.ConfidentialityClass.Confidentiality}}","disableUpdates":false,"type":"customDocumentProperty"},{"propertyName":"ExtConf","propertyValue":"{{Form.ExternalConfidentialityLabel.ExternalConfidentiality}}","disableUpdates":false,"type":"customDocumentProperty"},{"propertyName":"Prepared","propertyValue":"{{Form.Prepared}}","disableUpdates":false,"type":"customDocumentProperty"},{"propertyName":"ApprovedBy","propertyValue":"{{Form.ApprovedBy}}","disableUpdates":false,"type":"customDocumentProperty"},{"propertyName":"DocNo","propertyValue":"{{Form.DocumentNumber}} {{Form.LanguageCode.LanguageCode}}","disableUpdates":false,"type":"customDocumentProperty"},{"propertyName":"Checked","propertyValue":"{{Form.Checked}}","disableUpdates":false,"type":"customDocumentProperty"},{"propertyName":"Date","propertyValue":"{{Form.Date}}","disableUpdates":false,"type":"customDocumentProperty"},{"propertyName":"Reference","propertyValue":"{{Form.Reference}}","disableUpdates":false,"type":"customDocumentProperty"},{"propertyName":"Title","propertyValue":"{{Form.DocumentTitle}}","disableUpdates":false,"type":"customDocumentProperty"},{"propertyName":"Keyword","propertyValue":"{{Form.Keywords}}","disableUpdates":false,"type":"customDocumentProperty"},{"propertyName":"DocumentType","propertyValue":"Presentation2011","disableUpdates":false,"type":"customDocumentProperty"},{"propertyName":"Language","propertyValue":"EnglishUS","disableUpdates":false,"type":"customDocumentProperty"},{"propertyName":"TemplateID","propertyValue":"FALSE","disableUpdates":false,"type":"customDocumentProperty"},{"propertyName":"ConfCtrl","propertyValue":"FALSE","disableUpdates":false,"type":"customDocumentProperty"},{"propertyName":"title","propertyValue":"{{Form.DocumentTitle}}","disableUpdates":false,"type":"documentProperty"},{"propertyName":"keywords","propertyValue":"{{Form.Keywords}}","disableUpdates":false,"type":"documentProperty"},{"propertyName":"creator","propertyValue":"{{Form.Prepared}}","disableUpdates":false,"type":"documentProperty"},{"propertyName":"DocTitle","propertyValue":"{{Form.DocTitle.DocTitle}}","disableUpdates":false,"type":"customDocumentProperty"},{"propertyName":"IsDocument","propertyValue":"{{Form.TemplateType.IsDocument}}","disableUpdates":false,"type":"customDocumentProperty"},{"propertyName":"IsPresentation","propertyValue":"{{Form.TemplateType.IsPresentation}}","disableUpdates":false,"type":"customDocumentProperty"},{"propertyName":"company","propertyValue":"Ericsson","disableUpdates":false,"type":"documentProperty"},{"propertyName":"PageNumberVisible","propertyValue":"{{Form.TotalPageNo.TotalPageNo_value}}","disableUpdates":false,"type":"customDocumentProperty"},{"propertyName":"Revision","propertyValue":"{{Form.Revision}}","disableUpdates":false,"type":"customDocumentProperty"},{"propertyName":"DocType","propertyValue":"{{Form.DocTypePresentation}}","disableUpdates":false,"type":"customDocumentProperty"},{"propertyName":"TemplateVersion","propertyValue":"R2A","disableUpdates":false,"type":"customDocumentProperty"},{"propertyName":"PackageNo","propertyValue":"LXA 119 603","disableUpdates":false,"type":"customDocumentProperty"},{"propertyName":"PackageVersion","propertyValue":"R6B","disableUpdates":false,"type":"customDocumentProperty"},{"propertyName":"TemplateName","propertyValue":"CXC 173 2731/1","disableUpdates":false,"type":"customDocumentProperty"},{"propertyName":"DocName","propertyValue":" ","disableUpdates":false,"type":"customDocumentProperty"},{"propertyName":"description","propertyValue":"{{Form.DocumentNumber}} {{Form.LanguageCode.LanguageCode}}\nRev {{Form.Revision}}","disableUpdates":false,"type":"documentProperty"}],"templateName":"New presentation (Standard landscape)","templateDescription":"","enableDocumentContentUpdater":true,"version":"1.9"}]]></TemplafyTemplateConfiguration>
+</file>
+
+<file path=customXml/item76.xml><?xml version="1.0" encoding="utf-8"?>
+<TemplafySlideFormConfiguration><![CDATA[{"formFields":[],"formDataEntries":[]}]]></TemplafySlideFormConfiguration>
+</file>
+
+<file path=customXml/item77.xml><?xml version="1.0" encoding="utf-8"?>
+<TemplafySlideTemplateConfiguration><![CDATA[{"documentContentValidatorConfiguration":{"enableDocumentContentValidator":false,"documentContentValidatorVersion":0},"elementsMetadata":[],"slideId":"637260122995618811","enableDocumentContentUpdater":true,"version":"1.9"}]]></TemplafySlideTemplateConfiguration>
+</file>
+
+<file path=customXml/item78.xml><?xml version="1.0" encoding="utf-8"?>
+<TemplafySlideFormConfiguration><![CDATA[{"formFields":[],"formDataEntries":[]}]]></TemplafySlideFormConfiguration>
+</file>
+
+<file path=customXml/item79.xml><?xml version="1.0" encoding="utf-8"?>
+<TemplafySlideTemplateConfiguration><![CDATA[{"documentContentValidatorConfiguration":{"enableDocumentContentValidator":false,"documentContentValidatorVersion":0},"elementsMetadata":[],"slideId":"637260122995618811","enableDocumentContentUpdater":true,"version":"1.9"}]]></TemplafySlideTemplateConfiguration>
+</file>
+
 <file path=customXml/item8.xml><?xml version="1.0" encoding="utf-8"?>
-<TemplafySlideTemplateConfiguration><![CDATA[{"documentContentValidatorConfiguration":{"enableDocumentContentValidator":false,"documentContentValidatorVersion":0},"elementsMetadata":[],"slideId":"637260122995618811","enableDocumentContentUpdater":true,"version":"1.9"}]]></TemplafySlideTemplateConfiguration>
+<TemplafySlideFormConfiguration><![CDATA[{"formFields":[],"formDataEntries":[]}]]></TemplafySlideFormConfiguration>
 </file>
 
 <file path=customXml/item80.xml><?xml version="1.0" encoding="utf-8"?>
@@ -41866,7 +41780,7 @@
 </file>
 
 <file path=customXml/item83.xml><?xml version="1.0" encoding="utf-8"?>
-<TemplafySlideFormConfiguration><![CDATA[{"formFields":[],"formDataEntries":[]}]]></TemplafySlideFormConfiguration>
+<TemplafySlideTemplateConfiguration><![CDATA[{"documentContentValidatorConfiguration":{"enableDocumentContentValidator":false,"documentContentValidatorVersion":0},"elementsMetadata":[],"slideId":"637260122995618811","enableDocumentContentUpdater":true,"version":"1.9"}]]></TemplafySlideTemplateConfiguration>
 </file>
 
 <file path=customXml/item84.xml><?xml version="1.0" encoding="utf-8"?>
@@ -41874,31 +41788,31 @@
 </file>
 
 <file path=customXml/item85.xml><?xml version="1.0" encoding="utf-8"?>
+<TemplafySlideTemplateConfiguration><![CDATA[{"documentContentValidatorConfiguration":{"enableDocumentContentValidator":false,"documentContentValidatorVersion":0},"elementsMetadata":[],"slideId":"637260122995618811","enableDocumentContentUpdater":true,"version":"1.9"}]]></TemplafySlideTemplateConfiguration>
+</file>
+
+<file path=customXml/item86.xml><?xml version="1.0" encoding="utf-8"?>
 <TemplafySlideFormConfiguration><![CDATA[{"formFields":[],"formDataEntries":[]}]]></TemplafySlideFormConfiguration>
 </file>
 
-<file path=customXml/item86.xml><?xml version="1.0" encoding="utf-8"?>
+<file path=customXml/item87.xml><?xml version="1.0" encoding="utf-8"?>
 <TemplafySlideTemplateConfiguration><![CDATA[{"documentContentValidatorConfiguration":{"enableDocumentContentValidator":false,"documentContentValidatorVersion":0},"elementsMetadata":[],"slideId":"637260122995618811","enableDocumentContentUpdater":true,"version":"1.9"}]]></TemplafySlideTemplateConfiguration>
 </file>
 
-<file path=customXml/item87.xml><?xml version="1.0" encoding="utf-8"?>
-<TemplafySlideTemplateConfiguration><![CDATA[{"documentContentValidatorConfiguration":{"enableDocumentContentValidator":false,"documentContentValidatorVersion":0},"elementsMetadata":[],"slideId":"637260122995775075","enableDocumentContentUpdater":true,"version":"1.9"}]]></TemplafySlideTemplateConfiguration>
+<file path=customXml/item88.xml><?xml version="1.0" encoding="utf-8"?>
+<TemplafySlideTemplateConfiguration><![CDATA[{"documentContentValidatorConfiguration":{"enableDocumentContentValidator":false,"documentContentValidatorVersion":0},"elementsMetadata":[],"slideId":"637260122995618811","enableDocumentContentUpdater":true,"version":"1.9"}]]></TemplafySlideTemplateConfiguration>
 </file>
 
-<file path=customXml/item88.xml><?xml version="1.0" encoding="utf-8"?>
+<file path=customXml/item89.xml><?xml version="1.0" encoding="utf-8"?>
 <TemplafySlideFormConfiguration><![CDATA[{"formFields":[],"formDataEntries":[]}]]></TemplafySlideFormConfiguration>
 </file>
 
-<file path=customXml/item89.xml><?xml version="1.0" encoding="utf-8"?>
+<file path=customXml/item9.xml><?xml version="1.0" encoding="utf-8"?>
 <TemplafySlideTemplateConfiguration><![CDATA[{"documentContentValidatorConfiguration":{"enableDocumentContentValidator":false,"documentContentValidatorVersion":0},"elementsMetadata":[],"slideId":"637260122995618811","enableDocumentContentUpdater":true,"version":"1.9"}]]></TemplafySlideTemplateConfiguration>
 </file>
 
-<file path=customXml/item9.xml><?xml version="1.0" encoding="utf-8"?>
-<TemplafySlideFormConfiguration><![CDATA[{"formFields":[],"formDataEntries":[]}]]></TemplafySlideFormConfiguration>
-</file>
-
 <file path=customXml/item90.xml><?xml version="1.0" encoding="utf-8"?>
-<TemplafySlideFormConfiguration><![CDATA[{"formFields":[],"formDataEntries":[]}]]></TemplafySlideFormConfiguration>
+<TemplafySlideTemplateConfiguration><![CDATA[{"documentContentValidatorConfiguration":{"enableDocumentContentValidator":false,"documentContentValidatorVersion":0},"elementsMetadata":[],"slideId":"637260122995618811","enableDocumentContentUpdater":true,"version":"1.9"}]]></TemplafySlideTemplateConfiguration>
 </file>
 
 <file path=customXml/item91.xml><?xml version="1.0" encoding="utf-8"?>
@@ -41910,15 +41824,15 @@
 </file>
 
 <file path=customXml/item93.xml><?xml version="1.0" encoding="utf-8"?>
-<TemplafySlideTemplateConfiguration><![CDATA[{"documentContentValidatorConfiguration":{"enableDocumentContentValidator":false,"documentContentValidatorVersion":0},"elementsMetadata":[],"slideId":"637260122995462646","enableDocumentContentUpdater":true,"version":"1.9"}]]></TemplafySlideTemplateConfiguration>
+<TemplafySlideFormConfiguration><![CDATA[{"formFields":[],"formDataEntries":[]}]]></TemplafySlideFormConfiguration>
 </file>
 
 <file path=customXml/item94.xml><?xml version="1.0" encoding="utf-8"?>
-<TemplafySlideTemplateConfiguration><![CDATA[{"documentContentValidatorConfiguration":{"enableDocumentContentValidator":false,"documentContentValidatorVersion":0},"elementsMetadata":[],"slideId":"637260122995618811","enableDocumentContentUpdater":true,"version":"1.9"}]]></TemplafySlideTemplateConfiguration>
+<TemplafySlideFormConfiguration><![CDATA[{"formFields":[],"formDataEntries":[]}]]></TemplafySlideFormConfiguration>
 </file>
 
 <file path=customXml/item95.xml><?xml version="1.0" encoding="utf-8"?>
-<TemplafySlideTemplateConfiguration><![CDATA[{"documentContentValidatorConfiguration":{"enableDocumentContentValidator":false,"documentContentValidatorVersion":0},"elementsMetadata":[],"slideId":"637260122995618811","enableDocumentContentUpdater":true,"version":"1.9"}]]></TemplafySlideTemplateConfiguration>
+<TemplafySlideFormConfiguration><![CDATA[{"formFields":[],"formDataEntries":[]}]]></TemplafySlideFormConfiguration>
 </file>
 
 <file path=customXml/item96.xml><?xml version="1.0" encoding="utf-8"?>
@@ -41930,478 +41844,38 @@
 </file>
 
 <file path=customXml/item98.xml><?xml version="1.0" encoding="utf-8"?>
-<TemplafySlideTemplateConfiguration><![CDATA[{"documentContentValidatorConfiguration":{"enableDocumentContentValidator":false,"documentContentValidatorVersion":0},"elementsMetadata":[],"slideId":"637260122995618811","enableDocumentContentUpdater":true,"version":"1.9"}]]></TemplafySlideTemplateConfiguration>
+<TemplafySlideFormConfiguration><![CDATA[{"formFields":[],"formDataEntries":[]}]]></TemplafySlideFormConfiguration>
 </file>
 
 <file path=customXml/item99.xml><?xml version="1.0" encoding="utf-8"?>
-<TemplafySlideTemplateConfiguration><![CDATA[{"documentContentValidatorConfiguration":{"enableDocumentContentValidator":false,"documentContentValidatorVersion":0},"elementsMetadata":[],"slideId":"637260122995618811","enableDocumentContentUpdater":true,"version":"1.9"}]]></TemplafySlideTemplateConfiguration>
+<TemplafySlideFormConfiguration><![CDATA[{"formFields":[],"formDataEntries":[]}]]></TemplafySlideFormConfiguration>
 </file>
 
 <file path=customXml/itemProps1.xml><?xml version="1.0" encoding="utf-8"?>
-<ds:datastoreItem xmlns:ds="http://schemas.openxmlformats.org/officeDocument/2006/customXml" ds:itemID="{DF389E61-98E9-4448-A64D-5DFB92E118EB}">
+<ds:datastoreItem xmlns:ds="http://schemas.openxmlformats.org/officeDocument/2006/customXml" ds:itemID="{EEF98F72-31AA-4885-AFDD-F73C7DD469A0}">
   <ds:schemaRefs/>
 </ds:datastoreItem>
 </file>
 
 <file path=customXml/itemProps10.xml><?xml version="1.0" encoding="utf-8"?>
-<ds:datastoreItem xmlns:ds="http://schemas.openxmlformats.org/officeDocument/2006/customXml" ds:itemID="{2BF73458-612B-4466-A81F-22DA6A324795}">
+<ds:datastoreItem xmlns:ds="http://schemas.openxmlformats.org/officeDocument/2006/customXml" ds:itemID="{7D076754-FCEC-4ACF-AB53-2A35D36CBF05}">
   <ds:schemaRefs/>
 </ds:datastoreItem>
 </file>
 
 <file path=customXml/itemProps100.xml><?xml version="1.0" encoding="utf-8"?>
-<ds:datastoreItem xmlns:ds="http://schemas.openxmlformats.org/officeDocument/2006/customXml" ds:itemID="{873D36AC-6CA0-46E3-8382-4DBD0F0E928B}">
+<ds:datastoreItem xmlns:ds="http://schemas.openxmlformats.org/officeDocument/2006/customXml" ds:itemID="{AB3379C1-BA4E-46BD-AAE3-7A87CC7DACBC}">
   <ds:schemaRefs/>
 </ds:datastoreItem>
 </file>
 
 <file path=customXml/itemProps101.xml><?xml version="1.0" encoding="utf-8"?>
-<ds:datastoreItem xmlns:ds="http://schemas.openxmlformats.org/officeDocument/2006/customXml" ds:itemID="{31C51BA7-6C05-4277-9955-252827CBFF7D}">
+<ds:datastoreItem xmlns:ds="http://schemas.openxmlformats.org/officeDocument/2006/customXml" ds:itemID="{FA3607CD-788B-459B-A144-2973FE3277DC}">
   <ds:schemaRefs/>
 </ds:datastoreItem>
 </file>
 
 <file path=customXml/itemProps102.xml><?xml version="1.0" encoding="utf-8"?>
-<ds:datastoreItem xmlns:ds="http://schemas.openxmlformats.org/officeDocument/2006/customXml" ds:itemID="{AA8788E0-3363-447E-9276-A8B06746C185}">
-  <ds:schemaRefs/>
-</ds:datastoreItem>
-</file>
-
-<file path=customXml/itemProps103.xml><?xml version="1.0" encoding="utf-8"?>
-<ds:datastoreItem xmlns:ds="http://schemas.openxmlformats.org/officeDocument/2006/customXml" ds:itemID="{F9EA4199-0422-4413-A754-2C125F2EC711}">
-  <ds:schemaRefs/>
-</ds:datastoreItem>
-</file>
-
-<file path=customXml/itemProps104.xml><?xml version="1.0" encoding="utf-8"?>
-<ds:datastoreItem xmlns:ds="http://schemas.openxmlformats.org/officeDocument/2006/customXml" ds:itemID="{07958A4E-FAB1-42E4-B6B5-29B01F63F87B}">
-  <ds:schemaRefs/>
-</ds:datastoreItem>
-</file>
-
-<file path=customXml/itemProps105.xml><?xml version="1.0" encoding="utf-8"?>
-<ds:datastoreItem xmlns:ds="http://schemas.openxmlformats.org/officeDocument/2006/customXml" ds:itemID="{5EE69A3B-9909-4BD1-B192-F0D6C7BEA00F}">
-  <ds:schemaRefs/>
-</ds:datastoreItem>
-</file>
-
-<file path=customXml/itemProps106.xml><?xml version="1.0" encoding="utf-8"?>
-<ds:datastoreItem xmlns:ds="http://schemas.openxmlformats.org/officeDocument/2006/customXml" ds:itemID="{2B4C53CB-C09A-48B4-9F4B-271E9D0D6639}">
-  <ds:schemaRefs/>
-</ds:datastoreItem>
-</file>
-
-<file path=customXml/itemProps107.xml><?xml version="1.0" encoding="utf-8"?>
-<ds:datastoreItem xmlns:ds="http://schemas.openxmlformats.org/officeDocument/2006/customXml" ds:itemID="{083C3993-7183-47B5-BD94-27B4E74D8F7E}">
-  <ds:schemaRefs/>
-</ds:datastoreItem>
-</file>
-
-<file path=customXml/itemProps108.xml><?xml version="1.0" encoding="utf-8"?>
-<ds:datastoreItem xmlns:ds="http://schemas.openxmlformats.org/officeDocument/2006/customXml" ds:itemID="{0183ED2C-7FB6-4F52-BCA8-B77F5A9943DA}">
-  <ds:schemaRefs/>
-</ds:datastoreItem>
-</file>
-
-<file path=customXml/itemProps109.xml><?xml version="1.0" encoding="utf-8"?>
-<ds:datastoreItem xmlns:ds="http://schemas.openxmlformats.org/officeDocument/2006/customXml" ds:itemID="{B9AEDDE3-EA02-4A8F-B8F8-0606A0AA45FC}">
-  <ds:schemaRefs/>
-</ds:datastoreItem>
-</file>
-
-<file path=customXml/itemProps11.xml><?xml version="1.0" encoding="utf-8"?>
-<ds:datastoreItem xmlns:ds="http://schemas.openxmlformats.org/officeDocument/2006/customXml" ds:itemID="{787FE5CD-7CBC-43CE-BB00-860E3223E59E}">
-  <ds:schemaRefs/>
-</ds:datastoreItem>
-</file>
-
-<file path=customXml/itemProps110.xml><?xml version="1.0" encoding="utf-8"?>
-<ds:datastoreItem xmlns:ds="http://schemas.openxmlformats.org/officeDocument/2006/customXml" ds:itemID="{4806FE04-7A17-4C9E-AC54-73FC62DE9B50}">
-  <ds:schemaRefs/>
-</ds:datastoreItem>
-</file>
-
-<file path=customXml/itemProps111.xml><?xml version="1.0" encoding="utf-8"?>
-<ds:datastoreItem xmlns:ds="http://schemas.openxmlformats.org/officeDocument/2006/customXml" ds:itemID="{E5495953-E9D9-4455-8AE0-363E6CA968CE}">
-  <ds:schemaRefs/>
-</ds:datastoreItem>
-</file>
-
-<file path=customXml/itemProps112.xml><?xml version="1.0" encoding="utf-8"?>
-<ds:datastoreItem xmlns:ds="http://schemas.openxmlformats.org/officeDocument/2006/customXml" ds:itemID="{932CE1B1-8FEF-439F-ACC4-DBDFEA30C312}">
-  <ds:schemaRefs/>
-</ds:datastoreItem>
-</file>
-
-<file path=customXml/itemProps113.xml><?xml version="1.0" encoding="utf-8"?>
-<ds:datastoreItem xmlns:ds="http://schemas.openxmlformats.org/officeDocument/2006/customXml" ds:itemID="{414DA5D0-7BC2-48E3-A7EB-0291E0EEB38D}">
-  <ds:schemaRefs/>
-</ds:datastoreItem>
-</file>
-
-<file path=customXml/itemProps114.xml><?xml version="1.0" encoding="utf-8"?>
-<ds:datastoreItem xmlns:ds="http://schemas.openxmlformats.org/officeDocument/2006/customXml" ds:itemID="{829C987D-F0DD-4799-AFAB-DE873260F77C}">
-  <ds:schemaRefs/>
-</ds:datastoreItem>
-</file>
-
-<file path=customXml/itemProps115.xml><?xml version="1.0" encoding="utf-8"?>
-<ds:datastoreItem xmlns:ds="http://schemas.openxmlformats.org/officeDocument/2006/customXml" ds:itemID="{619A3781-1EA1-4E71-BB08-DAEF5186D98B}">
-  <ds:schemaRefs/>
-</ds:datastoreItem>
-</file>
-
-<file path=customXml/itemProps116.xml><?xml version="1.0" encoding="utf-8"?>
-<ds:datastoreItem xmlns:ds="http://schemas.openxmlformats.org/officeDocument/2006/customXml" ds:itemID="{4A3469D6-C624-4F59-ACB1-2AB669627B6C}">
-  <ds:schemaRefs/>
-</ds:datastoreItem>
-</file>
-
-<file path=customXml/itemProps117.xml><?xml version="1.0" encoding="utf-8"?>
-<ds:datastoreItem xmlns:ds="http://schemas.openxmlformats.org/officeDocument/2006/customXml" ds:itemID="{8E8F4A48-D601-452C-9CF1-6C1E03A79FC9}">
-  <ds:schemaRefs/>
-</ds:datastoreItem>
-</file>
-
-<file path=customXml/itemProps118.xml><?xml version="1.0" encoding="utf-8"?>
-<ds:datastoreItem xmlns:ds="http://schemas.openxmlformats.org/officeDocument/2006/customXml" ds:itemID="{1CE36EA9-2186-4EB1-871A-8AE59C2A13BB}">
-  <ds:schemaRefs/>
-</ds:datastoreItem>
-</file>
-
-<file path=customXml/itemProps119.xml><?xml version="1.0" encoding="utf-8"?>
-<ds:datastoreItem xmlns:ds="http://schemas.openxmlformats.org/officeDocument/2006/customXml" ds:itemID="{822D38AD-8010-4CD3-BD6B-117CB8DF70A4}">
-  <ds:schemaRefs/>
-</ds:datastoreItem>
-</file>
-
-<file path=customXml/itemProps12.xml><?xml version="1.0" encoding="utf-8"?>
-<ds:datastoreItem xmlns:ds="http://schemas.openxmlformats.org/officeDocument/2006/customXml" ds:itemID="{4196F38A-C7AA-4022-8E0A-566CB6FFF92A}">
-  <ds:schemaRefs/>
-</ds:datastoreItem>
-</file>
-
-<file path=customXml/itemProps120.xml><?xml version="1.0" encoding="utf-8"?>
-<ds:datastoreItem xmlns:ds="http://schemas.openxmlformats.org/officeDocument/2006/customXml" ds:itemID="{6670EA98-0313-49BA-9D9D-622436EA24FA}">
-  <ds:schemaRefs/>
-</ds:datastoreItem>
-</file>
-
-<file path=customXml/itemProps121.xml><?xml version="1.0" encoding="utf-8"?>
-<ds:datastoreItem xmlns:ds="http://schemas.openxmlformats.org/officeDocument/2006/customXml" ds:itemID="{04804280-6C02-4A40-BDFC-7F3FCB331E9B}">
-  <ds:schemaRefs/>
-</ds:datastoreItem>
-</file>
-
-<file path=customXml/itemProps122.xml><?xml version="1.0" encoding="utf-8"?>
-<ds:datastoreItem xmlns:ds="http://schemas.openxmlformats.org/officeDocument/2006/customXml" ds:itemID="{1F7ABBB5-8F59-46B8-B35E-46798E542F1F}">
-  <ds:schemaRefs/>
-</ds:datastoreItem>
-</file>
-
-<file path=customXml/itemProps123.xml><?xml version="1.0" encoding="utf-8"?>
-<ds:datastoreItem xmlns:ds="http://schemas.openxmlformats.org/officeDocument/2006/customXml" ds:itemID="{01C56F4A-96CD-47D1-BA55-94DEC2F1EED9}">
-  <ds:schemaRefs/>
-</ds:datastoreItem>
-</file>
-
-<file path=customXml/itemProps124.xml><?xml version="1.0" encoding="utf-8"?>
-<ds:datastoreItem xmlns:ds="http://schemas.openxmlformats.org/officeDocument/2006/customXml" ds:itemID="{48170A45-32C8-4844-A5A8-2914CAC05126}">
-  <ds:schemaRefs/>
-</ds:datastoreItem>
-</file>
-
-<file path=customXml/itemProps125.xml><?xml version="1.0" encoding="utf-8"?>
-<ds:datastoreItem xmlns:ds="http://schemas.openxmlformats.org/officeDocument/2006/customXml" ds:itemID="{88B797B5-8C7C-43F7-8CF5-E3DC8DBA88B0}">
-  <ds:schemaRefs/>
-</ds:datastoreItem>
-</file>
-
-<file path=customXml/itemProps126.xml><?xml version="1.0" encoding="utf-8"?>
-<ds:datastoreItem xmlns:ds="http://schemas.openxmlformats.org/officeDocument/2006/customXml" ds:itemID="{EFD374A6-E385-45C3-B4AD-34934C3520D8}">
-  <ds:schemaRefs/>
-</ds:datastoreItem>
-</file>
-
-<file path=customXml/itemProps127.xml><?xml version="1.0" encoding="utf-8"?>
-<ds:datastoreItem xmlns:ds="http://schemas.openxmlformats.org/officeDocument/2006/customXml" ds:itemID="{A71CEC01-F574-41EE-A0EB-2CB62E47F7D6}">
-  <ds:schemaRefs/>
-</ds:datastoreItem>
-</file>
-
-<file path=customXml/itemProps128.xml><?xml version="1.0" encoding="utf-8"?>
-<ds:datastoreItem xmlns:ds="http://schemas.openxmlformats.org/officeDocument/2006/customXml" ds:itemID="{D0AD8599-2508-4B35-9DE1-4423257A073F}">
-  <ds:schemaRefs/>
-</ds:datastoreItem>
-</file>
-
-<file path=customXml/itemProps129.xml><?xml version="1.0" encoding="utf-8"?>
-<ds:datastoreItem xmlns:ds="http://schemas.openxmlformats.org/officeDocument/2006/customXml" ds:itemID="{E5EF1232-BB79-4D6A-BC90-F5535AA0305D}">
-  <ds:schemaRefs/>
-</ds:datastoreItem>
-</file>
-
-<file path=customXml/itemProps13.xml><?xml version="1.0" encoding="utf-8"?>
-<ds:datastoreItem xmlns:ds="http://schemas.openxmlformats.org/officeDocument/2006/customXml" ds:itemID="{C09F197C-6A49-47D0-B877-F88807989676}">
-  <ds:schemaRefs/>
-</ds:datastoreItem>
-</file>
-
-<file path=customXml/itemProps14.xml><?xml version="1.0" encoding="utf-8"?>
-<ds:datastoreItem xmlns:ds="http://schemas.openxmlformats.org/officeDocument/2006/customXml" ds:itemID="{449D10AE-13B3-4066-A8D1-643579DD981C}">
-  <ds:schemaRefs/>
-</ds:datastoreItem>
-</file>
-
-<file path=customXml/itemProps15.xml><?xml version="1.0" encoding="utf-8"?>
-<ds:datastoreItem xmlns:ds="http://schemas.openxmlformats.org/officeDocument/2006/customXml" ds:itemID="{88A0A0DC-04DF-419C-AD3E-370C74BA632D}">
-  <ds:schemaRefs/>
-</ds:datastoreItem>
-</file>
-
-<file path=customXml/itemProps16.xml><?xml version="1.0" encoding="utf-8"?>
-<ds:datastoreItem xmlns:ds="http://schemas.openxmlformats.org/officeDocument/2006/customXml" ds:itemID="{BE75A417-9EE4-45B6-9D13-9387E19EAE84}">
-  <ds:schemaRefs/>
-</ds:datastoreItem>
-</file>
-
-<file path=customXml/itemProps17.xml><?xml version="1.0" encoding="utf-8"?>
-<ds:datastoreItem xmlns:ds="http://schemas.openxmlformats.org/officeDocument/2006/customXml" ds:itemID="{1C14CC58-9A56-4143-9A51-79596261D285}">
-  <ds:schemaRefs/>
-</ds:datastoreItem>
-</file>
-
-<file path=customXml/itemProps18.xml><?xml version="1.0" encoding="utf-8"?>
-<ds:datastoreItem xmlns:ds="http://schemas.openxmlformats.org/officeDocument/2006/customXml" ds:itemID="{FAA5C529-0685-42EB-9234-127925B67CAA}">
-  <ds:schemaRefs/>
-</ds:datastoreItem>
-</file>
-
-<file path=customXml/itemProps19.xml><?xml version="1.0" encoding="utf-8"?>
-<ds:datastoreItem xmlns:ds="http://schemas.openxmlformats.org/officeDocument/2006/customXml" ds:itemID="{CAE47E03-1E42-41BD-9B9B-4784A4BC9E99}">
-  <ds:schemaRefs/>
-</ds:datastoreItem>
-</file>
-
-<file path=customXml/itemProps2.xml><?xml version="1.0" encoding="utf-8"?>
-<ds:datastoreItem xmlns:ds="http://schemas.openxmlformats.org/officeDocument/2006/customXml" ds:itemID="{40E719A3-ADA7-4E20-A1A7-7B3573F21752}">
-  <ds:schemaRefs/>
-</ds:datastoreItem>
-</file>
-
-<file path=customXml/itemProps20.xml><?xml version="1.0" encoding="utf-8"?>
-<ds:datastoreItem xmlns:ds="http://schemas.openxmlformats.org/officeDocument/2006/customXml" ds:itemID="{9E2B8D07-EEFE-44FD-BED1-E7A3DC977FB8}">
-  <ds:schemaRefs/>
-</ds:datastoreItem>
-</file>
-
-<file path=customXml/itemProps21.xml><?xml version="1.0" encoding="utf-8"?>
-<ds:datastoreItem xmlns:ds="http://schemas.openxmlformats.org/officeDocument/2006/customXml" ds:itemID="{2DD124FE-07FB-4A02-81AD-26D2B5D4A570}">
-  <ds:schemaRefs/>
-</ds:datastoreItem>
-</file>
-
-<file path=customXml/itemProps22.xml><?xml version="1.0" encoding="utf-8"?>
-<ds:datastoreItem xmlns:ds="http://schemas.openxmlformats.org/officeDocument/2006/customXml" ds:itemID="{EEF98F72-31AA-4885-AFDD-F73C7DD469A0}">
-  <ds:schemaRefs/>
-</ds:datastoreItem>
-</file>
-
-<file path=customXml/itemProps23.xml><?xml version="1.0" encoding="utf-8"?>
-<ds:datastoreItem xmlns:ds="http://schemas.openxmlformats.org/officeDocument/2006/customXml" ds:itemID="{A281796A-B4D4-4974-A3ED-9286EDA84ADC}">
-  <ds:schemaRefs/>
-</ds:datastoreItem>
-</file>
-
-<file path=customXml/itemProps24.xml><?xml version="1.0" encoding="utf-8"?>
-<ds:datastoreItem xmlns:ds="http://schemas.openxmlformats.org/officeDocument/2006/customXml" ds:itemID="{05897AB9-E3DD-43BB-8EDF-968F39A02ADC}">
-  <ds:schemaRefs/>
-</ds:datastoreItem>
-</file>
-
-<file path=customXml/itemProps25.xml><?xml version="1.0" encoding="utf-8"?>
-<ds:datastoreItem xmlns:ds="http://schemas.openxmlformats.org/officeDocument/2006/customXml" ds:itemID="{D38A171D-F576-4E0C-8A00-8B56B7BE4A9D}">
-  <ds:schemaRefs/>
-</ds:datastoreItem>
-</file>
-
-<file path=customXml/itemProps26.xml><?xml version="1.0" encoding="utf-8"?>
-<ds:datastoreItem xmlns:ds="http://schemas.openxmlformats.org/officeDocument/2006/customXml" ds:itemID="{683FEB75-8CFA-449C-A6B1-B1E4A86A58A1}">
-  <ds:schemaRefs/>
-</ds:datastoreItem>
-</file>
-
-<file path=customXml/itemProps27.xml><?xml version="1.0" encoding="utf-8"?>
-<ds:datastoreItem xmlns:ds="http://schemas.openxmlformats.org/officeDocument/2006/customXml" ds:itemID="{4CA4D464-76EF-4976-A469-913836041FC2}">
-  <ds:schemaRefs/>
-</ds:datastoreItem>
-</file>
-
-<file path=customXml/itemProps28.xml><?xml version="1.0" encoding="utf-8"?>
-<ds:datastoreItem xmlns:ds="http://schemas.openxmlformats.org/officeDocument/2006/customXml" ds:itemID="{8CF8F1C6-185F-4DF5-A79D-73E67AC22572}">
-  <ds:schemaRefs/>
-</ds:datastoreItem>
-</file>
-
-<file path=customXml/itemProps29.xml><?xml version="1.0" encoding="utf-8"?>
-<ds:datastoreItem xmlns:ds="http://schemas.openxmlformats.org/officeDocument/2006/customXml" ds:itemID="{B9FD9DF9-1BF7-4243-A67C-1D7F19E28B36}">
-  <ds:schemaRefs/>
-</ds:datastoreItem>
-</file>
-
-<file path=customXml/itemProps3.xml><?xml version="1.0" encoding="utf-8"?>
-<ds:datastoreItem xmlns:ds="http://schemas.openxmlformats.org/officeDocument/2006/customXml" ds:itemID="{847502A6-7CBE-43AF-BDF6-4D4423521D8C}">
-  <ds:schemaRefs/>
-</ds:datastoreItem>
-</file>
-
-<file path=customXml/itemProps30.xml><?xml version="1.0" encoding="utf-8"?>
-<ds:datastoreItem xmlns:ds="http://schemas.openxmlformats.org/officeDocument/2006/customXml" ds:itemID="{9AF1F1AE-2893-4413-B89B-6C22F622B7B0}">
-  <ds:schemaRefs/>
-</ds:datastoreItem>
-</file>
-
-<file path=customXml/itemProps31.xml><?xml version="1.0" encoding="utf-8"?>
-<ds:datastoreItem xmlns:ds="http://schemas.openxmlformats.org/officeDocument/2006/customXml" ds:itemID="{E567AA99-2C15-47ED-93E7-EF41E6306CDE}">
-  <ds:schemaRefs/>
-</ds:datastoreItem>
-</file>
-
-<file path=customXml/itemProps32.xml><?xml version="1.0" encoding="utf-8"?>
-<ds:datastoreItem xmlns:ds="http://schemas.openxmlformats.org/officeDocument/2006/customXml" ds:itemID="{9DD08200-6D97-4E27-99BF-24D55D16ED6E}">
-  <ds:schemaRefs/>
-</ds:datastoreItem>
-</file>
-
-<file path=customXml/itemProps33.xml><?xml version="1.0" encoding="utf-8"?>
-<ds:datastoreItem xmlns:ds="http://schemas.openxmlformats.org/officeDocument/2006/customXml" ds:itemID="{41738A78-FE23-414B-9699-83FCDB2186EF}">
-  <ds:schemaRefs/>
-</ds:datastoreItem>
-</file>
-
-<file path=customXml/itemProps34.xml><?xml version="1.0" encoding="utf-8"?>
-<ds:datastoreItem xmlns:ds="http://schemas.openxmlformats.org/officeDocument/2006/customXml" ds:itemID="{DE480E74-E426-4A5E-B075-C839B2ACE772}">
-  <ds:schemaRefs/>
-</ds:datastoreItem>
-</file>
-
-<file path=customXml/itemProps35.xml><?xml version="1.0" encoding="utf-8"?>
-<ds:datastoreItem xmlns:ds="http://schemas.openxmlformats.org/officeDocument/2006/customXml" ds:itemID="{D75684D2-F9FB-419A-847B-7182F129EAC1}">
-  <ds:schemaRefs/>
-</ds:datastoreItem>
-</file>
-
-<file path=customXml/itemProps36.xml><?xml version="1.0" encoding="utf-8"?>
-<ds:datastoreItem xmlns:ds="http://schemas.openxmlformats.org/officeDocument/2006/customXml" ds:itemID="{335D1378-9509-45D4-A2B4-76EE025CF63B}">
-  <ds:schemaRefs/>
-</ds:datastoreItem>
-</file>
-
-<file path=customXml/itemProps37.xml><?xml version="1.0" encoding="utf-8"?>
-<ds:datastoreItem xmlns:ds="http://schemas.openxmlformats.org/officeDocument/2006/customXml" ds:itemID="{8AB361F4-0226-4678-B681-E6B72F4E1F1F}">
-  <ds:schemaRefs/>
-</ds:datastoreItem>
-</file>
-
-<file path=customXml/itemProps38.xml><?xml version="1.0" encoding="utf-8"?>
-<ds:datastoreItem xmlns:ds="http://schemas.openxmlformats.org/officeDocument/2006/customXml" ds:itemID="{10BA0679-81B2-4BE6-B8F1-F8B3FB69E732}">
-  <ds:schemaRefs/>
-</ds:datastoreItem>
-</file>
-
-<file path=customXml/itemProps39.xml><?xml version="1.0" encoding="utf-8"?>
-<ds:datastoreItem xmlns:ds="http://schemas.openxmlformats.org/officeDocument/2006/customXml" ds:itemID="{1874C0A2-48F5-4960-8E1E-131138C1643F}">
-  <ds:schemaRefs/>
-</ds:datastoreItem>
-</file>
-
-<file path=customXml/itemProps4.xml><?xml version="1.0" encoding="utf-8"?>
-<ds:datastoreItem xmlns:ds="http://schemas.openxmlformats.org/officeDocument/2006/customXml" ds:itemID="{86BE0DFE-4F90-4564-91FC-BAF49BE1C36F}">
-  <ds:schemaRefs/>
-</ds:datastoreItem>
-</file>
-
-<file path=customXml/itemProps40.xml><?xml version="1.0" encoding="utf-8"?>
-<ds:datastoreItem xmlns:ds="http://schemas.openxmlformats.org/officeDocument/2006/customXml" ds:itemID="{D92C3DF5-A179-4E2D-BD20-07044B39171F}">
-  <ds:schemaRefs/>
-</ds:datastoreItem>
-</file>
-
-<file path=customXml/itemProps41.xml><?xml version="1.0" encoding="utf-8"?>
-<ds:datastoreItem xmlns:ds="http://schemas.openxmlformats.org/officeDocument/2006/customXml" ds:itemID="{F5A7E41D-6E7F-4B05-AFAB-F540BD4C068B}">
-  <ds:schemaRefs>
-    <ds:schemaRef ds:uri="http://schemas.microsoft.com/sharepoint/v3/contenttype/forms"/>
-  </ds:schemaRefs>
-</ds:datastoreItem>
-</file>
-
-<file path=customXml/itemProps42.xml><?xml version="1.0" encoding="utf-8"?>
-<ds:datastoreItem xmlns:ds="http://schemas.openxmlformats.org/officeDocument/2006/customXml" ds:itemID="{7E8ADA11-2CB7-4168-80FB-577BF6EE71F8}">
-  <ds:schemaRefs/>
-</ds:datastoreItem>
-</file>
-
-<file path=customXml/itemProps43.xml><?xml version="1.0" encoding="utf-8"?>
-<ds:datastoreItem xmlns:ds="http://schemas.openxmlformats.org/officeDocument/2006/customXml" ds:itemID="{203EA989-5979-4175-8900-7F343BA15BCC}">
-  <ds:schemaRefs/>
-</ds:datastoreItem>
-</file>
-
-<file path=customXml/itemProps44.xml><?xml version="1.0" encoding="utf-8"?>
-<ds:datastoreItem xmlns:ds="http://schemas.openxmlformats.org/officeDocument/2006/customXml" ds:itemID="{34DDF386-4C18-48D8-A376-F94F36D228B3}">
-  <ds:schemaRefs/>
-</ds:datastoreItem>
-</file>
-
-<file path=customXml/itemProps45.xml><?xml version="1.0" encoding="utf-8"?>
-<ds:datastoreItem xmlns:ds="http://schemas.openxmlformats.org/officeDocument/2006/customXml" ds:itemID="{25406650-5074-4327-91FF-F248079172E6}">
-  <ds:schemaRefs/>
-</ds:datastoreItem>
-</file>
-
-<file path=customXml/itemProps46.xml><?xml version="1.0" encoding="utf-8"?>
-<ds:datastoreItem xmlns:ds="http://schemas.openxmlformats.org/officeDocument/2006/customXml" ds:itemID="{BBB238E6-43EF-4824-8097-49154690D103}">
-  <ds:schemaRefs/>
-</ds:datastoreItem>
-</file>
-
-<file path=customXml/itemProps47.xml><?xml version="1.0" encoding="utf-8"?>
-<ds:datastoreItem xmlns:ds="http://schemas.openxmlformats.org/officeDocument/2006/customXml" ds:itemID="{98F4E21C-EEC3-499F-9529-3320C90701D6}">
-  <ds:schemaRefs/>
-</ds:datastoreItem>
-</file>
-
-<file path=customXml/itemProps48.xml><?xml version="1.0" encoding="utf-8"?>
-<ds:datastoreItem xmlns:ds="http://schemas.openxmlformats.org/officeDocument/2006/customXml" ds:itemID="{3EAA0770-3AD4-41E8-9D74-B1F891F135C4}">
-  <ds:schemaRefs/>
-</ds:datastoreItem>
-</file>
-
-<file path=customXml/itemProps49.xml><?xml version="1.0" encoding="utf-8"?>
-<ds:datastoreItem xmlns:ds="http://schemas.openxmlformats.org/officeDocument/2006/customXml" ds:itemID="{F033AB48-A2BC-448A-8A11-F0B5C23A24D5}">
-  <ds:schemaRefs/>
-</ds:datastoreItem>
-</file>
-
-<file path=customXml/itemProps5.xml><?xml version="1.0" encoding="utf-8"?>
-<ds:datastoreItem xmlns:ds="http://schemas.openxmlformats.org/officeDocument/2006/customXml" ds:itemID="{E47C3BF3-6A00-45C3-A58A-4B7688D77B5A}">
-  <ds:schemaRefs/>
-</ds:datastoreItem>
-</file>
-
-<file path=customXml/itemProps50.xml><?xml version="1.0" encoding="utf-8"?>
-<ds:datastoreItem xmlns:ds="http://schemas.openxmlformats.org/officeDocument/2006/customXml" ds:itemID="{D55CA5CC-D938-4611-8359-380843584576}">
-  <ds:schemaRefs/>
-</ds:datastoreItem>
-</file>
-
-<file path=customXml/itemProps51.xml><?xml version="1.0" encoding="utf-8"?>
-<ds:datastoreItem xmlns:ds="http://schemas.openxmlformats.org/officeDocument/2006/customXml" ds:itemID="{FA3607CD-788B-459B-A144-2973FE3277DC}">
-  <ds:schemaRefs/>
-</ds:datastoreItem>
-</file>
-
-<file path=customXml/itemProps52.xml><?xml version="1.0" encoding="utf-8"?>
 <ds:datastoreItem xmlns:ds="http://schemas.openxmlformats.org/officeDocument/2006/customXml" ds:itemID="{56F2EE69-0CCA-4F48-BE22-EC4A886C57A7}">
   <ds:schemaRefs>
     <ds:schemaRef ds:uri="http://schemas.microsoft.com/office/2006/documentManagement/types"/>
@@ -42418,175 +41892,105 @@
 </ds:datastoreItem>
 </file>
 
-<file path=customXml/itemProps53.xml><?xml version="1.0" encoding="utf-8"?>
-<ds:datastoreItem xmlns:ds="http://schemas.openxmlformats.org/officeDocument/2006/customXml" ds:itemID="{DBCDA9A0-20A8-4164-83E1-FA035412CFB1}">
+<file path=customXml/itemProps103.xml><?xml version="1.0" encoding="utf-8"?>
+<ds:datastoreItem xmlns:ds="http://schemas.openxmlformats.org/officeDocument/2006/customXml" ds:itemID="{9BCC0112-165B-4304-B86E-29468689B88A}">
   <ds:schemaRefs/>
 </ds:datastoreItem>
 </file>
 
-<file path=customXml/itemProps54.xml><?xml version="1.0" encoding="utf-8"?>
-<ds:datastoreItem xmlns:ds="http://schemas.openxmlformats.org/officeDocument/2006/customXml" ds:itemID="{C463B93A-5468-4658-A31C-D5C28A59D643}">
+<file path=customXml/itemProps104.xml><?xml version="1.0" encoding="utf-8"?>
+<ds:datastoreItem xmlns:ds="http://schemas.openxmlformats.org/officeDocument/2006/customXml" ds:itemID="{E1784C58-DC59-48B0-A57B-E57758623B39}">
   <ds:schemaRefs/>
 </ds:datastoreItem>
 </file>
 
-<file path=customXml/itemProps55.xml><?xml version="1.0" encoding="utf-8"?>
-<ds:datastoreItem xmlns:ds="http://schemas.openxmlformats.org/officeDocument/2006/customXml" ds:itemID="{CB1124D8-3696-4D80-863A-868A828A06F8}">
+<file path=customXml/itemProps105.xml><?xml version="1.0" encoding="utf-8"?>
+<ds:datastoreItem xmlns:ds="http://schemas.openxmlformats.org/officeDocument/2006/customXml" ds:itemID="{D55CA5CC-D938-4611-8359-380843584576}">
   <ds:schemaRefs/>
 </ds:datastoreItem>
 </file>
 
-<file path=customXml/itemProps56.xml><?xml version="1.0" encoding="utf-8"?>
-<ds:datastoreItem xmlns:ds="http://schemas.openxmlformats.org/officeDocument/2006/customXml" ds:itemID="{D72AD174-A5D3-435E-B133-40AF39B01261}">
-  <ds:schemaRefs/>
-</ds:datastoreItem>
-</file>
-
-<file path=customXml/itemProps57.xml><?xml version="1.0" encoding="utf-8"?>
+<file path=customXml/itemProps106.xml><?xml version="1.0" encoding="utf-8"?>
 <ds:datastoreItem xmlns:ds="http://schemas.openxmlformats.org/officeDocument/2006/customXml" ds:itemID="{57A985C1-0E4B-44F2-9A8B-3EF4CC362D67}">
   <ds:schemaRefs/>
 </ds:datastoreItem>
 </file>
 
-<file path=customXml/itemProps58.xml><?xml version="1.0" encoding="utf-8"?>
-<ds:datastoreItem xmlns:ds="http://schemas.openxmlformats.org/officeDocument/2006/customXml" ds:itemID="{086AEA7D-F3EF-4D79-B97E-8B5E3B989E16}">
+<file path=customXml/itemProps107.xml><?xml version="1.0" encoding="utf-8"?>
+<ds:datastoreItem xmlns:ds="http://schemas.openxmlformats.org/officeDocument/2006/customXml" ds:itemID="{7E8ADA11-2CB7-4168-80FB-577BF6EE71F8}">
   <ds:schemaRefs/>
 </ds:datastoreItem>
 </file>
 
-<file path=customXml/itemProps59.xml><?xml version="1.0" encoding="utf-8"?>
-<ds:datastoreItem xmlns:ds="http://schemas.openxmlformats.org/officeDocument/2006/customXml" ds:itemID="{35F02230-55B6-44A2-9D58-124BB401D0B7}">
+<file path=customXml/itemProps108.xml><?xml version="1.0" encoding="utf-8"?>
+<ds:datastoreItem xmlns:ds="http://schemas.openxmlformats.org/officeDocument/2006/customXml" ds:itemID="{AA8788E0-3363-447E-9276-A8B06746C185}">
   <ds:schemaRefs/>
 </ds:datastoreItem>
 </file>
 
-<file path=customXml/itemProps6.xml><?xml version="1.0" encoding="utf-8"?>
-<ds:datastoreItem xmlns:ds="http://schemas.openxmlformats.org/officeDocument/2006/customXml" ds:itemID="{B25CC7AE-AE5C-4B2B-A221-83C67230743C}">
+<file path=customXml/itemProps109.xml><?xml version="1.0" encoding="utf-8"?>
+<ds:datastoreItem xmlns:ds="http://schemas.openxmlformats.org/officeDocument/2006/customXml" ds:itemID="{F9EA4199-0422-4413-A754-2C125F2EC711}">
   <ds:schemaRefs/>
 </ds:datastoreItem>
 </file>
 
-<file path=customXml/itemProps60.xml><?xml version="1.0" encoding="utf-8"?>
-<ds:datastoreItem xmlns:ds="http://schemas.openxmlformats.org/officeDocument/2006/customXml" ds:itemID="{CE6A050F-4333-449F-BA6E-6F8024044223}">
+<file path=customXml/itemProps11.xml><?xml version="1.0" encoding="utf-8"?>
+<ds:datastoreItem xmlns:ds="http://schemas.openxmlformats.org/officeDocument/2006/customXml" ds:itemID="{FF27C676-337F-4BE0-8809-1BDF4A5C161F}">
   <ds:schemaRefs/>
 </ds:datastoreItem>
 </file>
 
-<file path=customXml/itemProps61.xml><?xml version="1.0" encoding="utf-8"?>
-<ds:datastoreItem xmlns:ds="http://schemas.openxmlformats.org/officeDocument/2006/customXml" ds:itemID="{2A80BC17-E4E0-47C5-A0D3-870E9026842E}">
+<file path=customXml/itemProps110.xml><?xml version="1.0" encoding="utf-8"?>
+<ds:datastoreItem xmlns:ds="http://schemas.openxmlformats.org/officeDocument/2006/customXml" ds:itemID="{C09F197C-6A49-47D0-B877-F88807989676}">
   <ds:schemaRefs/>
 </ds:datastoreItem>
 </file>
 
-<file path=customXml/itemProps62.xml><?xml version="1.0" encoding="utf-8"?>
-<ds:datastoreItem xmlns:ds="http://schemas.openxmlformats.org/officeDocument/2006/customXml" ds:itemID="{353B6855-1E72-4922-B27D-87797533E229}">
+<file path=customXml/itemProps111.xml><?xml version="1.0" encoding="utf-8"?>
+<ds:datastoreItem xmlns:ds="http://schemas.openxmlformats.org/officeDocument/2006/customXml" ds:itemID="{03AF3FDC-ACD1-46F3-A43E-782322DF9816}">
   <ds:schemaRefs/>
 </ds:datastoreItem>
 </file>
 
-<file path=customXml/itemProps63.xml><?xml version="1.0" encoding="utf-8"?>
-<ds:datastoreItem xmlns:ds="http://schemas.openxmlformats.org/officeDocument/2006/customXml" ds:itemID="{7DE9A92D-0A85-4077-AE65-FEDD1D7D995C}">
+<file path=customXml/itemProps112.xml><?xml version="1.0" encoding="utf-8"?>
+<ds:datastoreItem xmlns:ds="http://schemas.openxmlformats.org/officeDocument/2006/customXml" ds:itemID="{CAE47E03-1E42-41BD-9B9B-4784A4BC9E99}">
   <ds:schemaRefs/>
 </ds:datastoreItem>
 </file>
 
-<file path=customXml/itemProps64.xml><?xml version="1.0" encoding="utf-8"?>
-<ds:datastoreItem xmlns:ds="http://schemas.openxmlformats.org/officeDocument/2006/customXml" ds:itemID="{32BA7684-6BE4-4F73-B22E-30934AB379B8}">
+<file path=customXml/itemProps113.xml><?xml version="1.0" encoding="utf-8"?>
+<ds:datastoreItem xmlns:ds="http://schemas.openxmlformats.org/officeDocument/2006/customXml" ds:itemID="{D38A171D-F576-4E0C-8A00-8B56B7BE4A9D}">
   <ds:schemaRefs/>
 </ds:datastoreItem>
 </file>
 
-<file path=customXml/itemProps65.xml><?xml version="1.0" encoding="utf-8"?>
-<ds:datastoreItem xmlns:ds="http://schemas.openxmlformats.org/officeDocument/2006/customXml" ds:itemID="{01F69430-35AD-4D6A-BF03-EA214863FB59}">
+<file path=customXml/itemProps114.xml><?xml version="1.0" encoding="utf-8"?>
+<ds:datastoreItem xmlns:ds="http://schemas.openxmlformats.org/officeDocument/2006/customXml" ds:itemID="{F5A7E41D-6E7F-4B05-AFAB-F540BD4C068B}">
+  <ds:schemaRefs>
+    <ds:schemaRef ds:uri="http://schemas.microsoft.com/sharepoint/v3/contenttype/forms"/>
+  </ds:schemaRefs>
+</ds:datastoreItem>
+</file>
+
+<file path=customXml/itemProps115.xml><?xml version="1.0" encoding="utf-8"?>
+<ds:datastoreItem xmlns:ds="http://schemas.openxmlformats.org/officeDocument/2006/customXml" ds:itemID="{EA31967E-96EF-44B0-B925-463AAEBE4C94}">
   <ds:schemaRefs/>
 </ds:datastoreItem>
 </file>
 
-<file path=customXml/itemProps66.xml><?xml version="1.0" encoding="utf-8"?>
-<ds:datastoreItem xmlns:ds="http://schemas.openxmlformats.org/officeDocument/2006/customXml" ds:itemID="{0609D081-6D6D-449D-8172-F647DB0470B3}">
-  <ds:schemaRefs/>
-</ds:datastoreItem>
-</file>
-
-<file path=customXml/itemProps67.xml><?xml version="1.0" encoding="utf-8"?>
-<ds:datastoreItem xmlns:ds="http://schemas.openxmlformats.org/officeDocument/2006/customXml" ds:itemID="{58CC0B31-82B9-497A-9A2E-F3F72D0BBDAD}">
-  <ds:schemaRefs/>
-</ds:datastoreItem>
-</file>
-
-<file path=customXml/itemProps68.xml><?xml version="1.0" encoding="utf-8"?>
+<file path=customXml/itemProps116.xml><?xml version="1.0" encoding="utf-8"?>
 <ds:datastoreItem xmlns:ds="http://schemas.openxmlformats.org/officeDocument/2006/customXml" ds:itemID="{98E14955-1321-482E-B194-A7B7610F0A17}">
   <ds:schemaRefs/>
 </ds:datastoreItem>
 </file>
 
-<file path=customXml/itemProps69.xml><?xml version="1.0" encoding="utf-8"?>
-<ds:datastoreItem xmlns:ds="http://schemas.openxmlformats.org/officeDocument/2006/customXml" ds:itemID="{8BDF229D-925E-4DF0-B02F-105CCEEFCD87}">
+<file path=customXml/itemProps117.xml><?xml version="1.0" encoding="utf-8"?>
+<ds:datastoreItem xmlns:ds="http://schemas.openxmlformats.org/officeDocument/2006/customXml" ds:itemID="{9DD08200-6D97-4E27-99BF-24D55D16ED6E}">
   <ds:schemaRefs/>
 </ds:datastoreItem>
 </file>
 
-<file path=customXml/itemProps7.xml><?xml version="1.0" encoding="utf-8"?>
-<ds:datastoreItem xmlns:ds="http://schemas.openxmlformats.org/officeDocument/2006/customXml" ds:itemID="{2121CAD2-F70D-4457-8424-5778911A2F0D}">
-  <ds:schemaRefs/>
-</ds:datastoreItem>
-</file>
-
-<file path=customXml/itemProps70.xml><?xml version="1.0" encoding="utf-8"?>
-<ds:datastoreItem xmlns:ds="http://schemas.openxmlformats.org/officeDocument/2006/customXml" ds:itemID="{E1784C58-DC59-48B0-A57B-E57758623B39}">
-  <ds:schemaRefs/>
-</ds:datastoreItem>
-</file>
-
-<file path=customXml/itemProps71.xml><?xml version="1.0" encoding="utf-8"?>
-<ds:datastoreItem xmlns:ds="http://schemas.openxmlformats.org/officeDocument/2006/customXml" ds:itemID="{3F40017D-675E-4378-B4CD-0EBA3B5498D0}">
-  <ds:schemaRefs/>
-</ds:datastoreItem>
-</file>
-
-<file path=customXml/itemProps72.xml><?xml version="1.0" encoding="utf-8"?>
-<ds:datastoreItem xmlns:ds="http://schemas.openxmlformats.org/officeDocument/2006/customXml" ds:itemID="{DFBED128-E1E8-4B03-B2D5-B2D87CAFC336}">
-  <ds:schemaRefs/>
-</ds:datastoreItem>
-</file>
-
-<file path=customXml/itemProps73.xml><?xml version="1.0" encoding="utf-8"?>
-<ds:datastoreItem xmlns:ds="http://schemas.openxmlformats.org/officeDocument/2006/customXml" ds:itemID="{5FB14CD7-4055-482C-88C8-AC6CC7AC50BE}">
-  <ds:schemaRefs/>
-</ds:datastoreItem>
-</file>
-
-<file path=customXml/itemProps74.xml><?xml version="1.0" encoding="utf-8"?>
-<ds:datastoreItem xmlns:ds="http://schemas.openxmlformats.org/officeDocument/2006/customXml" ds:itemID="{4C8B25CE-F76B-4533-864B-E0E49EE221B8}">
-  <ds:schemaRefs/>
-</ds:datastoreItem>
-</file>
-
-<file path=customXml/itemProps75.xml><?xml version="1.0" encoding="utf-8"?>
-<ds:datastoreItem xmlns:ds="http://schemas.openxmlformats.org/officeDocument/2006/customXml" ds:itemID="{C8184724-C58D-47DA-9F95-DBD6A20D009C}">
-  <ds:schemaRefs/>
-</ds:datastoreItem>
-</file>
-
-<file path=customXml/itemProps76.xml><?xml version="1.0" encoding="utf-8"?>
-<ds:datastoreItem xmlns:ds="http://schemas.openxmlformats.org/officeDocument/2006/customXml" ds:itemID="{2A3190C4-B88B-4E3B-849A-65A4A7FCAB5F}">
-  <ds:schemaRefs/>
-</ds:datastoreItem>
-</file>
-
-<file path=customXml/itemProps77.xml><?xml version="1.0" encoding="utf-8"?>
-<ds:datastoreItem xmlns:ds="http://schemas.openxmlformats.org/officeDocument/2006/customXml" ds:itemID="{AB3379C1-BA4E-46BD-AAE3-7A87CC7DACBC}">
-  <ds:schemaRefs/>
-</ds:datastoreItem>
-</file>
-
-<file path=customXml/itemProps78.xml><?xml version="1.0" encoding="utf-8"?>
-<ds:datastoreItem xmlns:ds="http://schemas.openxmlformats.org/officeDocument/2006/customXml" ds:itemID="{98CBEC4F-4212-4DDD-BBFE-9597B688EEF5}">
-  <ds:schemaRefs/>
-</ds:datastoreItem>
-</file>
-
-<file path=customXml/itemProps79.xml><?xml version="1.0" encoding="utf-8"?>
+<file path=customXml/itemProps118.xml><?xml version="1.0" encoding="utf-8"?>
 <ds:datastoreItem xmlns:ds="http://schemas.openxmlformats.org/officeDocument/2006/customXml" ds:itemID="{A2258578-4028-422E-A2BB-56A6BD2305EC}">
   <ds:schemaRefs>
     <ds:schemaRef ds:uri="http://schemas.microsoft.com/office/2006/metadata/contentType"/>
@@ -42605,20 +42009,518 @@
 </ds:datastoreItem>
 </file>
 
-<file path=customXml/itemProps8.xml><?xml version="1.0" encoding="utf-8"?>
+<file path=customXml/itemProps119.xml><?xml version="1.0" encoding="utf-8"?>
+<ds:datastoreItem xmlns:ds="http://schemas.openxmlformats.org/officeDocument/2006/customXml" ds:itemID="{4196F38A-C7AA-4022-8E0A-566CB6FFF92A}">
+  <ds:schemaRefs/>
+</ds:datastoreItem>
+</file>
+
+<file path=customXml/itemProps12.xml><?xml version="1.0" encoding="utf-8"?>
+<ds:datastoreItem xmlns:ds="http://schemas.openxmlformats.org/officeDocument/2006/customXml" ds:itemID="{7DE9A92D-0A85-4077-AE65-FEDD1D7D995C}">
+  <ds:schemaRefs/>
+</ds:datastoreItem>
+</file>
+
+<file path=customXml/itemProps120.xml><?xml version="1.0" encoding="utf-8"?>
+<ds:datastoreItem xmlns:ds="http://schemas.openxmlformats.org/officeDocument/2006/customXml" ds:itemID="{34DDF386-4C18-48D8-A376-F94F36D228B3}">
+  <ds:schemaRefs/>
+</ds:datastoreItem>
+</file>
+
+<file path=customXml/itemProps121.xml><?xml version="1.0" encoding="utf-8"?>
+<ds:datastoreItem xmlns:ds="http://schemas.openxmlformats.org/officeDocument/2006/customXml" ds:itemID="{B9FD9DF9-1BF7-4243-A67C-1D7F19E28B36}">
+  <ds:schemaRefs/>
+</ds:datastoreItem>
+</file>
+
+<file path=customXml/itemProps122.xml><?xml version="1.0" encoding="utf-8"?>
+<ds:datastoreItem xmlns:ds="http://schemas.openxmlformats.org/officeDocument/2006/customXml" ds:itemID="{DFBED128-E1E8-4B03-B2D5-B2D87CAFC336}">
+  <ds:schemaRefs/>
+</ds:datastoreItem>
+</file>
+
+<file path=customXml/itemProps123.xml><?xml version="1.0" encoding="utf-8"?>
+<ds:datastoreItem xmlns:ds="http://schemas.openxmlformats.org/officeDocument/2006/customXml" ds:itemID="{5FB14CD7-4055-482C-88C8-AC6CC7AC50BE}">
+  <ds:schemaRefs/>
+</ds:datastoreItem>
+</file>
+
+<file path=customXml/itemProps124.xml><?xml version="1.0" encoding="utf-8"?>
+<ds:datastoreItem xmlns:ds="http://schemas.openxmlformats.org/officeDocument/2006/customXml" ds:itemID="{1F7ABBB5-8F59-46B8-B35E-46798E542F1F}">
+  <ds:schemaRefs/>
+</ds:datastoreItem>
+</file>
+
+<file path=customXml/itemProps125.xml><?xml version="1.0" encoding="utf-8"?>
+<ds:datastoreItem xmlns:ds="http://schemas.openxmlformats.org/officeDocument/2006/customXml" ds:itemID="{A281796A-B4D4-4974-A3ED-9286EDA84ADC}">
+  <ds:schemaRefs/>
+</ds:datastoreItem>
+</file>
+
+<file path=customXml/itemProps126.xml><?xml version="1.0" encoding="utf-8"?>
+<ds:datastoreItem xmlns:ds="http://schemas.openxmlformats.org/officeDocument/2006/customXml" ds:itemID="{88B797B5-8C7C-43F7-8CF5-E3DC8DBA88B0}">
+  <ds:schemaRefs/>
+</ds:datastoreItem>
+</file>
+
+<file path=customXml/itemProps127.xml><?xml version="1.0" encoding="utf-8"?>
+<ds:datastoreItem xmlns:ds="http://schemas.openxmlformats.org/officeDocument/2006/customXml" ds:itemID="{873D36AC-6CA0-46E3-8382-4DBD0F0E928B}">
+  <ds:schemaRefs/>
+</ds:datastoreItem>
+</file>
+
+<file path=customXml/itemProps13.xml><?xml version="1.0" encoding="utf-8"?>
+<ds:datastoreItem xmlns:ds="http://schemas.openxmlformats.org/officeDocument/2006/customXml" ds:itemID="{8AB361F4-0226-4678-B681-E6B72F4E1F1F}">
+  <ds:schemaRefs/>
+</ds:datastoreItem>
+</file>
+
+<file path=customXml/itemProps14.xml><?xml version="1.0" encoding="utf-8"?>
+<ds:datastoreItem xmlns:ds="http://schemas.openxmlformats.org/officeDocument/2006/customXml" ds:itemID="{72516535-7702-46AF-9B1F-8623A67A824E}">
+  <ds:schemaRefs/>
+</ds:datastoreItem>
+</file>
+
+<file path=customXml/itemProps15.xml><?xml version="1.0" encoding="utf-8"?>
+<ds:datastoreItem xmlns:ds="http://schemas.openxmlformats.org/officeDocument/2006/customXml" ds:itemID="{BBB238E6-43EF-4824-8097-49154690D103}">
+  <ds:schemaRefs/>
+</ds:datastoreItem>
+</file>
+
+<file path=customXml/itemProps16.xml><?xml version="1.0" encoding="utf-8"?>
+<ds:datastoreItem xmlns:ds="http://schemas.openxmlformats.org/officeDocument/2006/customXml" ds:itemID="{414DA5D0-7BC2-48E3-A7EB-0291E0EEB38D}">
+  <ds:schemaRefs/>
+</ds:datastoreItem>
+</file>
+
+<file path=customXml/itemProps17.xml><?xml version="1.0" encoding="utf-8"?>
+<ds:datastoreItem xmlns:ds="http://schemas.openxmlformats.org/officeDocument/2006/customXml" ds:itemID="{1C14CC58-9A56-4143-9A51-79596261D285}">
+  <ds:schemaRefs/>
+</ds:datastoreItem>
+</file>
+
+<file path=customXml/itemProps18.xml><?xml version="1.0" encoding="utf-8"?>
+<ds:datastoreItem xmlns:ds="http://schemas.openxmlformats.org/officeDocument/2006/customXml" ds:itemID="{8CF8F1C6-185F-4DF5-A79D-73E67AC22572}">
+  <ds:schemaRefs/>
+</ds:datastoreItem>
+</file>
+
+<file path=customXml/itemProps19.xml><?xml version="1.0" encoding="utf-8"?>
+<ds:datastoreItem xmlns:ds="http://schemas.openxmlformats.org/officeDocument/2006/customXml" ds:itemID="{CE6A050F-4333-449F-BA6E-6F8024044223}">
+  <ds:schemaRefs/>
+</ds:datastoreItem>
+</file>
+
+<file path=customXml/itemProps2.xml><?xml version="1.0" encoding="utf-8"?>
+<ds:datastoreItem xmlns:ds="http://schemas.openxmlformats.org/officeDocument/2006/customXml" ds:itemID="{2B4C53CB-C09A-48B4-9F4B-271E9D0D6639}">
+  <ds:schemaRefs/>
+</ds:datastoreItem>
+</file>
+
+<file path=customXml/itemProps20.xml><?xml version="1.0" encoding="utf-8"?>
+<ds:datastoreItem xmlns:ds="http://schemas.openxmlformats.org/officeDocument/2006/customXml" ds:itemID="{2121CAD2-F70D-4457-8424-5778911A2F0D}">
+  <ds:schemaRefs/>
+</ds:datastoreItem>
+</file>
+
+<file path=customXml/itemProps21.xml><?xml version="1.0" encoding="utf-8"?>
+<ds:datastoreItem xmlns:ds="http://schemas.openxmlformats.org/officeDocument/2006/customXml" ds:itemID="{05897AB9-E3DD-43BB-8EDF-968F39A02ADC}">
+  <ds:schemaRefs/>
+</ds:datastoreItem>
+</file>
+
+<file path=customXml/itemProps22.xml><?xml version="1.0" encoding="utf-8"?>
+<ds:datastoreItem xmlns:ds="http://schemas.openxmlformats.org/officeDocument/2006/customXml" ds:itemID="{98CBEC4F-4212-4DDD-BBFE-9597B688EEF5}">
+  <ds:schemaRefs/>
+</ds:datastoreItem>
+</file>
+
+<file path=customXml/itemProps23.xml><?xml version="1.0" encoding="utf-8"?>
+<ds:datastoreItem xmlns:ds="http://schemas.openxmlformats.org/officeDocument/2006/customXml" ds:itemID="{86BE0DFE-4F90-4564-91FC-BAF49BE1C36F}">
+  <ds:schemaRefs/>
+</ds:datastoreItem>
+</file>
+
+<file path=customXml/itemProps24.xml><?xml version="1.0" encoding="utf-8"?>
+<ds:datastoreItem xmlns:ds="http://schemas.openxmlformats.org/officeDocument/2006/customXml" ds:itemID="{9AF1F1AE-2893-4413-B89B-6C22F622B7B0}">
+  <ds:schemaRefs/>
+</ds:datastoreItem>
+</file>
+
+<file path=customXml/itemProps25.xml><?xml version="1.0" encoding="utf-8"?>
+<ds:datastoreItem xmlns:ds="http://schemas.openxmlformats.org/officeDocument/2006/customXml" ds:itemID="{5EE69A3B-9909-4BD1-B192-F0D6C7BEA00F}">
+  <ds:schemaRefs/>
+</ds:datastoreItem>
+</file>
+
+<file path=customXml/itemProps26.xml><?xml version="1.0" encoding="utf-8"?>
+<ds:datastoreItem xmlns:ds="http://schemas.openxmlformats.org/officeDocument/2006/customXml" ds:itemID="{D0AD8599-2508-4B35-9DE1-4423257A073F}">
+  <ds:schemaRefs/>
+</ds:datastoreItem>
+</file>
+
+<file path=customXml/itemProps27.xml><?xml version="1.0" encoding="utf-8"?>
+<ds:datastoreItem xmlns:ds="http://schemas.openxmlformats.org/officeDocument/2006/customXml" ds:itemID="{4CA4D464-76EF-4976-A469-913836041FC2}">
+  <ds:schemaRefs/>
+</ds:datastoreItem>
+</file>
+
+<file path=customXml/itemProps28.xml><?xml version="1.0" encoding="utf-8"?>
+<ds:datastoreItem xmlns:ds="http://schemas.openxmlformats.org/officeDocument/2006/customXml" ds:itemID="{48170A45-32C8-4844-A5A8-2914CAC05126}">
+  <ds:schemaRefs/>
+</ds:datastoreItem>
+</file>
+
+<file path=customXml/itemProps29.xml><?xml version="1.0" encoding="utf-8"?>
+<ds:datastoreItem xmlns:ds="http://schemas.openxmlformats.org/officeDocument/2006/customXml" ds:itemID="{C603FEC4-6110-45FB-9E0D-8B8869730499}">
+  <ds:schemaRefs/>
+</ds:datastoreItem>
+</file>
+
+<file path=customXml/itemProps3.xml><?xml version="1.0" encoding="utf-8"?>
+<ds:datastoreItem xmlns:ds="http://schemas.openxmlformats.org/officeDocument/2006/customXml" ds:itemID="{01C56F4A-96CD-47D1-BA55-94DEC2F1EED9}">
+  <ds:schemaRefs/>
+</ds:datastoreItem>
+</file>
+
+<file path=customXml/itemProps30.xml><?xml version="1.0" encoding="utf-8"?>
+<ds:datastoreItem xmlns:ds="http://schemas.openxmlformats.org/officeDocument/2006/customXml" ds:itemID="{2A3190C4-B88B-4E3B-849A-65A4A7FCAB5F}">
+  <ds:schemaRefs/>
+</ds:datastoreItem>
+</file>
+
+<file path=customXml/itemProps31.xml><?xml version="1.0" encoding="utf-8"?>
+<ds:datastoreItem xmlns:ds="http://schemas.openxmlformats.org/officeDocument/2006/customXml" ds:itemID="{E5495953-E9D9-4455-8AE0-363E6CA968CE}">
+  <ds:schemaRefs/>
+</ds:datastoreItem>
+</file>
+
+<file path=customXml/itemProps32.xml><?xml version="1.0" encoding="utf-8"?>
+<ds:datastoreItem xmlns:ds="http://schemas.openxmlformats.org/officeDocument/2006/customXml" ds:itemID="{A71CEC01-F574-41EE-A0EB-2CB62E47F7D6}">
+  <ds:schemaRefs/>
+</ds:datastoreItem>
+</file>
+
+<file path=customXml/itemProps33.xml><?xml version="1.0" encoding="utf-8"?>
+<ds:datastoreItem xmlns:ds="http://schemas.openxmlformats.org/officeDocument/2006/customXml" ds:itemID="{932CE1B1-8FEF-439F-ACC4-DBDFEA30C312}">
+  <ds:schemaRefs/>
+</ds:datastoreItem>
+</file>
+
+<file path=customXml/itemProps34.xml><?xml version="1.0" encoding="utf-8"?>
+<ds:datastoreItem xmlns:ds="http://schemas.openxmlformats.org/officeDocument/2006/customXml" ds:itemID="{DE4BE47B-55E0-45DF-9D1C-46B012C7DCA1}">
+  <ds:schemaRefs/>
+</ds:datastoreItem>
+</file>
+
+<file path=customXml/itemProps35.xml><?xml version="1.0" encoding="utf-8"?>
+<ds:datastoreItem xmlns:ds="http://schemas.openxmlformats.org/officeDocument/2006/customXml" ds:itemID="{1874C0A2-48F5-4960-8E1E-131138C1643F}">
+  <ds:schemaRefs/>
+</ds:datastoreItem>
+</file>
+
+<file path=customXml/itemProps36.xml><?xml version="1.0" encoding="utf-8"?>
+<ds:datastoreItem xmlns:ds="http://schemas.openxmlformats.org/officeDocument/2006/customXml" ds:itemID="{D92C3DF5-A179-4E2D-BD20-07044B39171F}">
+  <ds:schemaRefs/>
+</ds:datastoreItem>
+</file>
+
+<file path=customXml/itemProps37.xml><?xml version="1.0" encoding="utf-8"?>
+<ds:datastoreItem xmlns:ds="http://schemas.openxmlformats.org/officeDocument/2006/customXml" ds:itemID="{619A3781-1EA1-4E71-BB08-DAEF5186D98B}">
+  <ds:schemaRefs/>
+</ds:datastoreItem>
+</file>
+
+<file path=customXml/itemProps38.xml><?xml version="1.0" encoding="utf-8"?>
+<ds:datastoreItem xmlns:ds="http://schemas.openxmlformats.org/officeDocument/2006/customXml" ds:itemID="{EFEDBDE8-85C4-4B52-9E38-E7C97633079C}">
+  <ds:schemaRefs/>
+</ds:datastoreItem>
+</file>
+
+<file path=customXml/itemProps39.xml><?xml version="1.0" encoding="utf-8"?>
+<ds:datastoreItem xmlns:ds="http://schemas.openxmlformats.org/officeDocument/2006/customXml" ds:itemID="{58CC0B31-82B9-497A-9A2E-F3F72D0BBDAD}">
+  <ds:schemaRefs/>
+</ds:datastoreItem>
+</file>
+
+<file path=customXml/itemProps4.xml><?xml version="1.0" encoding="utf-8"?>
+<ds:datastoreItem xmlns:ds="http://schemas.openxmlformats.org/officeDocument/2006/customXml" ds:itemID="{0183ED2C-7FB6-4F52-BCA8-B77F5A9943DA}">
+  <ds:schemaRefs/>
+</ds:datastoreItem>
+</file>
+
+<file path=customXml/itemProps40.xml><?xml version="1.0" encoding="utf-8"?>
+<ds:datastoreItem xmlns:ds="http://schemas.openxmlformats.org/officeDocument/2006/customXml" ds:itemID="{BE75A417-9EE4-45B6-9D13-9387E19EAE84}">
+  <ds:schemaRefs/>
+</ds:datastoreItem>
+</file>
+
+<file path=customXml/itemProps41.xml><?xml version="1.0" encoding="utf-8"?>
+<ds:datastoreItem xmlns:ds="http://schemas.openxmlformats.org/officeDocument/2006/customXml" ds:itemID="{DBCDA9A0-20A8-4164-83E1-FA035412CFB1}">
+  <ds:schemaRefs/>
+</ds:datastoreItem>
+</file>
+
+<file path=customXml/itemProps42.xml><?xml version="1.0" encoding="utf-8"?>
+<ds:datastoreItem xmlns:ds="http://schemas.openxmlformats.org/officeDocument/2006/customXml" ds:itemID="{1CE36EA9-2186-4EB1-871A-8AE59C2A13BB}">
+  <ds:schemaRefs/>
+</ds:datastoreItem>
+</file>
+
+<file path=customXml/itemProps43.xml><?xml version="1.0" encoding="utf-8"?>
+<ds:datastoreItem xmlns:ds="http://schemas.openxmlformats.org/officeDocument/2006/customXml" ds:itemID="{41738A78-FE23-414B-9699-83FCDB2186EF}">
+  <ds:schemaRefs/>
+</ds:datastoreItem>
+</file>
+
+<file path=customXml/itemProps44.xml><?xml version="1.0" encoding="utf-8"?>
+<ds:datastoreItem xmlns:ds="http://schemas.openxmlformats.org/officeDocument/2006/customXml" ds:itemID="{01F69430-35AD-4D6A-BF03-EA214863FB59}">
+  <ds:schemaRefs/>
+</ds:datastoreItem>
+</file>
+
+<file path=customXml/itemProps45.xml><?xml version="1.0" encoding="utf-8"?>
+<ds:datastoreItem xmlns:ds="http://schemas.openxmlformats.org/officeDocument/2006/customXml" ds:itemID="{DD648353-642A-433C-8196-006048BE519C}">
+  <ds:schemaRefs/>
+</ds:datastoreItem>
+</file>
+
+<file path=customXml/itemProps46.xml><?xml version="1.0" encoding="utf-8"?>
+<ds:datastoreItem xmlns:ds="http://schemas.openxmlformats.org/officeDocument/2006/customXml" ds:itemID="{F033AB48-A2BC-448A-8A11-F0B5C23A24D5}">
+  <ds:schemaRefs/>
+</ds:datastoreItem>
+</file>
+
+<file path=customXml/itemProps47.xml><?xml version="1.0" encoding="utf-8"?>
+<ds:datastoreItem xmlns:ds="http://schemas.openxmlformats.org/officeDocument/2006/customXml" ds:itemID="{28DEEDCC-0809-4C1F-BA26-DED72A4CD155}">
+  <ds:schemaRefs/>
+</ds:datastoreItem>
+</file>
+
+<file path=customXml/itemProps48.xml><?xml version="1.0" encoding="utf-8"?>
+<ds:datastoreItem xmlns:ds="http://schemas.openxmlformats.org/officeDocument/2006/customXml" ds:itemID="{3F40017D-675E-4378-B4CD-0EBA3B5498D0}">
+  <ds:schemaRefs/>
+</ds:datastoreItem>
+</file>
+
+<file path=customXml/itemProps49.xml><?xml version="1.0" encoding="utf-8"?>
+<ds:datastoreItem xmlns:ds="http://schemas.openxmlformats.org/officeDocument/2006/customXml" ds:itemID="{D75684D2-F9FB-419A-847B-7182F129EAC1}">
+  <ds:schemaRefs/>
+</ds:datastoreItem>
+</file>
+
+<file path=customXml/itemProps5.xml><?xml version="1.0" encoding="utf-8"?>
+<ds:datastoreItem xmlns:ds="http://schemas.openxmlformats.org/officeDocument/2006/customXml" ds:itemID="{C8184724-C58D-47DA-9F95-DBD6A20D009C}">
+  <ds:schemaRefs/>
+</ds:datastoreItem>
+</file>
+
+<file path=customXml/itemProps50.xml><?xml version="1.0" encoding="utf-8"?>
+<ds:datastoreItem xmlns:ds="http://schemas.openxmlformats.org/officeDocument/2006/customXml" ds:itemID="{EFD374A6-E385-45C3-B4AD-34934C3520D8}">
+  <ds:schemaRefs/>
+</ds:datastoreItem>
+</file>
+
+<file path=customXml/itemProps51.xml><?xml version="1.0" encoding="utf-8"?>
+<ds:datastoreItem xmlns:ds="http://schemas.openxmlformats.org/officeDocument/2006/customXml" ds:itemID="{E47C3BF3-6A00-45C3-A58A-4B7688D77B5A}">
+  <ds:schemaRefs/>
+</ds:datastoreItem>
+</file>
+
+<file path=customXml/itemProps52.xml><?xml version="1.0" encoding="utf-8"?>
+<ds:datastoreItem xmlns:ds="http://schemas.openxmlformats.org/officeDocument/2006/customXml" ds:itemID="{203EA989-5979-4175-8900-7F343BA15BCC}">
+  <ds:schemaRefs/>
+</ds:datastoreItem>
+</file>
+
+<file path=customXml/itemProps53.xml><?xml version="1.0" encoding="utf-8"?>
+<ds:datastoreItem xmlns:ds="http://schemas.openxmlformats.org/officeDocument/2006/customXml" ds:itemID="{E404C558-C7F1-44B6-AE91-B693B87B79D8}">
+  <ds:schemaRefs/>
+</ds:datastoreItem>
+</file>
+
+<file path=customXml/itemProps54.xml><?xml version="1.0" encoding="utf-8"?>
+<ds:datastoreItem xmlns:ds="http://schemas.openxmlformats.org/officeDocument/2006/customXml" ds:itemID="{2BF73458-612B-4466-A81F-22DA6A324795}">
+  <ds:schemaRefs/>
+</ds:datastoreItem>
+</file>
+
+<file path=customXml/itemProps55.xml><?xml version="1.0" encoding="utf-8"?>
+<ds:datastoreItem xmlns:ds="http://schemas.openxmlformats.org/officeDocument/2006/customXml" ds:itemID="{E5EF1232-BB79-4D6A-BC90-F5535AA0305D}">
+  <ds:schemaRefs/>
+</ds:datastoreItem>
+</file>
+
+<file path=customXml/itemProps56.xml><?xml version="1.0" encoding="utf-8"?>
+<ds:datastoreItem xmlns:ds="http://schemas.openxmlformats.org/officeDocument/2006/customXml" ds:itemID="{1F3B0893-AF25-48B1-B36C-1EB611E1C001}">
+  <ds:schemaRefs/>
+</ds:datastoreItem>
+</file>
+
+<file path=customXml/itemProps57.xml><?xml version="1.0" encoding="utf-8"?>
+<ds:datastoreItem xmlns:ds="http://schemas.openxmlformats.org/officeDocument/2006/customXml" ds:itemID="{B9AEDDE3-EA02-4A8F-B8F8-0606A0AA45FC}">
+  <ds:schemaRefs/>
+</ds:datastoreItem>
+</file>
+
+<file path=customXml/itemProps58.xml><?xml version="1.0" encoding="utf-8"?>
+<ds:datastoreItem xmlns:ds="http://schemas.openxmlformats.org/officeDocument/2006/customXml" ds:itemID="{2A80BC17-E4E0-47C5-A0D3-870E9026842E}">
+  <ds:schemaRefs/>
+</ds:datastoreItem>
+</file>
+
+<file path=customXml/itemProps59.xml><?xml version="1.0" encoding="utf-8"?>
+<ds:datastoreItem xmlns:ds="http://schemas.openxmlformats.org/officeDocument/2006/customXml" ds:itemID="{4A3469D6-C624-4F59-ACB1-2AB669627B6C}">
+  <ds:schemaRefs/>
+</ds:datastoreItem>
+</file>
+
+<file path=customXml/itemProps6.xml><?xml version="1.0" encoding="utf-8"?>
+<ds:datastoreItem xmlns:ds="http://schemas.openxmlformats.org/officeDocument/2006/customXml" ds:itemID="{FAA5C529-0685-42EB-9234-127925B67CAA}">
+  <ds:schemaRefs/>
+</ds:datastoreItem>
+</file>
+
+<file path=customXml/itemProps60.xml><?xml version="1.0" encoding="utf-8"?>
+<ds:datastoreItem xmlns:ds="http://schemas.openxmlformats.org/officeDocument/2006/customXml" ds:itemID="{88A0A0DC-04DF-419C-AD3E-370C74BA632D}">
+  <ds:schemaRefs/>
+</ds:datastoreItem>
+</file>
+
+<file path=customXml/itemProps61.xml><?xml version="1.0" encoding="utf-8"?>
+<ds:datastoreItem xmlns:ds="http://schemas.openxmlformats.org/officeDocument/2006/customXml" ds:itemID="{683FEB75-8CFA-449C-A6B1-B1E4A86A58A1}">
+  <ds:schemaRefs/>
+</ds:datastoreItem>
+</file>
+
+<file path=customXml/itemProps62.xml><?xml version="1.0" encoding="utf-8"?>
+<ds:datastoreItem xmlns:ds="http://schemas.openxmlformats.org/officeDocument/2006/customXml" ds:itemID="{8E8F4A48-D601-452C-9CF1-6C1E03A79FC9}">
+  <ds:schemaRefs/>
+</ds:datastoreItem>
+</file>
+
+<file path=customXml/itemProps63.xml><?xml version="1.0" encoding="utf-8"?>
+<ds:datastoreItem xmlns:ds="http://schemas.openxmlformats.org/officeDocument/2006/customXml" ds:itemID="{086AEA7D-F3EF-4D79-B97E-8B5E3B989E16}">
+  <ds:schemaRefs/>
+</ds:datastoreItem>
+</file>
+
+<file path=customXml/itemProps64.xml><?xml version="1.0" encoding="utf-8"?>
+<ds:datastoreItem xmlns:ds="http://schemas.openxmlformats.org/officeDocument/2006/customXml" ds:itemID="{25406650-5074-4327-91FF-F248079172E6}">
+  <ds:schemaRefs/>
+</ds:datastoreItem>
+</file>
+
+<file path=customXml/itemProps65.xml><?xml version="1.0" encoding="utf-8"?>
+<ds:datastoreItem xmlns:ds="http://schemas.openxmlformats.org/officeDocument/2006/customXml" ds:itemID="{04804280-6C02-4A40-BDFC-7F3FCB331E9B}">
+  <ds:schemaRefs/>
+</ds:datastoreItem>
+</file>
+
+<file path=customXml/itemProps66.xml><?xml version="1.0" encoding="utf-8"?>
+<ds:datastoreItem xmlns:ds="http://schemas.openxmlformats.org/officeDocument/2006/customXml" ds:itemID="{083C3993-7183-47B5-BD94-27B4E74D8F7E}">
+  <ds:schemaRefs/>
+</ds:datastoreItem>
+</file>
+
+<file path=customXml/itemProps67.xml><?xml version="1.0" encoding="utf-8"?>
+<ds:datastoreItem xmlns:ds="http://schemas.openxmlformats.org/officeDocument/2006/customXml" ds:itemID="{10BA0679-81B2-4BE6-B8F1-F8B3FB69E732}">
+  <ds:schemaRefs/>
+</ds:datastoreItem>
+</file>
+
+<file path=customXml/itemProps68.xml><?xml version="1.0" encoding="utf-8"?>
+<ds:datastoreItem xmlns:ds="http://schemas.openxmlformats.org/officeDocument/2006/customXml" ds:itemID="{D8D9A393-C48A-40B8-BEDE-8D14C03EAE5F}">
+  <ds:schemaRefs/>
+</ds:datastoreItem>
+</file>
+
+<file path=customXml/itemProps69.xml><?xml version="1.0" encoding="utf-8"?>
+<ds:datastoreItem xmlns:ds="http://schemas.openxmlformats.org/officeDocument/2006/customXml" ds:itemID="{DF389E61-98E9-4448-A64D-5DFB92E118EB}">
+  <ds:schemaRefs/>
+</ds:datastoreItem>
+</file>
+
+<file path=customXml/itemProps7.xml><?xml version="1.0" encoding="utf-8"?>
+<ds:datastoreItem xmlns:ds="http://schemas.openxmlformats.org/officeDocument/2006/customXml" ds:itemID="{CB1124D8-3696-4D80-863A-868A828A06F8}">
+  <ds:schemaRefs/>
+</ds:datastoreItem>
+</file>
+
+<file path=customXml/itemProps70.xml><?xml version="1.0" encoding="utf-8"?>
+<ds:datastoreItem xmlns:ds="http://schemas.openxmlformats.org/officeDocument/2006/customXml" ds:itemID="{829C987D-F0DD-4799-AFAB-DE873260F77C}">
+  <ds:schemaRefs/>
+</ds:datastoreItem>
+</file>
+
+<file path=customXml/itemProps71.xml><?xml version="1.0" encoding="utf-8"?>
+<ds:datastoreItem xmlns:ds="http://schemas.openxmlformats.org/officeDocument/2006/customXml" ds:itemID="{642233EF-7CA2-4AF1-8463-30952BD1FF16}">
+  <ds:schemaRefs/>
+</ds:datastoreItem>
+</file>
+
+<file path=customXml/itemProps72.xml><?xml version="1.0" encoding="utf-8"?>
 <ds:datastoreItem xmlns:ds="http://schemas.openxmlformats.org/officeDocument/2006/customXml" ds:itemID="{1442A913-5FC5-483F-A17A-4A12A88E6F5C}">
   <ds:schemaRefs/>
 </ds:datastoreItem>
 </file>
 
+<file path=customXml/itemProps73.xml><?xml version="1.0" encoding="utf-8"?>
+<ds:datastoreItem xmlns:ds="http://schemas.openxmlformats.org/officeDocument/2006/customXml" ds:itemID="{E567AA99-2C15-47ED-93E7-EF41E6306CDE}">
+  <ds:schemaRefs/>
+</ds:datastoreItem>
+</file>
+
+<file path=customXml/itemProps74.xml><?xml version="1.0" encoding="utf-8"?>
+<ds:datastoreItem xmlns:ds="http://schemas.openxmlformats.org/officeDocument/2006/customXml" ds:itemID="{BC373216-3ACD-4999-A714-21A2A5217226}">
+  <ds:schemaRefs/>
+</ds:datastoreItem>
+</file>
+
+<file path=customXml/itemProps75.xml><?xml version="1.0" encoding="utf-8"?>
+<ds:datastoreItem xmlns:ds="http://schemas.openxmlformats.org/officeDocument/2006/customXml" ds:itemID="{07958A4E-FAB1-42E4-B6B5-29B01F63F87B}">
+  <ds:schemaRefs/>
+</ds:datastoreItem>
+</file>
+
+<file path=customXml/itemProps76.xml><?xml version="1.0" encoding="utf-8"?>
+<ds:datastoreItem xmlns:ds="http://schemas.openxmlformats.org/officeDocument/2006/customXml" ds:itemID="{D72AD174-A5D3-435E-B133-40AF39B01261}">
+  <ds:schemaRefs/>
+</ds:datastoreItem>
+</file>
+
+<file path=customXml/itemProps77.xml><?xml version="1.0" encoding="utf-8"?>
+<ds:datastoreItem xmlns:ds="http://schemas.openxmlformats.org/officeDocument/2006/customXml" ds:itemID="{3EAA0770-3AD4-41E8-9D74-B1F891F135C4}">
+  <ds:schemaRefs/>
+</ds:datastoreItem>
+</file>
+
+<file path=customXml/itemProps78.xml><?xml version="1.0" encoding="utf-8"?>
+<ds:datastoreItem xmlns:ds="http://schemas.openxmlformats.org/officeDocument/2006/customXml" ds:itemID="{2BC4599F-87B5-4C8F-BBCF-84EA289602F6}">
+  <ds:schemaRefs/>
+</ds:datastoreItem>
+</file>
+
+<file path=customXml/itemProps79.xml><?xml version="1.0" encoding="utf-8"?>
+<ds:datastoreItem xmlns:ds="http://schemas.openxmlformats.org/officeDocument/2006/customXml" ds:itemID="{35F02230-55B6-44A2-9D58-124BB401D0B7}">
+  <ds:schemaRefs/>
+</ds:datastoreItem>
+</file>
+
+<file path=customXml/itemProps8.xml><?xml version="1.0" encoding="utf-8"?>
+<ds:datastoreItem xmlns:ds="http://schemas.openxmlformats.org/officeDocument/2006/customXml" ds:itemID="{4806FE04-7A17-4C9E-AC54-73FC62DE9B50}">
+  <ds:schemaRefs/>
+</ds:datastoreItem>
+</file>
+
 <file path=customXml/itemProps80.xml><?xml version="1.0" encoding="utf-8"?>
-<ds:datastoreItem xmlns:ds="http://schemas.openxmlformats.org/officeDocument/2006/customXml" ds:itemID="{D8D9A393-C48A-40B8-BEDE-8D14C03EAE5F}">
+<ds:datastoreItem xmlns:ds="http://schemas.openxmlformats.org/officeDocument/2006/customXml" ds:itemID="{C463B93A-5468-4658-A31C-D5C28A59D643}">
   <ds:schemaRefs/>
 </ds:datastoreItem>
 </file>
 
 <file path=customXml/itemProps81.xml><?xml version="1.0" encoding="utf-8"?>
-<ds:datastoreItem xmlns:ds="http://schemas.openxmlformats.org/officeDocument/2006/customXml" ds:itemID="{1F3B0893-AF25-48B1-B36C-1EB611E1C001}">
+<ds:datastoreItem xmlns:ds="http://schemas.openxmlformats.org/officeDocument/2006/customXml" ds:itemID="{DE480E74-E426-4A5E-B075-C839B2ACE772}">
   <ds:schemaRefs/>
 </ds:datastoreItem>
 </file>
@@ -42630,109 +42532,109 @@
 </file>
 
 <file path=customXml/itemProps83.xml><?xml version="1.0" encoding="utf-8"?>
-<ds:datastoreItem xmlns:ds="http://schemas.openxmlformats.org/officeDocument/2006/customXml" ds:itemID="{EA31967E-96EF-44B0-B925-463AAEBE4C94}">
+<ds:datastoreItem xmlns:ds="http://schemas.openxmlformats.org/officeDocument/2006/customXml" ds:itemID="{353B6855-1E72-4922-B27D-87797533E229}">
   <ds:schemaRefs/>
 </ds:datastoreItem>
 </file>
 
 <file path=customXml/itemProps84.xml><?xml version="1.0" encoding="utf-8"?>
-<ds:datastoreItem xmlns:ds="http://schemas.openxmlformats.org/officeDocument/2006/customXml" ds:itemID="{DE4BE47B-55E0-45DF-9D1C-46B012C7DCA1}">
+<ds:datastoreItem xmlns:ds="http://schemas.openxmlformats.org/officeDocument/2006/customXml" ds:itemID="{335D1378-9509-45D4-A2B4-76EE025CF63B}">
   <ds:schemaRefs/>
 </ds:datastoreItem>
 </file>
 
 <file path=customXml/itemProps85.xml><?xml version="1.0" encoding="utf-8"?>
+<ds:datastoreItem xmlns:ds="http://schemas.openxmlformats.org/officeDocument/2006/customXml" ds:itemID="{2DD124FE-07FB-4A02-81AD-26D2B5D4A570}">
+  <ds:schemaRefs/>
+</ds:datastoreItem>
+</file>
+
+<file path=customXml/itemProps86.xml><?xml version="1.0" encoding="utf-8"?>
+<ds:datastoreItem xmlns:ds="http://schemas.openxmlformats.org/officeDocument/2006/customXml" ds:itemID="{4C8B25CE-F76B-4533-864B-E0E49EE221B8}">
+  <ds:schemaRefs/>
+</ds:datastoreItem>
+</file>
+
+<file path=customXml/itemProps87.xml><?xml version="1.0" encoding="utf-8"?>
+<ds:datastoreItem xmlns:ds="http://schemas.openxmlformats.org/officeDocument/2006/customXml" ds:itemID="{56045A61-CFED-4D06-8FAA-755D062DC635}">
+  <ds:schemaRefs/>
+</ds:datastoreItem>
+</file>
+
+<file path=customXml/itemProps88.xml><?xml version="1.0" encoding="utf-8"?>
+<ds:datastoreItem xmlns:ds="http://schemas.openxmlformats.org/officeDocument/2006/customXml" ds:itemID="{0609D081-6D6D-449D-8172-F647DB0470B3}">
+  <ds:schemaRefs/>
+</ds:datastoreItem>
+</file>
+
+<file path=customXml/itemProps89.xml><?xml version="1.0" encoding="utf-8"?>
+<ds:datastoreItem xmlns:ds="http://schemas.openxmlformats.org/officeDocument/2006/customXml" ds:itemID="{847502A6-7CBE-43AF-BDF6-4D4423521D8C}">
+  <ds:schemaRefs/>
+</ds:datastoreItem>
+</file>
+
+<file path=customXml/itemProps9.xml><?xml version="1.0" encoding="utf-8"?>
+<ds:datastoreItem xmlns:ds="http://schemas.openxmlformats.org/officeDocument/2006/customXml" ds:itemID="{449D10AE-13B3-4066-A8D1-643579DD981C}">
+  <ds:schemaRefs/>
+</ds:datastoreItem>
+</file>
+
+<file path=customXml/itemProps90.xml><?xml version="1.0" encoding="utf-8"?>
+<ds:datastoreItem xmlns:ds="http://schemas.openxmlformats.org/officeDocument/2006/customXml" ds:itemID="{9E2B8D07-EEFE-44FD-BED1-E7A3DC977FB8}">
+  <ds:schemaRefs/>
+</ds:datastoreItem>
+</file>
+
+<file path=customXml/itemProps91.xml><?xml version="1.0" encoding="utf-8"?>
+<ds:datastoreItem xmlns:ds="http://schemas.openxmlformats.org/officeDocument/2006/customXml" ds:itemID="{98F4E21C-EEC3-499F-9529-3320C90701D6}">
+  <ds:schemaRefs/>
+</ds:datastoreItem>
+</file>
+
+<file path=customXml/itemProps92.xml><?xml version="1.0" encoding="utf-8"?>
+<ds:datastoreItem xmlns:ds="http://schemas.openxmlformats.org/officeDocument/2006/customXml" ds:itemID="{787FE5CD-7CBC-43CE-BB00-860E3223E59E}">
+  <ds:schemaRefs/>
+</ds:datastoreItem>
+</file>
+
+<file path=customXml/itemProps93.xml><?xml version="1.0" encoding="utf-8"?>
 <ds:datastoreItem xmlns:ds="http://schemas.openxmlformats.org/officeDocument/2006/customXml" ds:itemID="{5E0A4EC4-E13A-4234-884D-D2A388005301}">
   <ds:schemaRefs/>
 </ds:datastoreItem>
 </file>
 
-<file path=customXml/itemProps86.xml><?xml version="1.0" encoding="utf-8"?>
-<ds:datastoreItem xmlns:ds="http://schemas.openxmlformats.org/officeDocument/2006/customXml" ds:itemID="{56045A61-CFED-4D06-8FAA-755D062DC635}">
-  <ds:schemaRefs/>
-</ds:datastoreItem>
-</file>
-
-<file path=customXml/itemProps87.xml><?xml version="1.0" encoding="utf-8"?>
-<ds:datastoreItem xmlns:ds="http://schemas.openxmlformats.org/officeDocument/2006/customXml" ds:itemID="{03AF3FDC-ACD1-46F3-A43E-782322DF9816}">
-  <ds:schemaRefs/>
-</ds:datastoreItem>
-</file>
-
-<file path=customXml/itemProps88.xml><?xml version="1.0" encoding="utf-8"?>
-<ds:datastoreItem xmlns:ds="http://schemas.openxmlformats.org/officeDocument/2006/customXml" ds:itemID="{7D076754-FCEC-4ACF-AB53-2A35D36CBF05}">
-  <ds:schemaRefs/>
-</ds:datastoreItem>
-</file>
-
-<file path=customXml/itemProps89.xml><?xml version="1.0" encoding="utf-8"?>
-<ds:datastoreItem xmlns:ds="http://schemas.openxmlformats.org/officeDocument/2006/customXml" ds:itemID="{FF27C676-337F-4BE0-8809-1BDF4A5C161F}">
-  <ds:schemaRefs/>
-</ds:datastoreItem>
-</file>
-
-<file path=customXml/itemProps9.xml><?xml version="1.0" encoding="utf-8"?>
-<ds:datastoreItem xmlns:ds="http://schemas.openxmlformats.org/officeDocument/2006/customXml" ds:itemID="{DD648353-642A-433C-8196-006048BE519C}">
-  <ds:schemaRefs/>
-</ds:datastoreItem>
-</file>
-
-<file path=customXml/itemProps90.xml><?xml version="1.0" encoding="utf-8"?>
-<ds:datastoreItem xmlns:ds="http://schemas.openxmlformats.org/officeDocument/2006/customXml" ds:itemID="{2BC4599F-87B5-4C8F-BBCF-84EA289602F6}">
-  <ds:schemaRefs/>
-</ds:datastoreItem>
-</file>
-
-<file path=customXml/itemProps91.xml><?xml version="1.0" encoding="utf-8"?>
-<ds:datastoreItem xmlns:ds="http://schemas.openxmlformats.org/officeDocument/2006/customXml" ds:itemID="{C603FEC4-6110-45FB-9E0D-8B8869730499}">
-  <ds:schemaRefs/>
-</ds:datastoreItem>
-</file>
-
-<file path=customXml/itemProps92.xml><?xml version="1.0" encoding="utf-8"?>
-<ds:datastoreItem xmlns:ds="http://schemas.openxmlformats.org/officeDocument/2006/customXml" ds:itemID="{642233EF-7CA2-4AF1-8463-30952BD1FF16}">
-  <ds:schemaRefs/>
-</ds:datastoreItem>
-</file>
-
-<file path=customXml/itemProps93.xml><?xml version="1.0" encoding="utf-8"?>
-<ds:datastoreItem xmlns:ds="http://schemas.openxmlformats.org/officeDocument/2006/customXml" ds:itemID="{72516535-7702-46AF-9B1F-8623A67A824E}">
-  <ds:schemaRefs/>
-</ds:datastoreItem>
-</file>
-
 <file path=customXml/itemProps94.xml><?xml version="1.0" encoding="utf-8"?>
-<ds:datastoreItem xmlns:ds="http://schemas.openxmlformats.org/officeDocument/2006/customXml" ds:itemID="{974646DF-6032-4F60-81B7-F7C9765E1AA0}">
+<ds:datastoreItem xmlns:ds="http://schemas.openxmlformats.org/officeDocument/2006/customXml" ds:itemID="{822D38AD-8010-4CD3-BD6B-117CB8DF70A4}">
   <ds:schemaRefs/>
 </ds:datastoreItem>
 </file>
 
 <file path=customXml/itemProps95.xml><?xml version="1.0" encoding="utf-8"?>
-<ds:datastoreItem xmlns:ds="http://schemas.openxmlformats.org/officeDocument/2006/customXml" ds:itemID="{9BCC0112-165B-4304-B86E-29468689B88A}">
+<ds:datastoreItem xmlns:ds="http://schemas.openxmlformats.org/officeDocument/2006/customXml" ds:itemID="{40E719A3-ADA7-4E20-A1A7-7B3573F21752}">
   <ds:schemaRefs/>
 </ds:datastoreItem>
 </file>
 
 <file path=customXml/itemProps96.xml><?xml version="1.0" encoding="utf-8"?>
-<ds:datastoreItem xmlns:ds="http://schemas.openxmlformats.org/officeDocument/2006/customXml" ds:itemID="{E404C558-C7F1-44B6-AE91-B693B87B79D8}">
+<ds:datastoreItem xmlns:ds="http://schemas.openxmlformats.org/officeDocument/2006/customXml" ds:itemID="{31C51BA7-6C05-4277-9955-252827CBFF7D}">
   <ds:schemaRefs/>
 </ds:datastoreItem>
 </file>
 
 <file path=customXml/itemProps97.xml><?xml version="1.0" encoding="utf-8"?>
-<ds:datastoreItem xmlns:ds="http://schemas.openxmlformats.org/officeDocument/2006/customXml" ds:itemID="{28DEEDCC-0809-4C1F-BA26-DED72A4CD155}">
+<ds:datastoreItem xmlns:ds="http://schemas.openxmlformats.org/officeDocument/2006/customXml" ds:itemID="{32BA7684-6BE4-4F73-B22E-30934AB379B8}">
   <ds:schemaRefs/>
 </ds:datastoreItem>
 </file>
 
 <file path=customXml/itemProps98.xml><?xml version="1.0" encoding="utf-8"?>
-<ds:datastoreItem xmlns:ds="http://schemas.openxmlformats.org/officeDocument/2006/customXml" ds:itemID="{EFEDBDE8-85C4-4B52-9E38-E7C97633079C}">
+<ds:datastoreItem xmlns:ds="http://schemas.openxmlformats.org/officeDocument/2006/customXml" ds:itemID="{B25CC7AE-AE5C-4B2B-A221-83C67230743C}">
   <ds:schemaRefs/>
 </ds:datastoreItem>
 </file>
 
 <file path=customXml/itemProps99.xml><?xml version="1.0" encoding="utf-8"?>
-<ds:datastoreItem xmlns:ds="http://schemas.openxmlformats.org/officeDocument/2006/customXml" ds:itemID="{BC373216-3ACD-4999-A714-21A2A5217226}">
+<ds:datastoreItem xmlns:ds="http://schemas.openxmlformats.org/officeDocument/2006/customXml" ds:itemID="{6670EA98-0313-49BA-9D9D-622436EA24FA}">
   <ds:schemaRefs/>
 </ds:datastoreItem>
 </file>